--- a/Doc/ConversionInfo.pptx
+++ b/Doc/ConversionInfo.pptx
@@ -288,6 +288,7 @@
           <a:p>
             <a:fld id="{09596975-BC73-4E43-BF4D-C73F5CF033D0}" type="datetimeFigureOut">
               <a:rPr lang="en-US" smtClean="0"/>
+              <a:pPr/>
               <a:t>3/17/2019</a:t>
             </a:fld>
             <a:endParaRPr lang="en-US"/>
@@ -330,6 +331,7 @@
           <a:p>
             <a:fld id="{13C10D7D-8295-45BA-A3FA-2937C4758CB2}" type="slidenum">
               <a:rPr lang="en-US" smtClean="0"/>
+              <a:pPr/>
               <a:t>‹#›</a:t>
             </a:fld>
             <a:endParaRPr lang="en-US"/>
@@ -453,6 +455,7 @@
           <a:p>
             <a:fld id="{09596975-BC73-4E43-BF4D-C73F5CF033D0}" type="datetimeFigureOut">
               <a:rPr lang="en-US" smtClean="0"/>
+              <a:pPr/>
               <a:t>3/17/2019</a:t>
             </a:fld>
             <a:endParaRPr lang="en-US"/>
@@ -495,6 +498,7 @@
           <a:p>
             <a:fld id="{13C10D7D-8295-45BA-A3FA-2937C4758CB2}" type="slidenum">
               <a:rPr lang="en-US" smtClean="0"/>
+              <a:pPr/>
               <a:t>‹#›</a:t>
             </a:fld>
             <a:endParaRPr lang="en-US"/>
@@ -628,6 +632,7 @@
           <a:p>
             <a:fld id="{09596975-BC73-4E43-BF4D-C73F5CF033D0}" type="datetimeFigureOut">
               <a:rPr lang="en-US" smtClean="0"/>
+              <a:pPr/>
               <a:t>3/17/2019</a:t>
             </a:fld>
             <a:endParaRPr lang="en-US"/>
@@ -670,6 +675,7 @@
           <a:p>
             <a:fld id="{13C10D7D-8295-45BA-A3FA-2937C4758CB2}" type="slidenum">
               <a:rPr lang="en-US" smtClean="0"/>
+              <a:pPr/>
               <a:t>‹#›</a:t>
             </a:fld>
             <a:endParaRPr lang="en-US"/>
@@ -793,6 +799,7 @@
           <a:p>
             <a:fld id="{09596975-BC73-4E43-BF4D-C73F5CF033D0}" type="datetimeFigureOut">
               <a:rPr lang="en-US" smtClean="0"/>
+              <a:pPr/>
               <a:t>3/17/2019</a:t>
             </a:fld>
             <a:endParaRPr lang="en-US"/>
@@ -835,6 +842,7 @@
           <a:p>
             <a:fld id="{13C10D7D-8295-45BA-A3FA-2937C4758CB2}" type="slidenum">
               <a:rPr lang="en-US" smtClean="0"/>
+              <a:pPr/>
               <a:t>‹#›</a:t>
             </a:fld>
             <a:endParaRPr lang="en-US"/>
@@ -1034,6 +1042,7 @@
           <a:p>
             <a:fld id="{09596975-BC73-4E43-BF4D-C73F5CF033D0}" type="datetimeFigureOut">
               <a:rPr lang="en-US" smtClean="0"/>
+              <a:pPr/>
               <a:t>3/17/2019</a:t>
             </a:fld>
             <a:endParaRPr lang="en-US"/>
@@ -1076,6 +1085,7 @@
           <a:p>
             <a:fld id="{13C10D7D-8295-45BA-A3FA-2937C4758CB2}" type="slidenum">
               <a:rPr lang="en-US" smtClean="0"/>
+              <a:pPr/>
               <a:t>‹#›</a:t>
             </a:fld>
             <a:endParaRPr lang="en-US"/>
@@ -1317,6 +1327,7 @@
           <a:p>
             <a:fld id="{09596975-BC73-4E43-BF4D-C73F5CF033D0}" type="datetimeFigureOut">
               <a:rPr lang="en-US" smtClean="0"/>
+              <a:pPr/>
               <a:t>3/17/2019</a:t>
             </a:fld>
             <a:endParaRPr lang="en-US"/>
@@ -1359,6 +1370,7 @@
           <a:p>
             <a:fld id="{13C10D7D-8295-45BA-A3FA-2937C4758CB2}" type="slidenum">
               <a:rPr lang="en-US" smtClean="0"/>
+              <a:pPr/>
               <a:t>‹#›</a:t>
             </a:fld>
             <a:endParaRPr lang="en-US"/>
@@ -1734,6 +1746,7 @@
           <a:p>
             <a:fld id="{09596975-BC73-4E43-BF4D-C73F5CF033D0}" type="datetimeFigureOut">
               <a:rPr lang="en-US" smtClean="0"/>
+              <a:pPr/>
               <a:t>3/17/2019</a:t>
             </a:fld>
             <a:endParaRPr lang="en-US"/>
@@ -1776,6 +1789,7 @@
           <a:p>
             <a:fld id="{13C10D7D-8295-45BA-A3FA-2937C4758CB2}" type="slidenum">
               <a:rPr lang="en-US" smtClean="0"/>
+              <a:pPr/>
               <a:t>‹#›</a:t>
             </a:fld>
             <a:endParaRPr lang="en-US"/>
@@ -1847,6 +1861,7 @@
           <a:p>
             <a:fld id="{09596975-BC73-4E43-BF4D-C73F5CF033D0}" type="datetimeFigureOut">
               <a:rPr lang="en-US" smtClean="0"/>
+              <a:pPr/>
               <a:t>3/17/2019</a:t>
             </a:fld>
             <a:endParaRPr lang="en-US"/>
@@ -1889,6 +1904,7 @@
           <a:p>
             <a:fld id="{13C10D7D-8295-45BA-A3FA-2937C4758CB2}" type="slidenum">
               <a:rPr lang="en-US" smtClean="0"/>
+              <a:pPr/>
               <a:t>‹#›</a:t>
             </a:fld>
             <a:endParaRPr lang="en-US"/>
@@ -1937,6 +1953,7 @@
           <a:p>
             <a:fld id="{09596975-BC73-4E43-BF4D-C73F5CF033D0}" type="datetimeFigureOut">
               <a:rPr lang="en-US" smtClean="0"/>
+              <a:pPr/>
               <a:t>3/17/2019</a:t>
             </a:fld>
             <a:endParaRPr lang="en-US"/>
@@ -1979,6 +1996,7 @@
           <a:p>
             <a:fld id="{13C10D7D-8295-45BA-A3FA-2937C4758CB2}" type="slidenum">
               <a:rPr lang="en-US" smtClean="0"/>
+              <a:pPr/>
               <a:t>‹#›</a:t>
             </a:fld>
             <a:endParaRPr lang="en-US"/>
@@ -2209,6 +2227,7 @@
           <a:p>
             <a:fld id="{09596975-BC73-4E43-BF4D-C73F5CF033D0}" type="datetimeFigureOut">
               <a:rPr lang="en-US" smtClean="0"/>
+              <a:pPr/>
               <a:t>3/17/2019</a:t>
             </a:fld>
             <a:endParaRPr lang="en-US"/>
@@ -2251,6 +2270,7 @@
           <a:p>
             <a:fld id="{13C10D7D-8295-45BA-A3FA-2937C4758CB2}" type="slidenum">
               <a:rPr lang="en-US" smtClean="0"/>
+              <a:pPr/>
               <a:t>‹#›</a:t>
             </a:fld>
             <a:endParaRPr lang="en-US"/>
@@ -2457,6 +2477,7 @@
           <a:p>
             <a:fld id="{09596975-BC73-4E43-BF4D-C73F5CF033D0}" type="datetimeFigureOut">
               <a:rPr lang="en-US" smtClean="0"/>
+              <a:pPr/>
               <a:t>3/17/2019</a:t>
             </a:fld>
             <a:endParaRPr lang="en-US"/>
@@ -2499,6 +2520,7 @@
           <a:p>
             <a:fld id="{13C10D7D-8295-45BA-A3FA-2937C4758CB2}" type="slidenum">
               <a:rPr lang="en-US" smtClean="0"/>
+              <a:pPr/>
               <a:t>‹#›</a:t>
             </a:fld>
             <a:endParaRPr lang="en-US"/>
@@ -2665,6 +2687,7 @@
           <a:p>
             <a:fld id="{09596975-BC73-4E43-BF4D-C73F5CF033D0}" type="datetimeFigureOut">
               <a:rPr lang="en-US" smtClean="0"/>
+              <a:pPr/>
               <a:t>3/17/2019</a:t>
             </a:fld>
             <a:endParaRPr lang="en-US"/>
@@ -2743,6 +2766,7 @@
           <a:p>
             <a:fld id="{13C10D7D-8295-45BA-A3FA-2937C4758CB2}" type="slidenum">
               <a:rPr lang="en-US" smtClean="0"/>
+              <a:pPr/>
               <a:t>‹#›</a:t>
             </a:fld>
             <a:endParaRPr lang="en-US"/>
@@ -4385,13 +4409,6 @@
                 </a:rPr>
                 <a:t>c</a:t>
               </a:r>
-              <a:endParaRPr lang="en-US" sz="800" dirty="0">
-                <a:solidFill>
-                  <a:schemeClr val="bg1">
-                    <a:lumMod val="95000"/>
-                  </a:schemeClr>
-                </a:solidFill>
-              </a:endParaRPr>
             </a:p>
           </p:txBody>
         </p:sp>
@@ -4427,13 +4444,6 @@
                 </a:rPr>
                 <a:t>d</a:t>
               </a:r>
-              <a:endParaRPr lang="en-US" sz="800" dirty="0">
-                <a:solidFill>
-                  <a:schemeClr val="bg1">
-                    <a:lumMod val="95000"/>
-                  </a:schemeClr>
-                </a:solidFill>
-              </a:endParaRPr>
             </a:p>
           </p:txBody>
         </p:sp>
@@ -4568,13 +4578,6 @@
                 </a:rPr>
                 <a:t>c</a:t>
               </a:r>
-              <a:endParaRPr lang="en-US" sz="800" dirty="0">
-                <a:solidFill>
-                  <a:schemeClr val="bg1">
-                    <a:lumMod val="95000"/>
-                  </a:schemeClr>
-                </a:solidFill>
-              </a:endParaRPr>
             </a:p>
           </p:txBody>
         </p:sp>
@@ -4610,13 +4613,6 @@
                 </a:rPr>
                 <a:t>d</a:t>
               </a:r>
-              <a:endParaRPr lang="en-US" sz="800" dirty="0">
-                <a:solidFill>
-                  <a:schemeClr val="bg1">
-                    <a:lumMod val="95000"/>
-                  </a:schemeClr>
-                </a:solidFill>
-              </a:endParaRPr>
             </a:p>
           </p:txBody>
         </p:sp>
@@ -4751,13 +4747,6 @@
                 </a:rPr>
                 <a:t>c</a:t>
               </a:r>
-              <a:endParaRPr lang="en-US" sz="800" dirty="0">
-                <a:solidFill>
-                  <a:schemeClr val="bg1">
-                    <a:lumMod val="95000"/>
-                  </a:schemeClr>
-                </a:solidFill>
-              </a:endParaRPr>
             </a:p>
           </p:txBody>
         </p:sp>
@@ -4793,13 +4782,6 @@
                 </a:rPr>
                 <a:t>d</a:t>
               </a:r>
-              <a:endParaRPr lang="en-US" sz="800" dirty="0">
-                <a:solidFill>
-                  <a:schemeClr val="bg1">
-                    <a:lumMod val="95000"/>
-                  </a:schemeClr>
-                </a:solidFill>
-              </a:endParaRPr>
             </a:p>
           </p:txBody>
         </p:sp>
@@ -4934,13 +4916,6 @@
                 </a:rPr>
                 <a:t>c</a:t>
               </a:r>
-              <a:endParaRPr lang="en-US" sz="800" dirty="0">
-                <a:solidFill>
-                  <a:schemeClr val="bg1">
-                    <a:lumMod val="95000"/>
-                  </a:schemeClr>
-                </a:solidFill>
-              </a:endParaRPr>
             </a:p>
           </p:txBody>
         </p:sp>
@@ -4976,13 +4951,6 @@
                 </a:rPr>
                 <a:t>d</a:t>
               </a:r>
-              <a:endParaRPr lang="en-US" sz="800" dirty="0">
-                <a:solidFill>
-                  <a:schemeClr val="bg1">
-                    <a:lumMod val="95000"/>
-                  </a:schemeClr>
-                </a:solidFill>
-              </a:endParaRPr>
             </a:p>
           </p:txBody>
         </p:sp>
@@ -5117,13 +5085,6 @@
                 </a:rPr>
                 <a:t>c</a:t>
               </a:r>
-              <a:endParaRPr lang="en-US" sz="800" dirty="0">
-                <a:solidFill>
-                  <a:schemeClr val="bg1">
-                    <a:lumMod val="95000"/>
-                  </a:schemeClr>
-                </a:solidFill>
-              </a:endParaRPr>
             </a:p>
           </p:txBody>
         </p:sp>
@@ -5159,13 +5120,6 @@
                 </a:rPr>
                 <a:t>d</a:t>
               </a:r>
-              <a:endParaRPr lang="en-US" sz="800" dirty="0">
-                <a:solidFill>
-                  <a:schemeClr val="bg1">
-                    <a:lumMod val="95000"/>
-                  </a:schemeClr>
-                </a:solidFill>
-              </a:endParaRPr>
             </a:p>
           </p:txBody>
         </p:sp>
@@ -5300,13 +5254,6 @@
                 </a:rPr>
                 <a:t>c</a:t>
               </a:r>
-              <a:endParaRPr lang="en-US" sz="800" dirty="0">
-                <a:solidFill>
-                  <a:schemeClr val="bg1">
-                    <a:lumMod val="95000"/>
-                  </a:schemeClr>
-                </a:solidFill>
-              </a:endParaRPr>
             </a:p>
           </p:txBody>
         </p:sp>
@@ -5342,13 +5289,6 @@
                 </a:rPr>
                 <a:t>d</a:t>
               </a:r>
-              <a:endParaRPr lang="en-US" sz="800" dirty="0">
-                <a:solidFill>
-                  <a:schemeClr val="bg1">
-                    <a:lumMod val="95000"/>
-                  </a:schemeClr>
-                </a:solidFill>
-              </a:endParaRPr>
             </a:p>
           </p:txBody>
         </p:sp>
@@ -5483,13 +5423,6 @@
                 </a:rPr>
                 <a:t>c</a:t>
               </a:r>
-              <a:endParaRPr lang="en-US" sz="800" dirty="0">
-                <a:solidFill>
-                  <a:schemeClr val="bg1">
-                    <a:lumMod val="95000"/>
-                  </a:schemeClr>
-                </a:solidFill>
-              </a:endParaRPr>
             </a:p>
           </p:txBody>
         </p:sp>
@@ -5525,13 +5458,6 @@
                 </a:rPr>
                 <a:t>d</a:t>
               </a:r>
-              <a:endParaRPr lang="en-US" sz="800" dirty="0">
-                <a:solidFill>
-                  <a:schemeClr val="bg1">
-                    <a:lumMod val="95000"/>
-                  </a:schemeClr>
-                </a:solidFill>
-              </a:endParaRPr>
             </a:p>
           </p:txBody>
         </p:sp>
@@ -5666,13 +5592,6 @@
                 </a:rPr>
                 <a:t>c</a:t>
               </a:r>
-              <a:endParaRPr lang="en-US" sz="800" dirty="0">
-                <a:solidFill>
-                  <a:schemeClr val="bg1">
-                    <a:lumMod val="95000"/>
-                  </a:schemeClr>
-                </a:solidFill>
-              </a:endParaRPr>
             </a:p>
           </p:txBody>
         </p:sp>
@@ -5708,13 +5627,6 @@
                 </a:rPr>
                 <a:t>d</a:t>
               </a:r>
-              <a:endParaRPr lang="en-US" sz="800" dirty="0">
-                <a:solidFill>
-                  <a:schemeClr val="bg1">
-                    <a:lumMod val="95000"/>
-                  </a:schemeClr>
-                </a:solidFill>
-              </a:endParaRPr>
             </a:p>
           </p:txBody>
         </p:sp>
@@ -5849,13 +5761,6 @@
                 </a:rPr>
                 <a:t>c</a:t>
               </a:r>
-              <a:endParaRPr lang="en-US" sz="800" dirty="0">
-                <a:solidFill>
-                  <a:schemeClr val="bg1">
-                    <a:lumMod val="95000"/>
-                  </a:schemeClr>
-                </a:solidFill>
-              </a:endParaRPr>
             </a:p>
           </p:txBody>
         </p:sp>
@@ -5891,13 +5796,6 @@
                 </a:rPr>
                 <a:t>d</a:t>
               </a:r>
-              <a:endParaRPr lang="en-US" sz="800" dirty="0">
-                <a:solidFill>
-                  <a:schemeClr val="bg1">
-                    <a:lumMod val="95000"/>
-                  </a:schemeClr>
-                </a:solidFill>
-              </a:endParaRPr>
             </a:p>
           </p:txBody>
         </p:sp>
@@ -6032,13 +5930,6 @@
                 </a:rPr>
                 <a:t>c</a:t>
               </a:r>
-              <a:endParaRPr lang="en-US" sz="800" dirty="0">
-                <a:solidFill>
-                  <a:schemeClr val="bg1">
-                    <a:lumMod val="95000"/>
-                  </a:schemeClr>
-                </a:solidFill>
-              </a:endParaRPr>
             </a:p>
           </p:txBody>
         </p:sp>
@@ -6074,13 +5965,6 @@
                 </a:rPr>
                 <a:t>d</a:t>
               </a:r>
-              <a:endParaRPr lang="en-US" sz="800" dirty="0">
-                <a:solidFill>
-                  <a:schemeClr val="bg1">
-                    <a:lumMod val="95000"/>
-                  </a:schemeClr>
-                </a:solidFill>
-              </a:endParaRPr>
             </a:p>
           </p:txBody>
         </p:sp>
@@ -6215,13 +6099,6 @@
                 </a:rPr>
                 <a:t>c</a:t>
               </a:r>
-              <a:endParaRPr lang="en-US" sz="800" dirty="0">
-                <a:solidFill>
-                  <a:schemeClr val="bg1">
-                    <a:lumMod val="95000"/>
-                  </a:schemeClr>
-                </a:solidFill>
-              </a:endParaRPr>
             </a:p>
           </p:txBody>
         </p:sp>
@@ -6257,13 +6134,6 @@
                 </a:rPr>
                 <a:t>d</a:t>
               </a:r>
-              <a:endParaRPr lang="en-US" sz="800" dirty="0">
-                <a:solidFill>
-                  <a:schemeClr val="bg1">
-                    <a:lumMod val="95000"/>
-                  </a:schemeClr>
-                </a:solidFill>
-              </a:endParaRPr>
             </a:p>
           </p:txBody>
         </p:sp>
@@ -6398,13 +6268,6 @@
                 </a:rPr>
                 <a:t>c</a:t>
               </a:r>
-              <a:endParaRPr lang="en-US" sz="800" dirty="0">
-                <a:solidFill>
-                  <a:schemeClr val="bg1">
-                    <a:lumMod val="95000"/>
-                  </a:schemeClr>
-                </a:solidFill>
-              </a:endParaRPr>
             </a:p>
           </p:txBody>
         </p:sp>
@@ -6440,13 +6303,6 @@
                 </a:rPr>
                 <a:t>d</a:t>
               </a:r>
-              <a:endParaRPr lang="en-US" sz="800" dirty="0">
-                <a:solidFill>
-                  <a:schemeClr val="bg1">
-                    <a:lumMod val="95000"/>
-                  </a:schemeClr>
-                </a:solidFill>
-              </a:endParaRPr>
             </a:p>
           </p:txBody>
         </p:sp>
@@ -6581,13 +6437,6 @@
                 </a:rPr>
                 <a:t>c</a:t>
               </a:r>
-              <a:endParaRPr lang="en-US" sz="800" dirty="0">
-                <a:solidFill>
-                  <a:schemeClr val="bg1">
-                    <a:lumMod val="95000"/>
-                  </a:schemeClr>
-                </a:solidFill>
-              </a:endParaRPr>
             </a:p>
           </p:txBody>
         </p:sp>
@@ -6623,13 +6472,6 @@
                 </a:rPr>
                 <a:t>d</a:t>
               </a:r>
-              <a:endParaRPr lang="en-US" sz="800" dirty="0">
-                <a:solidFill>
-                  <a:schemeClr val="bg1">
-                    <a:lumMod val="95000"/>
-                  </a:schemeClr>
-                </a:solidFill>
-              </a:endParaRPr>
             </a:p>
           </p:txBody>
         </p:sp>
@@ -6764,13 +6606,6 @@
                 </a:rPr>
                 <a:t>c</a:t>
               </a:r>
-              <a:endParaRPr lang="en-US" sz="800" dirty="0">
-                <a:solidFill>
-                  <a:schemeClr val="bg1">
-                    <a:lumMod val="95000"/>
-                  </a:schemeClr>
-                </a:solidFill>
-              </a:endParaRPr>
             </a:p>
           </p:txBody>
         </p:sp>
@@ -6806,20 +6641,13 @@
                 </a:rPr>
                 <a:t>d</a:t>
               </a:r>
-              <a:endParaRPr lang="en-US" sz="800" dirty="0">
-                <a:solidFill>
-                  <a:schemeClr val="bg1">
-                    <a:lumMod val="95000"/>
-                  </a:schemeClr>
-                </a:solidFill>
-              </a:endParaRPr>
             </a:p>
           </p:txBody>
         </p:sp>
       </p:grpSp>
       <p:grpSp>
         <p:nvGrpSpPr>
-          <p:cNvPr id="151" name="Group 150"/>
+          <p:cNvPr id="215" name="Group 214"/>
           <p:cNvGrpSpPr/>
           <p:nvPr/>
         </p:nvGrpSpPr>
@@ -6827,7 +6655,7 @@
           <a:xfrm>
             <a:off x="2162175" y="3721100"/>
             <a:ext cx="467768" cy="444044"/>
-            <a:chOff x="3124200" y="5562600"/>
+            <a:chOff x="2162175" y="3721100"/>
             <a:chExt cx="467768" cy="444044"/>
           </a:xfrm>
         </p:grpSpPr>
@@ -6839,7 +6667,7 @@
           </p:nvSpPr>
           <p:spPr>
             <a:xfrm>
-              <a:off x="3124200" y="5562600"/>
+              <a:off x="2162175" y="3721100"/>
               <a:ext cx="234360" cy="215444"/>
             </a:xfrm>
             <a:prstGeom prst="rect">
@@ -6881,7 +6709,7 @@
           </p:nvSpPr>
           <p:spPr>
             <a:xfrm>
-              <a:off x="3352800" y="5562600"/>
+              <a:off x="2390775" y="3721100"/>
               <a:ext cx="239168" cy="215444"/>
             </a:xfrm>
             <a:prstGeom prst="rect">
@@ -6923,7 +6751,7 @@
           </p:nvSpPr>
           <p:spPr>
             <a:xfrm>
-              <a:off x="3124200" y="5791200"/>
+              <a:off x="2162175" y="3949700"/>
               <a:ext cx="227948" cy="215444"/>
             </a:xfrm>
             <a:prstGeom prst="rect">
@@ -6947,13 +6775,6 @@
                 </a:rPr>
                 <a:t>c</a:t>
               </a:r>
-              <a:endParaRPr lang="en-US" sz="800" dirty="0">
-                <a:solidFill>
-                  <a:schemeClr val="bg1">
-                    <a:lumMod val="95000"/>
-                  </a:schemeClr>
-                </a:solidFill>
-              </a:endParaRPr>
             </a:p>
           </p:txBody>
         </p:sp>
@@ -6965,7 +6786,7 @@
           </p:nvSpPr>
           <p:spPr>
             <a:xfrm>
-              <a:off x="3352800" y="5791200"/>
+              <a:off x="2390775" y="3949700"/>
               <a:ext cx="239168" cy="215444"/>
             </a:xfrm>
             <a:prstGeom prst="rect">
@@ -6989,17 +6810,4590 @@
                 </a:rPr>
                 <a:t>d</a:t>
               </a:r>
-              <a:endParaRPr lang="en-US" sz="800" dirty="0">
-                <a:solidFill>
-                  <a:schemeClr val="bg1">
-                    <a:lumMod val="95000"/>
-                  </a:schemeClr>
-                </a:solidFill>
-              </a:endParaRPr>
             </a:p>
           </p:txBody>
         </p:sp>
       </p:grpSp>
+      <p:sp>
+        <p:nvSpPr>
+          <p:cNvPr id="214" name="TextBox 213"/>
+          <p:cNvSpPr txBox="1"/>
+          <p:nvPr/>
+        </p:nvSpPr>
+        <p:spPr>
+          <a:xfrm>
+            <a:off x="3124200" y="914400"/>
+            <a:ext cx="537327" cy="215444"/>
+          </a:xfrm>
+          <a:prstGeom prst="rect">
+            <a:avLst/>
+          </a:prstGeom>
+          <a:noFill/>
+        </p:spPr>
+        <p:txBody>
+          <a:bodyPr wrap="none" rtlCol="0">
+            <a:spAutoFit/>
+          </a:bodyPr>
+          <a:lstStyle/>
+          <a:p>
+            <a:r>
+              <a:rPr lang="en-US" sz="800" dirty="0" smtClean="0"/>
+              <a:t>1,1 </a:t>
+            </a:r>
+            <a:r>
+              <a:rPr lang="en-US" sz="800" dirty="0" err="1" smtClean="0"/>
+              <a:t>abcd</a:t>
+            </a:r>
+            <a:endParaRPr lang="en-US" sz="800" dirty="0"/>
+          </a:p>
+        </p:txBody>
+      </p:sp>
+      <p:cxnSp>
+        <p:nvCxnSpPr>
+          <p:cNvPr id="157" name="Straight Connector 156"/>
+          <p:cNvCxnSpPr/>
+          <p:nvPr/>
+        </p:nvCxnSpPr>
+        <p:spPr>
+          <a:xfrm rot="5400000">
+            <a:off x="5235129" y="990600"/>
+            <a:ext cx="609600" cy="1588"/>
+          </a:xfrm>
+          <a:prstGeom prst="line">
+            <a:avLst/>
+          </a:prstGeom>
+        </p:spPr>
+        <p:style>
+          <a:lnRef idx="1">
+            <a:schemeClr val="accent1"/>
+          </a:lnRef>
+          <a:fillRef idx="0">
+            <a:schemeClr val="accent1"/>
+          </a:fillRef>
+          <a:effectRef idx="0">
+            <a:schemeClr val="accent1"/>
+          </a:effectRef>
+          <a:fontRef idx="minor">
+            <a:schemeClr val="tx1"/>
+          </a:fontRef>
+        </p:style>
+      </p:cxnSp>
+      <p:cxnSp>
+        <p:nvCxnSpPr>
+          <p:cNvPr id="159" name="Straight Connector 158"/>
+          <p:cNvCxnSpPr/>
+          <p:nvPr/>
+        </p:nvCxnSpPr>
+        <p:spPr>
+          <a:xfrm>
+            <a:off x="6705600" y="990600"/>
+            <a:ext cx="609600" cy="1588"/>
+          </a:xfrm>
+          <a:prstGeom prst="line">
+            <a:avLst/>
+          </a:prstGeom>
+        </p:spPr>
+        <p:style>
+          <a:lnRef idx="1">
+            <a:schemeClr val="accent1"/>
+          </a:lnRef>
+          <a:fillRef idx="0">
+            <a:schemeClr val="accent1"/>
+          </a:fillRef>
+          <a:effectRef idx="0">
+            <a:schemeClr val="accent1"/>
+          </a:effectRef>
+          <a:fontRef idx="minor">
+            <a:schemeClr val="tx1"/>
+          </a:fontRef>
+        </p:style>
+      </p:cxnSp>
+      <p:cxnSp>
+        <p:nvCxnSpPr>
+          <p:cNvPr id="161" name="Straight Connector 160"/>
+          <p:cNvCxnSpPr/>
+          <p:nvPr/>
+        </p:nvCxnSpPr>
+        <p:spPr>
+          <a:xfrm>
+            <a:off x="7467600" y="990600"/>
+            <a:ext cx="533400" cy="1588"/>
+          </a:xfrm>
+          <a:prstGeom prst="line">
+            <a:avLst/>
+          </a:prstGeom>
+        </p:spPr>
+        <p:style>
+          <a:lnRef idx="1">
+            <a:schemeClr val="accent1"/>
+          </a:lnRef>
+          <a:fillRef idx="0">
+            <a:schemeClr val="accent1"/>
+          </a:fillRef>
+          <a:effectRef idx="0">
+            <a:schemeClr val="accent1"/>
+          </a:effectRef>
+          <a:fontRef idx="minor">
+            <a:schemeClr val="tx1"/>
+          </a:fontRef>
+        </p:style>
+      </p:cxnSp>
+      <p:cxnSp>
+        <p:nvCxnSpPr>
+          <p:cNvPr id="163" name="Straight Connector 162"/>
+          <p:cNvCxnSpPr/>
+          <p:nvPr/>
+        </p:nvCxnSpPr>
+        <p:spPr>
+          <a:xfrm rot="5400000">
+            <a:off x="8153400" y="990600"/>
+            <a:ext cx="609600" cy="1588"/>
+          </a:xfrm>
+          <a:prstGeom prst="line">
+            <a:avLst/>
+          </a:prstGeom>
+        </p:spPr>
+        <p:style>
+          <a:lnRef idx="1">
+            <a:schemeClr val="accent1"/>
+          </a:lnRef>
+          <a:fillRef idx="0">
+            <a:schemeClr val="accent1"/>
+          </a:fillRef>
+          <a:effectRef idx="0">
+            <a:schemeClr val="accent1"/>
+          </a:effectRef>
+          <a:fontRef idx="minor">
+            <a:schemeClr val="tx1"/>
+          </a:fontRef>
+        </p:style>
+      </p:cxnSp>
+      <p:cxnSp>
+        <p:nvCxnSpPr>
+          <p:cNvPr id="165" name="Straight Connector 164"/>
+          <p:cNvCxnSpPr/>
+          <p:nvPr/>
+        </p:nvCxnSpPr>
+        <p:spPr>
+          <a:xfrm>
+            <a:off x="8458200" y="990600"/>
+            <a:ext cx="304800" cy="1588"/>
+          </a:xfrm>
+          <a:prstGeom prst="line">
+            <a:avLst/>
+          </a:prstGeom>
+        </p:spPr>
+        <p:style>
+          <a:lnRef idx="1">
+            <a:schemeClr val="accent1"/>
+          </a:lnRef>
+          <a:fillRef idx="0">
+            <a:schemeClr val="accent1"/>
+          </a:fillRef>
+          <a:effectRef idx="0">
+            <a:schemeClr val="accent1"/>
+          </a:effectRef>
+          <a:fontRef idx="minor">
+            <a:schemeClr val="tx1"/>
+          </a:fontRef>
+        </p:style>
+      </p:cxnSp>
+      <p:cxnSp>
+        <p:nvCxnSpPr>
+          <p:cNvPr id="167" name="Straight Connector 166"/>
+          <p:cNvCxnSpPr/>
+          <p:nvPr/>
+        </p:nvCxnSpPr>
+        <p:spPr>
+          <a:xfrm>
+            <a:off x="3733800" y="1752600"/>
+            <a:ext cx="685800" cy="1588"/>
+          </a:xfrm>
+          <a:prstGeom prst="line">
+            <a:avLst/>
+          </a:prstGeom>
+        </p:spPr>
+        <p:style>
+          <a:lnRef idx="1">
+            <a:schemeClr val="accent1"/>
+          </a:lnRef>
+          <a:fillRef idx="0">
+            <a:schemeClr val="accent1"/>
+          </a:fillRef>
+          <a:effectRef idx="0">
+            <a:schemeClr val="accent1"/>
+          </a:effectRef>
+          <a:fontRef idx="minor">
+            <a:schemeClr val="tx1"/>
+          </a:fontRef>
+        </p:style>
+      </p:cxnSp>
+      <p:cxnSp>
+        <p:nvCxnSpPr>
+          <p:cNvPr id="169" name="Straight Connector 168"/>
+          <p:cNvCxnSpPr/>
+          <p:nvPr/>
+        </p:nvCxnSpPr>
+        <p:spPr>
+          <a:xfrm rot="5400000">
+            <a:off x="4495800" y="1752600"/>
+            <a:ext cx="609600" cy="1588"/>
+          </a:xfrm>
+          <a:prstGeom prst="line">
+            <a:avLst/>
+          </a:prstGeom>
+        </p:spPr>
+        <p:style>
+          <a:lnRef idx="1">
+            <a:schemeClr val="accent1"/>
+          </a:lnRef>
+          <a:fillRef idx="0">
+            <a:schemeClr val="accent1"/>
+          </a:fillRef>
+          <a:effectRef idx="0">
+            <a:schemeClr val="accent1"/>
+          </a:effectRef>
+          <a:fontRef idx="minor">
+            <a:schemeClr val="tx1"/>
+          </a:fontRef>
+        </p:style>
+      </p:cxnSp>
+      <p:cxnSp>
+        <p:nvCxnSpPr>
+          <p:cNvPr id="171" name="Straight Connector 170"/>
+          <p:cNvCxnSpPr/>
+          <p:nvPr/>
+        </p:nvCxnSpPr>
+        <p:spPr>
+          <a:xfrm rot="5400000">
+            <a:off x="5257800" y="1752600"/>
+            <a:ext cx="609600" cy="1588"/>
+          </a:xfrm>
+          <a:prstGeom prst="line">
+            <a:avLst/>
+          </a:prstGeom>
+        </p:spPr>
+        <p:style>
+          <a:lnRef idx="1">
+            <a:schemeClr val="accent1"/>
+          </a:lnRef>
+          <a:fillRef idx="0">
+            <a:schemeClr val="accent1"/>
+          </a:fillRef>
+          <a:effectRef idx="0">
+            <a:schemeClr val="accent1"/>
+          </a:effectRef>
+          <a:fontRef idx="minor">
+            <a:schemeClr val="tx1"/>
+          </a:fontRef>
+        </p:style>
+      </p:cxnSp>
+      <p:cxnSp>
+        <p:nvCxnSpPr>
+          <p:cNvPr id="173" name="Straight Connector 172"/>
+          <p:cNvCxnSpPr/>
+          <p:nvPr/>
+        </p:nvCxnSpPr>
+        <p:spPr>
+          <a:xfrm>
+            <a:off x="5257800" y="1752600"/>
+            <a:ext cx="304800" cy="1588"/>
+          </a:xfrm>
+          <a:prstGeom prst="line">
+            <a:avLst/>
+          </a:prstGeom>
+        </p:spPr>
+        <p:style>
+          <a:lnRef idx="1">
+            <a:schemeClr val="accent1"/>
+          </a:lnRef>
+          <a:fillRef idx="0">
+            <a:schemeClr val="accent1"/>
+          </a:fillRef>
+          <a:effectRef idx="0">
+            <a:schemeClr val="accent1"/>
+          </a:effectRef>
+          <a:fontRef idx="minor">
+            <a:schemeClr val="tx1"/>
+          </a:fontRef>
+        </p:style>
+      </p:cxnSp>
+      <p:cxnSp>
+        <p:nvCxnSpPr>
+          <p:cNvPr id="174" name="Straight Connector 173"/>
+          <p:cNvCxnSpPr/>
+          <p:nvPr/>
+        </p:nvCxnSpPr>
+        <p:spPr>
+          <a:xfrm rot="5400000">
+            <a:off x="5944394" y="1751806"/>
+            <a:ext cx="609600" cy="1588"/>
+          </a:xfrm>
+          <a:prstGeom prst="line">
+            <a:avLst/>
+          </a:prstGeom>
+        </p:spPr>
+        <p:style>
+          <a:lnRef idx="1">
+            <a:schemeClr val="accent1"/>
+          </a:lnRef>
+          <a:fillRef idx="0">
+            <a:schemeClr val="accent1"/>
+          </a:fillRef>
+          <a:effectRef idx="0">
+            <a:schemeClr val="accent1"/>
+          </a:effectRef>
+          <a:fontRef idx="minor">
+            <a:schemeClr val="tx1"/>
+          </a:fontRef>
+        </p:style>
+      </p:cxnSp>
+      <p:cxnSp>
+        <p:nvCxnSpPr>
+          <p:cNvPr id="175" name="Straight Connector 174"/>
+          <p:cNvCxnSpPr/>
+          <p:nvPr/>
+        </p:nvCxnSpPr>
+        <p:spPr>
+          <a:xfrm rot="5400000">
+            <a:off x="6675536" y="1751806"/>
+            <a:ext cx="609600" cy="1588"/>
+          </a:xfrm>
+          <a:prstGeom prst="line">
+            <a:avLst/>
+          </a:prstGeom>
+        </p:spPr>
+        <p:style>
+          <a:lnRef idx="1">
+            <a:schemeClr val="accent1"/>
+          </a:lnRef>
+          <a:fillRef idx="0">
+            <a:schemeClr val="accent1"/>
+          </a:fillRef>
+          <a:effectRef idx="0">
+            <a:schemeClr val="accent1"/>
+          </a:effectRef>
+          <a:fontRef idx="minor">
+            <a:schemeClr val="tx1"/>
+          </a:fontRef>
+        </p:style>
+      </p:cxnSp>
+      <p:cxnSp>
+        <p:nvCxnSpPr>
+          <p:cNvPr id="177" name="Straight Connector 176"/>
+          <p:cNvCxnSpPr/>
+          <p:nvPr/>
+        </p:nvCxnSpPr>
+        <p:spPr>
+          <a:xfrm rot="5400000">
+            <a:off x="8154194" y="1751806"/>
+            <a:ext cx="609600" cy="1588"/>
+          </a:xfrm>
+          <a:prstGeom prst="line">
+            <a:avLst/>
+          </a:prstGeom>
+        </p:spPr>
+        <p:style>
+          <a:lnRef idx="1">
+            <a:schemeClr val="accent1"/>
+          </a:lnRef>
+          <a:fillRef idx="0">
+            <a:schemeClr val="accent1"/>
+          </a:fillRef>
+          <a:effectRef idx="0">
+            <a:schemeClr val="accent1"/>
+          </a:effectRef>
+          <a:fontRef idx="minor">
+            <a:schemeClr val="tx1"/>
+          </a:fontRef>
+        </p:style>
+      </p:cxnSp>
+      <p:cxnSp>
+        <p:nvCxnSpPr>
+          <p:cNvPr id="178" name="Straight Connector 177"/>
+          <p:cNvCxnSpPr/>
+          <p:nvPr/>
+        </p:nvCxnSpPr>
+        <p:spPr>
+          <a:xfrm>
+            <a:off x="8077200" y="1752600"/>
+            <a:ext cx="685800" cy="1588"/>
+          </a:xfrm>
+          <a:prstGeom prst="line">
+            <a:avLst/>
+          </a:prstGeom>
+        </p:spPr>
+        <p:style>
+          <a:lnRef idx="1">
+            <a:schemeClr val="accent1"/>
+          </a:lnRef>
+          <a:fillRef idx="0">
+            <a:schemeClr val="accent1"/>
+          </a:fillRef>
+          <a:effectRef idx="0">
+            <a:schemeClr val="accent1"/>
+          </a:effectRef>
+          <a:fontRef idx="minor">
+            <a:schemeClr val="tx1"/>
+          </a:fontRef>
+        </p:style>
+      </p:cxnSp>
+      <p:cxnSp>
+        <p:nvCxnSpPr>
+          <p:cNvPr id="179" name="Straight Connector 178"/>
+          <p:cNvCxnSpPr/>
+          <p:nvPr/>
+        </p:nvCxnSpPr>
+        <p:spPr>
+          <a:xfrm rot="5400000">
+            <a:off x="3810794" y="2437606"/>
+            <a:ext cx="609600" cy="1588"/>
+          </a:xfrm>
+          <a:prstGeom prst="line">
+            <a:avLst/>
+          </a:prstGeom>
+        </p:spPr>
+        <p:style>
+          <a:lnRef idx="1">
+            <a:schemeClr val="accent1"/>
+          </a:lnRef>
+          <a:fillRef idx="0">
+            <a:schemeClr val="accent1"/>
+          </a:fillRef>
+          <a:effectRef idx="0">
+            <a:schemeClr val="accent1"/>
+          </a:effectRef>
+          <a:fontRef idx="minor">
+            <a:schemeClr val="tx1"/>
+          </a:fontRef>
+        </p:style>
+      </p:cxnSp>
+      <p:cxnSp>
+        <p:nvCxnSpPr>
+          <p:cNvPr id="180" name="Straight Connector 179"/>
+          <p:cNvCxnSpPr/>
+          <p:nvPr/>
+        </p:nvCxnSpPr>
+        <p:spPr>
+          <a:xfrm rot="5400000">
+            <a:off x="4496594" y="2437606"/>
+            <a:ext cx="609600" cy="1588"/>
+          </a:xfrm>
+          <a:prstGeom prst="line">
+            <a:avLst/>
+          </a:prstGeom>
+        </p:spPr>
+        <p:style>
+          <a:lnRef idx="1">
+            <a:schemeClr val="accent1"/>
+          </a:lnRef>
+          <a:fillRef idx="0">
+            <a:schemeClr val="accent1"/>
+          </a:fillRef>
+          <a:effectRef idx="0">
+            <a:schemeClr val="accent1"/>
+          </a:effectRef>
+          <a:fontRef idx="minor">
+            <a:schemeClr val="tx1"/>
+          </a:fontRef>
+        </p:style>
+      </p:cxnSp>
+      <p:cxnSp>
+        <p:nvCxnSpPr>
+          <p:cNvPr id="181" name="Straight Connector 180"/>
+          <p:cNvCxnSpPr/>
+          <p:nvPr/>
+        </p:nvCxnSpPr>
+        <p:spPr>
+          <a:xfrm rot="5400000">
+            <a:off x="5258594" y="2437606"/>
+            <a:ext cx="609600" cy="1588"/>
+          </a:xfrm>
+          <a:prstGeom prst="line">
+            <a:avLst/>
+          </a:prstGeom>
+        </p:spPr>
+        <p:style>
+          <a:lnRef idx="1">
+            <a:schemeClr val="accent1"/>
+          </a:lnRef>
+          <a:fillRef idx="0">
+            <a:schemeClr val="accent1"/>
+          </a:fillRef>
+          <a:effectRef idx="0">
+            <a:schemeClr val="accent1"/>
+          </a:effectRef>
+          <a:fontRef idx="minor">
+            <a:schemeClr val="tx1"/>
+          </a:fontRef>
+        </p:style>
+      </p:cxnSp>
+      <p:cxnSp>
+        <p:nvCxnSpPr>
+          <p:cNvPr id="182" name="Straight Connector 181"/>
+          <p:cNvCxnSpPr/>
+          <p:nvPr/>
+        </p:nvCxnSpPr>
+        <p:spPr>
+          <a:xfrm>
+            <a:off x="5562600" y="2438400"/>
+            <a:ext cx="304800" cy="1588"/>
+          </a:xfrm>
+          <a:prstGeom prst="line">
+            <a:avLst/>
+          </a:prstGeom>
+        </p:spPr>
+        <p:style>
+          <a:lnRef idx="1">
+            <a:schemeClr val="accent1"/>
+          </a:lnRef>
+          <a:fillRef idx="0">
+            <a:schemeClr val="accent1"/>
+          </a:fillRef>
+          <a:effectRef idx="0">
+            <a:schemeClr val="accent1"/>
+          </a:effectRef>
+          <a:fontRef idx="minor">
+            <a:schemeClr val="tx1"/>
+          </a:fontRef>
+        </p:style>
+      </p:cxnSp>
+      <p:cxnSp>
+        <p:nvCxnSpPr>
+          <p:cNvPr id="183" name="Straight Connector 182"/>
+          <p:cNvCxnSpPr/>
+          <p:nvPr/>
+        </p:nvCxnSpPr>
+        <p:spPr>
+          <a:xfrm>
+            <a:off x="6705600" y="2438400"/>
+            <a:ext cx="609600" cy="1588"/>
+          </a:xfrm>
+          <a:prstGeom prst="line">
+            <a:avLst/>
+          </a:prstGeom>
+        </p:spPr>
+        <p:style>
+          <a:lnRef idx="1">
+            <a:schemeClr val="accent1"/>
+          </a:lnRef>
+          <a:fillRef idx="0">
+            <a:schemeClr val="accent1"/>
+          </a:fillRef>
+          <a:effectRef idx="0">
+            <a:schemeClr val="accent1"/>
+          </a:effectRef>
+          <a:fontRef idx="minor">
+            <a:schemeClr val="tx1"/>
+          </a:fontRef>
+        </p:style>
+      </p:cxnSp>
+      <p:cxnSp>
+        <p:nvCxnSpPr>
+          <p:cNvPr id="184" name="Straight Connector 183"/>
+          <p:cNvCxnSpPr/>
+          <p:nvPr/>
+        </p:nvCxnSpPr>
+        <p:spPr>
+          <a:xfrm>
+            <a:off x="7391400" y="2438400"/>
+            <a:ext cx="609600" cy="1588"/>
+          </a:xfrm>
+          <a:prstGeom prst="line">
+            <a:avLst/>
+          </a:prstGeom>
+        </p:spPr>
+        <p:style>
+          <a:lnRef idx="1">
+            <a:schemeClr val="accent1"/>
+          </a:lnRef>
+          <a:fillRef idx="0">
+            <a:schemeClr val="accent1"/>
+          </a:fillRef>
+          <a:effectRef idx="0">
+            <a:schemeClr val="accent1"/>
+          </a:effectRef>
+          <a:fontRef idx="minor">
+            <a:schemeClr val="tx1"/>
+          </a:fontRef>
+        </p:style>
+      </p:cxnSp>
+      <p:cxnSp>
+        <p:nvCxnSpPr>
+          <p:cNvPr id="185" name="Straight Connector 184"/>
+          <p:cNvCxnSpPr/>
+          <p:nvPr/>
+        </p:nvCxnSpPr>
+        <p:spPr>
+          <a:xfrm>
+            <a:off x="8153400" y="2438400"/>
+            <a:ext cx="609600" cy="1588"/>
+          </a:xfrm>
+          <a:prstGeom prst="line">
+            <a:avLst/>
+          </a:prstGeom>
+        </p:spPr>
+        <p:style>
+          <a:lnRef idx="1">
+            <a:schemeClr val="accent1"/>
+          </a:lnRef>
+          <a:fillRef idx="0">
+            <a:schemeClr val="accent1"/>
+          </a:fillRef>
+          <a:effectRef idx="0">
+            <a:schemeClr val="accent1"/>
+          </a:effectRef>
+          <a:fontRef idx="minor">
+            <a:schemeClr val="tx1"/>
+          </a:fontRef>
+        </p:style>
+      </p:cxnSp>
+      <p:cxnSp>
+        <p:nvCxnSpPr>
+          <p:cNvPr id="187" name="Straight Connector 186"/>
+          <p:cNvCxnSpPr/>
+          <p:nvPr/>
+        </p:nvCxnSpPr>
+        <p:spPr>
+          <a:xfrm rot="5400000">
+            <a:off x="8305800" y="2590800"/>
+            <a:ext cx="304800" cy="1588"/>
+          </a:xfrm>
+          <a:prstGeom prst="line">
+            <a:avLst/>
+          </a:prstGeom>
+        </p:spPr>
+        <p:style>
+          <a:lnRef idx="1">
+            <a:schemeClr val="accent1"/>
+          </a:lnRef>
+          <a:fillRef idx="0">
+            <a:schemeClr val="accent1"/>
+          </a:fillRef>
+          <a:effectRef idx="0">
+            <a:schemeClr val="accent1"/>
+          </a:effectRef>
+          <a:fontRef idx="minor">
+            <a:schemeClr val="tx1"/>
+          </a:fontRef>
+        </p:style>
+      </p:cxnSp>
+      <p:cxnSp>
+        <p:nvCxnSpPr>
+          <p:cNvPr id="188" name="Straight Connector 187"/>
+          <p:cNvCxnSpPr/>
+          <p:nvPr/>
+        </p:nvCxnSpPr>
+        <p:spPr>
+          <a:xfrm rot="5400000">
+            <a:off x="8306594" y="3047206"/>
+            <a:ext cx="304800" cy="1588"/>
+          </a:xfrm>
+          <a:prstGeom prst="line">
+            <a:avLst/>
+          </a:prstGeom>
+        </p:spPr>
+        <p:style>
+          <a:lnRef idx="1">
+            <a:schemeClr val="accent1"/>
+          </a:lnRef>
+          <a:fillRef idx="0">
+            <a:schemeClr val="accent1"/>
+          </a:fillRef>
+          <a:effectRef idx="0">
+            <a:schemeClr val="accent1"/>
+          </a:effectRef>
+          <a:fontRef idx="minor">
+            <a:schemeClr val="tx1"/>
+          </a:fontRef>
+        </p:style>
+      </p:cxnSp>
+      <p:cxnSp>
+        <p:nvCxnSpPr>
+          <p:cNvPr id="189" name="Straight Connector 188"/>
+          <p:cNvCxnSpPr/>
+          <p:nvPr/>
+        </p:nvCxnSpPr>
+        <p:spPr>
+          <a:xfrm>
+            <a:off x="6705600" y="3200400"/>
+            <a:ext cx="609600" cy="1588"/>
+          </a:xfrm>
+          <a:prstGeom prst="line">
+            <a:avLst/>
+          </a:prstGeom>
+        </p:spPr>
+        <p:style>
+          <a:lnRef idx="1">
+            <a:schemeClr val="accent1"/>
+          </a:lnRef>
+          <a:fillRef idx="0">
+            <a:schemeClr val="accent1"/>
+          </a:fillRef>
+          <a:effectRef idx="0">
+            <a:schemeClr val="accent1"/>
+          </a:effectRef>
+          <a:fontRef idx="minor">
+            <a:schemeClr val="tx1"/>
+          </a:fontRef>
+        </p:style>
+      </p:cxnSp>
+      <p:cxnSp>
+        <p:nvCxnSpPr>
+          <p:cNvPr id="190" name="Straight Connector 189"/>
+          <p:cNvCxnSpPr/>
+          <p:nvPr/>
+        </p:nvCxnSpPr>
+        <p:spPr>
+          <a:xfrm>
+            <a:off x="7391400" y="3200400"/>
+            <a:ext cx="609600" cy="1588"/>
+          </a:xfrm>
+          <a:prstGeom prst="line">
+            <a:avLst/>
+          </a:prstGeom>
+        </p:spPr>
+        <p:style>
+          <a:lnRef idx="1">
+            <a:schemeClr val="accent1"/>
+          </a:lnRef>
+          <a:fillRef idx="0">
+            <a:schemeClr val="accent1"/>
+          </a:fillRef>
+          <a:effectRef idx="0">
+            <a:schemeClr val="accent1"/>
+          </a:effectRef>
+          <a:fontRef idx="minor">
+            <a:schemeClr val="tx1"/>
+          </a:fontRef>
+        </p:style>
+      </p:cxnSp>
+      <p:cxnSp>
+        <p:nvCxnSpPr>
+          <p:cNvPr id="191" name="Straight Connector 190"/>
+          <p:cNvCxnSpPr/>
+          <p:nvPr/>
+        </p:nvCxnSpPr>
+        <p:spPr>
+          <a:xfrm>
+            <a:off x="8153400" y="3200400"/>
+            <a:ext cx="609600" cy="1588"/>
+          </a:xfrm>
+          <a:prstGeom prst="line">
+            <a:avLst/>
+          </a:prstGeom>
+        </p:spPr>
+        <p:style>
+          <a:lnRef idx="1">
+            <a:schemeClr val="accent1"/>
+          </a:lnRef>
+          <a:fillRef idx="0">
+            <a:schemeClr val="accent1"/>
+          </a:fillRef>
+          <a:effectRef idx="0">
+            <a:schemeClr val="accent1"/>
+          </a:effectRef>
+          <a:fontRef idx="minor">
+            <a:schemeClr val="tx1"/>
+          </a:fontRef>
+        </p:style>
+      </p:cxnSp>
+      <p:cxnSp>
+        <p:nvCxnSpPr>
+          <p:cNvPr id="192" name="Straight Connector 191"/>
+          <p:cNvCxnSpPr/>
+          <p:nvPr/>
+        </p:nvCxnSpPr>
+        <p:spPr>
+          <a:xfrm rot="5400000">
+            <a:off x="5258594" y="3199606"/>
+            <a:ext cx="609600" cy="1588"/>
+          </a:xfrm>
+          <a:prstGeom prst="line">
+            <a:avLst/>
+          </a:prstGeom>
+        </p:spPr>
+        <p:style>
+          <a:lnRef idx="1">
+            <a:schemeClr val="accent1"/>
+          </a:lnRef>
+          <a:fillRef idx="0">
+            <a:schemeClr val="accent1"/>
+          </a:fillRef>
+          <a:effectRef idx="0">
+            <a:schemeClr val="accent1"/>
+          </a:effectRef>
+          <a:fontRef idx="minor">
+            <a:schemeClr val="tx1"/>
+          </a:fontRef>
+        </p:style>
+      </p:cxnSp>
+      <p:cxnSp>
+        <p:nvCxnSpPr>
+          <p:cNvPr id="193" name="Straight Connector 192"/>
+          <p:cNvCxnSpPr/>
+          <p:nvPr/>
+        </p:nvCxnSpPr>
+        <p:spPr>
+          <a:xfrm rot="5400000">
+            <a:off x="4496594" y="3199606"/>
+            <a:ext cx="609600" cy="1588"/>
+          </a:xfrm>
+          <a:prstGeom prst="line">
+            <a:avLst/>
+          </a:prstGeom>
+        </p:spPr>
+        <p:style>
+          <a:lnRef idx="1">
+            <a:schemeClr val="accent1"/>
+          </a:lnRef>
+          <a:fillRef idx="0">
+            <a:schemeClr val="accent1"/>
+          </a:fillRef>
+          <a:effectRef idx="0">
+            <a:schemeClr val="accent1"/>
+          </a:effectRef>
+          <a:fontRef idx="minor">
+            <a:schemeClr val="tx1"/>
+          </a:fontRef>
+        </p:style>
+      </p:cxnSp>
+      <p:cxnSp>
+        <p:nvCxnSpPr>
+          <p:cNvPr id="194" name="Straight Connector 193"/>
+          <p:cNvCxnSpPr/>
+          <p:nvPr/>
+        </p:nvCxnSpPr>
+        <p:spPr>
+          <a:xfrm rot="5400000">
+            <a:off x="3810794" y="3199606"/>
+            <a:ext cx="609600" cy="1588"/>
+          </a:xfrm>
+          <a:prstGeom prst="line">
+            <a:avLst/>
+          </a:prstGeom>
+        </p:spPr>
+        <p:style>
+          <a:lnRef idx="1">
+            <a:schemeClr val="accent1"/>
+          </a:lnRef>
+          <a:fillRef idx="0">
+            <a:schemeClr val="accent1"/>
+          </a:fillRef>
+          <a:effectRef idx="0">
+            <a:schemeClr val="accent1"/>
+          </a:effectRef>
+          <a:fontRef idx="minor">
+            <a:schemeClr val="tx1"/>
+          </a:fontRef>
+        </p:style>
+      </p:cxnSp>
+      <p:cxnSp>
+        <p:nvCxnSpPr>
+          <p:cNvPr id="195" name="Straight Connector 194"/>
+          <p:cNvCxnSpPr/>
+          <p:nvPr/>
+        </p:nvCxnSpPr>
+        <p:spPr>
+          <a:xfrm>
+            <a:off x="5257800" y="3200400"/>
+            <a:ext cx="304800" cy="1588"/>
+          </a:xfrm>
+          <a:prstGeom prst="line">
+            <a:avLst/>
+          </a:prstGeom>
+        </p:spPr>
+        <p:style>
+          <a:lnRef idx="1">
+            <a:schemeClr val="accent1"/>
+          </a:lnRef>
+          <a:fillRef idx="0">
+            <a:schemeClr val="accent1"/>
+          </a:fillRef>
+          <a:effectRef idx="0">
+            <a:schemeClr val="accent1"/>
+          </a:effectRef>
+          <a:fontRef idx="minor">
+            <a:schemeClr val="tx1"/>
+          </a:fontRef>
+        </p:style>
+      </p:cxnSp>
+      <p:cxnSp>
+        <p:nvCxnSpPr>
+          <p:cNvPr id="196" name="Straight Connector 195"/>
+          <p:cNvCxnSpPr/>
+          <p:nvPr/>
+        </p:nvCxnSpPr>
+        <p:spPr>
+          <a:xfrm rot="5400000">
+            <a:off x="3048794" y="3885406"/>
+            <a:ext cx="609600" cy="1588"/>
+          </a:xfrm>
+          <a:prstGeom prst="line">
+            <a:avLst/>
+          </a:prstGeom>
+        </p:spPr>
+        <p:style>
+          <a:lnRef idx="1">
+            <a:schemeClr val="accent1"/>
+          </a:lnRef>
+          <a:fillRef idx="0">
+            <a:schemeClr val="accent1"/>
+          </a:fillRef>
+          <a:effectRef idx="0">
+            <a:schemeClr val="accent1"/>
+          </a:effectRef>
+          <a:fontRef idx="minor">
+            <a:schemeClr val="tx1"/>
+          </a:fontRef>
+        </p:style>
+      </p:cxnSp>
+      <p:cxnSp>
+        <p:nvCxnSpPr>
+          <p:cNvPr id="197" name="Straight Connector 196"/>
+          <p:cNvCxnSpPr/>
+          <p:nvPr/>
+        </p:nvCxnSpPr>
+        <p:spPr>
+          <a:xfrm>
+            <a:off x="3733800" y="3916428"/>
+            <a:ext cx="685800" cy="1588"/>
+          </a:xfrm>
+          <a:prstGeom prst="line">
+            <a:avLst/>
+          </a:prstGeom>
+        </p:spPr>
+        <p:style>
+          <a:lnRef idx="1">
+            <a:schemeClr val="accent1"/>
+          </a:lnRef>
+          <a:fillRef idx="0">
+            <a:schemeClr val="accent1"/>
+          </a:fillRef>
+          <a:effectRef idx="0">
+            <a:schemeClr val="accent1"/>
+          </a:effectRef>
+          <a:fontRef idx="minor">
+            <a:schemeClr val="tx1"/>
+          </a:fontRef>
+        </p:style>
+      </p:cxnSp>
+      <p:cxnSp>
+        <p:nvCxnSpPr>
+          <p:cNvPr id="199" name="Straight Connector 198"/>
+          <p:cNvCxnSpPr/>
+          <p:nvPr/>
+        </p:nvCxnSpPr>
+        <p:spPr>
+          <a:xfrm>
+            <a:off x="5562600" y="3962400"/>
+            <a:ext cx="304800" cy="1588"/>
+          </a:xfrm>
+          <a:prstGeom prst="line">
+            <a:avLst/>
+          </a:prstGeom>
+        </p:spPr>
+        <p:style>
+          <a:lnRef idx="1">
+            <a:schemeClr val="accent1"/>
+          </a:lnRef>
+          <a:fillRef idx="0">
+            <a:schemeClr val="accent1"/>
+          </a:fillRef>
+          <a:effectRef idx="0">
+            <a:schemeClr val="accent1"/>
+          </a:effectRef>
+          <a:fontRef idx="minor">
+            <a:schemeClr val="tx1"/>
+          </a:fontRef>
+        </p:style>
+      </p:cxnSp>
+      <p:cxnSp>
+        <p:nvCxnSpPr>
+          <p:cNvPr id="201" name="Straight Connector 200"/>
+          <p:cNvCxnSpPr/>
+          <p:nvPr/>
+        </p:nvCxnSpPr>
+        <p:spPr>
+          <a:xfrm rot="5400000" flipH="1" flipV="1">
+            <a:off x="5410200" y="4114800"/>
+            <a:ext cx="304800" cy="1588"/>
+          </a:xfrm>
+          <a:prstGeom prst="line">
+            <a:avLst/>
+          </a:prstGeom>
+        </p:spPr>
+        <p:style>
+          <a:lnRef idx="1">
+            <a:schemeClr val="accent1"/>
+          </a:lnRef>
+          <a:fillRef idx="0">
+            <a:schemeClr val="accent1"/>
+          </a:fillRef>
+          <a:effectRef idx="0">
+            <a:schemeClr val="accent1"/>
+          </a:effectRef>
+          <a:fontRef idx="minor">
+            <a:schemeClr val="tx1"/>
+          </a:fontRef>
+        </p:style>
+      </p:cxnSp>
+      <p:cxnSp>
+        <p:nvCxnSpPr>
+          <p:cNvPr id="202" name="Straight Connector 201"/>
+          <p:cNvCxnSpPr/>
+          <p:nvPr/>
+        </p:nvCxnSpPr>
+        <p:spPr>
+          <a:xfrm>
+            <a:off x="6629400" y="3962400"/>
+            <a:ext cx="304800" cy="1588"/>
+          </a:xfrm>
+          <a:prstGeom prst="line">
+            <a:avLst/>
+          </a:prstGeom>
+        </p:spPr>
+        <p:style>
+          <a:lnRef idx="1">
+            <a:schemeClr val="accent1"/>
+          </a:lnRef>
+          <a:fillRef idx="0">
+            <a:schemeClr val="accent1"/>
+          </a:fillRef>
+          <a:effectRef idx="0">
+            <a:schemeClr val="accent1"/>
+          </a:effectRef>
+          <a:fontRef idx="minor">
+            <a:schemeClr val="tx1"/>
+          </a:fontRef>
+        </p:style>
+      </p:cxnSp>
+      <p:cxnSp>
+        <p:nvCxnSpPr>
+          <p:cNvPr id="203" name="Straight Connector 202"/>
+          <p:cNvCxnSpPr/>
+          <p:nvPr/>
+        </p:nvCxnSpPr>
+        <p:spPr>
+          <a:xfrm>
+            <a:off x="8077200" y="3886200"/>
+            <a:ext cx="304800" cy="1588"/>
+          </a:xfrm>
+          <a:prstGeom prst="line">
+            <a:avLst/>
+          </a:prstGeom>
+        </p:spPr>
+        <p:style>
+          <a:lnRef idx="1">
+            <a:schemeClr val="accent1"/>
+          </a:lnRef>
+          <a:fillRef idx="0">
+            <a:schemeClr val="accent1"/>
+          </a:fillRef>
+          <a:effectRef idx="0">
+            <a:schemeClr val="accent1"/>
+          </a:effectRef>
+          <a:fontRef idx="minor">
+            <a:schemeClr val="tx1"/>
+          </a:fontRef>
+        </p:style>
+      </p:cxnSp>
+      <p:cxnSp>
+        <p:nvCxnSpPr>
+          <p:cNvPr id="204" name="Straight Connector 203"/>
+          <p:cNvCxnSpPr/>
+          <p:nvPr/>
+        </p:nvCxnSpPr>
+        <p:spPr>
+          <a:xfrm rot="5400000" flipH="1" flipV="1">
+            <a:off x="8230394" y="3733006"/>
+            <a:ext cx="304800" cy="1588"/>
+          </a:xfrm>
+          <a:prstGeom prst="line">
+            <a:avLst/>
+          </a:prstGeom>
+        </p:spPr>
+        <p:style>
+          <a:lnRef idx="1">
+            <a:schemeClr val="accent1"/>
+          </a:lnRef>
+          <a:fillRef idx="0">
+            <a:schemeClr val="accent1"/>
+          </a:fillRef>
+          <a:effectRef idx="0">
+            <a:schemeClr val="accent1"/>
+          </a:effectRef>
+          <a:fontRef idx="minor">
+            <a:schemeClr val="tx1"/>
+          </a:fontRef>
+        </p:style>
+      </p:cxnSp>
+      <p:cxnSp>
+        <p:nvCxnSpPr>
+          <p:cNvPr id="205" name="Straight Connector 204"/>
+          <p:cNvCxnSpPr/>
+          <p:nvPr/>
+        </p:nvCxnSpPr>
+        <p:spPr>
+          <a:xfrm rot="5400000" flipH="1" flipV="1">
+            <a:off x="6782594" y="4114006"/>
+            <a:ext cx="304800" cy="1588"/>
+          </a:xfrm>
+          <a:prstGeom prst="line">
+            <a:avLst/>
+          </a:prstGeom>
+        </p:spPr>
+        <p:style>
+          <a:lnRef idx="1">
+            <a:schemeClr val="accent1"/>
+          </a:lnRef>
+          <a:fillRef idx="0">
+            <a:schemeClr val="accent1"/>
+          </a:fillRef>
+          <a:effectRef idx="0">
+            <a:schemeClr val="accent1"/>
+          </a:effectRef>
+          <a:fontRef idx="minor">
+            <a:schemeClr val="tx1"/>
+          </a:fontRef>
+        </p:style>
+      </p:cxnSp>
+      <p:cxnSp>
+        <p:nvCxnSpPr>
+          <p:cNvPr id="206" name="Straight Connector 205"/>
+          <p:cNvCxnSpPr/>
+          <p:nvPr/>
+        </p:nvCxnSpPr>
+        <p:spPr>
+          <a:xfrm>
+            <a:off x="4114800" y="4648200"/>
+            <a:ext cx="304800" cy="1588"/>
+          </a:xfrm>
+          <a:prstGeom prst="line">
+            <a:avLst/>
+          </a:prstGeom>
+        </p:spPr>
+        <p:style>
+          <a:lnRef idx="1">
+            <a:schemeClr val="accent1"/>
+          </a:lnRef>
+          <a:fillRef idx="0">
+            <a:schemeClr val="accent1"/>
+          </a:fillRef>
+          <a:effectRef idx="0">
+            <a:schemeClr val="accent1"/>
+          </a:effectRef>
+          <a:fontRef idx="minor">
+            <a:schemeClr val="tx1"/>
+          </a:fontRef>
+        </p:style>
+      </p:cxnSp>
+      <p:cxnSp>
+        <p:nvCxnSpPr>
+          <p:cNvPr id="207" name="Straight Connector 206"/>
+          <p:cNvCxnSpPr/>
+          <p:nvPr/>
+        </p:nvCxnSpPr>
+        <p:spPr>
+          <a:xfrm rot="5400000" flipH="1" flipV="1">
+            <a:off x="3963194" y="4495006"/>
+            <a:ext cx="304800" cy="1588"/>
+          </a:xfrm>
+          <a:prstGeom prst="line">
+            <a:avLst/>
+          </a:prstGeom>
+        </p:spPr>
+        <p:style>
+          <a:lnRef idx="1">
+            <a:schemeClr val="accent1"/>
+          </a:lnRef>
+          <a:fillRef idx="0">
+            <a:schemeClr val="accent1"/>
+          </a:fillRef>
+          <a:effectRef idx="0">
+            <a:schemeClr val="accent1"/>
+          </a:effectRef>
+          <a:fontRef idx="minor">
+            <a:schemeClr val="tx1"/>
+          </a:fontRef>
+        </p:style>
+      </p:cxnSp>
+      <p:cxnSp>
+        <p:nvCxnSpPr>
+          <p:cNvPr id="208" name="Straight Connector 207"/>
+          <p:cNvCxnSpPr/>
+          <p:nvPr/>
+        </p:nvCxnSpPr>
+        <p:spPr>
+          <a:xfrm rot="5400000">
+            <a:off x="4496594" y="4647406"/>
+            <a:ext cx="609600" cy="1588"/>
+          </a:xfrm>
+          <a:prstGeom prst="line">
+            <a:avLst/>
+          </a:prstGeom>
+        </p:spPr>
+        <p:style>
+          <a:lnRef idx="1">
+            <a:schemeClr val="accent1"/>
+          </a:lnRef>
+          <a:fillRef idx="0">
+            <a:schemeClr val="accent1"/>
+          </a:fillRef>
+          <a:effectRef idx="0">
+            <a:schemeClr val="accent1"/>
+          </a:effectRef>
+          <a:fontRef idx="minor">
+            <a:schemeClr val="tx1"/>
+          </a:fontRef>
+        </p:style>
+      </p:cxnSp>
+      <p:cxnSp>
+        <p:nvCxnSpPr>
+          <p:cNvPr id="209" name="Straight Connector 208"/>
+          <p:cNvCxnSpPr/>
+          <p:nvPr/>
+        </p:nvCxnSpPr>
+        <p:spPr>
+          <a:xfrm rot="5400000">
+            <a:off x="5944394" y="4647406"/>
+            <a:ext cx="609600" cy="1588"/>
+          </a:xfrm>
+          <a:prstGeom prst="line">
+            <a:avLst/>
+          </a:prstGeom>
+        </p:spPr>
+        <p:style>
+          <a:lnRef idx="1">
+            <a:schemeClr val="accent1"/>
+          </a:lnRef>
+          <a:fillRef idx="0">
+            <a:schemeClr val="accent1"/>
+          </a:fillRef>
+          <a:effectRef idx="0">
+            <a:schemeClr val="accent1"/>
+          </a:effectRef>
+          <a:fontRef idx="minor">
+            <a:schemeClr val="tx1"/>
+          </a:fontRef>
+        </p:style>
+      </p:cxnSp>
+      <p:cxnSp>
+        <p:nvCxnSpPr>
+          <p:cNvPr id="210" name="Straight Connector 209"/>
+          <p:cNvCxnSpPr/>
+          <p:nvPr/>
+        </p:nvCxnSpPr>
+        <p:spPr>
+          <a:xfrm>
+            <a:off x="5181600" y="4648200"/>
+            <a:ext cx="685800" cy="1588"/>
+          </a:xfrm>
+          <a:prstGeom prst="line">
+            <a:avLst/>
+          </a:prstGeom>
+        </p:spPr>
+        <p:style>
+          <a:lnRef idx="1">
+            <a:schemeClr val="accent1"/>
+          </a:lnRef>
+          <a:fillRef idx="0">
+            <a:schemeClr val="accent1"/>
+          </a:fillRef>
+          <a:effectRef idx="0">
+            <a:schemeClr val="accent1"/>
+          </a:effectRef>
+          <a:fontRef idx="minor">
+            <a:schemeClr val="tx1"/>
+          </a:fontRef>
+        </p:style>
+      </p:cxnSp>
+      <p:cxnSp>
+        <p:nvCxnSpPr>
+          <p:cNvPr id="211" name="Straight Connector 210"/>
+          <p:cNvCxnSpPr/>
+          <p:nvPr/>
+        </p:nvCxnSpPr>
+        <p:spPr>
+          <a:xfrm>
+            <a:off x="6629400" y="4648200"/>
+            <a:ext cx="685800" cy="1588"/>
+          </a:xfrm>
+          <a:prstGeom prst="line">
+            <a:avLst/>
+          </a:prstGeom>
+        </p:spPr>
+        <p:style>
+          <a:lnRef idx="1">
+            <a:schemeClr val="accent1"/>
+          </a:lnRef>
+          <a:fillRef idx="0">
+            <a:schemeClr val="accent1"/>
+          </a:fillRef>
+          <a:effectRef idx="0">
+            <a:schemeClr val="accent1"/>
+          </a:effectRef>
+          <a:fontRef idx="minor">
+            <a:schemeClr val="tx1"/>
+          </a:fontRef>
+        </p:style>
+      </p:cxnSp>
+      <p:cxnSp>
+        <p:nvCxnSpPr>
+          <p:cNvPr id="212" name="Straight Connector 211"/>
+          <p:cNvCxnSpPr/>
+          <p:nvPr/>
+        </p:nvCxnSpPr>
+        <p:spPr>
+          <a:xfrm>
+            <a:off x="7391400" y="4648200"/>
+            <a:ext cx="685800" cy="1588"/>
+          </a:xfrm>
+          <a:prstGeom prst="line">
+            <a:avLst/>
+          </a:prstGeom>
+        </p:spPr>
+        <p:style>
+          <a:lnRef idx="1">
+            <a:schemeClr val="accent1"/>
+          </a:lnRef>
+          <a:fillRef idx="0">
+            <a:schemeClr val="accent1"/>
+          </a:fillRef>
+          <a:effectRef idx="0">
+            <a:schemeClr val="accent1"/>
+          </a:effectRef>
+          <a:fontRef idx="minor">
+            <a:schemeClr val="tx1"/>
+          </a:fontRef>
+        </p:style>
+      </p:cxnSp>
+      <p:cxnSp>
+        <p:nvCxnSpPr>
+          <p:cNvPr id="213" name="Straight Connector 212"/>
+          <p:cNvCxnSpPr/>
+          <p:nvPr/>
+        </p:nvCxnSpPr>
+        <p:spPr>
+          <a:xfrm rot="5400000">
+            <a:off x="7422422" y="4639849"/>
+            <a:ext cx="609600" cy="1588"/>
+          </a:xfrm>
+          <a:prstGeom prst="line">
+            <a:avLst/>
+          </a:prstGeom>
+        </p:spPr>
+        <p:style>
+          <a:lnRef idx="1">
+            <a:schemeClr val="accent1"/>
+          </a:lnRef>
+          <a:fillRef idx="0">
+            <a:schemeClr val="accent1"/>
+          </a:fillRef>
+          <a:effectRef idx="0">
+            <a:schemeClr val="accent1"/>
+          </a:effectRef>
+          <a:fontRef idx="minor">
+            <a:schemeClr val="tx1"/>
+          </a:fontRef>
+        </p:style>
+      </p:cxnSp>
+      <p:sp>
+        <p:nvSpPr>
+          <p:cNvPr id="216" name="TextBox 215"/>
+          <p:cNvSpPr txBox="1"/>
+          <p:nvPr/>
+        </p:nvSpPr>
+        <p:spPr>
+          <a:xfrm>
+            <a:off x="3810000" y="914400"/>
+            <a:ext cx="537327" cy="215444"/>
+          </a:xfrm>
+          <a:prstGeom prst="rect">
+            <a:avLst/>
+          </a:prstGeom>
+          <a:noFill/>
+        </p:spPr>
+        <p:txBody>
+          <a:bodyPr wrap="none" rtlCol="0">
+            <a:spAutoFit/>
+          </a:bodyPr>
+          <a:lstStyle/>
+          <a:p>
+            <a:r>
+              <a:rPr lang="en-US" sz="800" dirty="0" smtClean="0"/>
+              <a:t>1,4 </a:t>
+            </a:r>
+            <a:r>
+              <a:rPr lang="en-US" sz="800" dirty="0" err="1" smtClean="0"/>
+              <a:t>abcd</a:t>
+            </a:r>
+            <a:endParaRPr lang="en-US" sz="800" dirty="0"/>
+          </a:p>
+        </p:txBody>
+      </p:sp>
+      <p:sp>
+        <p:nvSpPr>
+          <p:cNvPr id="217" name="TextBox 216"/>
+          <p:cNvSpPr txBox="1"/>
+          <p:nvPr/>
+        </p:nvSpPr>
+        <p:spPr>
+          <a:xfrm>
+            <a:off x="4572000" y="914400"/>
+            <a:ext cx="537327" cy="215444"/>
+          </a:xfrm>
+          <a:prstGeom prst="rect">
+            <a:avLst/>
+          </a:prstGeom>
+          <a:noFill/>
+        </p:spPr>
+        <p:txBody>
+          <a:bodyPr wrap="none" rtlCol="0">
+            <a:spAutoFit/>
+          </a:bodyPr>
+          <a:lstStyle/>
+          <a:p>
+            <a:r>
+              <a:rPr lang="en-US" sz="800" dirty="0" smtClean="0"/>
+              <a:t>0</a:t>
+            </a:r>
+            <a:r>
+              <a:rPr lang="en-US" sz="800" dirty="0" smtClean="0"/>
+              <a:t>,4 </a:t>
+            </a:r>
+            <a:r>
+              <a:rPr lang="en-US" sz="800" dirty="0" err="1" smtClean="0"/>
+              <a:t>abcd</a:t>
+            </a:r>
+            <a:endParaRPr lang="en-US" sz="800" dirty="0"/>
+          </a:p>
+        </p:txBody>
+      </p:sp>
+      <p:sp>
+        <p:nvSpPr>
+          <p:cNvPr id="218" name="TextBox 217"/>
+          <p:cNvSpPr txBox="1"/>
+          <p:nvPr/>
+        </p:nvSpPr>
+        <p:spPr>
+          <a:xfrm>
+            <a:off x="3048000" y="1600200"/>
+            <a:ext cx="609600" cy="215444"/>
+          </a:xfrm>
+          <a:prstGeom prst="rect">
+            <a:avLst/>
+          </a:prstGeom>
+          <a:noFill/>
+        </p:spPr>
+        <p:txBody>
+          <a:bodyPr wrap="square" rtlCol="0">
+            <a:spAutoFit/>
+          </a:bodyPr>
+          <a:lstStyle/>
+          <a:p>
+            <a:r>
+              <a:rPr lang="en-US" sz="800" dirty="0" smtClean="0"/>
+              <a:t>1,3 </a:t>
+            </a:r>
+            <a:r>
+              <a:rPr lang="en-US" sz="800" dirty="0" err="1" smtClean="0"/>
+              <a:t>abcd</a:t>
+            </a:r>
+            <a:endParaRPr lang="en-US" sz="800" dirty="0"/>
+          </a:p>
+        </p:txBody>
+      </p:sp>
+      <p:sp>
+        <p:nvSpPr>
+          <p:cNvPr id="219" name="TextBox 218"/>
+          <p:cNvSpPr txBox="1"/>
+          <p:nvPr/>
+        </p:nvSpPr>
+        <p:spPr>
+          <a:xfrm>
+            <a:off x="3048000" y="2286000"/>
+            <a:ext cx="609600" cy="215444"/>
+          </a:xfrm>
+          <a:prstGeom prst="rect">
+            <a:avLst/>
+          </a:prstGeom>
+          <a:noFill/>
+        </p:spPr>
+        <p:txBody>
+          <a:bodyPr wrap="square" rtlCol="0">
+            <a:spAutoFit/>
+          </a:bodyPr>
+          <a:lstStyle/>
+          <a:p>
+            <a:r>
+              <a:rPr lang="en-US" sz="800" dirty="0" smtClean="0"/>
+              <a:t>0,1 </a:t>
+            </a:r>
+            <a:r>
+              <a:rPr lang="en-US" sz="800" dirty="0" err="1" smtClean="0"/>
+              <a:t>abcd</a:t>
+            </a:r>
+            <a:endParaRPr lang="en-US" sz="800" dirty="0"/>
+          </a:p>
+        </p:txBody>
+      </p:sp>
+      <p:sp>
+        <p:nvSpPr>
+          <p:cNvPr id="220" name="TextBox 219"/>
+          <p:cNvSpPr txBox="1"/>
+          <p:nvPr/>
+        </p:nvSpPr>
+        <p:spPr>
+          <a:xfrm>
+            <a:off x="3048000" y="3048000"/>
+            <a:ext cx="609600" cy="215444"/>
+          </a:xfrm>
+          <a:prstGeom prst="rect">
+            <a:avLst/>
+          </a:prstGeom>
+          <a:noFill/>
+        </p:spPr>
+        <p:txBody>
+          <a:bodyPr wrap="square" rtlCol="0">
+            <a:spAutoFit/>
+          </a:bodyPr>
+          <a:lstStyle/>
+          <a:p>
+            <a:r>
+              <a:rPr lang="en-US" sz="800" dirty="0" smtClean="0"/>
+              <a:t>2,1 </a:t>
+            </a:r>
+            <a:r>
+              <a:rPr lang="en-US" sz="800" dirty="0" err="1" smtClean="0"/>
+              <a:t>abcd</a:t>
+            </a:r>
+            <a:endParaRPr lang="en-US" sz="800" dirty="0"/>
+          </a:p>
+        </p:txBody>
+      </p:sp>
+      <p:sp>
+        <p:nvSpPr>
+          <p:cNvPr id="223" name="TextBox 222"/>
+          <p:cNvSpPr txBox="1"/>
+          <p:nvPr/>
+        </p:nvSpPr>
+        <p:spPr>
+          <a:xfrm>
+            <a:off x="6019800" y="914400"/>
+            <a:ext cx="537327" cy="215444"/>
+          </a:xfrm>
+          <a:prstGeom prst="rect">
+            <a:avLst/>
+          </a:prstGeom>
+          <a:noFill/>
+        </p:spPr>
+        <p:txBody>
+          <a:bodyPr wrap="none" rtlCol="0">
+            <a:spAutoFit/>
+          </a:bodyPr>
+          <a:lstStyle/>
+          <a:p>
+            <a:r>
+              <a:rPr lang="en-US" sz="800" dirty="0" smtClean="0"/>
+              <a:t>0,3 </a:t>
+            </a:r>
+            <a:r>
+              <a:rPr lang="en-US" sz="800" dirty="0" err="1" smtClean="0"/>
+              <a:t>abcd</a:t>
+            </a:r>
+            <a:endParaRPr lang="en-US" sz="800" dirty="0"/>
+          </a:p>
+        </p:txBody>
+      </p:sp>
+      <p:sp>
+        <p:nvSpPr>
+          <p:cNvPr id="224" name="TextBox 223"/>
+          <p:cNvSpPr txBox="1"/>
+          <p:nvPr/>
+        </p:nvSpPr>
+        <p:spPr>
+          <a:xfrm>
+            <a:off x="6019800" y="2362200"/>
+            <a:ext cx="537327" cy="215444"/>
+          </a:xfrm>
+          <a:prstGeom prst="rect">
+            <a:avLst/>
+          </a:prstGeom>
+          <a:noFill/>
+        </p:spPr>
+        <p:txBody>
+          <a:bodyPr wrap="none" rtlCol="0">
+            <a:spAutoFit/>
+          </a:bodyPr>
+          <a:lstStyle/>
+          <a:p>
+            <a:r>
+              <a:rPr lang="en-US" sz="800" dirty="0" smtClean="0"/>
+              <a:t>1,0 </a:t>
+            </a:r>
+            <a:r>
+              <a:rPr lang="en-US" sz="800" dirty="0" err="1" smtClean="0"/>
+              <a:t>abcd</a:t>
+            </a:r>
+            <a:endParaRPr lang="en-US" sz="800" dirty="0"/>
+          </a:p>
+        </p:txBody>
+      </p:sp>
+      <p:sp>
+        <p:nvSpPr>
+          <p:cNvPr id="225" name="TextBox 224"/>
+          <p:cNvSpPr txBox="1"/>
+          <p:nvPr/>
+        </p:nvSpPr>
+        <p:spPr>
+          <a:xfrm>
+            <a:off x="6019800" y="2971800"/>
+            <a:ext cx="537327" cy="215444"/>
+          </a:xfrm>
+          <a:prstGeom prst="rect">
+            <a:avLst/>
+          </a:prstGeom>
+          <a:noFill/>
+        </p:spPr>
+        <p:txBody>
+          <a:bodyPr wrap="none" rtlCol="0">
+            <a:spAutoFit/>
+          </a:bodyPr>
+          <a:lstStyle/>
+          <a:p>
+            <a:r>
+              <a:rPr lang="en-US" sz="800" dirty="0" smtClean="0"/>
+              <a:t>1,2 </a:t>
+            </a:r>
+            <a:r>
+              <a:rPr lang="en-US" sz="800" dirty="0" err="1" smtClean="0"/>
+              <a:t>abcd</a:t>
+            </a:r>
+            <a:endParaRPr lang="en-US" sz="800" dirty="0"/>
+          </a:p>
+        </p:txBody>
+      </p:sp>
+      <p:sp>
+        <p:nvSpPr>
+          <p:cNvPr id="226" name="TextBox 225"/>
+          <p:cNvSpPr txBox="1"/>
+          <p:nvPr/>
+        </p:nvSpPr>
+        <p:spPr>
+          <a:xfrm>
+            <a:off x="6019800" y="3810000"/>
+            <a:ext cx="537327" cy="215444"/>
+          </a:xfrm>
+          <a:prstGeom prst="rect">
+            <a:avLst/>
+          </a:prstGeom>
+          <a:noFill/>
+        </p:spPr>
+        <p:txBody>
+          <a:bodyPr wrap="none" rtlCol="0">
+            <a:spAutoFit/>
+          </a:bodyPr>
+          <a:lstStyle/>
+          <a:p>
+            <a:r>
+              <a:rPr lang="en-US" sz="800" dirty="0" smtClean="0"/>
+              <a:t>2,0 </a:t>
+            </a:r>
+            <a:r>
+              <a:rPr lang="en-US" sz="800" dirty="0" err="1" smtClean="0"/>
+              <a:t>abcd</a:t>
+            </a:r>
+            <a:endParaRPr lang="en-US" sz="800" dirty="0"/>
+          </a:p>
+        </p:txBody>
+      </p:sp>
+      <p:sp>
+        <p:nvSpPr>
+          <p:cNvPr id="227" name="TextBox 226"/>
+          <p:cNvSpPr txBox="1"/>
+          <p:nvPr/>
+        </p:nvSpPr>
+        <p:spPr>
+          <a:xfrm>
+            <a:off x="4572000" y="3810000"/>
+            <a:ext cx="537327" cy="215444"/>
+          </a:xfrm>
+          <a:prstGeom prst="rect">
+            <a:avLst/>
+          </a:prstGeom>
+          <a:noFill/>
+        </p:spPr>
+        <p:txBody>
+          <a:bodyPr wrap="none" rtlCol="0">
+            <a:spAutoFit/>
+          </a:bodyPr>
+          <a:lstStyle/>
+          <a:p>
+            <a:r>
+              <a:rPr lang="en-US" sz="800" dirty="0" smtClean="0"/>
+              <a:t>0,0 </a:t>
+            </a:r>
+            <a:r>
+              <a:rPr lang="en-US" sz="800" dirty="0" err="1" smtClean="0"/>
+              <a:t>abcd</a:t>
+            </a:r>
+            <a:endParaRPr lang="en-US" sz="800" dirty="0"/>
+          </a:p>
+        </p:txBody>
+      </p:sp>
+      <p:sp>
+        <p:nvSpPr>
+          <p:cNvPr id="228" name="TextBox 227"/>
+          <p:cNvSpPr txBox="1"/>
+          <p:nvPr/>
+        </p:nvSpPr>
+        <p:spPr>
+          <a:xfrm>
+            <a:off x="3124200" y="4572000"/>
+            <a:ext cx="537327" cy="215444"/>
+          </a:xfrm>
+          <a:prstGeom prst="rect">
+            <a:avLst/>
+          </a:prstGeom>
+          <a:noFill/>
+        </p:spPr>
+        <p:txBody>
+          <a:bodyPr wrap="none" rtlCol="0">
+            <a:spAutoFit/>
+          </a:bodyPr>
+          <a:lstStyle/>
+          <a:p>
+            <a:r>
+              <a:rPr lang="en-US" sz="800" dirty="0" smtClean="0"/>
+              <a:t>0,2 </a:t>
+            </a:r>
+            <a:r>
+              <a:rPr lang="en-US" sz="800" dirty="0" err="1" smtClean="0"/>
+              <a:t>abcd</a:t>
+            </a:r>
+            <a:endParaRPr lang="en-US" sz="800" dirty="0"/>
+          </a:p>
+        </p:txBody>
+      </p:sp>
+      <p:sp>
+        <p:nvSpPr>
+          <p:cNvPr id="229" name="TextBox 228"/>
+          <p:cNvSpPr txBox="1"/>
+          <p:nvPr/>
+        </p:nvSpPr>
+        <p:spPr>
+          <a:xfrm>
+            <a:off x="7467600" y="3733800"/>
+            <a:ext cx="537327" cy="215444"/>
+          </a:xfrm>
+          <a:prstGeom prst="rect">
+            <a:avLst/>
+          </a:prstGeom>
+          <a:noFill/>
+        </p:spPr>
+        <p:txBody>
+          <a:bodyPr wrap="none" rtlCol="0">
+            <a:spAutoFit/>
+          </a:bodyPr>
+          <a:lstStyle/>
+          <a:p>
+            <a:r>
+              <a:rPr lang="en-US" sz="800" dirty="0" smtClean="0"/>
+              <a:t>2,2 </a:t>
+            </a:r>
+            <a:r>
+              <a:rPr lang="en-US" sz="800" dirty="0" err="1" smtClean="0"/>
+              <a:t>abcd</a:t>
+            </a:r>
+            <a:endParaRPr lang="en-US" sz="800" dirty="0"/>
+          </a:p>
+        </p:txBody>
+      </p:sp>
+      <p:sp>
+        <p:nvSpPr>
+          <p:cNvPr id="230" name="Rectangle 229"/>
+          <p:cNvSpPr/>
+          <p:nvPr/>
+        </p:nvSpPr>
+        <p:spPr>
+          <a:xfrm>
+            <a:off x="914400" y="609600"/>
+            <a:ext cx="1752600" cy="1752600"/>
+          </a:xfrm>
+          <a:prstGeom prst="rect">
+            <a:avLst/>
+          </a:prstGeom>
+          <a:noFill/>
+          <a:ln>
+            <a:solidFill>
+              <a:schemeClr val="accent2"/>
+            </a:solidFill>
+          </a:ln>
+        </p:spPr>
+        <p:style>
+          <a:lnRef idx="2">
+            <a:schemeClr val="accent1">
+              <a:shade val="50000"/>
+            </a:schemeClr>
+          </a:lnRef>
+          <a:fillRef idx="1">
+            <a:schemeClr val="accent1"/>
+          </a:fillRef>
+          <a:effectRef idx="0">
+            <a:schemeClr val="accent1"/>
+          </a:effectRef>
+          <a:fontRef idx="minor">
+            <a:schemeClr val="lt1"/>
+          </a:fontRef>
+        </p:style>
+        <p:txBody>
+          <a:bodyPr rtlCol="0" anchor="ctr"/>
+          <a:lstStyle/>
+          <a:p>
+            <a:pPr algn="ctr"/>
+            <a:endParaRPr lang="en-US"/>
+          </a:p>
+        </p:txBody>
+      </p:sp>
+      <p:sp>
+        <p:nvSpPr>
+          <p:cNvPr id="231" name="Rectangle 230"/>
+          <p:cNvSpPr/>
+          <p:nvPr/>
+        </p:nvSpPr>
+        <p:spPr>
+          <a:xfrm>
+            <a:off x="1295400" y="2819400"/>
+            <a:ext cx="381000" cy="381000"/>
+          </a:xfrm>
+          <a:prstGeom prst="rect">
+            <a:avLst/>
+          </a:prstGeom>
+          <a:noFill/>
+          <a:ln>
+            <a:solidFill>
+              <a:schemeClr val="accent2"/>
+            </a:solidFill>
+          </a:ln>
+        </p:spPr>
+        <p:style>
+          <a:lnRef idx="2">
+            <a:schemeClr val="accent1">
+              <a:shade val="50000"/>
+            </a:schemeClr>
+          </a:lnRef>
+          <a:fillRef idx="1">
+            <a:schemeClr val="accent1"/>
+          </a:fillRef>
+          <a:effectRef idx="0">
+            <a:schemeClr val="accent1"/>
+          </a:effectRef>
+          <a:fontRef idx="minor">
+            <a:schemeClr val="lt1"/>
+          </a:fontRef>
+        </p:style>
+        <p:txBody>
+          <a:bodyPr rtlCol="0" anchor="ctr"/>
+          <a:lstStyle/>
+          <a:p>
+            <a:pPr algn="ctr"/>
+            <a:endParaRPr lang="en-US"/>
+          </a:p>
+        </p:txBody>
+      </p:sp>
+      <p:sp>
+        <p:nvSpPr>
+          <p:cNvPr id="232" name="TextBox 231"/>
+          <p:cNvSpPr txBox="1"/>
+          <p:nvPr/>
+        </p:nvSpPr>
+        <p:spPr>
+          <a:xfrm>
+            <a:off x="3886200" y="1447800"/>
+            <a:ext cx="439544" cy="215444"/>
+          </a:xfrm>
+          <a:prstGeom prst="rect">
+            <a:avLst/>
+          </a:prstGeom>
+          <a:noFill/>
+        </p:spPr>
+        <p:txBody>
+          <a:bodyPr wrap="none" rtlCol="0">
+            <a:spAutoFit/>
+          </a:bodyPr>
+          <a:lstStyle/>
+          <a:p>
+            <a:r>
+              <a:rPr lang="en-US" sz="800" dirty="0" smtClean="0"/>
+              <a:t>1,4 </a:t>
+            </a:r>
+            <a:r>
+              <a:rPr lang="en-US" sz="800" dirty="0" err="1" smtClean="0"/>
+              <a:t>ab</a:t>
+            </a:r>
+            <a:endParaRPr lang="en-US" sz="800" dirty="0"/>
+          </a:p>
+        </p:txBody>
+      </p:sp>
+      <p:sp>
+        <p:nvSpPr>
+          <p:cNvPr id="233" name="TextBox 232"/>
+          <p:cNvSpPr txBox="1"/>
+          <p:nvPr/>
+        </p:nvSpPr>
+        <p:spPr>
+          <a:xfrm>
+            <a:off x="3886200" y="1752600"/>
+            <a:ext cx="433132" cy="215444"/>
+          </a:xfrm>
+          <a:prstGeom prst="rect">
+            <a:avLst/>
+          </a:prstGeom>
+          <a:noFill/>
+        </p:spPr>
+        <p:txBody>
+          <a:bodyPr wrap="none" rtlCol="0">
+            <a:spAutoFit/>
+          </a:bodyPr>
+          <a:lstStyle/>
+          <a:p>
+            <a:r>
+              <a:rPr lang="en-US" sz="800" dirty="0" smtClean="0"/>
+              <a:t>1,3 </a:t>
+            </a:r>
+            <a:r>
+              <a:rPr lang="en-US" sz="800" dirty="0" err="1" smtClean="0"/>
+              <a:t>cd</a:t>
+            </a:r>
+            <a:endParaRPr lang="en-US" sz="800" dirty="0"/>
+          </a:p>
+        </p:txBody>
+      </p:sp>
+      <p:sp>
+        <p:nvSpPr>
+          <p:cNvPr id="234" name="TextBox 233"/>
+          <p:cNvSpPr txBox="1"/>
+          <p:nvPr/>
+        </p:nvSpPr>
+        <p:spPr>
+          <a:xfrm>
+            <a:off x="5181600" y="838200"/>
+            <a:ext cx="381000" cy="338554"/>
+          </a:xfrm>
+          <a:prstGeom prst="rect">
+            <a:avLst/>
+          </a:prstGeom>
+          <a:noFill/>
+        </p:spPr>
+        <p:txBody>
+          <a:bodyPr wrap="square" rtlCol="0">
+            <a:spAutoFit/>
+          </a:bodyPr>
+          <a:lstStyle/>
+          <a:p>
+            <a:r>
+              <a:rPr lang="en-US" sz="800" dirty="0" smtClean="0"/>
+              <a:t>1,4 </a:t>
+            </a:r>
+          </a:p>
+          <a:p>
+            <a:r>
+              <a:rPr lang="en-US" sz="800" dirty="0" smtClean="0"/>
+              <a:t>ac</a:t>
+            </a:r>
+            <a:endParaRPr lang="en-US" sz="800" dirty="0"/>
+          </a:p>
+        </p:txBody>
+      </p:sp>
+      <p:sp>
+        <p:nvSpPr>
+          <p:cNvPr id="235" name="TextBox 234"/>
+          <p:cNvSpPr txBox="1"/>
+          <p:nvPr/>
+        </p:nvSpPr>
+        <p:spPr>
+          <a:xfrm>
+            <a:off x="5562600" y="838200"/>
+            <a:ext cx="381000" cy="338554"/>
+          </a:xfrm>
+          <a:prstGeom prst="rect">
+            <a:avLst/>
+          </a:prstGeom>
+          <a:noFill/>
+        </p:spPr>
+        <p:txBody>
+          <a:bodyPr wrap="square" rtlCol="0">
+            <a:spAutoFit/>
+          </a:bodyPr>
+          <a:lstStyle/>
+          <a:p>
+            <a:r>
+              <a:rPr lang="en-US" sz="800" dirty="0" smtClean="0"/>
+              <a:t>0,4 </a:t>
+            </a:r>
+          </a:p>
+          <a:p>
+            <a:r>
+              <a:rPr lang="en-US" sz="800" dirty="0" err="1" smtClean="0"/>
+              <a:t>bd</a:t>
+            </a:r>
+            <a:endParaRPr lang="en-US" sz="800" dirty="0"/>
+          </a:p>
+        </p:txBody>
+      </p:sp>
+      <p:sp>
+        <p:nvSpPr>
+          <p:cNvPr id="236" name="TextBox 235"/>
+          <p:cNvSpPr txBox="1"/>
+          <p:nvPr/>
+        </p:nvSpPr>
+        <p:spPr>
+          <a:xfrm>
+            <a:off x="6781800" y="762000"/>
+            <a:ext cx="439544" cy="215444"/>
+          </a:xfrm>
+          <a:prstGeom prst="rect">
+            <a:avLst/>
+          </a:prstGeom>
+          <a:noFill/>
+        </p:spPr>
+        <p:txBody>
+          <a:bodyPr wrap="none" rtlCol="0">
+            <a:spAutoFit/>
+          </a:bodyPr>
+          <a:lstStyle/>
+          <a:p>
+            <a:r>
+              <a:rPr lang="en-US" sz="800" dirty="0" smtClean="0"/>
+              <a:t>1,4 </a:t>
+            </a:r>
+            <a:r>
+              <a:rPr lang="en-US" sz="800" dirty="0" err="1" smtClean="0"/>
+              <a:t>ab</a:t>
+            </a:r>
+            <a:endParaRPr lang="en-US" sz="800" dirty="0"/>
+          </a:p>
+        </p:txBody>
+      </p:sp>
+      <p:sp>
+        <p:nvSpPr>
+          <p:cNvPr id="237" name="TextBox 236"/>
+          <p:cNvSpPr txBox="1"/>
+          <p:nvPr/>
+        </p:nvSpPr>
+        <p:spPr>
+          <a:xfrm>
+            <a:off x="6781800" y="1066800"/>
+            <a:ext cx="433132" cy="215444"/>
+          </a:xfrm>
+          <a:prstGeom prst="rect">
+            <a:avLst/>
+          </a:prstGeom>
+          <a:noFill/>
+        </p:spPr>
+        <p:txBody>
+          <a:bodyPr wrap="none" rtlCol="0">
+            <a:spAutoFit/>
+          </a:bodyPr>
+          <a:lstStyle/>
+          <a:p>
+            <a:r>
+              <a:rPr lang="en-US" sz="800" dirty="0" smtClean="0"/>
+              <a:t>0,3 </a:t>
+            </a:r>
+            <a:r>
+              <a:rPr lang="en-US" sz="800" dirty="0" err="1" smtClean="0"/>
+              <a:t>cd</a:t>
+            </a:r>
+            <a:endParaRPr lang="en-US" sz="800" dirty="0"/>
+          </a:p>
+        </p:txBody>
+      </p:sp>
+      <p:sp>
+        <p:nvSpPr>
+          <p:cNvPr id="238" name="TextBox 237"/>
+          <p:cNvSpPr txBox="1"/>
+          <p:nvPr/>
+        </p:nvSpPr>
+        <p:spPr>
+          <a:xfrm>
+            <a:off x="7543800" y="1066800"/>
+            <a:ext cx="433132" cy="215444"/>
+          </a:xfrm>
+          <a:prstGeom prst="rect">
+            <a:avLst/>
+          </a:prstGeom>
+          <a:noFill/>
+        </p:spPr>
+        <p:txBody>
+          <a:bodyPr wrap="none" rtlCol="0">
+            <a:spAutoFit/>
+          </a:bodyPr>
+          <a:lstStyle/>
+          <a:p>
+            <a:r>
+              <a:rPr lang="en-US" sz="800" dirty="0" smtClean="0"/>
+              <a:t>0,3 </a:t>
+            </a:r>
+            <a:r>
+              <a:rPr lang="en-US" sz="800" dirty="0" err="1" smtClean="0"/>
+              <a:t>cd</a:t>
+            </a:r>
+            <a:endParaRPr lang="en-US" sz="800" dirty="0"/>
+          </a:p>
+        </p:txBody>
+      </p:sp>
+      <p:sp>
+        <p:nvSpPr>
+          <p:cNvPr id="239" name="TextBox 238"/>
+          <p:cNvSpPr txBox="1"/>
+          <p:nvPr/>
+        </p:nvSpPr>
+        <p:spPr>
+          <a:xfrm>
+            <a:off x="7467600" y="762000"/>
+            <a:ext cx="439544" cy="215444"/>
+          </a:xfrm>
+          <a:prstGeom prst="rect">
+            <a:avLst/>
+          </a:prstGeom>
+          <a:noFill/>
+        </p:spPr>
+        <p:txBody>
+          <a:bodyPr wrap="none" rtlCol="0">
+            <a:spAutoFit/>
+          </a:bodyPr>
+          <a:lstStyle/>
+          <a:p>
+            <a:r>
+              <a:rPr lang="en-US" sz="800" dirty="0" smtClean="0"/>
+              <a:t>0,4 </a:t>
+            </a:r>
+            <a:r>
+              <a:rPr lang="en-US" sz="800" dirty="0" err="1" smtClean="0"/>
+              <a:t>ab</a:t>
+            </a:r>
+            <a:endParaRPr lang="en-US" sz="800" dirty="0"/>
+          </a:p>
+        </p:txBody>
+      </p:sp>
+      <p:sp>
+        <p:nvSpPr>
+          <p:cNvPr id="240" name="TextBox 239"/>
+          <p:cNvSpPr txBox="1"/>
+          <p:nvPr/>
+        </p:nvSpPr>
+        <p:spPr>
+          <a:xfrm>
+            <a:off x="8108950" y="838200"/>
+            <a:ext cx="381000" cy="338554"/>
+          </a:xfrm>
+          <a:prstGeom prst="rect">
+            <a:avLst/>
+          </a:prstGeom>
+          <a:noFill/>
+        </p:spPr>
+        <p:txBody>
+          <a:bodyPr wrap="square" rtlCol="0">
+            <a:spAutoFit/>
+          </a:bodyPr>
+          <a:lstStyle/>
+          <a:p>
+            <a:r>
+              <a:rPr lang="en-US" sz="800" dirty="0" smtClean="0"/>
+              <a:t>1,4 </a:t>
+            </a:r>
+          </a:p>
+          <a:p>
+            <a:r>
+              <a:rPr lang="en-US" sz="800" dirty="0" smtClean="0"/>
+              <a:t>ac</a:t>
+            </a:r>
+            <a:endParaRPr lang="en-US" sz="800" dirty="0"/>
+          </a:p>
+        </p:txBody>
+      </p:sp>
+      <p:sp>
+        <p:nvSpPr>
+          <p:cNvPr id="241" name="TextBox 240"/>
+          <p:cNvSpPr txBox="1"/>
+          <p:nvPr/>
+        </p:nvSpPr>
+        <p:spPr>
+          <a:xfrm>
+            <a:off x="8458200" y="1066800"/>
+            <a:ext cx="389850" cy="215444"/>
+          </a:xfrm>
+          <a:prstGeom prst="rect">
+            <a:avLst/>
+          </a:prstGeom>
+          <a:noFill/>
+        </p:spPr>
+        <p:txBody>
+          <a:bodyPr wrap="none" rtlCol="0">
+            <a:spAutoFit/>
+          </a:bodyPr>
+          <a:lstStyle/>
+          <a:p>
+            <a:r>
+              <a:rPr lang="en-US" sz="800" dirty="0" smtClean="0"/>
+              <a:t>0,3 d</a:t>
+            </a:r>
+            <a:endParaRPr lang="en-US" sz="800" dirty="0"/>
+          </a:p>
+        </p:txBody>
+      </p:sp>
+      <p:sp>
+        <p:nvSpPr>
+          <p:cNvPr id="242" name="TextBox 241"/>
+          <p:cNvSpPr txBox="1"/>
+          <p:nvPr/>
+        </p:nvSpPr>
+        <p:spPr>
+          <a:xfrm>
+            <a:off x="8458200" y="685800"/>
+            <a:ext cx="389850" cy="215444"/>
+          </a:xfrm>
+          <a:prstGeom prst="rect">
+            <a:avLst/>
+          </a:prstGeom>
+          <a:noFill/>
+        </p:spPr>
+        <p:txBody>
+          <a:bodyPr wrap="none" rtlCol="0">
+            <a:spAutoFit/>
+          </a:bodyPr>
+          <a:lstStyle/>
+          <a:p>
+            <a:r>
+              <a:rPr lang="en-US" sz="800" dirty="0" smtClean="0"/>
+              <a:t>0,4 b</a:t>
+            </a:r>
+            <a:endParaRPr lang="en-US" sz="800" dirty="0"/>
+          </a:p>
+        </p:txBody>
+      </p:sp>
+      <p:sp>
+        <p:nvSpPr>
+          <p:cNvPr id="243" name="TextBox 242"/>
+          <p:cNvSpPr txBox="1"/>
+          <p:nvPr/>
+        </p:nvSpPr>
+        <p:spPr>
+          <a:xfrm>
+            <a:off x="8458200" y="1828800"/>
+            <a:ext cx="389850" cy="215444"/>
+          </a:xfrm>
+          <a:prstGeom prst="rect">
+            <a:avLst/>
+          </a:prstGeom>
+          <a:noFill/>
+        </p:spPr>
+        <p:txBody>
+          <a:bodyPr wrap="none" rtlCol="0">
+            <a:spAutoFit/>
+          </a:bodyPr>
+          <a:lstStyle/>
+          <a:p>
+            <a:r>
+              <a:rPr lang="en-US" sz="800" dirty="0" smtClean="0"/>
+              <a:t>0,3 d</a:t>
+            </a:r>
+            <a:endParaRPr lang="en-US" sz="800" dirty="0"/>
+          </a:p>
+        </p:txBody>
+      </p:sp>
+      <p:sp>
+        <p:nvSpPr>
+          <p:cNvPr id="244" name="TextBox 243"/>
+          <p:cNvSpPr txBox="1"/>
+          <p:nvPr/>
+        </p:nvSpPr>
+        <p:spPr>
+          <a:xfrm>
+            <a:off x="8458200" y="1447800"/>
+            <a:ext cx="389850" cy="215444"/>
+          </a:xfrm>
+          <a:prstGeom prst="rect">
+            <a:avLst/>
+          </a:prstGeom>
+          <a:noFill/>
+        </p:spPr>
+        <p:txBody>
+          <a:bodyPr wrap="none" rtlCol="0">
+            <a:spAutoFit/>
+          </a:bodyPr>
+          <a:lstStyle/>
+          <a:p>
+            <a:r>
+              <a:rPr lang="en-US" sz="800" dirty="0" smtClean="0"/>
+              <a:t>0,4 b</a:t>
+            </a:r>
+            <a:endParaRPr lang="en-US" sz="800" dirty="0"/>
+          </a:p>
+        </p:txBody>
+      </p:sp>
+      <p:sp>
+        <p:nvSpPr>
+          <p:cNvPr id="245" name="TextBox 244"/>
+          <p:cNvSpPr txBox="1"/>
+          <p:nvPr/>
+        </p:nvSpPr>
+        <p:spPr>
+          <a:xfrm>
+            <a:off x="8077200" y="1447800"/>
+            <a:ext cx="385042" cy="215444"/>
+          </a:xfrm>
+          <a:prstGeom prst="rect">
+            <a:avLst/>
+          </a:prstGeom>
+          <a:noFill/>
+        </p:spPr>
+        <p:txBody>
+          <a:bodyPr wrap="none" rtlCol="0">
+            <a:spAutoFit/>
+          </a:bodyPr>
+          <a:lstStyle/>
+          <a:p>
+            <a:r>
+              <a:rPr lang="en-US" sz="800" dirty="0" smtClean="0"/>
+              <a:t>1,4 a</a:t>
+            </a:r>
+            <a:endParaRPr lang="en-US" sz="800" dirty="0"/>
+          </a:p>
+        </p:txBody>
+      </p:sp>
+      <p:sp>
+        <p:nvSpPr>
+          <p:cNvPr id="246" name="TextBox 245"/>
+          <p:cNvSpPr txBox="1"/>
+          <p:nvPr/>
+        </p:nvSpPr>
+        <p:spPr>
+          <a:xfrm>
+            <a:off x="8077200" y="1828800"/>
+            <a:ext cx="378630" cy="215444"/>
+          </a:xfrm>
+          <a:prstGeom prst="rect">
+            <a:avLst/>
+          </a:prstGeom>
+          <a:noFill/>
+        </p:spPr>
+        <p:txBody>
+          <a:bodyPr wrap="none" rtlCol="0">
+            <a:spAutoFit/>
+          </a:bodyPr>
+          <a:lstStyle/>
+          <a:p>
+            <a:r>
+              <a:rPr lang="en-US" sz="800" dirty="0" smtClean="0"/>
+              <a:t>1,3 c</a:t>
+            </a:r>
+            <a:endParaRPr lang="en-US" sz="800" dirty="0"/>
+          </a:p>
+        </p:txBody>
+      </p:sp>
+      <p:sp>
+        <p:nvSpPr>
+          <p:cNvPr id="247" name="TextBox 246"/>
+          <p:cNvSpPr txBox="1"/>
+          <p:nvPr/>
+        </p:nvSpPr>
+        <p:spPr>
+          <a:xfrm>
+            <a:off x="5181600" y="1828800"/>
+            <a:ext cx="389850" cy="215444"/>
+          </a:xfrm>
+          <a:prstGeom prst="rect">
+            <a:avLst/>
+          </a:prstGeom>
+          <a:noFill/>
+        </p:spPr>
+        <p:txBody>
+          <a:bodyPr wrap="none" rtlCol="0">
+            <a:spAutoFit/>
+          </a:bodyPr>
+          <a:lstStyle/>
+          <a:p>
+            <a:r>
+              <a:rPr lang="en-US" sz="800" dirty="0" smtClean="0"/>
+              <a:t>1,3 d</a:t>
+            </a:r>
+            <a:endParaRPr lang="en-US" sz="800" dirty="0"/>
+          </a:p>
+        </p:txBody>
+      </p:sp>
+      <p:sp>
+        <p:nvSpPr>
+          <p:cNvPr id="248" name="TextBox 247"/>
+          <p:cNvSpPr txBox="1"/>
+          <p:nvPr/>
+        </p:nvSpPr>
+        <p:spPr>
+          <a:xfrm>
+            <a:off x="5181600" y="1447800"/>
+            <a:ext cx="385042" cy="215444"/>
+          </a:xfrm>
+          <a:prstGeom prst="rect">
+            <a:avLst/>
+          </a:prstGeom>
+          <a:noFill/>
+        </p:spPr>
+        <p:txBody>
+          <a:bodyPr wrap="none" rtlCol="0">
+            <a:spAutoFit/>
+          </a:bodyPr>
+          <a:lstStyle/>
+          <a:p>
+            <a:r>
+              <a:rPr lang="en-US" sz="800" dirty="0" smtClean="0"/>
+              <a:t>1,4 a</a:t>
+            </a:r>
+            <a:endParaRPr lang="en-US" sz="800" dirty="0"/>
+          </a:p>
+        </p:txBody>
+      </p:sp>
+      <p:sp>
+        <p:nvSpPr>
+          <p:cNvPr id="249" name="TextBox 248"/>
+          <p:cNvSpPr txBox="1"/>
+          <p:nvPr/>
+        </p:nvSpPr>
+        <p:spPr>
+          <a:xfrm>
+            <a:off x="5181600" y="2895600"/>
+            <a:ext cx="385042" cy="215444"/>
+          </a:xfrm>
+          <a:prstGeom prst="rect">
+            <a:avLst/>
+          </a:prstGeom>
+          <a:noFill/>
+        </p:spPr>
+        <p:txBody>
+          <a:bodyPr wrap="none" rtlCol="0">
+            <a:spAutoFit/>
+          </a:bodyPr>
+          <a:lstStyle/>
+          <a:p>
+            <a:r>
+              <a:rPr lang="en-US" sz="800" dirty="0" smtClean="0"/>
+              <a:t>1,4 a</a:t>
+            </a:r>
+            <a:endParaRPr lang="en-US" sz="800" dirty="0"/>
+          </a:p>
+        </p:txBody>
+      </p:sp>
+      <p:sp>
+        <p:nvSpPr>
+          <p:cNvPr id="250" name="TextBox 249"/>
+          <p:cNvSpPr txBox="1"/>
+          <p:nvPr/>
+        </p:nvSpPr>
+        <p:spPr>
+          <a:xfrm>
+            <a:off x="5181600" y="3200400"/>
+            <a:ext cx="389850" cy="215444"/>
+          </a:xfrm>
+          <a:prstGeom prst="rect">
+            <a:avLst/>
+          </a:prstGeom>
+          <a:noFill/>
+        </p:spPr>
+        <p:txBody>
+          <a:bodyPr wrap="none" rtlCol="0">
+            <a:spAutoFit/>
+          </a:bodyPr>
+          <a:lstStyle/>
+          <a:p>
+            <a:r>
+              <a:rPr lang="en-US" sz="800" dirty="0" smtClean="0"/>
+              <a:t>1,3 d</a:t>
+            </a:r>
+            <a:endParaRPr lang="en-US" sz="800" dirty="0"/>
+          </a:p>
+        </p:txBody>
+      </p:sp>
+      <p:sp>
+        <p:nvSpPr>
+          <p:cNvPr id="251" name="TextBox 250"/>
+          <p:cNvSpPr txBox="1"/>
+          <p:nvPr/>
+        </p:nvSpPr>
+        <p:spPr>
+          <a:xfrm>
+            <a:off x="6629400" y="4038600"/>
+            <a:ext cx="378630" cy="215444"/>
+          </a:xfrm>
+          <a:prstGeom prst="rect">
+            <a:avLst/>
+          </a:prstGeom>
+          <a:noFill/>
+        </p:spPr>
+        <p:txBody>
+          <a:bodyPr wrap="none" rtlCol="0">
+            <a:spAutoFit/>
+          </a:bodyPr>
+          <a:lstStyle/>
+          <a:p>
+            <a:r>
+              <a:rPr lang="en-US" sz="800" dirty="0" smtClean="0"/>
+              <a:t>1,3 c</a:t>
+            </a:r>
+            <a:endParaRPr lang="en-US" sz="800" dirty="0"/>
+          </a:p>
+        </p:txBody>
+      </p:sp>
+      <p:sp>
+        <p:nvSpPr>
+          <p:cNvPr id="252" name="TextBox 251"/>
+          <p:cNvSpPr txBox="1"/>
+          <p:nvPr/>
+        </p:nvSpPr>
+        <p:spPr>
+          <a:xfrm>
+            <a:off x="6705600" y="3657600"/>
+            <a:ext cx="494046" cy="215444"/>
+          </a:xfrm>
+          <a:prstGeom prst="rect">
+            <a:avLst/>
+          </a:prstGeom>
+          <a:noFill/>
+        </p:spPr>
+        <p:txBody>
+          <a:bodyPr wrap="none" rtlCol="0">
+            <a:spAutoFit/>
+          </a:bodyPr>
+          <a:lstStyle/>
+          <a:p>
+            <a:r>
+              <a:rPr lang="en-US" sz="800" dirty="0" smtClean="0"/>
+              <a:t>2,0 </a:t>
+            </a:r>
+            <a:r>
+              <a:rPr lang="en-US" sz="800" dirty="0" err="1" smtClean="0"/>
+              <a:t>abd</a:t>
+            </a:r>
+            <a:endParaRPr lang="en-US" sz="800" dirty="0"/>
+          </a:p>
+        </p:txBody>
+      </p:sp>
+      <p:sp>
+        <p:nvSpPr>
+          <p:cNvPr id="253" name="TextBox 252"/>
+          <p:cNvSpPr txBox="1"/>
+          <p:nvPr/>
+        </p:nvSpPr>
+        <p:spPr>
+          <a:xfrm>
+            <a:off x="8153400" y="3962400"/>
+            <a:ext cx="487634" cy="215444"/>
+          </a:xfrm>
+          <a:prstGeom prst="rect">
+            <a:avLst/>
+          </a:prstGeom>
+          <a:noFill/>
+        </p:spPr>
+        <p:txBody>
+          <a:bodyPr wrap="none" rtlCol="0">
+            <a:spAutoFit/>
+          </a:bodyPr>
+          <a:lstStyle/>
+          <a:p>
+            <a:r>
+              <a:rPr lang="en-US" sz="800" dirty="0" smtClean="0"/>
+              <a:t>0</a:t>
+            </a:r>
+            <a:r>
+              <a:rPr lang="en-US" sz="800" dirty="0" smtClean="0"/>
+              <a:t>,4 </a:t>
+            </a:r>
+            <a:r>
+              <a:rPr lang="en-US" sz="800" dirty="0" err="1" smtClean="0"/>
+              <a:t>bcd</a:t>
+            </a:r>
+            <a:endParaRPr lang="en-US" sz="800" dirty="0"/>
+          </a:p>
+        </p:txBody>
+      </p:sp>
+      <p:sp>
+        <p:nvSpPr>
+          <p:cNvPr id="254" name="TextBox 253"/>
+          <p:cNvSpPr txBox="1"/>
+          <p:nvPr/>
+        </p:nvSpPr>
+        <p:spPr>
+          <a:xfrm>
+            <a:off x="8077200" y="3657600"/>
+            <a:ext cx="385042" cy="215444"/>
+          </a:xfrm>
+          <a:prstGeom prst="rect">
+            <a:avLst/>
+          </a:prstGeom>
+          <a:noFill/>
+        </p:spPr>
+        <p:txBody>
+          <a:bodyPr wrap="none" rtlCol="0">
+            <a:spAutoFit/>
+          </a:bodyPr>
+          <a:lstStyle/>
+          <a:p>
+            <a:r>
+              <a:rPr lang="en-US" sz="800" dirty="0" smtClean="0"/>
+              <a:t>1,4 a</a:t>
+            </a:r>
+            <a:endParaRPr lang="en-US" sz="800" dirty="0"/>
+          </a:p>
+        </p:txBody>
+      </p:sp>
+      <p:sp>
+        <p:nvSpPr>
+          <p:cNvPr id="255" name="TextBox 254"/>
+          <p:cNvSpPr txBox="1"/>
+          <p:nvPr/>
+        </p:nvSpPr>
+        <p:spPr>
+          <a:xfrm>
+            <a:off x="8458200" y="2895600"/>
+            <a:ext cx="389850" cy="215444"/>
+          </a:xfrm>
+          <a:prstGeom prst="rect">
+            <a:avLst/>
+          </a:prstGeom>
+          <a:noFill/>
+        </p:spPr>
+        <p:txBody>
+          <a:bodyPr wrap="none" rtlCol="0">
+            <a:spAutoFit/>
+          </a:bodyPr>
+          <a:lstStyle/>
+          <a:p>
+            <a:r>
+              <a:rPr lang="en-US" sz="800" dirty="0" smtClean="0"/>
+              <a:t>0,4 b</a:t>
+            </a:r>
+            <a:endParaRPr lang="en-US" sz="800" dirty="0"/>
+          </a:p>
+        </p:txBody>
+      </p:sp>
+      <p:sp>
+        <p:nvSpPr>
+          <p:cNvPr id="256" name="TextBox 255"/>
+          <p:cNvSpPr txBox="1"/>
+          <p:nvPr/>
+        </p:nvSpPr>
+        <p:spPr>
+          <a:xfrm>
+            <a:off x="8077200" y="2895600"/>
+            <a:ext cx="385042" cy="215444"/>
+          </a:xfrm>
+          <a:prstGeom prst="rect">
+            <a:avLst/>
+          </a:prstGeom>
+          <a:noFill/>
+        </p:spPr>
+        <p:txBody>
+          <a:bodyPr wrap="none" rtlCol="0">
+            <a:spAutoFit/>
+          </a:bodyPr>
+          <a:lstStyle/>
+          <a:p>
+            <a:r>
+              <a:rPr lang="en-US" sz="800" dirty="0" smtClean="0"/>
+              <a:t>1,4 a</a:t>
+            </a:r>
+            <a:endParaRPr lang="en-US" sz="800" dirty="0"/>
+          </a:p>
+        </p:txBody>
+      </p:sp>
+      <p:sp>
+        <p:nvSpPr>
+          <p:cNvPr id="257" name="TextBox 256"/>
+          <p:cNvSpPr txBox="1"/>
+          <p:nvPr/>
+        </p:nvSpPr>
+        <p:spPr>
+          <a:xfrm>
+            <a:off x="8458200" y="2514600"/>
+            <a:ext cx="389850" cy="215444"/>
+          </a:xfrm>
+          <a:prstGeom prst="rect">
+            <a:avLst/>
+          </a:prstGeom>
+          <a:noFill/>
+        </p:spPr>
+        <p:txBody>
+          <a:bodyPr wrap="none" rtlCol="0">
+            <a:spAutoFit/>
+          </a:bodyPr>
+          <a:lstStyle/>
+          <a:p>
+            <a:r>
+              <a:rPr lang="en-US" sz="800" dirty="0" smtClean="0"/>
+              <a:t>0,3 d</a:t>
+            </a:r>
+            <a:endParaRPr lang="en-US" sz="800" dirty="0"/>
+          </a:p>
+        </p:txBody>
+      </p:sp>
+      <p:sp>
+        <p:nvSpPr>
+          <p:cNvPr id="258" name="TextBox 257"/>
+          <p:cNvSpPr txBox="1"/>
+          <p:nvPr/>
+        </p:nvSpPr>
+        <p:spPr>
+          <a:xfrm>
+            <a:off x="8077200" y="2514600"/>
+            <a:ext cx="378630" cy="215444"/>
+          </a:xfrm>
+          <a:prstGeom prst="rect">
+            <a:avLst/>
+          </a:prstGeom>
+          <a:noFill/>
+        </p:spPr>
+        <p:txBody>
+          <a:bodyPr wrap="none" rtlCol="0">
+            <a:spAutoFit/>
+          </a:bodyPr>
+          <a:lstStyle/>
+          <a:p>
+            <a:r>
+              <a:rPr lang="en-US" sz="800" dirty="0" smtClean="0"/>
+              <a:t>1,3 c</a:t>
+            </a:r>
+            <a:endParaRPr lang="en-US" sz="800" dirty="0"/>
+          </a:p>
+        </p:txBody>
+      </p:sp>
+      <p:sp>
+        <p:nvSpPr>
+          <p:cNvPr id="259" name="TextBox 258"/>
+          <p:cNvSpPr txBox="1"/>
+          <p:nvPr/>
+        </p:nvSpPr>
+        <p:spPr>
+          <a:xfrm>
+            <a:off x="8153400" y="2209800"/>
+            <a:ext cx="439544" cy="215444"/>
+          </a:xfrm>
+          <a:prstGeom prst="rect">
+            <a:avLst/>
+          </a:prstGeom>
+          <a:noFill/>
+        </p:spPr>
+        <p:txBody>
+          <a:bodyPr wrap="none" rtlCol="0">
+            <a:spAutoFit/>
+          </a:bodyPr>
+          <a:lstStyle/>
+          <a:p>
+            <a:r>
+              <a:rPr lang="en-US" sz="800" dirty="0" smtClean="0"/>
+              <a:t>1,0 </a:t>
+            </a:r>
+            <a:r>
+              <a:rPr lang="en-US" sz="800" dirty="0" err="1" smtClean="0"/>
+              <a:t>ab</a:t>
+            </a:r>
+            <a:endParaRPr lang="en-US" sz="800" dirty="0"/>
+          </a:p>
+        </p:txBody>
+      </p:sp>
+      <p:sp>
+        <p:nvSpPr>
+          <p:cNvPr id="260" name="TextBox 259"/>
+          <p:cNvSpPr txBox="1"/>
+          <p:nvPr/>
+        </p:nvSpPr>
+        <p:spPr>
+          <a:xfrm>
+            <a:off x="7543800" y="2209800"/>
+            <a:ext cx="439544" cy="215444"/>
+          </a:xfrm>
+          <a:prstGeom prst="rect">
+            <a:avLst/>
+          </a:prstGeom>
+          <a:noFill/>
+        </p:spPr>
+        <p:txBody>
+          <a:bodyPr wrap="none" rtlCol="0">
+            <a:spAutoFit/>
+          </a:bodyPr>
+          <a:lstStyle/>
+          <a:p>
+            <a:r>
+              <a:rPr lang="en-US" sz="800" dirty="0" smtClean="0"/>
+              <a:t>1,0 </a:t>
+            </a:r>
+            <a:r>
+              <a:rPr lang="en-US" sz="800" dirty="0" err="1" smtClean="0"/>
+              <a:t>ab</a:t>
+            </a:r>
+            <a:endParaRPr lang="en-US" sz="800" dirty="0"/>
+          </a:p>
+        </p:txBody>
+      </p:sp>
+      <p:sp>
+        <p:nvSpPr>
+          <p:cNvPr id="261" name="TextBox 260"/>
+          <p:cNvSpPr txBox="1"/>
+          <p:nvPr/>
+        </p:nvSpPr>
+        <p:spPr>
+          <a:xfrm>
+            <a:off x="6781800" y="2209800"/>
+            <a:ext cx="439544" cy="215444"/>
+          </a:xfrm>
+          <a:prstGeom prst="rect">
+            <a:avLst/>
+          </a:prstGeom>
+          <a:noFill/>
+        </p:spPr>
+        <p:txBody>
+          <a:bodyPr wrap="none" rtlCol="0">
+            <a:spAutoFit/>
+          </a:bodyPr>
+          <a:lstStyle/>
+          <a:p>
+            <a:r>
+              <a:rPr lang="en-US" sz="800" dirty="0" smtClean="0"/>
+              <a:t>1,0 </a:t>
+            </a:r>
+            <a:r>
+              <a:rPr lang="en-US" sz="800" dirty="0" err="1" smtClean="0"/>
+              <a:t>ab</a:t>
+            </a:r>
+            <a:endParaRPr lang="en-US" sz="800" dirty="0"/>
+          </a:p>
+        </p:txBody>
+      </p:sp>
+      <p:sp>
+        <p:nvSpPr>
+          <p:cNvPr id="262" name="TextBox 261"/>
+          <p:cNvSpPr txBox="1"/>
+          <p:nvPr/>
+        </p:nvSpPr>
+        <p:spPr>
+          <a:xfrm>
+            <a:off x="6781800" y="2895600"/>
+            <a:ext cx="439544" cy="215444"/>
+          </a:xfrm>
+          <a:prstGeom prst="rect">
+            <a:avLst/>
+          </a:prstGeom>
+          <a:noFill/>
+        </p:spPr>
+        <p:txBody>
+          <a:bodyPr wrap="none" rtlCol="0">
+            <a:spAutoFit/>
+          </a:bodyPr>
+          <a:lstStyle/>
+          <a:p>
+            <a:r>
+              <a:rPr lang="en-US" sz="800" dirty="0" smtClean="0"/>
+              <a:t>1,4 </a:t>
+            </a:r>
+            <a:r>
+              <a:rPr lang="en-US" sz="800" dirty="0" err="1" smtClean="0"/>
+              <a:t>ab</a:t>
+            </a:r>
+            <a:endParaRPr lang="en-US" sz="800" dirty="0"/>
+          </a:p>
+        </p:txBody>
+      </p:sp>
+      <p:sp>
+        <p:nvSpPr>
+          <p:cNvPr id="263" name="TextBox 262"/>
+          <p:cNvSpPr txBox="1"/>
+          <p:nvPr/>
+        </p:nvSpPr>
+        <p:spPr>
+          <a:xfrm>
+            <a:off x="7467600" y="2895600"/>
+            <a:ext cx="439544" cy="215444"/>
+          </a:xfrm>
+          <a:prstGeom prst="rect">
+            <a:avLst/>
+          </a:prstGeom>
+          <a:noFill/>
+        </p:spPr>
+        <p:txBody>
+          <a:bodyPr wrap="none" rtlCol="0">
+            <a:spAutoFit/>
+          </a:bodyPr>
+          <a:lstStyle/>
+          <a:p>
+            <a:r>
+              <a:rPr lang="en-US" sz="800" dirty="0" smtClean="0"/>
+              <a:t>0,4 </a:t>
+            </a:r>
+            <a:r>
+              <a:rPr lang="en-US" sz="800" dirty="0" err="1" smtClean="0"/>
+              <a:t>ab</a:t>
+            </a:r>
+            <a:endParaRPr lang="en-US" sz="800" dirty="0"/>
+          </a:p>
+        </p:txBody>
+      </p:sp>
+      <p:sp>
+        <p:nvSpPr>
+          <p:cNvPr id="264" name="TextBox 263"/>
+          <p:cNvSpPr txBox="1"/>
+          <p:nvPr/>
+        </p:nvSpPr>
+        <p:spPr>
+          <a:xfrm>
+            <a:off x="6705600" y="3276600"/>
+            <a:ext cx="433132" cy="215444"/>
+          </a:xfrm>
+          <a:prstGeom prst="rect">
+            <a:avLst/>
+          </a:prstGeom>
+          <a:noFill/>
+        </p:spPr>
+        <p:txBody>
+          <a:bodyPr wrap="none" rtlCol="0">
+            <a:spAutoFit/>
+          </a:bodyPr>
+          <a:lstStyle/>
+          <a:p>
+            <a:r>
+              <a:rPr lang="en-US" sz="800" dirty="0" smtClean="0"/>
+              <a:t>1,2 </a:t>
+            </a:r>
+            <a:r>
+              <a:rPr lang="en-US" sz="800" dirty="0" err="1" smtClean="0"/>
+              <a:t>cd</a:t>
+            </a:r>
+            <a:endParaRPr lang="en-US" sz="800" dirty="0"/>
+          </a:p>
+        </p:txBody>
+      </p:sp>
+      <p:sp>
+        <p:nvSpPr>
+          <p:cNvPr id="265" name="TextBox 264"/>
+          <p:cNvSpPr txBox="1"/>
+          <p:nvPr/>
+        </p:nvSpPr>
+        <p:spPr>
+          <a:xfrm>
+            <a:off x="7543800" y="3276600"/>
+            <a:ext cx="433132" cy="215444"/>
+          </a:xfrm>
+          <a:prstGeom prst="rect">
+            <a:avLst/>
+          </a:prstGeom>
+          <a:noFill/>
+        </p:spPr>
+        <p:txBody>
+          <a:bodyPr wrap="none" rtlCol="0">
+            <a:spAutoFit/>
+          </a:bodyPr>
+          <a:lstStyle/>
+          <a:p>
+            <a:r>
+              <a:rPr lang="en-US" sz="800" dirty="0" smtClean="0"/>
+              <a:t>1,2 </a:t>
+            </a:r>
+            <a:r>
+              <a:rPr lang="en-US" sz="800" dirty="0" err="1" smtClean="0"/>
+              <a:t>cd</a:t>
+            </a:r>
+            <a:endParaRPr lang="en-US" sz="800" dirty="0"/>
+          </a:p>
+        </p:txBody>
+      </p:sp>
+      <p:sp>
+        <p:nvSpPr>
+          <p:cNvPr id="266" name="TextBox 265"/>
+          <p:cNvSpPr txBox="1"/>
+          <p:nvPr/>
+        </p:nvSpPr>
+        <p:spPr>
+          <a:xfrm>
+            <a:off x="8229600" y="3276600"/>
+            <a:ext cx="433132" cy="215444"/>
+          </a:xfrm>
+          <a:prstGeom prst="rect">
+            <a:avLst/>
+          </a:prstGeom>
+          <a:noFill/>
+        </p:spPr>
+        <p:txBody>
+          <a:bodyPr wrap="none" rtlCol="0">
+            <a:spAutoFit/>
+          </a:bodyPr>
+          <a:lstStyle/>
+          <a:p>
+            <a:r>
+              <a:rPr lang="en-US" sz="800" dirty="0" smtClean="0"/>
+              <a:t>1,2 </a:t>
+            </a:r>
+            <a:r>
+              <a:rPr lang="en-US" sz="800" dirty="0" err="1" smtClean="0"/>
+              <a:t>cd</a:t>
+            </a:r>
+            <a:endParaRPr lang="en-US" sz="800" dirty="0"/>
+          </a:p>
+        </p:txBody>
+      </p:sp>
+      <p:sp>
+        <p:nvSpPr>
+          <p:cNvPr id="267" name="TextBox 266"/>
+          <p:cNvSpPr txBox="1"/>
+          <p:nvPr/>
+        </p:nvSpPr>
+        <p:spPr>
+          <a:xfrm>
+            <a:off x="5943600" y="1600200"/>
+            <a:ext cx="381000" cy="338554"/>
+          </a:xfrm>
+          <a:prstGeom prst="rect">
+            <a:avLst/>
+          </a:prstGeom>
+          <a:noFill/>
+        </p:spPr>
+        <p:txBody>
+          <a:bodyPr wrap="square" rtlCol="0">
+            <a:spAutoFit/>
+          </a:bodyPr>
+          <a:lstStyle/>
+          <a:p>
+            <a:r>
+              <a:rPr lang="en-US" sz="800" dirty="0" smtClean="0"/>
+              <a:t>1,3 </a:t>
+            </a:r>
+          </a:p>
+          <a:p>
+            <a:r>
+              <a:rPr lang="en-US" sz="800" dirty="0" smtClean="0"/>
+              <a:t>ac</a:t>
+            </a:r>
+            <a:endParaRPr lang="en-US" sz="800" dirty="0"/>
+          </a:p>
+        </p:txBody>
+      </p:sp>
+      <p:sp>
+        <p:nvSpPr>
+          <p:cNvPr id="268" name="TextBox 267"/>
+          <p:cNvSpPr txBox="1"/>
+          <p:nvPr/>
+        </p:nvSpPr>
+        <p:spPr>
+          <a:xfrm>
+            <a:off x="6248400" y="1524000"/>
+            <a:ext cx="381000" cy="338554"/>
+          </a:xfrm>
+          <a:prstGeom prst="rect">
+            <a:avLst/>
+          </a:prstGeom>
+          <a:noFill/>
+        </p:spPr>
+        <p:txBody>
+          <a:bodyPr wrap="square" rtlCol="0">
+            <a:spAutoFit/>
+          </a:bodyPr>
+          <a:lstStyle/>
+          <a:p>
+            <a:r>
+              <a:rPr lang="en-US" sz="800" dirty="0" smtClean="0"/>
+              <a:t>0,3 </a:t>
+            </a:r>
+          </a:p>
+          <a:p>
+            <a:r>
+              <a:rPr lang="en-US" sz="800" dirty="0" err="1" smtClean="0"/>
+              <a:t>bd</a:t>
+            </a:r>
+            <a:endParaRPr lang="en-US" sz="800" dirty="0"/>
+          </a:p>
+        </p:txBody>
+      </p:sp>
+      <p:sp>
+        <p:nvSpPr>
+          <p:cNvPr id="269" name="TextBox 268"/>
+          <p:cNvSpPr txBox="1"/>
+          <p:nvPr/>
+        </p:nvSpPr>
+        <p:spPr>
+          <a:xfrm>
+            <a:off x="5562600" y="1600200"/>
+            <a:ext cx="381000" cy="338554"/>
+          </a:xfrm>
+          <a:prstGeom prst="rect">
+            <a:avLst/>
+          </a:prstGeom>
+          <a:noFill/>
+        </p:spPr>
+        <p:txBody>
+          <a:bodyPr wrap="square" rtlCol="0">
+            <a:spAutoFit/>
+          </a:bodyPr>
+          <a:lstStyle/>
+          <a:p>
+            <a:r>
+              <a:rPr lang="en-US" sz="800" dirty="0" smtClean="0"/>
+              <a:t>0,4 </a:t>
+            </a:r>
+          </a:p>
+          <a:p>
+            <a:r>
+              <a:rPr lang="en-US" sz="800" dirty="0" err="1" smtClean="0"/>
+              <a:t>bd</a:t>
+            </a:r>
+            <a:endParaRPr lang="en-US" sz="800" dirty="0"/>
+          </a:p>
+        </p:txBody>
+      </p:sp>
+      <p:sp>
+        <p:nvSpPr>
+          <p:cNvPr id="270" name="TextBox 269"/>
+          <p:cNvSpPr txBox="1"/>
+          <p:nvPr/>
+        </p:nvSpPr>
+        <p:spPr>
+          <a:xfrm>
+            <a:off x="4800600" y="1600200"/>
+            <a:ext cx="381000" cy="338554"/>
+          </a:xfrm>
+          <a:prstGeom prst="rect">
+            <a:avLst/>
+          </a:prstGeom>
+          <a:noFill/>
+        </p:spPr>
+        <p:txBody>
+          <a:bodyPr wrap="square" rtlCol="0">
+            <a:spAutoFit/>
+          </a:bodyPr>
+          <a:lstStyle/>
+          <a:p>
+            <a:r>
+              <a:rPr lang="en-US" sz="800" dirty="0" smtClean="0"/>
+              <a:t>0,4 </a:t>
+            </a:r>
+          </a:p>
+          <a:p>
+            <a:r>
+              <a:rPr lang="en-US" sz="800" dirty="0" err="1" smtClean="0"/>
+              <a:t>bd</a:t>
+            </a:r>
+            <a:endParaRPr lang="en-US" sz="800" dirty="0"/>
+          </a:p>
+        </p:txBody>
+      </p:sp>
+      <p:sp>
+        <p:nvSpPr>
+          <p:cNvPr id="271" name="TextBox 270"/>
+          <p:cNvSpPr txBox="1"/>
+          <p:nvPr/>
+        </p:nvSpPr>
+        <p:spPr>
+          <a:xfrm>
+            <a:off x="4495800" y="1600200"/>
+            <a:ext cx="381000" cy="338554"/>
+          </a:xfrm>
+          <a:prstGeom prst="rect">
+            <a:avLst/>
+          </a:prstGeom>
+          <a:noFill/>
+        </p:spPr>
+        <p:txBody>
+          <a:bodyPr wrap="square" rtlCol="0">
+            <a:spAutoFit/>
+          </a:bodyPr>
+          <a:lstStyle/>
+          <a:p>
+            <a:r>
+              <a:rPr lang="en-US" sz="800" dirty="0" smtClean="0"/>
+              <a:t>1,3 </a:t>
+            </a:r>
+          </a:p>
+          <a:p>
+            <a:r>
+              <a:rPr lang="en-US" sz="800" dirty="0" smtClean="0"/>
+              <a:t>ac</a:t>
+            </a:r>
+            <a:endParaRPr lang="en-US" sz="800" dirty="0"/>
+          </a:p>
+        </p:txBody>
+      </p:sp>
+      <p:sp>
+        <p:nvSpPr>
+          <p:cNvPr id="272" name="TextBox 271"/>
+          <p:cNvSpPr txBox="1"/>
+          <p:nvPr/>
+        </p:nvSpPr>
+        <p:spPr>
+          <a:xfrm>
+            <a:off x="7010400" y="1524000"/>
+            <a:ext cx="381000" cy="338554"/>
+          </a:xfrm>
+          <a:prstGeom prst="rect">
+            <a:avLst/>
+          </a:prstGeom>
+          <a:noFill/>
+        </p:spPr>
+        <p:txBody>
+          <a:bodyPr wrap="square" rtlCol="0">
+            <a:spAutoFit/>
+          </a:bodyPr>
+          <a:lstStyle/>
+          <a:p>
+            <a:r>
+              <a:rPr lang="en-US" sz="800" dirty="0" smtClean="0"/>
+              <a:t>0,3 </a:t>
+            </a:r>
+          </a:p>
+          <a:p>
+            <a:r>
+              <a:rPr lang="en-US" sz="800" dirty="0" err="1" smtClean="0"/>
+              <a:t>bd</a:t>
+            </a:r>
+            <a:endParaRPr lang="en-US" sz="800" dirty="0"/>
+          </a:p>
+        </p:txBody>
+      </p:sp>
+      <p:cxnSp>
+        <p:nvCxnSpPr>
+          <p:cNvPr id="274" name="Straight Connector 273"/>
+          <p:cNvCxnSpPr/>
+          <p:nvPr/>
+        </p:nvCxnSpPr>
+        <p:spPr>
+          <a:xfrm>
+            <a:off x="7391400" y="1752600"/>
+            <a:ext cx="685800" cy="1588"/>
+          </a:xfrm>
+          <a:prstGeom prst="line">
+            <a:avLst/>
+          </a:prstGeom>
+        </p:spPr>
+        <p:style>
+          <a:lnRef idx="1">
+            <a:schemeClr val="accent1"/>
+          </a:lnRef>
+          <a:fillRef idx="0">
+            <a:schemeClr val="accent1"/>
+          </a:fillRef>
+          <a:effectRef idx="0">
+            <a:schemeClr val="accent1"/>
+          </a:effectRef>
+          <a:fontRef idx="minor">
+            <a:schemeClr val="tx1"/>
+          </a:fontRef>
+        </p:style>
+      </p:cxnSp>
+      <p:cxnSp>
+        <p:nvCxnSpPr>
+          <p:cNvPr id="275" name="Straight Connector 274"/>
+          <p:cNvCxnSpPr/>
+          <p:nvPr/>
+        </p:nvCxnSpPr>
+        <p:spPr>
+          <a:xfrm rot="5400000" flipH="1" flipV="1">
+            <a:off x="7589044" y="1904206"/>
+            <a:ext cx="304800" cy="1588"/>
+          </a:xfrm>
+          <a:prstGeom prst="line">
+            <a:avLst/>
+          </a:prstGeom>
+        </p:spPr>
+        <p:style>
+          <a:lnRef idx="1">
+            <a:schemeClr val="accent1"/>
+          </a:lnRef>
+          <a:fillRef idx="0">
+            <a:schemeClr val="accent1"/>
+          </a:fillRef>
+          <a:effectRef idx="0">
+            <a:schemeClr val="accent1"/>
+          </a:effectRef>
+          <a:fontRef idx="minor">
+            <a:schemeClr val="tx1"/>
+          </a:fontRef>
+        </p:style>
+      </p:cxnSp>
+      <p:sp>
+        <p:nvSpPr>
+          <p:cNvPr id="276" name="TextBox 275"/>
+          <p:cNvSpPr txBox="1"/>
+          <p:nvPr/>
+        </p:nvSpPr>
+        <p:spPr>
+          <a:xfrm>
+            <a:off x="7467600" y="1447800"/>
+            <a:ext cx="439544" cy="215444"/>
+          </a:xfrm>
+          <a:prstGeom prst="rect">
+            <a:avLst/>
+          </a:prstGeom>
+          <a:noFill/>
+        </p:spPr>
+        <p:txBody>
+          <a:bodyPr wrap="none" rtlCol="0">
+            <a:spAutoFit/>
+          </a:bodyPr>
+          <a:lstStyle/>
+          <a:p>
+            <a:r>
+              <a:rPr lang="en-US" sz="800" dirty="0" smtClean="0"/>
+              <a:t>0,4 </a:t>
+            </a:r>
+            <a:r>
+              <a:rPr lang="en-US" sz="800" dirty="0" err="1" smtClean="0"/>
+              <a:t>ab</a:t>
+            </a:r>
+            <a:endParaRPr lang="en-US" sz="800" dirty="0"/>
+          </a:p>
+        </p:txBody>
+      </p:sp>
+      <p:sp>
+        <p:nvSpPr>
+          <p:cNvPr id="277" name="TextBox 276"/>
+          <p:cNvSpPr txBox="1"/>
+          <p:nvPr/>
+        </p:nvSpPr>
+        <p:spPr>
+          <a:xfrm>
+            <a:off x="7740650" y="1828800"/>
+            <a:ext cx="389850" cy="215444"/>
+          </a:xfrm>
+          <a:prstGeom prst="rect">
+            <a:avLst/>
+          </a:prstGeom>
+          <a:noFill/>
+        </p:spPr>
+        <p:txBody>
+          <a:bodyPr wrap="none" rtlCol="0">
+            <a:spAutoFit/>
+          </a:bodyPr>
+          <a:lstStyle/>
+          <a:p>
+            <a:r>
+              <a:rPr lang="en-US" sz="800" dirty="0" smtClean="0"/>
+              <a:t>0,3 d</a:t>
+            </a:r>
+            <a:endParaRPr lang="en-US" sz="800" dirty="0"/>
+          </a:p>
+        </p:txBody>
+      </p:sp>
+      <p:sp>
+        <p:nvSpPr>
+          <p:cNvPr id="278" name="TextBox 277"/>
+          <p:cNvSpPr txBox="1"/>
+          <p:nvPr/>
+        </p:nvSpPr>
+        <p:spPr>
+          <a:xfrm>
+            <a:off x="7359650" y="1828800"/>
+            <a:ext cx="378630" cy="215444"/>
+          </a:xfrm>
+          <a:prstGeom prst="rect">
+            <a:avLst/>
+          </a:prstGeom>
+          <a:noFill/>
+        </p:spPr>
+        <p:txBody>
+          <a:bodyPr wrap="none" rtlCol="0">
+            <a:spAutoFit/>
+          </a:bodyPr>
+          <a:lstStyle/>
+          <a:p>
+            <a:r>
+              <a:rPr lang="en-US" sz="800" dirty="0" smtClean="0"/>
+              <a:t>1,3 c</a:t>
+            </a:r>
+            <a:endParaRPr lang="en-US" sz="800" dirty="0"/>
+          </a:p>
+        </p:txBody>
+      </p:sp>
+      <p:cxnSp>
+        <p:nvCxnSpPr>
+          <p:cNvPr id="279" name="Straight Connector 278"/>
+          <p:cNvCxnSpPr/>
+          <p:nvPr/>
+        </p:nvCxnSpPr>
+        <p:spPr>
+          <a:xfrm>
+            <a:off x="6629400" y="1752600"/>
+            <a:ext cx="304800" cy="1588"/>
+          </a:xfrm>
+          <a:prstGeom prst="line">
+            <a:avLst/>
+          </a:prstGeom>
+        </p:spPr>
+        <p:style>
+          <a:lnRef idx="1">
+            <a:schemeClr val="accent1"/>
+          </a:lnRef>
+          <a:fillRef idx="0">
+            <a:schemeClr val="accent1"/>
+          </a:fillRef>
+          <a:effectRef idx="0">
+            <a:schemeClr val="accent1"/>
+          </a:effectRef>
+          <a:fontRef idx="minor">
+            <a:schemeClr val="tx1"/>
+          </a:fontRef>
+        </p:style>
+      </p:cxnSp>
+      <p:sp>
+        <p:nvSpPr>
+          <p:cNvPr id="280" name="TextBox 279"/>
+          <p:cNvSpPr txBox="1"/>
+          <p:nvPr/>
+        </p:nvSpPr>
+        <p:spPr>
+          <a:xfrm>
+            <a:off x="6629400" y="1447800"/>
+            <a:ext cx="385042" cy="215444"/>
+          </a:xfrm>
+          <a:prstGeom prst="rect">
+            <a:avLst/>
+          </a:prstGeom>
+          <a:noFill/>
+        </p:spPr>
+        <p:txBody>
+          <a:bodyPr wrap="none" rtlCol="0">
+            <a:spAutoFit/>
+          </a:bodyPr>
+          <a:lstStyle/>
+          <a:p>
+            <a:r>
+              <a:rPr lang="en-US" sz="800" dirty="0" smtClean="0"/>
+              <a:t>1,4 a</a:t>
+            </a:r>
+            <a:endParaRPr lang="en-US" sz="800" dirty="0"/>
+          </a:p>
+        </p:txBody>
+      </p:sp>
+      <p:sp>
+        <p:nvSpPr>
+          <p:cNvPr id="281" name="TextBox 280"/>
+          <p:cNvSpPr txBox="1"/>
+          <p:nvPr/>
+        </p:nvSpPr>
+        <p:spPr>
+          <a:xfrm>
+            <a:off x="6629400" y="1828800"/>
+            <a:ext cx="378630" cy="215444"/>
+          </a:xfrm>
+          <a:prstGeom prst="rect">
+            <a:avLst/>
+          </a:prstGeom>
+          <a:noFill/>
+        </p:spPr>
+        <p:txBody>
+          <a:bodyPr wrap="none" rtlCol="0">
+            <a:spAutoFit/>
+          </a:bodyPr>
+          <a:lstStyle/>
+          <a:p>
+            <a:r>
+              <a:rPr lang="en-US" sz="800" dirty="0" smtClean="0"/>
+              <a:t>1,3 c</a:t>
+            </a:r>
+            <a:endParaRPr lang="en-US" sz="800" dirty="0"/>
+          </a:p>
+        </p:txBody>
+      </p:sp>
+      <p:sp>
+        <p:nvSpPr>
+          <p:cNvPr id="282" name="TextBox 281"/>
+          <p:cNvSpPr txBox="1"/>
+          <p:nvPr/>
+        </p:nvSpPr>
+        <p:spPr>
+          <a:xfrm>
+            <a:off x="4114800" y="2286000"/>
+            <a:ext cx="381000" cy="338554"/>
+          </a:xfrm>
+          <a:prstGeom prst="rect">
+            <a:avLst/>
+          </a:prstGeom>
+          <a:noFill/>
+        </p:spPr>
+        <p:txBody>
+          <a:bodyPr wrap="square" rtlCol="0">
+            <a:spAutoFit/>
+          </a:bodyPr>
+          <a:lstStyle/>
+          <a:p>
+            <a:r>
+              <a:rPr lang="en-US" sz="800" dirty="0" smtClean="0"/>
+              <a:t>0,4 </a:t>
+            </a:r>
+          </a:p>
+          <a:p>
+            <a:r>
+              <a:rPr lang="en-US" sz="800" dirty="0" err="1" smtClean="0"/>
+              <a:t>bd</a:t>
+            </a:r>
+            <a:endParaRPr lang="en-US" sz="800" dirty="0"/>
+          </a:p>
+        </p:txBody>
+      </p:sp>
+      <p:sp>
+        <p:nvSpPr>
+          <p:cNvPr id="283" name="TextBox 282"/>
+          <p:cNvSpPr txBox="1"/>
+          <p:nvPr/>
+        </p:nvSpPr>
+        <p:spPr>
+          <a:xfrm>
+            <a:off x="3790950" y="2286000"/>
+            <a:ext cx="381000" cy="338554"/>
+          </a:xfrm>
+          <a:prstGeom prst="rect">
+            <a:avLst/>
+          </a:prstGeom>
+          <a:noFill/>
+        </p:spPr>
+        <p:txBody>
+          <a:bodyPr wrap="square" rtlCol="0">
+            <a:spAutoFit/>
+          </a:bodyPr>
+          <a:lstStyle/>
+          <a:p>
+            <a:r>
+              <a:rPr lang="en-US" sz="800" dirty="0" smtClean="0"/>
+              <a:t>0,1 </a:t>
+            </a:r>
+          </a:p>
+          <a:p>
+            <a:r>
+              <a:rPr lang="en-US" sz="800" dirty="0" smtClean="0"/>
+              <a:t>ac</a:t>
+            </a:r>
+            <a:endParaRPr lang="en-US" sz="800" dirty="0"/>
+          </a:p>
+        </p:txBody>
+      </p:sp>
+      <p:sp>
+        <p:nvSpPr>
+          <p:cNvPr id="284" name="TextBox 283"/>
+          <p:cNvSpPr txBox="1"/>
+          <p:nvPr/>
+        </p:nvSpPr>
+        <p:spPr>
+          <a:xfrm>
+            <a:off x="4495800" y="2286000"/>
+            <a:ext cx="381000" cy="338554"/>
+          </a:xfrm>
+          <a:prstGeom prst="rect">
+            <a:avLst/>
+          </a:prstGeom>
+          <a:noFill/>
+        </p:spPr>
+        <p:txBody>
+          <a:bodyPr wrap="square" rtlCol="0">
+            <a:spAutoFit/>
+          </a:bodyPr>
+          <a:lstStyle/>
+          <a:p>
+            <a:r>
+              <a:rPr lang="en-US" sz="800" dirty="0" smtClean="0"/>
+              <a:t>0,1 </a:t>
+            </a:r>
+          </a:p>
+          <a:p>
+            <a:r>
+              <a:rPr lang="en-US" sz="800" dirty="0" smtClean="0"/>
+              <a:t>ac</a:t>
+            </a:r>
+            <a:endParaRPr lang="en-US" sz="800" dirty="0"/>
+          </a:p>
+        </p:txBody>
+      </p:sp>
+      <p:sp>
+        <p:nvSpPr>
+          <p:cNvPr id="285" name="TextBox 284"/>
+          <p:cNvSpPr txBox="1"/>
+          <p:nvPr/>
+        </p:nvSpPr>
+        <p:spPr>
+          <a:xfrm>
+            <a:off x="5181600" y="2286000"/>
+            <a:ext cx="381000" cy="338554"/>
+          </a:xfrm>
+          <a:prstGeom prst="rect">
+            <a:avLst/>
+          </a:prstGeom>
+          <a:noFill/>
+        </p:spPr>
+        <p:txBody>
+          <a:bodyPr wrap="square" rtlCol="0">
+            <a:spAutoFit/>
+          </a:bodyPr>
+          <a:lstStyle/>
+          <a:p>
+            <a:r>
+              <a:rPr lang="en-US" sz="800" dirty="0" smtClean="0"/>
+              <a:t>0,1 </a:t>
+            </a:r>
+          </a:p>
+          <a:p>
+            <a:r>
+              <a:rPr lang="en-US" sz="800" dirty="0" smtClean="0"/>
+              <a:t>ac</a:t>
+            </a:r>
+            <a:endParaRPr lang="en-US" sz="800" dirty="0"/>
+          </a:p>
+        </p:txBody>
+      </p:sp>
+      <p:sp>
+        <p:nvSpPr>
+          <p:cNvPr id="286" name="TextBox 285"/>
+          <p:cNvSpPr txBox="1"/>
+          <p:nvPr/>
+        </p:nvSpPr>
+        <p:spPr>
+          <a:xfrm>
+            <a:off x="4102100" y="3048000"/>
+            <a:ext cx="381000" cy="338554"/>
+          </a:xfrm>
+          <a:prstGeom prst="rect">
+            <a:avLst/>
+          </a:prstGeom>
+          <a:noFill/>
+        </p:spPr>
+        <p:txBody>
+          <a:bodyPr wrap="square" rtlCol="0">
+            <a:spAutoFit/>
+          </a:bodyPr>
+          <a:lstStyle/>
+          <a:p>
+            <a:r>
+              <a:rPr lang="en-US" sz="800" dirty="0" smtClean="0"/>
+              <a:t>2,1 </a:t>
+            </a:r>
+          </a:p>
+          <a:p>
+            <a:r>
+              <a:rPr lang="en-US" sz="800" dirty="0" err="1" smtClean="0"/>
+              <a:t>bd</a:t>
+            </a:r>
+            <a:endParaRPr lang="en-US" sz="800" dirty="0"/>
+          </a:p>
+        </p:txBody>
+      </p:sp>
+      <p:sp>
+        <p:nvSpPr>
+          <p:cNvPr id="287" name="TextBox 286"/>
+          <p:cNvSpPr txBox="1"/>
+          <p:nvPr/>
+        </p:nvSpPr>
+        <p:spPr>
+          <a:xfrm>
+            <a:off x="4800600" y="3048000"/>
+            <a:ext cx="381000" cy="338554"/>
+          </a:xfrm>
+          <a:prstGeom prst="rect">
+            <a:avLst/>
+          </a:prstGeom>
+          <a:noFill/>
+        </p:spPr>
+        <p:txBody>
+          <a:bodyPr wrap="square" rtlCol="0">
+            <a:spAutoFit/>
+          </a:bodyPr>
+          <a:lstStyle/>
+          <a:p>
+            <a:r>
+              <a:rPr lang="en-US" sz="800" dirty="0" smtClean="0"/>
+              <a:t>2,1 </a:t>
+            </a:r>
+          </a:p>
+          <a:p>
+            <a:r>
+              <a:rPr lang="en-US" sz="800" dirty="0" err="1" smtClean="0"/>
+              <a:t>bd</a:t>
+            </a:r>
+            <a:endParaRPr lang="en-US" sz="800" dirty="0"/>
+          </a:p>
+        </p:txBody>
+      </p:sp>
+      <p:sp>
+        <p:nvSpPr>
+          <p:cNvPr id="288" name="TextBox 287"/>
+          <p:cNvSpPr txBox="1"/>
+          <p:nvPr/>
+        </p:nvSpPr>
+        <p:spPr>
+          <a:xfrm>
+            <a:off x="5562600" y="3048000"/>
+            <a:ext cx="381000" cy="338554"/>
+          </a:xfrm>
+          <a:prstGeom prst="rect">
+            <a:avLst/>
+          </a:prstGeom>
+          <a:noFill/>
+        </p:spPr>
+        <p:txBody>
+          <a:bodyPr wrap="square" rtlCol="0">
+            <a:spAutoFit/>
+          </a:bodyPr>
+          <a:lstStyle/>
+          <a:p>
+            <a:r>
+              <a:rPr lang="en-US" sz="800" dirty="0" smtClean="0"/>
+              <a:t>2,1 </a:t>
+            </a:r>
+          </a:p>
+          <a:p>
+            <a:r>
+              <a:rPr lang="en-US" sz="800" dirty="0" err="1" smtClean="0"/>
+              <a:t>bd</a:t>
+            </a:r>
+            <a:endParaRPr lang="en-US" sz="800" dirty="0"/>
+          </a:p>
+        </p:txBody>
+      </p:sp>
+      <p:sp>
+        <p:nvSpPr>
+          <p:cNvPr id="289" name="TextBox 288"/>
+          <p:cNvSpPr txBox="1"/>
+          <p:nvPr/>
+        </p:nvSpPr>
+        <p:spPr>
+          <a:xfrm>
+            <a:off x="3352800" y="3733800"/>
+            <a:ext cx="381000" cy="338554"/>
+          </a:xfrm>
+          <a:prstGeom prst="rect">
+            <a:avLst/>
+          </a:prstGeom>
+          <a:noFill/>
+        </p:spPr>
+        <p:txBody>
+          <a:bodyPr wrap="square" rtlCol="0">
+            <a:spAutoFit/>
+          </a:bodyPr>
+          <a:lstStyle/>
+          <a:p>
+            <a:r>
+              <a:rPr lang="en-US" sz="800" dirty="0" smtClean="0"/>
+              <a:t>2,1 </a:t>
+            </a:r>
+          </a:p>
+          <a:p>
+            <a:r>
+              <a:rPr lang="en-US" sz="800" dirty="0" err="1" smtClean="0"/>
+              <a:t>bd</a:t>
+            </a:r>
+            <a:endParaRPr lang="en-US" sz="800" dirty="0"/>
+          </a:p>
+        </p:txBody>
+      </p:sp>
+      <p:sp>
+        <p:nvSpPr>
+          <p:cNvPr id="290" name="TextBox 289"/>
+          <p:cNvSpPr txBox="1"/>
+          <p:nvPr/>
+        </p:nvSpPr>
+        <p:spPr>
+          <a:xfrm>
+            <a:off x="3048000" y="3733800"/>
+            <a:ext cx="381000" cy="338554"/>
+          </a:xfrm>
+          <a:prstGeom prst="rect">
+            <a:avLst/>
+          </a:prstGeom>
+          <a:noFill/>
+        </p:spPr>
+        <p:txBody>
+          <a:bodyPr wrap="square" rtlCol="0">
+            <a:spAutoFit/>
+          </a:bodyPr>
+          <a:lstStyle/>
+          <a:p>
+            <a:r>
+              <a:rPr lang="en-US" sz="800" dirty="0" smtClean="0"/>
+              <a:t>0,1 </a:t>
+            </a:r>
+          </a:p>
+          <a:p>
+            <a:r>
+              <a:rPr lang="en-US" sz="800" dirty="0" smtClean="0"/>
+              <a:t>ac</a:t>
+            </a:r>
+            <a:endParaRPr lang="en-US" sz="800" dirty="0"/>
+          </a:p>
+        </p:txBody>
+      </p:sp>
+      <p:sp>
+        <p:nvSpPr>
+          <p:cNvPr id="291" name="TextBox 290"/>
+          <p:cNvSpPr txBox="1"/>
+          <p:nvPr/>
+        </p:nvSpPr>
+        <p:spPr>
+          <a:xfrm>
+            <a:off x="3886200" y="3657600"/>
+            <a:ext cx="439544" cy="215444"/>
+          </a:xfrm>
+          <a:prstGeom prst="rect">
+            <a:avLst/>
+          </a:prstGeom>
+          <a:noFill/>
+        </p:spPr>
+        <p:txBody>
+          <a:bodyPr wrap="none" rtlCol="0">
+            <a:spAutoFit/>
+          </a:bodyPr>
+          <a:lstStyle/>
+          <a:p>
+            <a:r>
+              <a:rPr lang="en-US" sz="800" dirty="0" smtClean="0"/>
+              <a:t>1,0 </a:t>
+            </a:r>
+            <a:r>
+              <a:rPr lang="en-US" sz="800" dirty="0" err="1" smtClean="0"/>
+              <a:t>ab</a:t>
+            </a:r>
+            <a:endParaRPr lang="en-US" sz="800" dirty="0"/>
+          </a:p>
+        </p:txBody>
+      </p:sp>
+      <p:sp>
+        <p:nvSpPr>
+          <p:cNvPr id="292" name="TextBox 291"/>
+          <p:cNvSpPr txBox="1"/>
+          <p:nvPr/>
+        </p:nvSpPr>
+        <p:spPr>
+          <a:xfrm>
+            <a:off x="3886200" y="3962400"/>
+            <a:ext cx="433132" cy="215444"/>
+          </a:xfrm>
+          <a:prstGeom prst="rect">
+            <a:avLst/>
+          </a:prstGeom>
+          <a:noFill/>
+        </p:spPr>
+        <p:txBody>
+          <a:bodyPr wrap="none" rtlCol="0">
+            <a:spAutoFit/>
+          </a:bodyPr>
+          <a:lstStyle/>
+          <a:p>
+            <a:r>
+              <a:rPr lang="en-US" sz="800" dirty="0" smtClean="0"/>
+              <a:t>1,2 </a:t>
+            </a:r>
+            <a:r>
+              <a:rPr lang="en-US" sz="800" dirty="0" err="1" smtClean="0"/>
+              <a:t>cd</a:t>
+            </a:r>
+            <a:endParaRPr lang="en-US" sz="800" dirty="0"/>
+          </a:p>
+        </p:txBody>
+      </p:sp>
+      <p:sp>
+        <p:nvSpPr>
+          <p:cNvPr id="293" name="TextBox 292"/>
+          <p:cNvSpPr txBox="1"/>
+          <p:nvPr/>
+        </p:nvSpPr>
+        <p:spPr>
+          <a:xfrm>
+            <a:off x="5257800" y="3657600"/>
+            <a:ext cx="482824" cy="215444"/>
+          </a:xfrm>
+          <a:prstGeom prst="rect">
+            <a:avLst/>
+          </a:prstGeom>
+          <a:noFill/>
+        </p:spPr>
+        <p:txBody>
+          <a:bodyPr wrap="none" rtlCol="0">
+            <a:spAutoFit/>
+          </a:bodyPr>
+          <a:lstStyle/>
+          <a:p>
+            <a:r>
+              <a:rPr lang="en-US" sz="800" dirty="0" smtClean="0"/>
+              <a:t>0</a:t>
+            </a:r>
+            <a:r>
+              <a:rPr lang="en-US" sz="800" dirty="0" smtClean="0"/>
+              <a:t>,0 </a:t>
+            </a:r>
+            <a:r>
+              <a:rPr lang="en-US" sz="800" dirty="0" err="1" smtClean="0"/>
+              <a:t>abc</a:t>
+            </a:r>
+            <a:endParaRPr lang="en-US" sz="800" dirty="0"/>
+          </a:p>
+        </p:txBody>
+      </p:sp>
+      <p:sp>
+        <p:nvSpPr>
+          <p:cNvPr id="294" name="TextBox 293"/>
+          <p:cNvSpPr txBox="1"/>
+          <p:nvPr/>
+        </p:nvSpPr>
+        <p:spPr>
+          <a:xfrm>
+            <a:off x="5530850" y="3981450"/>
+            <a:ext cx="389850" cy="215444"/>
+          </a:xfrm>
+          <a:prstGeom prst="rect">
+            <a:avLst/>
+          </a:prstGeom>
+          <a:noFill/>
+        </p:spPr>
+        <p:txBody>
+          <a:bodyPr wrap="none" rtlCol="0">
+            <a:spAutoFit/>
+          </a:bodyPr>
+          <a:lstStyle/>
+          <a:p>
+            <a:r>
+              <a:rPr lang="en-US" sz="800" dirty="0" smtClean="0"/>
+              <a:t>0,3 d</a:t>
+            </a:r>
+            <a:endParaRPr lang="en-US" sz="800" dirty="0"/>
+          </a:p>
+        </p:txBody>
+      </p:sp>
+      <p:sp>
+        <p:nvSpPr>
+          <p:cNvPr id="295" name="TextBox 294"/>
+          <p:cNvSpPr txBox="1"/>
+          <p:nvPr/>
+        </p:nvSpPr>
+        <p:spPr>
+          <a:xfrm>
+            <a:off x="5334000" y="4419600"/>
+            <a:ext cx="439544" cy="215444"/>
+          </a:xfrm>
+          <a:prstGeom prst="rect">
+            <a:avLst/>
+          </a:prstGeom>
+          <a:noFill/>
+        </p:spPr>
+        <p:txBody>
+          <a:bodyPr wrap="none" rtlCol="0">
+            <a:spAutoFit/>
+          </a:bodyPr>
+          <a:lstStyle/>
+          <a:p>
+            <a:r>
+              <a:rPr lang="en-US" sz="800" dirty="0" smtClean="0"/>
+              <a:t>0</a:t>
+            </a:r>
+            <a:r>
+              <a:rPr lang="en-US" sz="800" dirty="0" smtClean="0"/>
+              <a:t>,0 </a:t>
+            </a:r>
+            <a:r>
+              <a:rPr lang="en-US" sz="800" dirty="0" err="1" smtClean="0"/>
+              <a:t>ab</a:t>
+            </a:r>
+            <a:endParaRPr lang="en-US" sz="800" dirty="0"/>
+          </a:p>
+        </p:txBody>
+      </p:sp>
+      <p:sp>
+        <p:nvSpPr>
+          <p:cNvPr id="296" name="TextBox 295"/>
+          <p:cNvSpPr txBox="1"/>
+          <p:nvPr/>
+        </p:nvSpPr>
+        <p:spPr>
+          <a:xfrm>
+            <a:off x="5257800" y="4648200"/>
+            <a:ext cx="433132" cy="215444"/>
+          </a:xfrm>
+          <a:prstGeom prst="rect">
+            <a:avLst/>
+          </a:prstGeom>
+          <a:noFill/>
+        </p:spPr>
+        <p:txBody>
+          <a:bodyPr wrap="none" rtlCol="0">
+            <a:spAutoFit/>
+          </a:bodyPr>
+          <a:lstStyle/>
+          <a:p>
+            <a:r>
+              <a:rPr lang="en-US" sz="800" dirty="0" smtClean="0"/>
+              <a:t>0,2 </a:t>
+            </a:r>
+            <a:r>
+              <a:rPr lang="en-US" sz="800" dirty="0" err="1" smtClean="0"/>
+              <a:t>cd</a:t>
+            </a:r>
+            <a:endParaRPr lang="en-US" sz="800" dirty="0"/>
+          </a:p>
+        </p:txBody>
+      </p:sp>
+      <p:sp>
+        <p:nvSpPr>
+          <p:cNvPr id="297" name="TextBox 296"/>
+          <p:cNvSpPr txBox="1"/>
+          <p:nvPr/>
+        </p:nvSpPr>
+        <p:spPr>
+          <a:xfrm>
+            <a:off x="5543550" y="2533650"/>
+            <a:ext cx="389850" cy="215444"/>
+          </a:xfrm>
+          <a:prstGeom prst="rect">
+            <a:avLst/>
+          </a:prstGeom>
+          <a:noFill/>
+        </p:spPr>
+        <p:txBody>
+          <a:bodyPr wrap="none" rtlCol="0">
+            <a:spAutoFit/>
+          </a:bodyPr>
+          <a:lstStyle/>
+          <a:p>
+            <a:r>
+              <a:rPr lang="en-US" sz="800" dirty="0" smtClean="0"/>
+              <a:t>0,3 d</a:t>
+            </a:r>
+            <a:endParaRPr lang="en-US" sz="800" dirty="0"/>
+          </a:p>
+        </p:txBody>
+      </p:sp>
+      <p:sp>
+        <p:nvSpPr>
+          <p:cNvPr id="298" name="TextBox 297"/>
+          <p:cNvSpPr txBox="1"/>
+          <p:nvPr/>
+        </p:nvSpPr>
+        <p:spPr>
+          <a:xfrm>
+            <a:off x="5543550" y="2152650"/>
+            <a:ext cx="389850" cy="215444"/>
+          </a:xfrm>
+          <a:prstGeom prst="rect">
+            <a:avLst/>
+          </a:prstGeom>
+          <a:noFill/>
+        </p:spPr>
+        <p:txBody>
+          <a:bodyPr wrap="none" rtlCol="0">
+            <a:spAutoFit/>
+          </a:bodyPr>
+          <a:lstStyle/>
+          <a:p>
+            <a:r>
+              <a:rPr lang="en-US" sz="800" dirty="0" smtClean="0"/>
+              <a:t>0,4 b</a:t>
+            </a:r>
+            <a:endParaRPr lang="en-US" sz="800" dirty="0"/>
+          </a:p>
+        </p:txBody>
+      </p:sp>
+      <p:sp>
+        <p:nvSpPr>
+          <p:cNvPr id="299" name="TextBox 298"/>
+          <p:cNvSpPr txBox="1"/>
+          <p:nvPr/>
+        </p:nvSpPr>
+        <p:spPr>
+          <a:xfrm>
+            <a:off x="4775200" y="2286000"/>
+            <a:ext cx="381000" cy="338554"/>
+          </a:xfrm>
+          <a:prstGeom prst="rect">
+            <a:avLst/>
+          </a:prstGeom>
+          <a:noFill/>
+        </p:spPr>
+        <p:txBody>
+          <a:bodyPr wrap="square" rtlCol="0">
+            <a:spAutoFit/>
+          </a:bodyPr>
+          <a:lstStyle/>
+          <a:p>
+            <a:r>
+              <a:rPr lang="en-US" sz="800" dirty="0" smtClean="0"/>
+              <a:t>0,3 </a:t>
+            </a:r>
+          </a:p>
+          <a:p>
+            <a:r>
+              <a:rPr lang="en-US" sz="800" dirty="0" err="1" smtClean="0"/>
+              <a:t>bd</a:t>
+            </a:r>
+            <a:endParaRPr lang="en-US" sz="800" dirty="0"/>
+          </a:p>
+        </p:txBody>
+      </p:sp>
+      <p:sp>
+        <p:nvSpPr>
+          <p:cNvPr id="300" name="TextBox 299"/>
+          <p:cNvSpPr txBox="1"/>
+          <p:nvPr/>
+        </p:nvSpPr>
+        <p:spPr>
+          <a:xfrm>
+            <a:off x="3778250" y="2997200"/>
+            <a:ext cx="381000" cy="338554"/>
+          </a:xfrm>
+          <a:prstGeom prst="rect">
+            <a:avLst/>
+          </a:prstGeom>
+          <a:noFill/>
+        </p:spPr>
+        <p:txBody>
+          <a:bodyPr wrap="square" rtlCol="0">
+            <a:spAutoFit/>
+          </a:bodyPr>
+          <a:lstStyle/>
+          <a:p>
+            <a:r>
+              <a:rPr lang="en-US" sz="800" dirty="0" smtClean="0"/>
+              <a:t>1,3 </a:t>
+            </a:r>
+          </a:p>
+          <a:p>
+            <a:r>
+              <a:rPr lang="en-US" sz="800" dirty="0" smtClean="0"/>
+              <a:t>ac</a:t>
+            </a:r>
+            <a:endParaRPr lang="en-US" sz="800" dirty="0"/>
+          </a:p>
+        </p:txBody>
+      </p:sp>
+      <p:sp>
+        <p:nvSpPr>
+          <p:cNvPr id="301" name="TextBox 300"/>
+          <p:cNvSpPr txBox="1"/>
+          <p:nvPr/>
+        </p:nvSpPr>
+        <p:spPr>
+          <a:xfrm>
+            <a:off x="4483100" y="3048000"/>
+            <a:ext cx="381000" cy="338554"/>
+          </a:xfrm>
+          <a:prstGeom prst="rect">
+            <a:avLst/>
+          </a:prstGeom>
+          <a:noFill/>
+        </p:spPr>
+        <p:txBody>
+          <a:bodyPr wrap="square" rtlCol="0">
+            <a:spAutoFit/>
+          </a:bodyPr>
+          <a:lstStyle/>
+          <a:p>
+            <a:r>
+              <a:rPr lang="en-US" sz="800" dirty="0" smtClean="0"/>
+              <a:t>1,4 </a:t>
+            </a:r>
+          </a:p>
+          <a:p>
+            <a:r>
+              <a:rPr lang="en-US" sz="800" dirty="0" smtClean="0"/>
+              <a:t>ac</a:t>
+            </a:r>
+            <a:endParaRPr lang="en-US" sz="800" dirty="0"/>
+          </a:p>
+        </p:txBody>
+      </p:sp>
+      <p:sp>
+        <p:nvSpPr>
+          <p:cNvPr id="302" name="TextBox 301"/>
+          <p:cNvSpPr txBox="1"/>
+          <p:nvPr/>
+        </p:nvSpPr>
+        <p:spPr>
+          <a:xfrm>
+            <a:off x="3810000" y="4724400"/>
+            <a:ext cx="482824" cy="215444"/>
+          </a:xfrm>
+          <a:prstGeom prst="rect">
+            <a:avLst/>
+          </a:prstGeom>
+          <a:noFill/>
+        </p:spPr>
+        <p:txBody>
+          <a:bodyPr wrap="none" rtlCol="0">
+            <a:spAutoFit/>
+          </a:bodyPr>
+          <a:lstStyle/>
+          <a:p>
+            <a:r>
+              <a:rPr lang="en-US" sz="800" dirty="0" smtClean="0"/>
+              <a:t>0,2 </a:t>
+            </a:r>
+            <a:r>
+              <a:rPr lang="en-US" sz="800" dirty="0" err="1" smtClean="0"/>
+              <a:t>acd</a:t>
+            </a:r>
+            <a:endParaRPr lang="en-US" sz="800" dirty="0"/>
+          </a:p>
+        </p:txBody>
+      </p:sp>
+      <p:sp>
+        <p:nvSpPr>
+          <p:cNvPr id="303" name="TextBox 302"/>
+          <p:cNvSpPr txBox="1"/>
+          <p:nvPr/>
+        </p:nvSpPr>
+        <p:spPr>
+          <a:xfrm>
+            <a:off x="4064000" y="4343400"/>
+            <a:ext cx="389850" cy="215444"/>
+          </a:xfrm>
+          <a:prstGeom prst="rect">
+            <a:avLst/>
+          </a:prstGeom>
+          <a:noFill/>
+        </p:spPr>
+        <p:txBody>
+          <a:bodyPr wrap="none" rtlCol="0">
+            <a:spAutoFit/>
+          </a:bodyPr>
+          <a:lstStyle/>
+          <a:p>
+            <a:r>
+              <a:rPr lang="en-US" sz="800" dirty="0" smtClean="0"/>
+              <a:t>0,4 b</a:t>
+            </a:r>
+            <a:endParaRPr lang="en-US" sz="800" dirty="0"/>
+          </a:p>
+        </p:txBody>
+      </p:sp>
+      <p:sp>
+        <p:nvSpPr>
+          <p:cNvPr id="304" name="TextBox 303"/>
+          <p:cNvSpPr txBox="1"/>
+          <p:nvPr/>
+        </p:nvSpPr>
+        <p:spPr>
+          <a:xfrm>
+            <a:off x="4495800" y="4495800"/>
+            <a:ext cx="335348" cy="338554"/>
+          </a:xfrm>
+          <a:prstGeom prst="rect">
+            <a:avLst/>
+          </a:prstGeom>
+          <a:noFill/>
+        </p:spPr>
+        <p:txBody>
+          <a:bodyPr wrap="none" rtlCol="0">
+            <a:spAutoFit/>
+          </a:bodyPr>
+          <a:lstStyle/>
+          <a:p>
+            <a:r>
+              <a:rPr lang="en-US" sz="800" dirty="0" smtClean="0"/>
+              <a:t>0,0 </a:t>
+            </a:r>
+          </a:p>
+          <a:p>
+            <a:r>
+              <a:rPr lang="en-US" sz="800" dirty="0" smtClean="0"/>
+              <a:t>ac</a:t>
+            </a:r>
+            <a:endParaRPr lang="en-US" sz="800" dirty="0"/>
+          </a:p>
+        </p:txBody>
+      </p:sp>
+      <p:sp>
+        <p:nvSpPr>
+          <p:cNvPr id="305" name="TextBox 304"/>
+          <p:cNvSpPr txBox="1"/>
+          <p:nvPr/>
+        </p:nvSpPr>
+        <p:spPr>
+          <a:xfrm>
+            <a:off x="4800600" y="4495800"/>
+            <a:ext cx="335348" cy="338554"/>
+          </a:xfrm>
+          <a:prstGeom prst="rect">
+            <a:avLst/>
+          </a:prstGeom>
+          <a:noFill/>
+        </p:spPr>
+        <p:txBody>
+          <a:bodyPr wrap="none" rtlCol="0">
+            <a:spAutoFit/>
+          </a:bodyPr>
+          <a:lstStyle/>
+          <a:p>
+            <a:r>
+              <a:rPr lang="en-US" sz="800" dirty="0" smtClean="0"/>
+              <a:t>2,0 </a:t>
+            </a:r>
+          </a:p>
+          <a:p>
+            <a:r>
+              <a:rPr lang="en-US" sz="800" dirty="0" err="1" smtClean="0"/>
+              <a:t>bd</a:t>
+            </a:r>
+            <a:endParaRPr lang="en-US" sz="800" dirty="0"/>
+          </a:p>
+        </p:txBody>
+      </p:sp>
+      <p:sp>
+        <p:nvSpPr>
+          <p:cNvPr id="306" name="TextBox 305"/>
+          <p:cNvSpPr txBox="1"/>
+          <p:nvPr/>
+        </p:nvSpPr>
+        <p:spPr>
+          <a:xfrm>
+            <a:off x="5943600" y="4572000"/>
+            <a:ext cx="335348" cy="338554"/>
+          </a:xfrm>
+          <a:prstGeom prst="rect">
+            <a:avLst/>
+          </a:prstGeom>
+          <a:noFill/>
+        </p:spPr>
+        <p:txBody>
+          <a:bodyPr wrap="none" rtlCol="0">
+            <a:spAutoFit/>
+          </a:bodyPr>
+          <a:lstStyle/>
+          <a:p>
+            <a:r>
+              <a:rPr lang="en-US" sz="800" dirty="0" smtClean="0"/>
+              <a:t>0,2 </a:t>
+            </a:r>
+          </a:p>
+          <a:p>
+            <a:r>
+              <a:rPr lang="en-US" sz="800" dirty="0" smtClean="0"/>
+              <a:t>ac</a:t>
+            </a:r>
+            <a:endParaRPr lang="en-US" sz="800" dirty="0"/>
+          </a:p>
+        </p:txBody>
+      </p:sp>
+      <p:sp>
+        <p:nvSpPr>
+          <p:cNvPr id="307" name="TextBox 306"/>
+          <p:cNvSpPr txBox="1"/>
+          <p:nvPr/>
+        </p:nvSpPr>
+        <p:spPr>
+          <a:xfrm>
+            <a:off x="6248400" y="4572000"/>
+            <a:ext cx="336952" cy="338554"/>
+          </a:xfrm>
+          <a:prstGeom prst="rect">
+            <a:avLst/>
+          </a:prstGeom>
+          <a:noFill/>
+        </p:spPr>
+        <p:txBody>
+          <a:bodyPr wrap="none" rtlCol="0">
+            <a:spAutoFit/>
+          </a:bodyPr>
+          <a:lstStyle/>
+          <a:p>
+            <a:r>
+              <a:rPr lang="en-US" sz="800" dirty="0" smtClean="0"/>
+              <a:t>2,2 </a:t>
+            </a:r>
+          </a:p>
+          <a:p>
+            <a:r>
+              <a:rPr lang="en-US" sz="800" dirty="0" err="1" smtClean="0"/>
+              <a:t>bd</a:t>
+            </a:r>
+            <a:endParaRPr lang="en-US" sz="800" dirty="0"/>
+          </a:p>
+        </p:txBody>
+      </p:sp>
+      <p:sp>
+        <p:nvSpPr>
+          <p:cNvPr id="308" name="TextBox 307"/>
+          <p:cNvSpPr txBox="1"/>
+          <p:nvPr/>
+        </p:nvSpPr>
+        <p:spPr>
+          <a:xfrm>
+            <a:off x="6781800" y="4419600"/>
+            <a:ext cx="439544" cy="215444"/>
+          </a:xfrm>
+          <a:prstGeom prst="rect">
+            <a:avLst/>
+          </a:prstGeom>
+          <a:noFill/>
+        </p:spPr>
+        <p:txBody>
+          <a:bodyPr wrap="none" rtlCol="0">
+            <a:spAutoFit/>
+          </a:bodyPr>
+          <a:lstStyle/>
+          <a:p>
+            <a:r>
+              <a:rPr lang="en-US" sz="800" dirty="0" smtClean="0"/>
+              <a:t>2,0 </a:t>
+            </a:r>
+            <a:r>
+              <a:rPr lang="en-US" sz="800" dirty="0" err="1" smtClean="0"/>
+              <a:t>ab</a:t>
+            </a:r>
+            <a:endParaRPr lang="en-US" sz="800" dirty="0"/>
+          </a:p>
+        </p:txBody>
+      </p:sp>
+      <p:sp>
+        <p:nvSpPr>
+          <p:cNvPr id="309" name="TextBox 308"/>
+          <p:cNvSpPr txBox="1"/>
+          <p:nvPr/>
+        </p:nvSpPr>
+        <p:spPr>
+          <a:xfrm>
+            <a:off x="6788150" y="4654550"/>
+            <a:ext cx="433132" cy="215444"/>
+          </a:xfrm>
+          <a:prstGeom prst="rect">
+            <a:avLst/>
+          </a:prstGeom>
+          <a:noFill/>
+        </p:spPr>
+        <p:txBody>
+          <a:bodyPr wrap="none" rtlCol="0">
+            <a:spAutoFit/>
+          </a:bodyPr>
+          <a:lstStyle/>
+          <a:p>
+            <a:r>
+              <a:rPr lang="en-US" sz="800" dirty="0" smtClean="0"/>
+              <a:t>2,2 </a:t>
+            </a:r>
+            <a:r>
+              <a:rPr lang="en-US" sz="800" dirty="0" err="1" smtClean="0"/>
+              <a:t>cd</a:t>
+            </a:r>
+            <a:endParaRPr lang="en-US" sz="800" dirty="0"/>
+          </a:p>
+        </p:txBody>
+      </p:sp>
+      <p:sp>
+        <p:nvSpPr>
+          <p:cNvPr id="310" name="TextBox 309"/>
+          <p:cNvSpPr txBox="1"/>
+          <p:nvPr/>
+        </p:nvSpPr>
+        <p:spPr>
+          <a:xfrm>
+            <a:off x="7391400" y="4343400"/>
+            <a:ext cx="386644" cy="215444"/>
+          </a:xfrm>
+          <a:prstGeom prst="rect">
+            <a:avLst/>
+          </a:prstGeom>
+          <a:noFill/>
+        </p:spPr>
+        <p:txBody>
+          <a:bodyPr wrap="none" rtlCol="0">
+            <a:spAutoFit/>
+          </a:bodyPr>
+          <a:lstStyle/>
+          <a:p>
+            <a:r>
+              <a:rPr lang="en-US" sz="800" dirty="0" smtClean="0"/>
+              <a:t>0,0 1</a:t>
+            </a:r>
+            <a:endParaRPr lang="en-US" sz="800" dirty="0"/>
+          </a:p>
+        </p:txBody>
+      </p:sp>
+      <p:sp>
+        <p:nvSpPr>
+          <p:cNvPr id="311" name="TextBox 310"/>
+          <p:cNvSpPr txBox="1"/>
+          <p:nvPr/>
+        </p:nvSpPr>
+        <p:spPr>
+          <a:xfrm>
+            <a:off x="7696200" y="4343400"/>
+            <a:ext cx="389850" cy="215444"/>
+          </a:xfrm>
+          <a:prstGeom prst="rect">
+            <a:avLst/>
+          </a:prstGeom>
+          <a:noFill/>
+        </p:spPr>
+        <p:txBody>
+          <a:bodyPr wrap="none" rtlCol="0">
+            <a:spAutoFit/>
+          </a:bodyPr>
+          <a:lstStyle/>
+          <a:p>
+            <a:r>
+              <a:rPr lang="en-US" sz="800" dirty="0" smtClean="0"/>
+              <a:t>2,0 b</a:t>
+            </a:r>
+            <a:endParaRPr lang="en-US" sz="800" dirty="0"/>
+          </a:p>
+        </p:txBody>
+      </p:sp>
+      <p:sp>
+        <p:nvSpPr>
+          <p:cNvPr id="312" name="TextBox 311"/>
+          <p:cNvSpPr txBox="1"/>
+          <p:nvPr/>
+        </p:nvSpPr>
+        <p:spPr>
+          <a:xfrm>
+            <a:off x="7391400" y="4724400"/>
+            <a:ext cx="378630" cy="215444"/>
+          </a:xfrm>
+          <a:prstGeom prst="rect">
+            <a:avLst/>
+          </a:prstGeom>
+          <a:noFill/>
+        </p:spPr>
+        <p:txBody>
+          <a:bodyPr wrap="none" rtlCol="0">
+            <a:spAutoFit/>
+          </a:bodyPr>
+          <a:lstStyle/>
+          <a:p>
+            <a:r>
+              <a:rPr lang="en-US" sz="800" dirty="0" smtClean="0"/>
+              <a:t>0,2 c</a:t>
+            </a:r>
+            <a:endParaRPr lang="en-US" sz="800" dirty="0"/>
+          </a:p>
+        </p:txBody>
+      </p:sp>
+      <p:sp>
+        <p:nvSpPr>
+          <p:cNvPr id="313" name="TextBox 312"/>
+          <p:cNvSpPr txBox="1"/>
+          <p:nvPr/>
+        </p:nvSpPr>
+        <p:spPr>
+          <a:xfrm>
+            <a:off x="7696200" y="4724400"/>
+            <a:ext cx="389850" cy="215444"/>
+          </a:xfrm>
+          <a:prstGeom prst="rect">
+            <a:avLst/>
+          </a:prstGeom>
+          <a:noFill/>
+        </p:spPr>
+        <p:txBody>
+          <a:bodyPr wrap="none" rtlCol="0">
+            <a:spAutoFit/>
+          </a:bodyPr>
+          <a:lstStyle/>
+          <a:p>
+            <a:r>
+              <a:rPr lang="en-US" sz="800" smtClean="0"/>
+              <a:t>2,2 d</a:t>
+            </a:r>
+            <a:endParaRPr lang="en-US" sz="800" dirty="0"/>
+          </a:p>
+        </p:txBody>
+      </p:sp>
     </p:spTree>
   </p:cSld>
   <p:clrMapOvr>

--- a/Doc/ConversionInfo.pptx
+++ b/Doc/ConversionInfo.pptx
@@ -104,6 +104,22 @@
       </a:defRPr>
     </a:lvl9pPr>
   </p:defaultTextStyle>
+  <p:extLst>
+    <p:ext uri="{EFAFB233-063F-42B5-8137-9DF3F51BA10A}">
+      <p15:sldGuideLst xmlns:p15="http://schemas.microsoft.com/office/powerpoint/2012/main">
+        <p15:guide id="1" orient="horz" pos="2160">
+          <p15:clr>
+            <a:srgbClr val="A4A3A4"/>
+          </p15:clr>
+        </p15:guide>
+        <p15:guide id="2" pos="2880">
+          <p15:clr>
+            <a:srgbClr val="A4A3A4"/>
+          </p15:clr>
+        </p15:guide>
+      </p15:sldGuideLst>
+    </p:ext>
+  </p:extLst>
 </p:presentation>
 </file>
 
@@ -289,7 +305,7 @@
             <a:fld id="{09596975-BC73-4E43-BF4D-C73F5CF033D0}" type="datetimeFigureOut">
               <a:rPr lang="en-US" smtClean="0"/>
               <a:pPr/>
-              <a:t>3/17/2019</a:t>
+              <a:t>18.3.2019</a:t>
             </a:fld>
             <a:endParaRPr lang="en-US"/>
           </a:p>
@@ -456,7 +472,7 @@
             <a:fld id="{09596975-BC73-4E43-BF4D-C73F5CF033D0}" type="datetimeFigureOut">
               <a:rPr lang="en-US" smtClean="0"/>
               <a:pPr/>
-              <a:t>3/17/2019</a:t>
+              <a:t>18.3.2019</a:t>
             </a:fld>
             <a:endParaRPr lang="en-US"/>
           </a:p>
@@ -633,7 +649,7 @@
             <a:fld id="{09596975-BC73-4E43-BF4D-C73F5CF033D0}" type="datetimeFigureOut">
               <a:rPr lang="en-US" smtClean="0"/>
               <a:pPr/>
-              <a:t>3/17/2019</a:t>
+              <a:t>18.3.2019</a:t>
             </a:fld>
             <a:endParaRPr lang="en-US"/>
           </a:p>
@@ -800,7 +816,7 @@
             <a:fld id="{09596975-BC73-4E43-BF4D-C73F5CF033D0}" type="datetimeFigureOut">
               <a:rPr lang="en-US" smtClean="0"/>
               <a:pPr/>
-              <a:t>3/17/2019</a:t>
+              <a:t>18.3.2019</a:t>
             </a:fld>
             <a:endParaRPr lang="en-US"/>
           </a:p>
@@ -1043,7 +1059,7 @@
             <a:fld id="{09596975-BC73-4E43-BF4D-C73F5CF033D0}" type="datetimeFigureOut">
               <a:rPr lang="en-US" smtClean="0"/>
               <a:pPr/>
-              <a:t>3/17/2019</a:t>
+              <a:t>18.3.2019</a:t>
             </a:fld>
             <a:endParaRPr lang="en-US"/>
           </a:p>
@@ -1328,7 +1344,7 @@
             <a:fld id="{09596975-BC73-4E43-BF4D-C73F5CF033D0}" type="datetimeFigureOut">
               <a:rPr lang="en-US" smtClean="0"/>
               <a:pPr/>
-              <a:t>3/17/2019</a:t>
+              <a:t>18.3.2019</a:t>
             </a:fld>
             <a:endParaRPr lang="en-US"/>
           </a:p>
@@ -1747,7 +1763,7 @@
             <a:fld id="{09596975-BC73-4E43-BF4D-C73F5CF033D0}" type="datetimeFigureOut">
               <a:rPr lang="en-US" smtClean="0"/>
               <a:pPr/>
-              <a:t>3/17/2019</a:t>
+              <a:t>18.3.2019</a:t>
             </a:fld>
             <a:endParaRPr lang="en-US"/>
           </a:p>
@@ -1862,7 +1878,7 @@
             <a:fld id="{09596975-BC73-4E43-BF4D-C73F5CF033D0}" type="datetimeFigureOut">
               <a:rPr lang="en-US" smtClean="0"/>
               <a:pPr/>
-              <a:t>3/17/2019</a:t>
+              <a:t>18.3.2019</a:t>
             </a:fld>
             <a:endParaRPr lang="en-US"/>
           </a:p>
@@ -1954,7 +1970,7 @@
             <a:fld id="{09596975-BC73-4E43-BF4D-C73F5CF033D0}" type="datetimeFigureOut">
               <a:rPr lang="en-US" smtClean="0"/>
               <a:pPr/>
-              <a:t>3/17/2019</a:t>
+              <a:t>18.3.2019</a:t>
             </a:fld>
             <a:endParaRPr lang="en-US"/>
           </a:p>
@@ -2228,7 +2244,7 @@
             <a:fld id="{09596975-BC73-4E43-BF4D-C73F5CF033D0}" type="datetimeFigureOut">
               <a:rPr lang="en-US" smtClean="0"/>
               <a:pPr/>
-              <a:t>3/17/2019</a:t>
+              <a:t>18.3.2019</a:t>
             </a:fld>
             <a:endParaRPr lang="en-US"/>
           </a:p>
@@ -2478,7 +2494,7 @@
             <a:fld id="{09596975-BC73-4E43-BF4D-C73F5CF033D0}" type="datetimeFigureOut">
               <a:rPr lang="en-US" smtClean="0"/>
               <a:pPr/>
-              <a:t>3/17/2019</a:t>
+              <a:t>18.3.2019</a:t>
             </a:fld>
             <a:endParaRPr lang="en-US"/>
           </a:p>
@@ -2688,7 +2704,7 @@
             <a:fld id="{09596975-BC73-4E43-BF4D-C73F5CF033D0}" type="datetimeFigureOut">
               <a:rPr lang="en-US" smtClean="0"/>
               <a:pPr/>
-              <a:t>3/17/2019</a:t>
+              <a:t>18.3.2019</a:t>
             </a:fld>
             <a:endParaRPr lang="en-US"/>
           </a:p>
@@ -8256,11 +8272,7 @@
           <a:p>
             <a:r>
               <a:rPr lang="en-US" sz="800" dirty="0" smtClean="0"/>
-              <a:t>0</a:t>
-            </a:r>
-            <a:r>
-              <a:rPr lang="en-US" sz="800" dirty="0" smtClean="0"/>
-              <a:t>,4 </a:t>
+              <a:t>0,4 </a:t>
             </a:r>
             <a:r>
               <a:rPr lang="en-US" sz="800" dirty="0" err="1" smtClean="0"/>
@@ -9402,11 +9414,7 @@
           <a:p>
             <a:r>
               <a:rPr lang="en-US" sz="800" dirty="0" smtClean="0"/>
-              <a:t>0</a:t>
-            </a:r>
-            <a:r>
-              <a:rPr lang="en-US" sz="800" dirty="0" smtClean="0"/>
-              <a:t>,4 </a:t>
+              <a:t>0,4 </a:t>
             </a:r>
             <a:r>
               <a:rPr lang="en-US" sz="800" dirty="0" err="1" smtClean="0"/>
@@ -10714,11 +10722,7 @@
           <a:p>
             <a:r>
               <a:rPr lang="en-US" sz="800" dirty="0" smtClean="0"/>
-              <a:t>0</a:t>
-            </a:r>
-            <a:r>
-              <a:rPr lang="en-US" sz="800" dirty="0" smtClean="0"/>
-              <a:t>,0 </a:t>
+              <a:t>0,0 </a:t>
             </a:r>
             <a:r>
               <a:rPr lang="en-US" sz="800" dirty="0" err="1" smtClean="0"/>
@@ -10782,11 +10786,7 @@
           <a:p>
             <a:r>
               <a:rPr lang="en-US" sz="800" dirty="0" smtClean="0"/>
-              <a:t>0</a:t>
-            </a:r>
-            <a:r>
-              <a:rPr lang="en-US" sz="800" dirty="0" smtClean="0"/>
-              <a:t>,0 </a:t>
+              <a:t>0,0 </a:t>
             </a:r>
             <a:r>
               <a:rPr lang="en-US" sz="800" dirty="0" err="1" smtClean="0"/>
@@ -11391,6 +11391,126 @@
               <a:t>2,2 d</a:t>
             </a:r>
             <a:endParaRPr lang="en-US" sz="800" dirty="0"/>
+          </a:p>
+        </p:txBody>
+      </p:sp>
+      <p:sp>
+        <p:nvSpPr>
+          <p:cNvPr id="2" name="TextBox 1"/>
+          <p:cNvSpPr txBox="1"/>
+          <p:nvPr/>
+        </p:nvSpPr>
+        <p:spPr>
+          <a:xfrm>
+            <a:off x="3076690" y="218331"/>
+            <a:ext cx="5564344" cy="369332"/>
+          </a:xfrm>
+          <a:prstGeom prst="rect">
+            <a:avLst/>
+          </a:prstGeom>
+          <a:noFill/>
+        </p:spPr>
+        <p:txBody>
+          <a:bodyPr wrap="none" rtlCol="0">
+            <a:spAutoFit/>
+          </a:bodyPr>
+          <a:lstStyle/>
+          <a:p>
+            <a:r>
+              <a:rPr lang="en-US" dirty="0" smtClean="0"/>
+              <a:t>0             1            2            3           4           5            6             7</a:t>
+            </a:r>
+            <a:endParaRPr lang="sk-SK" dirty="0"/>
+          </a:p>
+        </p:txBody>
+      </p:sp>
+      <p:sp>
+        <p:nvSpPr>
+          <p:cNvPr id="3" name="TextBox 2"/>
+          <p:cNvSpPr txBox="1"/>
+          <p:nvPr/>
+        </p:nvSpPr>
+        <p:spPr>
+          <a:xfrm>
+            <a:off x="2716200" y="387643"/>
+            <a:ext cx="274320" cy="4579715"/>
+          </a:xfrm>
+          <a:prstGeom prst="rect">
+            <a:avLst/>
+          </a:prstGeom>
+          <a:noFill/>
+        </p:spPr>
+        <p:txBody>
+          <a:bodyPr wrap="square" rtlCol="0">
+            <a:spAutoFit/>
+          </a:bodyPr>
+          <a:lstStyle/>
+          <a:p>
+            <a:pPr>
+              <a:lnSpc>
+                <a:spcPct val="270000"/>
+              </a:lnSpc>
+            </a:pPr>
+            <a:r>
+              <a:rPr lang="en-US" dirty="0" smtClean="0"/>
+              <a:t>0</a:t>
+            </a:r>
+          </a:p>
+          <a:p>
+            <a:pPr>
+              <a:lnSpc>
+                <a:spcPct val="270000"/>
+              </a:lnSpc>
+            </a:pPr>
+            <a:r>
+              <a:rPr lang="en-US" dirty="0" smtClean="0"/>
+              <a:t>1</a:t>
+            </a:r>
+          </a:p>
+          <a:p>
+            <a:pPr>
+              <a:lnSpc>
+                <a:spcPct val="270000"/>
+              </a:lnSpc>
+            </a:pPr>
+            <a:r>
+              <a:rPr lang="en-US" dirty="0" smtClean="0"/>
+              <a:t>2</a:t>
+            </a:r>
+          </a:p>
+          <a:p>
+            <a:pPr>
+              <a:lnSpc>
+                <a:spcPct val="270000"/>
+              </a:lnSpc>
+            </a:pPr>
+            <a:r>
+              <a:rPr lang="en-US" dirty="0" smtClean="0"/>
+              <a:t>3</a:t>
+            </a:r>
+          </a:p>
+          <a:p>
+            <a:pPr>
+              <a:lnSpc>
+                <a:spcPct val="270000"/>
+              </a:lnSpc>
+            </a:pPr>
+            <a:r>
+              <a:rPr lang="en-US" dirty="0" smtClean="0"/>
+              <a:t>4</a:t>
+            </a:r>
+          </a:p>
+          <a:p>
+            <a:pPr>
+              <a:lnSpc>
+                <a:spcPct val="270000"/>
+              </a:lnSpc>
+            </a:pPr>
+            <a:r>
+              <a:rPr lang="en-US" dirty="0" smtClean="0"/>
+              <a:t>5</a:t>
+            </a:r>
+            <a:endParaRPr lang="sk-SK" dirty="0"/>
           </a:p>
         </p:txBody>
       </p:sp>

--- a/Doc/ConversionInfo.pptx
+++ b/Doc/ConversionInfo.pptx
@@ -9215,7 +9215,7 @@
         <p:spPr>
           <a:xfrm>
             <a:off x="5181600" y="1828800"/>
-            <a:ext cx="389850" cy="215444"/>
+            <a:ext cx="378630" cy="215444"/>
           </a:xfrm>
           <a:prstGeom prst="rect">
             <a:avLst/>
@@ -9230,7 +9230,11 @@
           <a:p>
             <a:r>
               <a:rPr lang="en-US" sz="800" dirty="0" smtClean="0"/>
-              <a:t>1,3 d</a:t>
+              <a:t>1,3 </a:t>
+            </a:r>
+            <a:r>
+              <a:rPr lang="en-US" sz="800" dirty="0" smtClean="0"/>
+              <a:t>c</a:t>
             </a:r>
             <a:endParaRPr lang="en-US" sz="800" dirty="0"/>
           </a:p>
@@ -9305,7 +9309,7 @@
         <p:spPr>
           <a:xfrm>
             <a:off x="5181600" y="3200400"/>
-            <a:ext cx="389850" cy="215444"/>
+            <a:ext cx="378630" cy="215444"/>
           </a:xfrm>
           <a:prstGeom prst="rect">
             <a:avLst/>
@@ -9319,8 +9323,12 @@
           <a:lstStyle/>
           <a:p>
             <a:r>
-              <a:rPr lang="en-US" sz="800" dirty="0" smtClean="0"/>
-              <a:t>1,3 d</a:t>
+              <a:rPr lang="en-US" sz="800" smtClean="0"/>
+              <a:t>1,3 </a:t>
+            </a:r>
+            <a:r>
+              <a:rPr lang="en-US" sz="800" smtClean="0"/>
+              <a:t>c</a:t>
             </a:r>
             <a:endParaRPr lang="en-US" sz="800" dirty="0"/>
           </a:p>
@@ -11283,7 +11291,7 @@
         <p:spPr>
           <a:xfrm>
             <a:off x="7391400" y="4343400"/>
-            <a:ext cx="386644" cy="215444"/>
+            <a:ext cx="385042" cy="215444"/>
           </a:xfrm>
           <a:prstGeom prst="rect">
             <a:avLst/>
@@ -11298,7 +11306,7 @@
           <a:p>
             <a:r>
               <a:rPr lang="en-US" sz="800" dirty="0" smtClean="0"/>
-              <a:t>0,0 1</a:t>
+              <a:t>0,0 a</a:t>
             </a:r>
             <a:endParaRPr lang="en-US" sz="800" dirty="0"/>
           </a:p>

--- a/Doc/ConversionInfo.pptx
+++ b/Doc/ConversionInfo.pptx
@@ -106,7 +106,7 @@
   </p:defaultTextStyle>
   <p:extLst>
     <p:ext uri="{EFAFB233-063F-42B5-8137-9DF3F51BA10A}">
-      <p15:sldGuideLst xmlns:p15="http://schemas.microsoft.com/office/powerpoint/2012/main">
+      <p15:sldGuideLst xmlns="" xmlns:p15="http://schemas.microsoft.com/office/powerpoint/2012/main">
         <p15:guide id="1" orient="horz" pos="2160">
           <p15:clr>
             <a:srgbClr val="A4A3A4"/>
@@ -305,7 +305,7 @@
             <a:fld id="{09596975-BC73-4E43-BF4D-C73F5CF033D0}" type="datetimeFigureOut">
               <a:rPr lang="en-US" smtClean="0"/>
               <a:pPr/>
-              <a:t>18.3.2019</a:t>
+              <a:t>3/18/2019</a:t>
             </a:fld>
             <a:endParaRPr lang="en-US"/>
           </a:p>
@@ -472,7 +472,7 @@
             <a:fld id="{09596975-BC73-4E43-BF4D-C73F5CF033D0}" type="datetimeFigureOut">
               <a:rPr lang="en-US" smtClean="0"/>
               <a:pPr/>
-              <a:t>18.3.2019</a:t>
+              <a:t>3/18/2019</a:t>
             </a:fld>
             <a:endParaRPr lang="en-US"/>
           </a:p>
@@ -649,7 +649,7 @@
             <a:fld id="{09596975-BC73-4E43-BF4D-C73F5CF033D0}" type="datetimeFigureOut">
               <a:rPr lang="en-US" smtClean="0"/>
               <a:pPr/>
-              <a:t>18.3.2019</a:t>
+              <a:t>3/18/2019</a:t>
             </a:fld>
             <a:endParaRPr lang="en-US"/>
           </a:p>
@@ -816,7 +816,7 @@
             <a:fld id="{09596975-BC73-4E43-BF4D-C73F5CF033D0}" type="datetimeFigureOut">
               <a:rPr lang="en-US" smtClean="0"/>
               <a:pPr/>
-              <a:t>18.3.2019</a:t>
+              <a:t>3/18/2019</a:t>
             </a:fld>
             <a:endParaRPr lang="en-US"/>
           </a:p>
@@ -1059,7 +1059,7 @@
             <a:fld id="{09596975-BC73-4E43-BF4D-C73F5CF033D0}" type="datetimeFigureOut">
               <a:rPr lang="en-US" smtClean="0"/>
               <a:pPr/>
-              <a:t>18.3.2019</a:t>
+              <a:t>3/18/2019</a:t>
             </a:fld>
             <a:endParaRPr lang="en-US"/>
           </a:p>
@@ -1344,7 +1344,7 @@
             <a:fld id="{09596975-BC73-4E43-BF4D-C73F5CF033D0}" type="datetimeFigureOut">
               <a:rPr lang="en-US" smtClean="0"/>
               <a:pPr/>
-              <a:t>18.3.2019</a:t>
+              <a:t>3/18/2019</a:t>
             </a:fld>
             <a:endParaRPr lang="en-US"/>
           </a:p>
@@ -1763,7 +1763,7 @@
             <a:fld id="{09596975-BC73-4E43-BF4D-C73F5CF033D0}" type="datetimeFigureOut">
               <a:rPr lang="en-US" smtClean="0"/>
               <a:pPr/>
-              <a:t>18.3.2019</a:t>
+              <a:t>3/18/2019</a:t>
             </a:fld>
             <a:endParaRPr lang="en-US"/>
           </a:p>
@@ -1878,7 +1878,7 @@
             <a:fld id="{09596975-BC73-4E43-BF4D-C73F5CF033D0}" type="datetimeFigureOut">
               <a:rPr lang="en-US" smtClean="0"/>
               <a:pPr/>
-              <a:t>18.3.2019</a:t>
+              <a:t>3/18/2019</a:t>
             </a:fld>
             <a:endParaRPr lang="en-US"/>
           </a:p>
@@ -1970,7 +1970,7 @@
             <a:fld id="{09596975-BC73-4E43-BF4D-C73F5CF033D0}" type="datetimeFigureOut">
               <a:rPr lang="en-US" smtClean="0"/>
               <a:pPr/>
-              <a:t>18.3.2019</a:t>
+              <a:t>3/18/2019</a:t>
             </a:fld>
             <a:endParaRPr lang="en-US"/>
           </a:p>
@@ -2244,7 +2244,7 @@
             <a:fld id="{09596975-BC73-4E43-BF4D-C73F5CF033D0}" type="datetimeFigureOut">
               <a:rPr lang="en-US" smtClean="0"/>
               <a:pPr/>
-              <a:t>18.3.2019</a:t>
+              <a:t>3/18/2019</a:t>
             </a:fld>
             <a:endParaRPr lang="en-US"/>
           </a:p>
@@ -2494,7 +2494,7 @@
             <a:fld id="{09596975-BC73-4E43-BF4D-C73F5CF033D0}" type="datetimeFigureOut">
               <a:rPr lang="en-US" smtClean="0"/>
               <a:pPr/>
-              <a:t>18.3.2019</a:t>
+              <a:t>3/18/2019</a:t>
             </a:fld>
             <a:endParaRPr lang="en-US"/>
           </a:p>
@@ -2704,7 +2704,7 @@
             <a:fld id="{09596975-BC73-4E43-BF4D-C73F5CF033D0}" type="datetimeFigureOut">
               <a:rPr lang="en-US" smtClean="0"/>
               <a:pPr/>
-              <a:t>18.3.2019</a:t>
+              <a:t>3/18/2019</a:t>
             </a:fld>
             <a:endParaRPr lang="en-US"/>
           </a:p>
@@ -8862,8 +8862,8 @@
         </p:nvSpPr>
         <p:spPr>
           <a:xfrm>
-            <a:off x="6781800" y="762000"/>
-            <a:ext cx="439544" cy="215444"/>
+            <a:off x="6629400" y="685800"/>
+            <a:ext cx="385042" cy="215444"/>
           </a:xfrm>
           <a:prstGeom prst="rect">
             <a:avLst/>
@@ -8881,8 +8881,8 @@
               <a:t>1,4 </a:t>
             </a:r>
             <a:r>
-              <a:rPr lang="en-US" sz="800" dirty="0" err="1" smtClean="0"/>
-              <a:t>ab</a:t>
+              <a:rPr lang="en-US" sz="800" dirty="0" smtClean="0"/>
+              <a:t>a</a:t>
             </a:r>
             <a:endParaRPr lang="en-US" sz="800" dirty="0"/>
           </a:p>
@@ -8896,8 +8896,8 @@
         </p:nvSpPr>
         <p:spPr>
           <a:xfrm>
-            <a:off x="6781800" y="1066800"/>
-            <a:ext cx="433132" cy="215444"/>
+            <a:off x="7010400" y="1066800"/>
+            <a:ext cx="389850" cy="215444"/>
           </a:xfrm>
           <a:prstGeom prst="rect">
             <a:avLst/>
@@ -8915,8 +8915,8 @@
               <a:t>0,3 </a:t>
             </a:r>
             <a:r>
-              <a:rPr lang="en-US" sz="800" dirty="0" err="1" smtClean="0"/>
-              <a:t>cd</a:t>
+              <a:rPr lang="en-US" sz="800" dirty="0" smtClean="0"/>
+              <a:t>d</a:t>
             </a:r>
             <a:endParaRPr lang="en-US" sz="800" dirty="0"/>
           </a:p>
@@ -8998,8 +8998,8 @@
         </p:nvSpPr>
         <p:spPr>
           <a:xfrm>
-            <a:off x="8108950" y="838200"/>
-            <a:ext cx="381000" cy="338554"/>
+            <a:off x="8077200" y="685800"/>
+            <a:ext cx="381000" cy="215444"/>
           </a:xfrm>
           <a:prstGeom prst="rect">
             <a:avLst/>
@@ -9014,13 +9014,7 @@
           <a:p>
             <a:r>
               <a:rPr lang="en-US" sz="800" dirty="0" smtClean="0"/>
-              <a:t>1,4 </a:t>
-            </a:r>
-          </a:p>
-          <a:p>
-            <a:r>
-              <a:rPr lang="en-US" sz="800" dirty="0" smtClean="0"/>
-              <a:t>ac</a:t>
+              <a:t>14a</a:t>
             </a:r>
             <a:endParaRPr lang="en-US" sz="800" dirty="0"/>
           </a:p>
@@ -9230,11 +9224,7 @@
           <a:p>
             <a:r>
               <a:rPr lang="en-US" sz="800" dirty="0" smtClean="0"/>
-              <a:t>1,3 </a:t>
-            </a:r>
-            <a:r>
-              <a:rPr lang="en-US" sz="800" dirty="0" smtClean="0"/>
-              <a:t>c</a:t>
+              <a:t>1,3 c</a:t>
             </a:r>
             <a:endParaRPr lang="en-US" sz="800" dirty="0"/>
           </a:p>
@@ -9324,11 +9314,7 @@
           <a:p>
             <a:r>
               <a:rPr lang="en-US" sz="800" smtClean="0"/>
-              <a:t>1,3 </a:t>
-            </a:r>
-            <a:r>
-              <a:rPr lang="en-US" sz="800" smtClean="0"/>
-              <a:t>c</a:t>
+              <a:t>1,3 c</a:t>
             </a:r>
             <a:endParaRPr lang="en-US" sz="800" dirty="0"/>
           </a:p>
@@ -9421,8 +9407,8 @@
           <a:lstStyle/>
           <a:p>
             <a:r>
-              <a:rPr lang="en-US" sz="800" dirty="0" smtClean="0"/>
-              <a:t>0,4 </a:t>
+              <a:rPr lang="en-US" sz="800" smtClean="0"/>
+              <a:t>2,2 </a:t>
             </a:r>
             <a:r>
               <a:rPr lang="en-US" sz="800" dirty="0" err="1" smtClean="0"/>
@@ -9692,8 +9678,8 @@
         </p:nvSpPr>
         <p:spPr>
           <a:xfrm>
-            <a:off x="6781800" y="2895600"/>
-            <a:ext cx="439544" cy="215444"/>
+            <a:off x="6629400" y="2895600"/>
+            <a:ext cx="336952" cy="215444"/>
           </a:xfrm>
           <a:prstGeom prst="rect">
             <a:avLst/>
@@ -9708,11 +9694,7 @@
           <a:p>
             <a:r>
               <a:rPr lang="en-US" sz="800" dirty="0" smtClean="0"/>
-              <a:t>1,4 </a:t>
-            </a:r>
-            <a:r>
-              <a:rPr lang="en-US" sz="800" dirty="0" err="1" smtClean="0"/>
-              <a:t>ab</a:t>
+              <a:t>14a</a:t>
             </a:r>
             <a:endParaRPr lang="en-US" sz="800" dirty="0"/>
           </a:p>
@@ -9726,8 +9708,8 @@
         </p:nvSpPr>
         <p:spPr>
           <a:xfrm>
-            <a:off x="7467600" y="2895600"/>
-            <a:ext cx="439544" cy="215444"/>
+            <a:off x="7696200" y="2895600"/>
+            <a:ext cx="341760" cy="215444"/>
           </a:xfrm>
           <a:prstGeom prst="rect">
             <a:avLst/>
@@ -9742,11 +9724,7 @@
           <a:p>
             <a:r>
               <a:rPr lang="en-US" sz="800" dirty="0" smtClean="0"/>
-              <a:t>0,4 </a:t>
-            </a:r>
-            <a:r>
-              <a:rPr lang="en-US" sz="800" dirty="0" err="1" smtClean="0"/>
-              <a:t>ab</a:t>
+              <a:t>04b</a:t>
             </a:r>
             <a:endParaRPr lang="en-US" sz="800" dirty="0"/>
           </a:p>
@@ -9934,8 +9912,8 @@
         </p:nvSpPr>
         <p:spPr>
           <a:xfrm>
-            <a:off x="5562600" y="1600200"/>
-            <a:ext cx="381000" cy="338554"/>
+            <a:off x="5562600" y="1447800"/>
+            <a:ext cx="381000" cy="215444"/>
           </a:xfrm>
           <a:prstGeom prst="rect">
             <a:avLst/>
@@ -9950,13 +9928,7 @@
           <a:p>
             <a:r>
               <a:rPr lang="en-US" sz="800" dirty="0" smtClean="0"/>
-              <a:t>0,4 </a:t>
-            </a:r>
-          </a:p>
-          <a:p>
-            <a:r>
-              <a:rPr lang="en-US" sz="800" dirty="0" err="1" smtClean="0"/>
-              <a:t>bd</a:t>
+              <a:t>0,4b</a:t>
             </a:r>
             <a:endParaRPr lang="en-US" sz="800" dirty="0"/>
           </a:p>
@@ -9970,8 +9942,8 @@
         </p:nvSpPr>
         <p:spPr>
           <a:xfrm>
-            <a:off x="4800600" y="1600200"/>
-            <a:ext cx="381000" cy="338554"/>
+            <a:off x="4800600" y="1447800"/>
+            <a:ext cx="381000" cy="215444"/>
           </a:xfrm>
           <a:prstGeom prst="rect">
             <a:avLst/>
@@ -9986,13 +9958,7 @@
           <a:p>
             <a:r>
               <a:rPr lang="en-US" sz="800" dirty="0" smtClean="0"/>
-              <a:t>0,4 </a:t>
-            </a:r>
-          </a:p>
-          <a:p>
-            <a:r>
-              <a:rPr lang="en-US" sz="800" dirty="0" err="1" smtClean="0"/>
-              <a:t>bd</a:t>
+              <a:t>04b</a:t>
             </a:r>
             <a:endParaRPr lang="en-US" sz="800" dirty="0"/>
           </a:p>
@@ -10006,8 +9972,8 @@
         </p:nvSpPr>
         <p:spPr>
           <a:xfrm>
-            <a:off x="4495800" y="1600200"/>
-            <a:ext cx="381000" cy="338554"/>
+            <a:off x="4495800" y="1752600"/>
+            <a:ext cx="381000" cy="215444"/>
           </a:xfrm>
           <a:prstGeom prst="rect">
             <a:avLst/>
@@ -10022,13 +9988,7 @@
           <a:p>
             <a:r>
               <a:rPr lang="en-US" sz="800" dirty="0" smtClean="0"/>
-              <a:t>1,3 </a:t>
-            </a:r>
-          </a:p>
-          <a:p>
-            <a:r>
-              <a:rPr lang="en-US" sz="800" dirty="0" smtClean="0"/>
-              <a:t>ac</a:t>
+              <a:t>13c</a:t>
             </a:r>
             <a:endParaRPr lang="en-US" sz="800" dirty="0"/>
           </a:p>
@@ -10042,8 +10002,8 @@
         </p:nvSpPr>
         <p:spPr>
           <a:xfrm>
-            <a:off x="7010400" y="1524000"/>
-            <a:ext cx="381000" cy="338554"/>
+            <a:off x="6934200" y="1447800"/>
+            <a:ext cx="381000" cy="215444"/>
           </a:xfrm>
           <a:prstGeom prst="rect">
             <a:avLst/>
@@ -10058,13 +10018,7 @@
           <a:p>
             <a:r>
               <a:rPr lang="en-US" sz="800" dirty="0" smtClean="0"/>
-              <a:t>0,3 </a:t>
-            </a:r>
-          </a:p>
-          <a:p>
-            <a:r>
-              <a:rPr lang="en-US" sz="800" dirty="0" err="1" smtClean="0"/>
-              <a:t>bd</a:t>
+              <a:t>02b</a:t>
             </a:r>
             <a:endParaRPr lang="en-US" sz="800" dirty="0"/>
           </a:p>
@@ -10080,6 +10034,1628 @@
           <a:xfrm>
             <a:off x="7391400" y="1752600"/>
             <a:ext cx="685800" cy="1588"/>
+          </a:xfrm>
+          <a:prstGeom prst="line">
+            <a:avLst/>
+          </a:prstGeom>
+        </p:spPr>
+        <p:style>
+          <a:lnRef idx="1">
+            <a:schemeClr val="accent1"/>
+          </a:lnRef>
+          <a:fillRef idx="0">
+            <a:schemeClr val="accent1"/>
+          </a:fillRef>
+          <a:effectRef idx="0">
+            <a:schemeClr val="accent1"/>
+          </a:effectRef>
+          <a:fontRef idx="minor">
+            <a:schemeClr val="tx1"/>
+          </a:fontRef>
+        </p:style>
+      </p:cxnSp>
+      <p:sp>
+        <p:nvSpPr>
+          <p:cNvPr id="276" name="TextBox 275"/>
+          <p:cNvSpPr txBox="1"/>
+          <p:nvPr/>
+        </p:nvSpPr>
+        <p:spPr>
+          <a:xfrm>
+            <a:off x="7772400" y="1447800"/>
+            <a:ext cx="341760" cy="215444"/>
+          </a:xfrm>
+          <a:prstGeom prst="rect">
+            <a:avLst/>
+          </a:prstGeom>
+          <a:noFill/>
+        </p:spPr>
+        <p:txBody>
+          <a:bodyPr wrap="none" rtlCol="0">
+            <a:spAutoFit/>
+          </a:bodyPr>
+          <a:lstStyle/>
+          <a:p>
+            <a:r>
+              <a:rPr lang="en-US" sz="800" dirty="0" smtClean="0"/>
+              <a:t>04b</a:t>
+            </a:r>
+            <a:endParaRPr lang="en-US" sz="800" dirty="0"/>
+          </a:p>
+        </p:txBody>
+      </p:sp>
+      <p:sp>
+        <p:nvSpPr>
+          <p:cNvPr id="277" name="TextBox 276"/>
+          <p:cNvSpPr txBox="1"/>
+          <p:nvPr/>
+        </p:nvSpPr>
+        <p:spPr>
+          <a:xfrm>
+            <a:off x="7740650" y="1828800"/>
+            <a:ext cx="389850" cy="215444"/>
+          </a:xfrm>
+          <a:prstGeom prst="rect">
+            <a:avLst/>
+          </a:prstGeom>
+          <a:noFill/>
+        </p:spPr>
+        <p:txBody>
+          <a:bodyPr wrap="none" rtlCol="0">
+            <a:spAutoFit/>
+          </a:bodyPr>
+          <a:lstStyle/>
+          <a:p>
+            <a:r>
+              <a:rPr lang="en-US" sz="800" dirty="0" smtClean="0"/>
+              <a:t>0,3 d</a:t>
+            </a:r>
+            <a:endParaRPr lang="en-US" sz="800" dirty="0"/>
+          </a:p>
+        </p:txBody>
+      </p:sp>
+      <p:sp>
+        <p:nvSpPr>
+          <p:cNvPr id="278" name="TextBox 277"/>
+          <p:cNvSpPr txBox="1"/>
+          <p:nvPr/>
+        </p:nvSpPr>
+        <p:spPr>
+          <a:xfrm>
+            <a:off x="7359650" y="1828800"/>
+            <a:ext cx="378630" cy="215444"/>
+          </a:xfrm>
+          <a:prstGeom prst="rect">
+            <a:avLst/>
+          </a:prstGeom>
+          <a:noFill/>
+        </p:spPr>
+        <p:txBody>
+          <a:bodyPr wrap="none" rtlCol="0">
+            <a:spAutoFit/>
+          </a:bodyPr>
+          <a:lstStyle/>
+          <a:p>
+            <a:r>
+              <a:rPr lang="en-US" sz="800" dirty="0" smtClean="0"/>
+              <a:t>1,3 c</a:t>
+            </a:r>
+            <a:endParaRPr lang="en-US" sz="800" dirty="0"/>
+          </a:p>
+        </p:txBody>
+      </p:sp>
+      <p:cxnSp>
+        <p:nvCxnSpPr>
+          <p:cNvPr id="279" name="Straight Connector 278"/>
+          <p:cNvCxnSpPr/>
+          <p:nvPr/>
+        </p:nvCxnSpPr>
+        <p:spPr>
+          <a:xfrm>
+            <a:off x="6629400" y="1752600"/>
+            <a:ext cx="304800" cy="1588"/>
+          </a:xfrm>
+          <a:prstGeom prst="line">
+            <a:avLst/>
+          </a:prstGeom>
+        </p:spPr>
+        <p:style>
+          <a:lnRef idx="1">
+            <a:schemeClr val="accent1"/>
+          </a:lnRef>
+          <a:fillRef idx="0">
+            <a:schemeClr val="accent1"/>
+          </a:fillRef>
+          <a:effectRef idx="0">
+            <a:schemeClr val="accent1"/>
+          </a:effectRef>
+          <a:fontRef idx="minor">
+            <a:schemeClr val="tx1"/>
+          </a:fontRef>
+        </p:style>
+      </p:cxnSp>
+      <p:sp>
+        <p:nvSpPr>
+          <p:cNvPr id="280" name="TextBox 279"/>
+          <p:cNvSpPr txBox="1"/>
+          <p:nvPr/>
+        </p:nvSpPr>
+        <p:spPr>
+          <a:xfrm>
+            <a:off x="6629400" y="1447800"/>
+            <a:ext cx="385042" cy="215444"/>
+          </a:xfrm>
+          <a:prstGeom prst="rect">
+            <a:avLst/>
+          </a:prstGeom>
+          <a:noFill/>
+        </p:spPr>
+        <p:txBody>
+          <a:bodyPr wrap="none" rtlCol="0">
+            <a:spAutoFit/>
+          </a:bodyPr>
+          <a:lstStyle/>
+          <a:p>
+            <a:r>
+              <a:rPr lang="en-US" sz="800" dirty="0" smtClean="0"/>
+              <a:t>1,4 a</a:t>
+            </a:r>
+            <a:endParaRPr lang="en-US" sz="800" dirty="0"/>
+          </a:p>
+        </p:txBody>
+      </p:sp>
+      <p:sp>
+        <p:nvSpPr>
+          <p:cNvPr id="281" name="TextBox 280"/>
+          <p:cNvSpPr txBox="1"/>
+          <p:nvPr/>
+        </p:nvSpPr>
+        <p:spPr>
+          <a:xfrm>
+            <a:off x="6629400" y="1828800"/>
+            <a:ext cx="378630" cy="215444"/>
+          </a:xfrm>
+          <a:prstGeom prst="rect">
+            <a:avLst/>
+          </a:prstGeom>
+          <a:noFill/>
+        </p:spPr>
+        <p:txBody>
+          <a:bodyPr wrap="none" rtlCol="0">
+            <a:spAutoFit/>
+          </a:bodyPr>
+          <a:lstStyle/>
+          <a:p>
+            <a:r>
+              <a:rPr lang="en-US" sz="800" dirty="0" smtClean="0"/>
+              <a:t>1,3 c</a:t>
+            </a:r>
+            <a:endParaRPr lang="en-US" sz="800" dirty="0"/>
+          </a:p>
+        </p:txBody>
+      </p:sp>
+      <p:sp>
+        <p:nvSpPr>
+          <p:cNvPr id="282" name="TextBox 281"/>
+          <p:cNvSpPr txBox="1"/>
+          <p:nvPr/>
+        </p:nvSpPr>
+        <p:spPr>
+          <a:xfrm>
+            <a:off x="4114800" y="2209800"/>
+            <a:ext cx="381000" cy="215444"/>
+          </a:xfrm>
+          <a:prstGeom prst="rect">
+            <a:avLst/>
+          </a:prstGeom>
+          <a:noFill/>
+        </p:spPr>
+        <p:txBody>
+          <a:bodyPr wrap="square" rtlCol="0">
+            <a:spAutoFit/>
+          </a:bodyPr>
+          <a:lstStyle/>
+          <a:p>
+            <a:r>
+              <a:rPr lang="en-US" sz="800" dirty="0" smtClean="0"/>
+              <a:t>0,4b</a:t>
+            </a:r>
+            <a:endParaRPr lang="en-US" sz="800" dirty="0"/>
+          </a:p>
+        </p:txBody>
+      </p:sp>
+      <p:sp>
+        <p:nvSpPr>
+          <p:cNvPr id="283" name="TextBox 282"/>
+          <p:cNvSpPr txBox="1"/>
+          <p:nvPr/>
+        </p:nvSpPr>
+        <p:spPr>
+          <a:xfrm>
+            <a:off x="3790950" y="2286000"/>
+            <a:ext cx="381000" cy="338554"/>
+          </a:xfrm>
+          <a:prstGeom prst="rect">
+            <a:avLst/>
+          </a:prstGeom>
+          <a:noFill/>
+        </p:spPr>
+        <p:txBody>
+          <a:bodyPr wrap="square" rtlCol="0">
+            <a:spAutoFit/>
+          </a:bodyPr>
+          <a:lstStyle/>
+          <a:p>
+            <a:r>
+              <a:rPr lang="en-US" sz="800" dirty="0" smtClean="0"/>
+              <a:t>0,1 </a:t>
+            </a:r>
+          </a:p>
+          <a:p>
+            <a:r>
+              <a:rPr lang="en-US" sz="800" dirty="0" smtClean="0"/>
+              <a:t>ac</a:t>
+            </a:r>
+            <a:endParaRPr lang="en-US" sz="800" dirty="0"/>
+          </a:p>
+        </p:txBody>
+      </p:sp>
+      <p:sp>
+        <p:nvSpPr>
+          <p:cNvPr id="284" name="TextBox 283"/>
+          <p:cNvSpPr txBox="1"/>
+          <p:nvPr/>
+        </p:nvSpPr>
+        <p:spPr>
+          <a:xfrm>
+            <a:off x="4495800" y="2286000"/>
+            <a:ext cx="381000" cy="338554"/>
+          </a:xfrm>
+          <a:prstGeom prst="rect">
+            <a:avLst/>
+          </a:prstGeom>
+          <a:noFill/>
+        </p:spPr>
+        <p:txBody>
+          <a:bodyPr wrap="square" rtlCol="0">
+            <a:spAutoFit/>
+          </a:bodyPr>
+          <a:lstStyle/>
+          <a:p>
+            <a:r>
+              <a:rPr lang="en-US" sz="800" dirty="0" smtClean="0"/>
+              <a:t>0,1 </a:t>
+            </a:r>
+          </a:p>
+          <a:p>
+            <a:r>
+              <a:rPr lang="en-US" sz="800" dirty="0" smtClean="0"/>
+              <a:t>ac</a:t>
+            </a:r>
+            <a:endParaRPr lang="en-US" sz="800" dirty="0"/>
+          </a:p>
+        </p:txBody>
+      </p:sp>
+      <p:sp>
+        <p:nvSpPr>
+          <p:cNvPr id="285" name="TextBox 284"/>
+          <p:cNvSpPr txBox="1"/>
+          <p:nvPr/>
+        </p:nvSpPr>
+        <p:spPr>
+          <a:xfrm>
+            <a:off x="5181600" y="2286000"/>
+            <a:ext cx="381000" cy="338554"/>
+          </a:xfrm>
+          <a:prstGeom prst="rect">
+            <a:avLst/>
+          </a:prstGeom>
+          <a:noFill/>
+        </p:spPr>
+        <p:txBody>
+          <a:bodyPr wrap="square" rtlCol="0">
+            <a:spAutoFit/>
+          </a:bodyPr>
+          <a:lstStyle/>
+          <a:p>
+            <a:r>
+              <a:rPr lang="en-US" sz="800" dirty="0" smtClean="0"/>
+              <a:t>0,1 </a:t>
+            </a:r>
+          </a:p>
+          <a:p>
+            <a:r>
+              <a:rPr lang="en-US" sz="800" dirty="0" smtClean="0"/>
+              <a:t>ac</a:t>
+            </a:r>
+            <a:endParaRPr lang="en-US" sz="800" dirty="0"/>
+          </a:p>
+        </p:txBody>
+      </p:sp>
+      <p:sp>
+        <p:nvSpPr>
+          <p:cNvPr id="286" name="TextBox 285"/>
+          <p:cNvSpPr txBox="1"/>
+          <p:nvPr/>
+        </p:nvSpPr>
+        <p:spPr>
+          <a:xfrm>
+            <a:off x="4102100" y="3048000"/>
+            <a:ext cx="381000" cy="338554"/>
+          </a:xfrm>
+          <a:prstGeom prst="rect">
+            <a:avLst/>
+          </a:prstGeom>
+          <a:noFill/>
+        </p:spPr>
+        <p:txBody>
+          <a:bodyPr wrap="square" rtlCol="0">
+            <a:spAutoFit/>
+          </a:bodyPr>
+          <a:lstStyle/>
+          <a:p>
+            <a:r>
+              <a:rPr lang="en-US" sz="800" dirty="0" smtClean="0"/>
+              <a:t>2,1 </a:t>
+            </a:r>
+          </a:p>
+          <a:p>
+            <a:r>
+              <a:rPr lang="en-US" sz="800" dirty="0" err="1" smtClean="0"/>
+              <a:t>bd</a:t>
+            </a:r>
+            <a:endParaRPr lang="en-US" sz="800" dirty="0"/>
+          </a:p>
+        </p:txBody>
+      </p:sp>
+      <p:sp>
+        <p:nvSpPr>
+          <p:cNvPr id="287" name="TextBox 286"/>
+          <p:cNvSpPr txBox="1"/>
+          <p:nvPr/>
+        </p:nvSpPr>
+        <p:spPr>
+          <a:xfrm>
+            <a:off x="4800600" y="3048000"/>
+            <a:ext cx="381000" cy="338554"/>
+          </a:xfrm>
+          <a:prstGeom prst="rect">
+            <a:avLst/>
+          </a:prstGeom>
+          <a:noFill/>
+        </p:spPr>
+        <p:txBody>
+          <a:bodyPr wrap="square" rtlCol="0">
+            <a:spAutoFit/>
+          </a:bodyPr>
+          <a:lstStyle/>
+          <a:p>
+            <a:r>
+              <a:rPr lang="en-US" sz="800" dirty="0" smtClean="0"/>
+              <a:t>2,1 </a:t>
+            </a:r>
+          </a:p>
+          <a:p>
+            <a:r>
+              <a:rPr lang="en-US" sz="800" dirty="0" err="1" smtClean="0"/>
+              <a:t>bd</a:t>
+            </a:r>
+            <a:endParaRPr lang="en-US" sz="800" dirty="0"/>
+          </a:p>
+        </p:txBody>
+      </p:sp>
+      <p:sp>
+        <p:nvSpPr>
+          <p:cNvPr id="288" name="TextBox 287"/>
+          <p:cNvSpPr txBox="1"/>
+          <p:nvPr/>
+        </p:nvSpPr>
+        <p:spPr>
+          <a:xfrm>
+            <a:off x="5562600" y="3048000"/>
+            <a:ext cx="381000" cy="338554"/>
+          </a:xfrm>
+          <a:prstGeom prst="rect">
+            <a:avLst/>
+          </a:prstGeom>
+          <a:noFill/>
+        </p:spPr>
+        <p:txBody>
+          <a:bodyPr wrap="square" rtlCol="0">
+            <a:spAutoFit/>
+          </a:bodyPr>
+          <a:lstStyle/>
+          <a:p>
+            <a:r>
+              <a:rPr lang="en-US" sz="800" dirty="0" smtClean="0"/>
+              <a:t>2,1 </a:t>
+            </a:r>
+          </a:p>
+          <a:p>
+            <a:r>
+              <a:rPr lang="en-US" sz="800" dirty="0" err="1" smtClean="0"/>
+              <a:t>bd</a:t>
+            </a:r>
+            <a:endParaRPr lang="en-US" sz="800" dirty="0"/>
+          </a:p>
+        </p:txBody>
+      </p:sp>
+      <p:sp>
+        <p:nvSpPr>
+          <p:cNvPr id="289" name="TextBox 288"/>
+          <p:cNvSpPr txBox="1"/>
+          <p:nvPr/>
+        </p:nvSpPr>
+        <p:spPr>
+          <a:xfrm>
+            <a:off x="3352800" y="3733800"/>
+            <a:ext cx="381000" cy="338554"/>
+          </a:xfrm>
+          <a:prstGeom prst="rect">
+            <a:avLst/>
+          </a:prstGeom>
+          <a:noFill/>
+        </p:spPr>
+        <p:txBody>
+          <a:bodyPr wrap="square" rtlCol="0">
+            <a:spAutoFit/>
+          </a:bodyPr>
+          <a:lstStyle/>
+          <a:p>
+            <a:r>
+              <a:rPr lang="en-US" sz="800" dirty="0" smtClean="0"/>
+              <a:t>2,1 </a:t>
+            </a:r>
+          </a:p>
+          <a:p>
+            <a:r>
+              <a:rPr lang="en-US" sz="800" dirty="0" err="1" smtClean="0"/>
+              <a:t>bd</a:t>
+            </a:r>
+            <a:endParaRPr lang="en-US" sz="800" dirty="0"/>
+          </a:p>
+        </p:txBody>
+      </p:sp>
+      <p:sp>
+        <p:nvSpPr>
+          <p:cNvPr id="290" name="TextBox 289"/>
+          <p:cNvSpPr txBox="1"/>
+          <p:nvPr/>
+        </p:nvSpPr>
+        <p:spPr>
+          <a:xfrm>
+            <a:off x="3048000" y="3733800"/>
+            <a:ext cx="381000" cy="338554"/>
+          </a:xfrm>
+          <a:prstGeom prst="rect">
+            <a:avLst/>
+          </a:prstGeom>
+          <a:noFill/>
+        </p:spPr>
+        <p:txBody>
+          <a:bodyPr wrap="square" rtlCol="0">
+            <a:spAutoFit/>
+          </a:bodyPr>
+          <a:lstStyle/>
+          <a:p>
+            <a:r>
+              <a:rPr lang="en-US" sz="800" dirty="0" smtClean="0"/>
+              <a:t>0,1 </a:t>
+            </a:r>
+          </a:p>
+          <a:p>
+            <a:r>
+              <a:rPr lang="en-US" sz="800" dirty="0" smtClean="0"/>
+              <a:t>ac</a:t>
+            </a:r>
+            <a:endParaRPr lang="en-US" sz="800" dirty="0"/>
+          </a:p>
+        </p:txBody>
+      </p:sp>
+      <p:sp>
+        <p:nvSpPr>
+          <p:cNvPr id="291" name="TextBox 290"/>
+          <p:cNvSpPr txBox="1"/>
+          <p:nvPr/>
+        </p:nvSpPr>
+        <p:spPr>
+          <a:xfrm>
+            <a:off x="3886200" y="3657600"/>
+            <a:ext cx="439544" cy="215444"/>
+          </a:xfrm>
+          <a:prstGeom prst="rect">
+            <a:avLst/>
+          </a:prstGeom>
+          <a:noFill/>
+        </p:spPr>
+        <p:txBody>
+          <a:bodyPr wrap="none" rtlCol="0">
+            <a:spAutoFit/>
+          </a:bodyPr>
+          <a:lstStyle/>
+          <a:p>
+            <a:r>
+              <a:rPr lang="en-US" sz="800" dirty="0" smtClean="0"/>
+              <a:t>1,0 </a:t>
+            </a:r>
+            <a:r>
+              <a:rPr lang="en-US" sz="800" dirty="0" err="1" smtClean="0"/>
+              <a:t>ab</a:t>
+            </a:r>
+            <a:endParaRPr lang="en-US" sz="800" dirty="0"/>
+          </a:p>
+        </p:txBody>
+      </p:sp>
+      <p:sp>
+        <p:nvSpPr>
+          <p:cNvPr id="292" name="TextBox 291"/>
+          <p:cNvSpPr txBox="1"/>
+          <p:nvPr/>
+        </p:nvSpPr>
+        <p:spPr>
+          <a:xfrm>
+            <a:off x="3886200" y="3962400"/>
+            <a:ext cx="433132" cy="215444"/>
+          </a:xfrm>
+          <a:prstGeom prst="rect">
+            <a:avLst/>
+          </a:prstGeom>
+          <a:noFill/>
+        </p:spPr>
+        <p:txBody>
+          <a:bodyPr wrap="none" rtlCol="0">
+            <a:spAutoFit/>
+          </a:bodyPr>
+          <a:lstStyle/>
+          <a:p>
+            <a:r>
+              <a:rPr lang="en-US" sz="800" dirty="0" smtClean="0"/>
+              <a:t>1,2 </a:t>
+            </a:r>
+            <a:r>
+              <a:rPr lang="en-US" sz="800" dirty="0" err="1" smtClean="0"/>
+              <a:t>cd</a:t>
+            </a:r>
+            <a:endParaRPr lang="en-US" sz="800" dirty="0"/>
+          </a:p>
+        </p:txBody>
+      </p:sp>
+      <p:sp>
+        <p:nvSpPr>
+          <p:cNvPr id="293" name="TextBox 292"/>
+          <p:cNvSpPr txBox="1"/>
+          <p:nvPr/>
+        </p:nvSpPr>
+        <p:spPr>
+          <a:xfrm>
+            <a:off x="5257800" y="3657600"/>
+            <a:ext cx="537327" cy="215444"/>
+          </a:xfrm>
+          <a:prstGeom prst="rect">
+            <a:avLst/>
+          </a:prstGeom>
+          <a:noFill/>
+        </p:spPr>
+        <p:txBody>
+          <a:bodyPr wrap="none" rtlCol="0">
+            <a:spAutoFit/>
+          </a:bodyPr>
+          <a:lstStyle/>
+          <a:p>
+            <a:r>
+              <a:rPr lang="en-US" sz="800" dirty="0" smtClean="0"/>
+              <a:t>0,0 </a:t>
+            </a:r>
+            <a:r>
+              <a:rPr lang="en-US" sz="800" dirty="0" err="1" smtClean="0"/>
+              <a:t>abcd</a:t>
+            </a:r>
+            <a:endParaRPr lang="en-US" sz="800" dirty="0"/>
+          </a:p>
+        </p:txBody>
+      </p:sp>
+      <p:sp>
+        <p:nvSpPr>
+          <p:cNvPr id="294" name="TextBox 293"/>
+          <p:cNvSpPr txBox="1"/>
+          <p:nvPr/>
+        </p:nvSpPr>
+        <p:spPr>
+          <a:xfrm>
+            <a:off x="5530850" y="3981450"/>
+            <a:ext cx="389850" cy="215444"/>
+          </a:xfrm>
+          <a:prstGeom prst="rect">
+            <a:avLst/>
+          </a:prstGeom>
+          <a:noFill/>
+        </p:spPr>
+        <p:txBody>
+          <a:bodyPr wrap="none" rtlCol="0">
+            <a:spAutoFit/>
+          </a:bodyPr>
+          <a:lstStyle/>
+          <a:p>
+            <a:r>
+              <a:rPr lang="en-US" sz="800" dirty="0" smtClean="0"/>
+              <a:t>0,3 d</a:t>
+            </a:r>
+            <a:endParaRPr lang="en-US" sz="800" dirty="0"/>
+          </a:p>
+        </p:txBody>
+      </p:sp>
+      <p:sp>
+        <p:nvSpPr>
+          <p:cNvPr id="295" name="TextBox 294"/>
+          <p:cNvSpPr txBox="1"/>
+          <p:nvPr/>
+        </p:nvSpPr>
+        <p:spPr>
+          <a:xfrm>
+            <a:off x="5334000" y="4419600"/>
+            <a:ext cx="439544" cy="215444"/>
+          </a:xfrm>
+          <a:prstGeom prst="rect">
+            <a:avLst/>
+          </a:prstGeom>
+          <a:noFill/>
+        </p:spPr>
+        <p:txBody>
+          <a:bodyPr wrap="none" rtlCol="0">
+            <a:spAutoFit/>
+          </a:bodyPr>
+          <a:lstStyle/>
+          <a:p>
+            <a:r>
+              <a:rPr lang="en-US" sz="800" dirty="0" smtClean="0"/>
+              <a:t>0,0 </a:t>
+            </a:r>
+            <a:r>
+              <a:rPr lang="en-US" sz="800" dirty="0" err="1" smtClean="0"/>
+              <a:t>ab</a:t>
+            </a:r>
+            <a:endParaRPr lang="en-US" sz="800" dirty="0"/>
+          </a:p>
+        </p:txBody>
+      </p:sp>
+      <p:sp>
+        <p:nvSpPr>
+          <p:cNvPr id="296" name="TextBox 295"/>
+          <p:cNvSpPr txBox="1"/>
+          <p:nvPr/>
+        </p:nvSpPr>
+        <p:spPr>
+          <a:xfrm>
+            <a:off x="5257800" y="4648200"/>
+            <a:ext cx="433132" cy="215444"/>
+          </a:xfrm>
+          <a:prstGeom prst="rect">
+            <a:avLst/>
+          </a:prstGeom>
+          <a:noFill/>
+        </p:spPr>
+        <p:txBody>
+          <a:bodyPr wrap="none" rtlCol="0">
+            <a:spAutoFit/>
+          </a:bodyPr>
+          <a:lstStyle/>
+          <a:p>
+            <a:r>
+              <a:rPr lang="en-US" sz="800" dirty="0" smtClean="0"/>
+              <a:t>0,2 </a:t>
+            </a:r>
+            <a:r>
+              <a:rPr lang="en-US" sz="800" dirty="0" err="1" smtClean="0"/>
+              <a:t>cd</a:t>
+            </a:r>
+            <a:endParaRPr lang="en-US" sz="800" dirty="0"/>
+          </a:p>
+        </p:txBody>
+      </p:sp>
+      <p:sp>
+        <p:nvSpPr>
+          <p:cNvPr id="297" name="TextBox 296"/>
+          <p:cNvSpPr txBox="1"/>
+          <p:nvPr/>
+        </p:nvSpPr>
+        <p:spPr>
+          <a:xfrm>
+            <a:off x="5543550" y="2533650"/>
+            <a:ext cx="389850" cy="215444"/>
+          </a:xfrm>
+          <a:prstGeom prst="rect">
+            <a:avLst/>
+          </a:prstGeom>
+          <a:noFill/>
+        </p:spPr>
+        <p:txBody>
+          <a:bodyPr wrap="none" rtlCol="0">
+            <a:spAutoFit/>
+          </a:bodyPr>
+          <a:lstStyle/>
+          <a:p>
+            <a:r>
+              <a:rPr lang="en-US" sz="800" dirty="0" smtClean="0"/>
+              <a:t>0,3 d</a:t>
+            </a:r>
+            <a:endParaRPr lang="en-US" sz="800" dirty="0"/>
+          </a:p>
+        </p:txBody>
+      </p:sp>
+      <p:sp>
+        <p:nvSpPr>
+          <p:cNvPr id="298" name="TextBox 297"/>
+          <p:cNvSpPr txBox="1"/>
+          <p:nvPr/>
+        </p:nvSpPr>
+        <p:spPr>
+          <a:xfrm>
+            <a:off x="5543550" y="2152650"/>
+            <a:ext cx="389850" cy="215444"/>
+          </a:xfrm>
+          <a:prstGeom prst="rect">
+            <a:avLst/>
+          </a:prstGeom>
+          <a:noFill/>
+        </p:spPr>
+        <p:txBody>
+          <a:bodyPr wrap="none" rtlCol="0">
+            <a:spAutoFit/>
+          </a:bodyPr>
+          <a:lstStyle/>
+          <a:p>
+            <a:r>
+              <a:rPr lang="en-US" sz="800" dirty="0" smtClean="0"/>
+              <a:t>0,4 b</a:t>
+            </a:r>
+            <a:endParaRPr lang="en-US" sz="800" dirty="0"/>
+          </a:p>
+        </p:txBody>
+      </p:sp>
+      <p:sp>
+        <p:nvSpPr>
+          <p:cNvPr id="299" name="TextBox 298"/>
+          <p:cNvSpPr txBox="1"/>
+          <p:nvPr/>
+        </p:nvSpPr>
+        <p:spPr>
+          <a:xfrm>
+            <a:off x="4800600" y="2514600"/>
+            <a:ext cx="381000" cy="215444"/>
+          </a:xfrm>
+          <a:prstGeom prst="rect">
+            <a:avLst/>
+          </a:prstGeom>
+          <a:noFill/>
+        </p:spPr>
+        <p:txBody>
+          <a:bodyPr wrap="square" rtlCol="0">
+            <a:spAutoFit/>
+          </a:bodyPr>
+          <a:lstStyle/>
+          <a:p>
+            <a:r>
+              <a:rPr lang="en-US" sz="800" dirty="0" smtClean="0"/>
+              <a:t>0,3d</a:t>
+            </a:r>
+            <a:endParaRPr lang="en-US" sz="800" dirty="0"/>
+          </a:p>
+        </p:txBody>
+      </p:sp>
+      <p:sp>
+        <p:nvSpPr>
+          <p:cNvPr id="300" name="TextBox 299"/>
+          <p:cNvSpPr txBox="1"/>
+          <p:nvPr/>
+        </p:nvSpPr>
+        <p:spPr>
+          <a:xfrm>
+            <a:off x="3810000" y="3200400"/>
+            <a:ext cx="381000" cy="338554"/>
+          </a:xfrm>
+          <a:prstGeom prst="rect">
+            <a:avLst/>
+          </a:prstGeom>
+          <a:noFill/>
+        </p:spPr>
+        <p:txBody>
+          <a:bodyPr wrap="square" rtlCol="0">
+            <a:spAutoFit/>
+          </a:bodyPr>
+          <a:lstStyle/>
+          <a:p>
+            <a:r>
+              <a:rPr lang="en-US" sz="800" dirty="0" smtClean="0"/>
+              <a:t>1,3 </a:t>
+            </a:r>
+          </a:p>
+          <a:p>
+            <a:r>
+              <a:rPr lang="en-US" sz="800" dirty="0" smtClean="0"/>
+              <a:t>c</a:t>
+            </a:r>
+            <a:endParaRPr lang="en-US" sz="800" dirty="0"/>
+          </a:p>
+        </p:txBody>
+      </p:sp>
+      <p:sp>
+        <p:nvSpPr>
+          <p:cNvPr id="301" name="TextBox 300"/>
+          <p:cNvSpPr txBox="1"/>
+          <p:nvPr/>
+        </p:nvSpPr>
+        <p:spPr>
+          <a:xfrm>
+            <a:off x="4495800" y="2895600"/>
+            <a:ext cx="381000" cy="338554"/>
+          </a:xfrm>
+          <a:prstGeom prst="rect">
+            <a:avLst/>
+          </a:prstGeom>
+          <a:noFill/>
+        </p:spPr>
+        <p:txBody>
+          <a:bodyPr wrap="square" rtlCol="0">
+            <a:spAutoFit/>
+          </a:bodyPr>
+          <a:lstStyle/>
+          <a:p>
+            <a:r>
+              <a:rPr lang="en-US" sz="800" dirty="0" smtClean="0"/>
+              <a:t>1,4 </a:t>
+            </a:r>
+          </a:p>
+          <a:p>
+            <a:r>
+              <a:rPr lang="en-US" sz="800" dirty="0" smtClean="0"/>
+              <a:t>a</a:t>
+            </a:r>
+            <a:endParaRPr lang="en-US" sz="800" dirty="0"/>
+          </a:p>
+        </p:txBody>
+      </p:sp>
+      <p:sp>
+        <p:nvSpPr>
+          <p:cNvPr id="302" name="TextBox 301"/>
+          <p:cNvSpPr txBox="1"/>
+          <p:nvPr/>
+        </p:nvSpPr>
+        <p:spPr>
+          <a:xfrm>
+            <a:off x="3810000" y="4724400"/>
+            <a:ext cx="482824" cy="215444"/>
+          </a:xfrm>
+          <a:prstGeom prst="rect">
+            <a:avLst/>
+          </a:prstGeom>
+          <a:noFill/>
+        </p:spPr>
+        <p:txBody>
+          <a:bodyPr wrap="none" rtlCol="0">
+            <a:spAutoFit/>
+          </a:bodyPr>
+          <a:lstStyle/>
+          <a:p>
+            <a:r>
+              <a:rPr lang="en-US" sz="800" dirty="0" smtClean="0"/>
+              <a:t>0,2 </a:t>
+            </a:r>
+            <a:r>
+              <a:rPr lang="en-US" sz="800" dirty="0" err="1" smtClean="0"/>
+              <a:t>acd</a:t>
+            </a:r>
+            <a:endParaRPr lang="en-US" sz="800" dirty="0"/>
+          </a:p>
+        </p:txBody>
+      </p:sp>
+      <p:sp>
+        <p:nvSpPr>
+          <p:cNvPr id="303" name="TextBox 302"/>
+          <p:cNvSpPr txBox="1"/>
+          <p:nvPr/>
+        </p:nvSpPr>
+        <p:spPr>
+          <a:xfrm>
+            <a:off x="4064000" y="4343400"/>
+            <a:ext cx="389850" cy="215444"/>
+          </a:xfrm>
+          <a:prstGeom prst="rect">
+            <a:avLst/>
+          </a:prstGeom>
+          <a:noFill/>
+        </p:spPr>
+        <p:txBody>
+          <a:bodyPr wrap="none" rtlCol="0">
+            <a:spAutoFit/>
+          </a:bodyPr>
+          <a:lstStyle/>
+          <a:p>
+            <a:r>
+              <a:rPr lang="en-US" sz="800" dirty="0" smtClean="0"/>
+              <a:t>0,4 b</a:t>
+            </a:r>
+            <a:endParaRPr lang="en-US" sz="800" dirty="0"/>
+          </a:p>
+        </p:txBody>
+      </p:sp>
+      <p:sp>
+        <p:nvSpPr>
+          <p:cNvPr id="304" name="TextBox 303"/>
+          <p:cNvSpPr txBox="1"/>
+          <p:nvPr/>
+        </p:nvSpPr>
+        <p:spPr>
+          <a:xfrm>
+            <a:off x="4495800" y="4495800"/>
+            <a:ext cx="335348" cy="338554"/>
+          </a:xfrm>
+          <a:prstGeom prst="rect">
+            <a:avLst/>
+          </a:prstGeom>
+          <a:noFill/>
+        </p:spPr>
+        <p:txBody>
+          <a:bodyPr wrap="none" rtlCol="0">
+            <a:spAutoFit/>
+          </a:bodyPr>
+          <a:lstStyle/>
+          <a:p>
+            <a:r>
+              <a:rPr lang="en-US" sz="800" dirty="0" smtClean="0"/>
+              <a:t>0,0 </a:t>
+            </a:r>
+          </a:p>
+          <a:p>
+            <a:r>
+              <a:rPr lang="en-US" sz="800" dirty="0" smtClean="0"/>
+              <a:t>ac</a:t>
+            </a:r>
+            <a:endParaRPr lang="en-US" sz="800" dirty="0"/>
+          </a:p>
+        </p:txBody>
+      </p:sp>
+      <p:sp>
+        <p:nvSpPr>
+          <p:cNvPr id="305" name="TextBox 304"/>
+          <p:cNvSpPr txBox="1"/>
+          <p:nvPr/>
+        </p:nvSpPr>
+        <p:spPr>
+          <a:xfrm>
+            <a:off x="4800600" y="4495800"/>
+            <a:ext cx="335348" cy="338554"/>
+          </a:xfrm>
+          <a:prstGeom prst="rect">
+            <a:avLst/>
+          </a:prstGeom>
+          <a:noFill/>
+        </p:spPr>
+        <p:txBody>
+          <a:bodyPr wrap="none" rtlCol="0">
+            <a:spAutoFit/>
+          </a:bodyPr>
+          <a:lstStyle/>
+          <a:p>
+            <a:r>
+              <a:rPr lang="en-US" sz="800" dirty="0" smtClean="0"/>
+              <a:t>2,0 </a:t>
+            </a:r>
+          </a:p>
+          <a:p>
+            <a:r>
+              <a:rPr lang="en-US" sz="800" dirty="0" err="1" smtClean="0"/>
+              <a:t>bd</a:t>
+            </a:r>
+            <a:endParaRPr lang="en-US" sz="800" dirty="0"/>
+          </a:p>
+        </p:txBody>
+      </p:sp>
+      <p:sp>
+        <p:nvSpPr>
+          <p:cNvPr id="306" name="TextBox 305"/>
+          <p:cNvSpPr txBox="1"/>
+          <p:nvPr/>
+        </p:nvSpPr>
+        <p:spPr>
+          <a:xfrm>
+            <a:off x="5943600" y="4572000"/>
+            <a:ext cx="335348" cy="338554"/>
+          </a:xfrm>
+          <a:prstGeom prst="rect">
+            <a:avLst/>
+          </a:prstGeom>
+          <a:noFill/>
+        </p:spPr>
+        <p:txBody>
+          <a:bodyPr wrap="none" rtlCol="0">
+            <a:spAutoFit/>
+          </a:bodyPr>
+          <a:lstStyle/>
+          <a:p>
+            <a:r>
+              <a:rPr lang="en-US" sz="800" dirty="0" smtClean="0"/>
+              <a:t>0,2 </a:t>
+            </a:r>
+          </a:p>
+          <a:p>
+            <a:r>
+              <a:rPr lang="en-US" sz="800" dirty="0" smtClean="0"/>
+              <a:t>ac</a:t>
+            </a:r>
+            <a:endParaRPr lang="en-US" sz="800" dirty="0"/>
+          </a:p>
+        </p:txBody>
+      </p:sp>
+      <p:sp>
+        <p:nvSpPr>
+          <p:cNvPr id="307" name="TextBox 306"/>
+          <p:cNvSpPr txBox="1"/>
+          <p:nvPr/>
+        </p:nvSpPr>
+        <p:spPr>
+          <a:xfrm>
+            <a:off x="6248400" y="4572000"/>
+            <a:ext cx="336952" cy="338554"/>
+          </a:xfrm>
+          <a:prstGeom prst="rect">
+            <a:avLst/>
+          </a:prstGeom>
+          <a:noFill/>
+        </p:spPr>
+        <p:txBody>
+          <a:bodyPr wrap="none" rtlCol="0">
+            <a:spAutoFit/>
+          </a:bodyPr>
+          <a:lstStyle/>
+          <a:p>
+            <a:r>
+              <a:rPr lang="en-US" sz="800" dirty="0" smtClean="0"/>
+              <a:t>2,2 </a:t>
+            </a:r>
+          </a:p>
+          <a:p>
+            <a:r>
+              <a:rPr lang="en-US" sz="800" dirty="0" err="1" smtClean="0"/>
+              <a:t>bd</a:t>
+            </a:r>
+            <a:endParaRPr lang="en-US" sz="800" dirty="0"/>
+          </a:p>
+        </p:txBody>
+      </p:sp>
+      <p:sp>
+        <p:nvSpPr>
+          <p:cNvPr id="308" name="TextBox 307"/>
+          <p:cNvSpPr txBox="1"/>
+          <p:nvPr/>
+        </p:nvSpPr>
+        <p:spPr>
+          <a:xfrm>
+            <a:off x="6781800" y="4419600"/>
+            <a:ext cx="439544" cy="215444"/>
+          </a:xfrm>
+          <a:prstGeom prst="rect">
+            <a:avLst/>
+          </a:prstGeom>
+          <a:noFill/>
+        </p:spPr>
+        <p:txBody>
+          <a:bodyPr wrap="none" rtlCol="0">
+            <a:spAutoFit/>
+          </a:bodyPr>
+          <a:lstStyle/>
+          <a:p>
+            <a:r>
+              <a:rPr lang="en-US" sz="800" dirty="0" smtClean="0"/>
+              <a:t>2,0 </a:t>
+            </a:r>
+            <a:r>
+              <a:rPr lang="en-US" sz="800" dirty="0" err="1" smtClean="0"/>
+              <a:t>ab</a:t>
+            </a:r>
+            <a:endParaRPr lang="en-US" sz="800" dirty="0"/>
+          </a:p>
+        </p:txBody>
+      </p:sp>
+      <p:sp>
+        <p:nvSpPr>
+          <p:cNvPr id="309" name="TextBox 308"/>
+          <p:cNvSpPr txBox="1"/>
+          <p:nvPr/>
+        </p:nvSpPr>
+        <p:spPr>
+          <a:xfrm>
+            <a:off x="6788150" y="4654550"/>
+            <a:ext cx="433132" cy="215444"/>
+          </a:xfrm>
+          <a:prstGeom prst="rect">
+            <a:avLst/>
+          </a:prstGeom>
+          <a:noFill/>
+        </p:spPr>
+        <p:txBody>
+          <a:bodyPr wrap="none" rtlCol="0">
+            <a:spAutoFit/>
+          </a:bodyPr>
+          <a:lstStyle/>
+          <a:p>
+            <a:r>
+              <a:rPr lang="en-US" sz="800" dirty="0" smtClean="0"/>
+              <a:t>2,2 </a:t>
+            </a:r>
+            <a:r>
+              <a:rPr lang="en-US" sz="800" dirty="0" err="1" smtClean="0"/>
+              <a:t>cd</a:t>
+            </a:r>
+            <a:endParaRPr lang="en-US" sz="800" dirty="0"/>
+          </a:p>
+        </p:txBody>
+      </p:sp>
+      <p:sp>
+        <p:nvSpPr>
+          <p:cNvPr id="310" name="TextBox 309"/>
+          <p:cNvSpPr txBox="1"/>
+          <p:nvPr/>
+        </p:nvSpPr>
+        <p:spPr>
+          <a:xfrm>
+            <a:off x="7391400" y="4343400"/>
+            <a:ext cx="385042" cy="215444"/>
+          </a:xfrm>
+          <a:prstGeom prst="rect">
+            <a:avLst/>
+          </a:prstGeom>
+          <a:noFill/>
+        </p:spPr>
+        <p:txBody>
+          <a:bodyPr wrap="none" rtlCol="0">
+            <a:spAutoFit/>
+          </a:bodyPr>
+          <a:lstStyle/>
+          <a:p>
+            <a:r>
+              <a:rPr lang="en-US" sz="800" dirty="0" smtClean="0"/>
+              <a:t>0,0 a</a:t>
+            </a:r>
+            <a:endParaRPr lang="en-US" sz="800" dirty="0"/>
+          </a:p>
+        </p:txBody>
+      </p:sp>
+      <p:sp>
+        <p:nvSpPr>
+          <p:cNvPr id="311" name="TextBox 310"/>
+          <p:cNvSpPr txBox="1"/>
+          <p:nvPr/>
+        </p:nvSpPr>
+        <p:spPr>
+          <a:xfrm>
+            <a:off x="7696200" y="4343400"/>
+            <a:ext cx="389850" cy="215444"/>
+          </a:xfrm>
+          <a:prstGeom prst="rect">
+            <a:avLst/>
+          </a:prstGeom>
+          <a:noFill/>
+        </p:spPr>
+        <p:txBody>
+          <a:bodyPr wrap="none" rtlCol="0">
+            <a:spAutoFit/>
+          </a:bodyPr>
+          <a:lstStyle/>
+          <a:p>
+            <a:r>
+              <a:rPr lang="en-US" sz="800" dirty="0" smtClean="0"/>
+              <a:t>2,0 b</a:t>
+            </a:r>
+            <a:endParaRPr lang="en-US" sz="800" dirty="0"/>
+          </a:p>
+        </p:txBody>
+      </p:sp>
+      <p:sp>
+        <p:nvSpPr>
+          <p:cNvPr id="312" name="TextBox 311"/>
+          <p:cNvSpPr txBox="1"/>
+          <p:nvPr/>
+        </p:nvSpPr>
+        <p:spPr>
+          <a:xfrm>
+            <a:off x="7391400" y="4724400"/>
+            <a:ext cx="378630" cy="215444"/>
+          </a:xfrm>
+          <a:prstGeom prst="rect">
+            <a:avLst/>
+          </a:prstGeom>
+          <a:noFill/>
+        </p:spPr>
+        <p:txBody>
+          <a:bodyPr wrap="none" rtlCol="0">
+            <a:spAutoFit/>
+          </a:bodyPr>
+          <a:lstStyle/>
+          <a:p>
+            <a:r>
+              <a:rPr lang="en-US" sz="800" dirty="0" smtClean="0"/>
+              <a:t>0,2 c</a:t>
+            </a:r>
+            <a:endParaRPr lang="en-US" sz="800" dirty="0"/>
+          </a:p>
+        </p:txBody>
+      </p:sp>
+      <p:sp>
+        <p:nvSpPr>
+          <p:cNvPr id="313" name="TextBox 312"/>
+          <p:cNvSpPr txBox="1"/>
+          <p:nvPr/>
+        </p:nvSpPr>
+        <p:spPr>
+          <a:xfrm>
+            <a:off x="7696200" y="4724400"/>
+            <a:ext cx="389850" cy="215444"/>
+          </a:xfrm>
+          <a:prstGeom prst="rect">
+            <a:avLst/>
+          </a:prstGeom>
+          <a:noFill/>
+        </p:spPr>
+        <p:txBody>
+          <a:bodyPr wrap="none" rtlCol="0">
+            <a:spAutoFit/>
+          </a:bodyPr>
+          <a:lstStyle/>
+          <a:p>
+            <a:r>
+              <a:rPr lang="en-US" sz="800" smtClean="0"/>
+              <a:t>2,2 d</a:t>
+            </a:r>
+            <a:endParaRPr lang="en-US" sz="800" dirty="0"/>
+          </a:p>
+        </p:txBody>
+      </p:sp>
+      <p:sp>
+        <p:nvSpPr>
+          <p:cNvPr id="2" name="TextBox 1"/>
+          <p:cNvSpPr txBox="1"/>
+          <p:nvPr/>
+        </p:nvSpPr>
+        <p:spPr>
+          <a:xfrm>
+            <a:off x="3076690" y="218331"/>
+            <a:ext cx="5564344" cy="369332"/>
+          </a:xfrm>
+          <a:prstGeom prst="rect">
+            <a:avLst/>
+          </a:prstGeom>
+          <a:noFill/>
+        </p:spPr>
+        <p:txBody>
+          <a:bodyPr wrap="none" rtlCol="0">
+            <a:spAutoFit/>
+          </a:bodyPr>
+          <a:lstStyle/>
+          <a:p>
+            <a:r>
+              <a:rPr lang="en-US" dirty="0" smtClean="0"/>
+              <a:t>0             1            2            3           4           5            6             7</a:t>
+            </a:r>
+            <a:endParaRPr lang="sk-SK" dirty="0"/>
+          </a:p>
+        </p:txBody>
+      </p:sp>
+      <p:sp>
+        <p:nvSpPr>
+          <p:cNvPr id="3" name="TextBox 2"/>
+          <p:cNvSpPr txBox="1"/>
+          <p:nvPr/>
+        </p:nvSpPr>
+        <p:spPr>
+          <a:xfrm>
+            <a:off x="2716200" y="387643"/>
+            <a:ext cx="274320" cy="4579715"/>
+          </a:xfrm>
+          <a:prstGeom prst="rect">
+            <a:avLst/>
+          </a:prstGeom>
+          <a:noFill/>
+        </p:spPr>
+        <p:txBody>
+          <a:bodyPr wrap="square" rtlCol="0">
+            <a:spAutoFit/>
+          </a:bodyPr>
+          <a:lstStyle/>
+          <a:p>
+            <a:pPr>
+              <a:lnSpc>
+                <a:spcPct val="270000"/>
+              </a:lnSpc>
+            </a:pPr>
+            <a:r>
+              <a:rPr lang="en-US" dirty="0" smtClean="0"/>
+              <a:t>0</a:t>
+            </a:r>
+          </a:p>
+          <a:p>
+            <a:pPr>
+              <a:lnSpc>
+                <a:spcPct val="270000"/>
+              </a:lnSpc>
+            </a:pPr>
+            <a:r>
+              <a:rPr lang="en-US" dirty="0" smtClean="0"/>
+              <a:t>1</a:t>
+            </a:r>
+          </a:p>
+          <a:p>
+            <a:pPr>
+              <a:lnSpc>
+                <a:spcPct val="270000"/>
+              </a:lnSpc>
+            </a:pPr>
+            <a:r>
+              <a:rPr lang="en-US" dirty="0" smtClean="0"/>
+              <a:t>2</a:t>
+            </a:r>
+          </a:p>
+          <a:p>
+            <a:pPr>
+              <a:lnSpc>
+                <a:spcPct val="270000"/>
+              </a:lnSpc>
+            </a:pPr>
+            <a:r>
+              <a:rPr lang="en-US" dirty="0" smtClean="0"/>
+              <a:t>3</a:t>
+            </a:r>
+          </a:p>
+          <a:p>
+            <a:pPr>
+              <a:lnSpc>
+                <a:spcPct val="270000"/>
+              </a:lnSpc>
+            </a:pPr>
+            <a:r>
+              <a:rPr lang="en-US" dirty="0" smtClean="0"/>
+              <a:t>4</a:t>
+            </a:r>
+          </a:p>
+          <a:p>
+            <a:pPr>
+              <a:lnSpc>
+                <a:spcPct val="270000"/>
+              </a:lnSpc>
+            </a:pPr>
+            <a:r>
+              <a:rPr lang="en-US" dirty="0" smtClean="0"/>
+              <a:t>5</a:t>
+            </a:r>
+            <a:endParaRPr lang="sk-SK" dirty="0"/>
+          </a:p>
+        </p:txBody>
+      </p:sp>
+      <p:sp>
+        <p:nvSpPr>
+          <p:cNvPr id="273" name="Rectangle 272"/>
+          <p:cNvSpPr/>
+          <p:nvPr/>
+        </p:nvSpPr>
+        <p:spPr>
+          <a:xfrm>
+            <a:off x="1295400" y="990600"/>
+            <a:ext cx="990600" cy="990600"/>
+          </a:xfrm>
+          <a:prstGeom prst="rect">
+            <a:avLst/>
+          </a:prstGeom>
+          <a:noFill/>
+          <a:ln>
+            <a:solidFill>
+              <a:schemeClr val="accent2">
+                <a:lumMod val="75000"/>
+              </a:schemeClr>
+            </a:solidFill>
+          </a:ln>
+        </p:spPr>
+        <p:style>
+          <a:lnRef idx="2">
+            <a:schemeClr val="accent1">
+              <a:shade val="50000"/>
+            </a:schemeClr>
+          </a:lnRef>
+          <a:fillRef idx="1">
+            <a:schemeClr val="accent1"/>
+          </a:fillRef>
+          <a:effectRef idx="0">
+            <a:schemeClr val="accent1"/>
+          </a:effectRef>
+          <a:fontRef idx="minor">
+            <a:schemeClr val="lt1"/>
+          </a:fontRef>
+        </p:style>
+        <p:txBody>
+          <a:bodyPr rtlCol="0" anchor="ctr"/>
+          <a:lstStyle/>
+          <a:p>
+            <a:pPr algn="ctr"/>
+            <a:endParaRPr lang="en-US"/>
+          </a:p>
+        </p:txBody>
+      </p:sp>
+      <p:sp>
+        <p:nvSpPr>
+          <p:cNvPr id="314" name="TextBox 313"/>
+          <p:cNvSpPr txBox="1"/>
+          <p:nvPr/>
+        </p:nvSpPr>
+        <p:spPr>
+          <a:xfrm>
+            <a:off x="3810000" y="2895600"/>
+            <a:ext cx="381000" cy="338554"/>
+          </a:xfrm>
+          <a:prstGeom prst="rect">
+            <a:avLst/>
+          </a:prstGeom>
+          <a:noFill/>
+        </p:spPr>
+        <p:txBody>
+          <a:bodyPr wrap="square" rtlCol="0">
+            <a:spAutoFit/>
+          </a:bodyPr>
+          <a:lstStyle/>
+          <a:p>
+            <a:r>
+              <a:rPr lang="en-US" sz="800" dirty="0" smtClean="0"/>
+              <a:t>2</a:t>
+            </a:r>
+            <a:r>
+              <a:rPr lang="en-US" sz="800" dirty="0" smtClean="0"/>
+              <a:t>,2 </a:t>
+            </a:r>
+            <a:endParaRPr lang="en-US" sz="800" dirty="0" smtClean="0"/>
+          </a:p>
+          <a:p>
+            <a:r>
+              <a:rPr lang="en-US" sz="800" dirty="0" smtClean="0"/>
+              <a:t>a</a:t>
+            </a:r>
+            <a:endParaRPr lang="en-US" sz="800" dirty="0"/>
+          </a:p>
+        </p:txBody>
+      </p:sp>
+      <p:cxnSp>
+        <p:nvCxnSpPr>
+          <p:cNvPr id="316" name="Straight Connector 315"/>
+          <p:cNvCxnSpPr/>
+          <p:nvPr/>
+        </p:nvCxnSpPr>
+        <p:spPr>
+          <a:xfrm>
+            <a:off x="3810000" y="3200400"/>
+            <a:ext cx="266700" cy="1588"/>
+          </a:xfrm>
+          <a:prstGeom prst="line">
+            <a:avLst/>
+          </a:prstGeom>
+        </p:spPr>
+        <p:style>
+          <a:lnRef idx="1">
+            <a:schemeClr val="accent1"/>
+          </a:lnRef>
+          <a:fillRef idx="0">
+            <a:schemeClr val="accent1"/>
+          </a:fillRef>
+          <a:effectRef idx="0">
+            <a:schemeClr val="accent1"/>
+          </a:effectRef>
+          <a:fontRef idx="minor">
+            <a:schemeClr val="tx1"/>
+          </a:fontRef>
+        </p:style>
+      </p:cxnSp>
+      <p:sp>
+        <p:nvSpPr>
+          <p:cNvPr id="317" name="TextBox 316"/>
+          <p:cNvSpPr txBox="1"/>
+          <p:nvPr/>
+        </p:nvSpPr>
+        <p:spPr>
+          <a:xfrm>
+            <a:off x="4495800" y="3200400"/>
+            <a:ext cx="381000" cy="338554"/>
+          </a:xfrm>
+          <a:prstGeom prst="rect">
+            <a:avLst/>
+          </a:prstGeom>
+          <a:noFill/>
+        </p:spPr>
+        <p:txBody>
+          <a:bodyPr wrap="square" rtlCol="0">
+            <a:spAutoFit/>
+          </a:bodyPr>
+          <a:lstStyle/>
+          <a:p>
+            <a:r>
+              <a:rPr lang="en-US" sz="800" dirty="0" smtClean="0"/>
+              <a:t>2,0 </a:t>
+            </a:r>
+            <a:endParaRPr lang="en-US" sz="800" dirty="0" smtClean="0"/>
+          </a:p>
+          <a:p>
+            <a:r>
+              <a:rPr lang="en-US" sz="800" dirty="0" smtClean="0"/>
+              <a:t>c</a:t>
+            </a:r>
+            <a:endParaRPr lang="en-US" sz="800" dirty="0"/>
+          </a:p>
+        </p:txBody>
+      </p:sp>
+      <p:sp>
+        <p:nvSpPr>
+          <p:cNvPr id="318" name="TextBox 317"/>
+          <p:cNvSpPr txBox="1"/>
+          <p:nvPr/>
+        </p:nvSpPr>
+        <p:spPr>
+          <a:xfrm>
+            <a:off x="7010400" y="685800"/>
+            <a:ext cx="389850" cy="215444"/>
+          </a:xfrm>
+          <a:prstGeom prst="rect">
+            <a:avLst/>
+          </a:prstGeom>
+          <a:noFill/>
+        </p:spPr>
+        <p:txBody>
+          <a:bodyPr wrap="none" rtlCol="0">
+            <a:spAutoFit/>
+          </a:bodyPr>
+          <a:lstStyle/>
+          <a:p>
+            <a:r>
+              <a:rPr lang="en-US" sz="800" dirty="0" smtClean="0"/>
+              <a:t>0,2 b</a:t>
+            </a:r>
+            <a:endParaRPr lang="en-US" sz="800" dirty="0"/>
+          </a:p>
+        </p:txBody>
+      </p:sp>
+      <p:sp>
+        <p:nvSpPr>
+          <p:cNvPr id="319" name="TextBox 318"/>
+          <p:cNvSpPr txBox="1"/>
+          <p:nvPr/>
+        </p:nvSpPr>
+        <p:spPr>
+          <a:xfrm>
+            <a:off x="6705600" y="1066800"/>
+            <a:ext cx="356188" cy="215444"/>
+          </a:xfrm>
+          <a:prstGeom prst="rect">
+            <a:avLst/>
+          </a:prstGeom>
+          <a:noFill/>
+        </p:spPr>
+        <p:txBody>
+          <a:bodyPr wrap="none" rtlCol="0">
+            <a:spAutoFit/>
+          </a:bodyPr>
+          <a:lstStyle/>
+          <a:p>
+            <a:r>
+              <a:rPr lang="en-US" sz="800" dirty="0" smtClean="0"/>
+              <a:t>2,0c</a:t>
+            </a:r>
+            <a:endParaRPr lang="en-US" sz="800" dirty="0"/>
+          </a:p>
+        </p:txBody>
+      </p:sp>
+      <p:cxnSp>
+        <p:nvCxnSpPr>
+          <p:cNvPr id="320" name="Straight Connector 319"/>
+          <p:cNvCxnSpPr/>
+          <p:nvPr/>
+        </p:nvCxnSpPr>
+        <p:spPr>
+          <a:xfrm rot="5400000">
+            <a:off x="6706394" y="989806"/>
+            <a:ext cx="609600" cy="1588"/>
           </a:xfrm>
           <a:prstGeom prst="line">
             <a:avLst/>
@@ -10102,14 +11678,14 @@
       </p:cxnSp>
       <p:cxnSp>
         <p:nvCxnSpPr>
-          <p:cNvPr id="275" name="Straight Connector 274"/>
+          <p:cNvPr id="321" name="Straight Connector 320"/>
           <p:cNvCxnSpPr/>
           <p:nvPr/>
         </p:nvCxnSpPr>
         <p:spPr>
-          <a:xfrm rot="5400000" flipH="1" flipV="1">
-            <a:off x="7589044" y="1904206"/>
-            <a:ext cx="304800" cy="1588"/>
+          <a:xfrm>
+            <a:off x="4495800" y="3200400"/>
+            <a:ext cx="266700" cy="1588"/>
           </a:xfrm>
           <a:prstGeom prst="line">
             <a:avLst/>
@@ -10132,14 +11708,14 @@
       </p:cxnSp>
       <p:sp>
         <p:nvSpPr>
-          <p:cNvPr id="276" name="TextBox 275"/>
+          <p:cNvPr id="322" name="TextBox 321"/>
           <p:cNvSpPr txBox="1"/>
           <p:nvPr/>
         </p:nvSpPr>
         <p:spPr>
           <a:xfrm>
-            <a:off x="7467600" y="1447800"/>
-            <a:ext cx="439544" cy="215444"/>
+            <a:off x="4800600" y="2209800"/>
+            <a:ext cx="381000" cy="215444"/>
           </a:xfrm>
           <a:prstGeom prst="rect">
             <a:avLst/>
@@ -10147,18 +11723,14 @@
           <a:noFill/>
         </p:spPr>
         <p:txBody>
-          <a:bodyPr wrap="none" rtlCol="0">
+          <a:bodyPr wrap="square" rtlCol="0">
             <a:spAutoFit/>
           </a:bodyPr>
           <a:lstStyle/>
           <a:p>
             <a:r>
               <a:rPr lang="en-US" sz="800" dirty="0" smtClean="0"/>
-              <a:t>0,4 </a:t>
-            </a:r>
-            <a:r>
-              <a:rPr lang="en-US" sz="800" dirty="0" err="1" smtClean="0"/>
-              <a:t>ab</a:t>
+              <a:t>0,2b</a:t>
             </a:r>
             <a:endParaRPr lang="en-US" sz="800" dirty="0"/>
           </a:p>
@@ -10166,14 +11738,14 @@
       </p:sp>
       <p:sp>
         <p:nvSpPr>
-          <p:cNvPr id="277" name="TextBox 276"/>
+          <p:cNvPr id="323" name="TextBox 322"/>
           <p:cNvSpPr txBox="1"/>
           <p:nvPr/>
         </p:nvSpPr>
         <p:spPr>
           <a:xfrm>
-            <a:off x="7740650" y="1828800"/>
-            <a:ext cx="389850" cy="215444"/>
+            <a:off x="4114800" y="2514600"/>
+            <a:ext cx="381000" cy="215444"/>
           </a:xfrm>
           <a:prstGeom prst="rect">
             <a:avLst/>
@@ -10181,44 +11753,14 @@
           <a:noFill/>
         </p:spPr>
         <p:txBody>
-          <a:bodyPr wrap="none" rtlCol="0">
+          <a:bodyPr wrap="square" rtlCol="0">
             <a:spAutoFit/>
           </a:bodyPr>
           <a:lstStyle/>
           <a:p>
             <a:r>
               <a:rPr lang="en-US" sz="800" dirty="0" smtClean="0"/>
-              <a:t>0,3 d</a:t>
-            </a:r>
-            <a:endParaRPr lang="en-US" sz="800" dirty="0"/>
-          </a:p>
-        </p:txBody>
-      </p:sp>
-      <p:sp>
-        <p:nvSpPr>
-          <p:cNvPr id="278" name="TextBox 277"/>
-          <p:cNvSpPr txBox="1"/>
-          <p:nvPr/>
-        </p:nvSpPr>
-        <p:spPr>
-          <a:xfrm>
-            <a:off x="7359650" y="1828800"/>
-            <a:ext cx="378630" cy="215444"/>
-          </a:xfrm>
-          <a:prstGeom prst="rect">
-            <a:avLst/>
-          </a:prstGeom>
-          <a:noFill/>
-        </p:spPr>
-        <p:txBody>
-          <a:bodyPr wrap="none" rtlCol="0">
-            <a:spAutoFit/>
-          </a:bodyPr>
-          <a:lstStyle/>
-          <a:p>
-            <a:r>
-              <a:rPr lang="en-US" sz="800" dirty="0" smtClean="0"/>
-              <a:t>1,3 c</a:t>
+              <a:t>00d</a:t>
             </a:r>
             <a:endParaRPr lang="en-US" sz="800" dirty="0"/>
           </a:p>
@@ -10226,13 +11768,13 @@
       </p:sp>
       <p:cxnSp>
         <p:nvCxnSpPr>
-          <p:cNvPr id="279" name="Straight Connector 278"/>
+          <p:cNvPr id="324" name="Straight Connector 323"/>
           <p:cNvCxnSpPr/>
           <p:nvPr/>
         </p:nvCxnSpPr>
         <p:spPr>
           <a:xfrm>
-            <a:off x="6629400" y="1752600"/>
+            <a:off x="4114800" y="2438400"/>
             <a:ext cx="304800" cy="1588"/>
           </a:xfrm>
           <a:prstGeom prst="line">
@@ -10254,16 +11796,108 @@
           </a:fontRef>
         </p:style>
       </p:cxnSp>
-      <p:sp>
-        <p:nvSpPr>
-          <p:cNvPr id="280" name="TextBox 279"/>
+      <p:cxnSp>
+        <p:nvCxnSpPr>
+          <p:cNvPr id="325" name="Straight Connector 324"/>
+          <p:cNvCxnSpPr/>
+          <p:nvPr/>
+        </p:nvCxnSpPr>
+        <p:spPr>
+          <a:xfrm rot="5400000">
+            <a:off x="7449344" y="1751806"/>
+            <a:ext cx="609600" cy="1588"/>
+          </a:xfrm>
+          <a:prstGeom prst="line">
+            <a:avLst/>
+          </a:prstGeom>
+        </p:spPr>
+        <p:style>
+          <a:lnRef idx="1">
+            <a:schemeClr val="accent1"/>
+          </a:lnRef>
+          <a:fillRef idx="0">
+            <a:schemeClr val="accent1"/>
+          </a:fillRef>
+          <a:effectRef idx="0">
+            <a:schemeClr val="accent1"/>
+          </a:effectRef>
+          <a:fontRef idx="minor">
+            <a:schemeClr val="tx1"/>
+          </a:fontRef>
+        </p:style>
+      </p:cxnSp>
+      <p:cxnSp>
+        <p:nvCxnSpPr>
+          <p:cNvPr id="327" name="Straight Connector 326"/>
+          <p:cNvCxnSpPr/>
+          <p:nvPr/>
+        </p:nvCxnSpPr>
+        <p:spPr>
+          <a:xfrm rot="5400000">
+            <a:off x="6858000" y="2590800"/>
+            <a:ext cx="304800" cy="1588"/>
+          </a:xfrm>
+          <a:prstGeom prst="line">
+            <a:avLst/>
+          </a:prstGeom>
+        </p:spPr>
+        <p:style>
+          <a:lnRef idx="1">
+            <a:schemeClr val="accent1"/>
+          </a:lnRef>
+          <a:fillRef idx="0">
+            <a:schemeClr val="accent1"/>
+          </a:fillRef>
+          <a:effectRef idx="0">
+            <a:schemeClr val="accent1"/>
+          </a:effectRef>
+          <a:fontRef idx="minor">
+            <a:schemeClr val="tx1"/>
+          </a:fontRef>
+        </p:style>
+      </p:cxnSp>
+      <p:cxnSp>
+        <p:nvCxnSpPr>
+          <p:cNvPr id="329" name="Straight Connector 328"/>
+          <p:cNvCxnSpPr>
+            <a:stCxn id="260" idx="2"/>
+          </p:cNvCxnSpPr>
+          <p:nvPr/>
+        </p:nvCxnSpPr>
+        <p:spPr>
+          <a:xfrm rot="16200000" flipH="1">
+            <a:off x="7609008" y="2579808"/>
+            <a:ext cx="317956" cy="8828"/>
+          </a:xfrm>
+          <a:prstGeom prst="line">
+            <a:avLst/>
+          </a:prstGeom>
+        </p:spPr>
+        <p:style>
+          <a:lnRef idx="1">
+            <a:schemeClr val="accent1"/>
+          </a:lnRef>
+          <a:fillRef idx="0">
+            <a:schemeClr val="accent1"/>
+          </a:fillRef>
+          <a:effectRef idx="0">
+            <a:schemeClr val="accent1"/>
+          </a:effectRef>
+          <a:fontRef idx="minor">
+            <a:schemeClr val="tx1"/>
+          </a:fontRef>
+        </p:style>
+      </p:cxnSp>
+      <p:sp>
+        <p:nvSpPr>
+          <p:cNvPr id="330" name="TextBox 329"/>
           <p:cNvSpPr txBox="1"/>
           <p:nvPr/>
         </p:nvSpPr>
         <p:spPr>
           <a:xfrm>
-            <a:off x="6629400" y="1447800"/>
-            <a:ext cx="385042" cy="215444"/>
+            <a:off x="6705600" y="2514600"/>
+            <a:ext cx="330540" cy="215444"/>
           </a:xfrm>
           <a:prstGeom prst="rect">
             <a:avLst/>
@@ -10278,7 +11912,7 @@
           <a:p>
             <a:r>
               <a:rPr lang="en-US" sz="800" dirty="0" smtClean="0"/>
-              <a:t>1,4 a</a:t>
+              <a:t>20c</a:t>
             </a:r>
             <a:endParaRPr lang="en-US" sz="800" dirty="0"/>
           </a:p>
@@ -10286,14 +11920,14 @@
       </p:sp>
       <p:sp>
         <p:nvSpPr>
-          <p:cNvPr id="281" name="TextBox 280"/>
+          <p:cNvPr id="331" name="TextBox 330"/>
           <p:cNvSpPr txBox="1"/>
           <p:nvPr/>
         </p:nvSpPr>
         <p:spPr>
           <a:xfrm>
-            <a:off x="6629400" y="1828800"/>
-            <a:ext cx="378630" cy="215444"/>
+            <a:off x="7010400" y="2514600"/>
+            <a:ext cx="341760" cy="215444"/>
           </a:xfrm>
           <a:prstGeom prst="rect">
             <a:avLst/>
@@ -10308,7 +11942,7 @@
           <a:p>
             <a:r>
               <a:rPr lang="en-US" sz="800" dirty="0" smtClean="0"/>
-              <a:t>1,3 c</a:t>
+              <a:t>03d</a:t>
             </a:r>
             <a:endParaRPr lang="en-US" sz="800" dirty="0"/>
           </a:p>
@@ -10316,14 +11950,168 @@
       </p:sp>
       <p:sp>
         <p:nvSpPr>
-          <p:cNvPr id="282" name="TextBox 281"/>
+          <p:cNvPr id="332" name="TextBox 331"/>
           <p:cNvSpPr txBox="1"/>
           <p:nvPr/>
         </p:nvSpPr>
         <p:spPr>
           <a:xfrm>
-            <a:off x="4114800" y="2286000"/>
-            <a:ext cx="381000" cy="338554"/>
+            <a:off x="7391400" y="2514600"/>
+            <a:ext cx="330540" cy="215444"/>
+          </a:xfrm>
+          <a:prstGeom prst="rect">
+            <a:avLst/>
+          </a:prstGeom>
+          <a:noFill/>
+        </p:spPr>
+        <p:txBody>
+          <a:bodyPr wrap="none" rtlCol="0">
+            <a:spAutoFit/>
+          </a:bodyPr>
+          <a:lstStyle/>
+          <a:p>
+            <a:r>
+              <a:rPr lang="en-US" sz="800" dirty="0" smtClean="0"/>
+              <a:t>13c</a:t>
+            </a:r>
+            <a:endParaRPr lang="en-US" sz="800" dirty="0"/>
+          </a:p>
+        </p:txBody>
+      </p:sp>
+      <p:sp>
+        <p:nvSpPr>
+          <p:cNvPr id="333" name="TextBox 332"/>
+          <p:cNvSpPr txBox="1"/>
+          <p:nvPr/>
+        </p:nvSpPr>
+        <p:spPr>
+          <a:xfrm>
+            <a:off x="7772400" y="2514600"/>
+            <a:ext cx="341760" cy="215444"/>
+          </a:xfrm>
+          <a:prstGeom prst="rect">
+            <a:avLst/>
+          </a:prstGeom>
+          <a:noFill/>
+        </p:spPr>
+        <p:txBody>
+          <a:bodyPr wrap="none" rtlCol="0">
+            <a:spAutoFit/>
+          </a:bodyPr>
+          <a:lstStyle/>
+          <a:p>
+            <a:r>
+              <a:rPr lang="en-US" sz="800" dirty="0" smtClean="0"/>
+              <a:t>0</a:t>
+            </a:r>
+            <a:r>
+              <a:rPr lang="en-US" sz="800" dirty="0" smtClean="0"/>
+              <a:t>0d</a:t>
+            </a:r>
+            <a:endParaRPr lang="en-US" sz="800" dirty="0"/>
+          </a:p>
+        </p:txBody>
+      </p:sp>
+      <p:sp>
+        <p:nvSpPr>
+          <p:cNvPr id="334" name="TextBox 333"/>
+          <p:cNvSpPr txBox="1"/>
+          <p:nvPr/>
+        </p:nvSpPr>
+        <p:spPr>
+          <a:xfrm>
+            <a:off x="7010400" y="2895600"/>
+            <a:ext cx="341760" cy="215444"/>
+          </a:xfrm>
+          <a:prstGeom prst="rect">
+            <a:avLst/>
+          </a:prstGeom>
+          <a:noFill/>
+        </p:spPr>
+        <p:txBody>
+          <a:bodyPr wrap="none" rtlCol="0">
+            <a:spAutoFit/>
+          </a:bodyPr>
+          <a:lstStyle/>
+          <a:p>
+            <a:r>
+              <a:rPr lang="en-US" sz="800" dirty="0" smtClean="0"/>
+              <a:t>02b</a:t>
+            </a:r>
+            <a:endParaRPr lang="en-US" sz="800" dirty="0"/>
+          </a:p>
+        </p:txBody>
+      </p:sp>
+      <p:sp>
+        <p:nvSpPr>
+          <p:cNvPr id="335" name="TextBox 334"/>
+          <p:cNvSpPr txBox="1"/>
+          <p:nvPr/>
+        </p:nvSpPr>
+        <p:spPr>
+          <a:xfrm>
+            <a:off x="7391400" y="2895600"/>
+            <a:ext cx="336952" cy="215444"/>
+          </a:xfrm>
+          <a:prstGeom prst="rect">
+            <a:avLst/>
+          </a:prstGeom>
+          <a:noFill/>
+        </p:spPr>
+        <p:txBody>
+          <a:bodyPr wrap="none" rtlCol="0">
+            <a:spAutoFit/>
+          </a:bodyPr>
+          <a:lstStyle/>
+          <a:p>
+            <a:r>
+              <a:rPr lang="en-US" sz="800" dirty="0" smtClean="0"/>
+              <a:t>22a</a:t>
+            </a:r>
+            <a:endParaRPr lang="en-US" sz="800" dirty="0"/>
+          </a:p>
+        </p:txBody>
+      </p:sp>
+      <p:cxnSp>
+        <p:nvCxnSpPr>
+          <p:cNvPr id="336" name="Straight Connector 335"/>
+          <p:cNvCxnSpPr/>
+          <p:nvPr/>
+        </p:nvCxnSpPr>
+        <p:spPr>
+          <a:xfrm>
+            <a:off x="4495800" y="1752600"/>
+            <a:ext cx="609600" cy="1588"/>
+          </a:xfrm>
+          <a:prstGeom prst="line">
+            <a:avLst/>
+          </a:prstGeom>
+        </p:spPr>
+        <p:style>
+          <a:lnRef idx="1">
+            <a:schemeClr val="accent1"/>
+          </a:lnRef>
+          <a:fillRef idx="0">
+            <a:schemeClr val="accent1"/>
+          </a:fillRef>
+          <a:effectRef idx="0">
+            <a:schemeClr val="accent1"/>
+          </a:effectRef>
+          <a:fontRef idx="minor">
+            <a:schemeClr val="tx1"/>
+          </a:fontRef>
+        </p:style>
+      </p:cxnSp>
+      <p:sp>
+        <p:nvSpPr>
+          <p:cNvPr id="337" name="TextBox 336"/>
+          <p:cNvSpPr txBox="1"/>
+          <p:nvPr/>
+        </p:nvSpPr>
+        <p:spPr>
+          <a:xfrm>
+            <a:off x="4800600" y="1752600"/>
+            <a:ext cx="381000" cy="215444"/>
           </a:xfrm>
           <a:prstGeom prst="rect">
             <a:avLst/>
@@ -10338,13 +12126,7 @@
           <a:p>
             <a:r>
               <a:rPr lang="en-US" sz="800" dirty="0" smtClean="0"/>
-              <a:t>0,4 </a:t>
-            </a:r>
-          </a:p>
-          <a:p>
-            <a:r>
-              <a:rPr lang="en-US" sz="800" dirty="0" err="1" smtClean="0"/>
-              <a:t>bd</a:t>
+              <a:t>00d</a:t>
             </a:r>
             <a:endParaRPr lang="en-US" sz="800" dirty="0"/>
           </a:p>
@@ -10352,14 +12134,14 @@
       </p:sp>
       <p:sp>
         <p:nvSpPr>
-          <p:cNvPr id="283" name="TextBox 282"/>
+          <p:cNvPr id="338" name="TextBox 337"/>
           <p:cNvSpPr txBox="1"/>
           <p:nvPr/>
         </p:nvSpPr>
         <p:spPr>
           <a:xfrm>
-            <a:off x="3790950" y="2286000"/>
-            <a:ext cx="381000" cy="338554"/>
+            <a:off x="4495800" y="1447800"/>
+            <a:ext cx="381000" cy="215444"/>
           </a:xfrm>
           <a:prstGeom prst="rect">
             <a:avLst/>
@@ -10374,28 +12156,52 @@
           <a:p>
             <a:r>
               <a:rPr lang="en-US" sz="800" dirty="0" smtClean="0"/>
-              <a:t>0,1 </a:t>
-            </a:r>
-          </a:p>
-          <a:p>
-            <a:r>
-              <a:rPr lang="en-US" sz="800" dirty="0" smtClean="0"/>
-              <a:t>ac</a:t>
+              <a:t>22a</a:t>
             </a:r>
             <a:endParaRPr lang="en-US" sz="800" dirty="0"/>
           </a:p>
         </p:txBody>
       </p:sp>
-      <p:sp>
-        <p:nvSpPr>
-          <p:cNvPr id="284" name="TextBox 283"/>
+      <p:cxnSp>
+        <p:nvCxnSpPr>
+          <p:cNvPr id="339" name="Straight Connector 338"/>
+          <p:cNvCxnSpPr/>
+          <p:nvPr/>
+        </p:nvCxnSpPr>
+        <p:spPr>
+          <a:xfrm>
+            <a:off x="8153400" y="990600"/>
+            <a:ext cx="304800" cy="1588"/>
+          </a:xfrm>
+          <a:prstGeom prst="line">
+            <a:avLst/>
+          </a:prstGeom>
+        </p:spPr>
+        <p:style>
+          <a:lnRef idx="1">
+            <a:schemeClr val="accent1"/>
+          </a:lnRef>
+          <a:fillRef idx="0">
+            <a:schemeClr val="accent1"/>
+          </a:fillRef>
+          <a:effectRef idx="0">
+            <a:schemeClr val="accent1"/>
+          </a:effectRef>
+          <a:fontRef idx="minor">
+            <a:schemeClr val="tx1"/>
+          </a:fontRef>
+        </p:style>
+      </p:cxnSp>
+      <p:sp>
+        <p:nvSpPr>
+          <p:cNvPr id="340" name="TextBox 339"/>
           <p:cNvSpPr txBox="1"/>
           <p:nvPr/>
         </p:nvSpPr>
         <p:spPr>
           <a:xfrm>
-            <a:off x="4495800" y="2286000"/>
-            <a:ext cx="381000" cy="338554"/>
+            <a:off x="8077200" y="1066800"/>
+            <a:ext cx="381000" cy="215444"/>
           </a:xfrm>
           <a:prstGeom prst="rect">
             <a:avLst/>
@@ -10410,28 +12216,52 @@
           <a:p>
             <a:r>
               <a:rPr lang="en-US" sz="800" dirty="0" smtClean="0"/>
-              <a:t>0,1 </a:t>
-            </a:r>
-          </a:p>
-          <a:p>
-            <a:r>
-              <a:rPr lang="en-US" sz="800" dirty="0" smtClean="0"/>
-              <a:t>ac</a:t>
+              <a:t>20c</a:t>
             </a:r>
             <a:endParaRPr lang="en-US" sz="800" dirty="0"/>
           </a:p>
         </p:txBody>
       </p:sp>
-      <p:sp>
-        <p:nvSpPr>
-          <p:cNvPr id="285" name="TextBox 284"/>
+      <p:cxnSp>
+        <p:nvCxnSpPr>
+          <p:cNvPr id="341" name="Straight Connector 340"/>
+          <p:cNvCxnSpPr/>
+          <p:nvPr/>
+        </p:nvCxnSpPr>
+        <p:spPr>
+          <a:xfrm>
+            <a:off x="5562600" y="1752600"/>
+            <a:ext cx="304800" cy="1588"/>
+          </a:xfrm>
+          <a:prstGeom prst="line">
+            <a:avLst/>
+          </a:prstGeom>
+        </p:spPr>
+        <p:style>
+          <a:lnRef idx="1">
+            <a:schemeClr val="accent1"/>
+          </a:lnRef>
+          <a:fillRef idx="0">
+            <a:schemeClr val="accent1"/>
+          </a:fillRef>
+          <a:effectRef idx="0">
+            <a:schemeClr val="accent1"/>
+          </a:effectRef>
+          <a:fontRef idx="minor">
+            <a:schemeClr val="tx1"/>
+          </a:fontRef>
+        </p:style>
+      </p:cxnSp>
+      <p:sp>
+        <p:nvSpPr>
+          <p:cNvPr id="342" name="TextBox 341"/>
           <p:cNvSpPr txBox="1"/>
           <p:nvPr/>
         </p:nvSpPr>
         <p:spPr>
           <a:xfrm>
-            <a:off x="5181600" y="2286000"/>
-            <a:ext cx="381000" cy="338554"/>
+            <a:off x="5562600" y="1752600"/>
+            <a:ext cx="381000" cy="215444"/>
           </a:xfrm>
           <a:prstGeom prst="rect">
             <a:avLst/>
@@ -10446,13 +12276,7 @@
           <a:p>
             <a:r>
               <a:rPr lang="en-US" sz="800" dirty="0" smtClean="0"/>
-              <a:t>0,1 </a:t>
-            </a:r>
-          </a:p>
-          <a:p>
-            <a:r>
-              <a:rPr lang="en-US" sz="800" dirty="0" smtClean="0"/>
-              <a:t>ac</a:t>
+              <a:t>00d</a:t>
             </a:r>
             <a:endParaRPr lang="en-US" sz="800" dirty="0"/>
           </a:p>
@@ -10460,14 +12284,14 @@
       </p:sp>
       <p:sp>
         <p:nvSpPr>
-          <p:cNvPr id="286" name="TextBox 285"/>
+          <p:cNvPr id="343" name="TextBox 342"/>
           <p:cNvSpPr txBox="1"/>
           <p:nvPr/>
         </p:nvSpPr>
         <p:spPr>
           <a:xfrm>
-            <a:off x="4102100" y="3048000"/>
-            <a:ext cx="381000" cy="338554"/>
+            <a:off x="6934200" y="1828800"/>
+            <a:ext cx="381000" cy="215444"/>
           </a:xfrm>
           <a:prstGeom prst="rect">
             <a:avLst/>
@@ -10482,172 +12306,52 @@
           <a:p>
             <a:r>
               <a:rPr lang="en-US" sz="800" dirty="0" smtClean="0"/>
-              <a:t>2,1 </a:t>
-            </a:r>
-          </a:p>
-          <a:p>
-            <a:r>
-              <a:rPr lang="en-US" sz="800" dirty="0" err="1" smtClean="0"/>
-              <a:t>bd</a:t>
+              <a:t>03d</a:t>
             </a:r>
             <a:endParaRPr lang="en-US" sz="800" dirty="0"/>
           </a:p>
         </p:txBody>
       </p:sp>
-      <p:sp>
-        <p:nvSpPr>
-          <p:cNvPr id="287" name="TextBox 286"/>
+      <p:cxnSp>
+        <p:nvCxnSpPr>
+          <p:cNvPr id="344" name="Straight Connector 343"/>
+          <p:cNvCxnSpPr/>
+          <p:nvPr/>
+        </p:nvCxnSpPr>
+        <p:spPr>
+          <a:xfrm>
+            <a:off x="7010400" y="1752600"/>
+            <a:ext cx="304800" cy="1588"/>
+          </a:xfrm>
+          <a:prstGeom prst="line">
+            <a:avLst/>
+          </a:prstGeom>
+        </p:spPr>
+        <p:style>
+          <a:lnRef idx="1">
+            <a:schemeClr val="accent1"/>
+          </a:lnRef>
+          <a:fillRef idx="0">
+            <a:schemeClr val="accent1"/>
+          </a:fillRef>
+          <a:effectRef idx="0">
+            <a:schemeClr val="accent1"/>
+          </a:effectRef>
+          <a:fontRef idx="minor">
+            <a:schemeClr val="tx1"/>
+          </a:fontRef>
+        </p:style>
+      </p:cxnSp>
+      <p:sp>
+        <p:nvSpPr>
+          <p:cNvPr id="345" name="TextBox 344"/>
           <p:cNvSpPr txBox="1"/>
           <p:nvPr/>
         </p:nvSpPr>
         <p:spPr>
           <a:xfrm>
-            <a:off x="4800600" y="3048000"/>
-            <a:ext cx="381000" cy="338554"/>
-          </a:xfrm>
-          <a:prstGeom prst="rect">
-            <a:avLst/>
-          </a:prstGeom>
-          <a:noFill/>
-        </p:spPr>
-        <p:txBody>
-          <a:bodyPr wrap="square" rtlCol="0">
-            <a:spAutoFit/>
-          </a:bodyPr>
-          <a:lstStyle/>
-          <a:p>
-            <a:r>
-              <a:rPr lang="en-US" sz="800" dirty="0" smtClean="0"/>
-              <a:t>2,1 </a:t>
-            </a:r>
-          </a:p>
-          <a:p>
-            <a:r>
-              <a:rPr lang="en-US" sz="800" dirty="0" err="1" smtClean="0"/>
-              <a:t>bd</a:t>
-            </a:r>
-            <a:endParaRPr lang="en-US" sz="800" dirty="0"/>
-          </a:p>
-        </p:txBody>
-      </p:sp>
-      <p:sp>
-        <p:nvSpPr>
-          <p:cNvPr id="288" name="TextBox 287"/>
-          <p:cNvSpPr txBox="1"/>
-          <p:nvPr/>
-        </p:nvSpPr>
-        <p:spPr>
-          <a:xfrm>
-            <a:off x="5562600" y="3048000"/>
-            <a:ext cx="381000" cy="338554"/>
-          </a:xfrm>
-          <a:prstGeom prst="rect">
-            <a:avLst/>
-          </a:prstGeom>
-          <a:noFill/>
-        </p:spPr>
-        <p:txBody>
-          <a:bodyPr wrap="square" rtlCol="0">
-            <a:spAutoFit/>
-          </a:bodyPr>
-          <a:lstStyle/>
-          <a:p>
-            <a:r>
-              <a:rPr lang="en-US" sz="800" dirty="0" smtClean="0"/>
-              <a:t>2,1 </a:t>
-            </a:r>
-          </a:p>
-          <a:p>
-            <a:r>
-              <a:rPr lang="en-US" sz="800" dirty="0" err="1" smtClean="0"/>
-              <a:t>bd</a:t>
-            </a:r>
-            <a:endParaRPr lang="en-US" sz="800" dirty="0"/>
-          </a:p>
-        </p:txBody>
-      </p:sp>
-      <p:sp>
-        <p:nvSpPr>
-          <p:cNvPr id="289" name="TextBox 288"/>
-          <p:cNvSpPr txBox="1"/>
-          <p:nvPr/>
-        </p:nvSpPr>
-        <p:spPr>
-          <a:xfrm>
-            <a:off x="3352800" y="3733800"/>
-            <a:ext cx="381000" cy="338554"/>
-          </a:xfrm>
-          <a:prstGeom prst="rect">
-            <a:avLst/>
-          </a:prstGeom>
-          <a:noFill/>
-        </p:spPr>
-        <p:txBody>
-          <a:bodyPr wrap="square" rtlCol="0">
-            <a:spAutoFit/>
-          </a:bodyPr>
-          <a:lstStyle/>
-          <a:p>
-            <a:r>
-              <a:rPr lang="en-US" sz="800" dirty="0" smtClean="0"/>
-              <a:t>2,1 </a:t>
-            </a:r>
-          </a:p>
-          <a:p>
-            <a:r>
-              <a:rPr lang="en-US" sz="800" dirty="0" err="1" smtClean="0"/>
-              <a:t>bd</a:t>
-            </a:r>
-            <a:endParaRPr lang="en-US" sz="800" dirty="0"/>
-          </a:p>
-        </p:txBody>
-      </p:sp>
-      <p:sp>
-        <p:nvSpPr>
-          <p:cNvPr id="290" name="TextBox 289"/>
-          <p:cNvSpPr txBox="1"/>
-          <p:nvPr/>
-        </p:nvSpPr>
-        <p:spPr>
-          <a:xfrm>
-            <a:off x="3048000" y="3733800"/>
-            <a:ext cx="381000" cy="338554"/>
-          </a:xfrm>
-          <a:prstGeom prst="rect">
-            <a:avLst/>
-          </a:prstGeom>
-          <a:noFill/>
-        </p:spPr>
-        <p:txBody>
-          <a:bodyPr wrap="square" rtlCol="0">
-            <a:spAutoFit/>
-          </a:bodyPr>
-          <a:lstStyle/>
-          <a:p>
-            <a:r>
-              <a:rPr lang="en-US" sz="800" dirty="0" smtClean="0"/>
-              <a:t>0,1 </a:t>
-            </a:r>
-          </a:p>
-          <a:p>
-            <a:r>
-              <a:rPr lang="en-US" sz="800" dirty="0" smtClean="0"/>
-              <a:t>ac</a:t>
-            </a:r>
-            <a:endParaRPr lang="en-US" sz="800" dirty="0"/>
-          </a:p>
-        </p:txBody>
-      </p:sp>
-      <p:sp>
-        <p:nvSpPr>
-          <p:cNvPr id="291" name="TextBox 290"/>
-          <p:cNvSpPr txBox="1"/>
-          <p:nvPr/>
-        </p:nvSpPr>
-        <p:spPr>
-          <a:xfrm>
-            <a:off x="3886200" y="3657600"/>
-            <a:ext cx="439544" cy="215444"/>
+            <a:off x="7391400" y="1447800"/>
+            <a:ext cx="336952" cy="215444"/>
           </a:xfrm>
           <a:prstGeom prst="rect">
             <a:avLst/>
@@ -10662,866 +12366,72 @@
           <a:p>
             <a:r>
               <a:rPr lang="en-US" sz="800" dirty="0" smtClean="0"/>
-              <a:t>1,0 </a:t>
-            </a:r>
-            <a:r>
-              <a:rPr lang="en-US" sz="800" dirty="0" err="1" smtClean="0"/>
-              <a:t>ab</a:t>
+              <a:t>22a</a:t>
             </a:r>
             <a:endParaRPr lang="en-US" sz="800" dirty="0"/>
           </a:p>
         </p:txBody>
       </p:sp>
-      <p:sp>
-        <p:nvSpPr>
-          <p:cNvPr id="292" name="TextBox 291"/>
-          <p:cNvSpPr txBox="1"/>
-          <p:nvPr/>
-        </p:nvSpPr>
-        <p:spPr>
-          <a:xfrm>
-            <a:off x="3886200" y="3962400"/>
-            <a:ext cx="433132" cy="215444"/>
-          </a:xfrm>
-          <a:prstGeom prst="rect">
-            <a:avLst/>
-          </a:prstGeom>
-          <a:noFill/>
-        </p:spPr>
-        <p:txBody>
-          <a:bodyPr wrap="none" rtlCol="0">
-            <a:spAutoFit/>
-          </a:bodyPr>
-          <a:lstStyle/>
-          <a:p>
-            <a:r>
-              <a:rPr lang="en-US" sz="800" dirty="0" smtClean="0"/>
-              <a:t>1,2 </a:t>
-            </a:r>
-            <a:r>
-              <a:rPr lang="en-US" sz="800" dirty="0" err="1" smtClean="0"/>
-              <a:t>cd</a:t>
-            </a:r>
-            <a:endParaRPr lang="en-US" sz="800" dirty="0"/>
-          </a:p>
-        </p:txBody>
-      </p:sp>
-      <p:sp>
-        <p:nvSpPr>
-          <p:cNvPr id="293" name="TextBox 292"/>
-          <p:cNvSpPr txBox="1"/>
-          <p:nvPr/>
-        </p:nvSpPr>
-        <p:spPr>
-          <a:xfrm>
-            <a:off x="5257800" y="3657600"/>
-            <a:ext cx="482824" cy="215444"/>
-          </a:xfrm>
-          <a:prstGeom prst="rect">
-            <a:avLst/>
-          </a:prstGeom>
-          <a:noFill/>
-        </p:spPr>
-        <p:txBody>
-          <a:bodyPr wrap="none" rtlCol="0">
-            <a:spAutoFit/>
-          </a:bodyPr>
-          <a:lstStyle/>
-          <a:p>
-            <a:r>
-              <a:rPr lang="en-US" sz="800" dirty="0" smtClean="0"/>
-              <a:t>0,0 </a:t>
-            </a:r>
-            <a:r>
-              <a:rPr lang="en-US" sz="800" dirty="0" err="1" smtClean="0"/>
-              <a:t>abc</a:t>
-            </a:r>
-            <a:endParaRPr lang="en-US" sz="800" dirty="0"/>
-          </a:p>
-        </p:txBody>
-      </p:sp>
-      <p:sp>
-        <p:nvSpPr>
-          <p:cNvPr id="294" name="TextBox 293"/>
-          <p:cNvSpPr txBox="1"/>
-          <p:nvPr/>
-        </p:nvSpPr>
-        <p:spPr>
-          <a:xfrm>
-            <a:off x="5530850" y="3981450"/>
-            <a:ext cx="389850" cy="215444"/>
-          </a:xfrm>
-          <a:prstGeom prst="rect">
-            <a:avLst/>
-          </a:prstGeom>
-          <a:noFill/>
-        </p:spPr>
-        <p:txBody>
-          <a:bodyPr wrap="none" rtlCol="0">
-            <a:spAutoFit/>
-          </a:bodyPr>
-          <a:lstStyle/>
-          <a:p>
-            <a:r>
-              <a:rPr lang="en-US" sz="800" dirty="0" smtClean="0"/>
-              <a:t>0,3 d</a:t>
-            </a:r>
-            <a:endParaRPr lang="en-US" sz="800" dirty="0"/>
-          </a:p>
-        </p:txBody>
-      </p:sp>
-      <p:sp>
-        <p:nvSpPr>
-          <p:cNvPr id="295" name="TextBox 294"/>
-          <p:cNvSpPr txBox="1"/>
-          <p:nvPr/>
-        </p:nvSpPr>
-        <p:spPr>
-          <a:xfrm>
-            <a:off x="5334000" y="4419600"/>
-            <a:ext cx="439544" cy="215444"/>
-          </a:xfrm>
-          <a:prstGeom prst="rect">
-            <a:avLst/>
-          </a:prstGeom>
-          <a:noFill/>
-        </p:spPr>
-        <p:txBody>
-          <a:bodyPr wrap="none" rtlCol="0">
-            <a:spAutoFit/>
-          </a:bodyPr>
-          <a:lstStyle/>
-          <a:p>
-            <a:r>
-              <a:rPr lang="en-US" sz="800" dirty="0" smtClean="0"/>
-              <a:t>0,0 </a:t>
-            </a:r>
-            <a:r>
-              <a:rPr lang="en-US" sz="800" dirty="0" err="1" smtClean="0"/>
-              <a:t>ab</a:t>
-            </a:r>
-            <a:endParaRPr lang="en-US" sz="800" dirty="0"/>
-          </a:p>
-        </p:txBody>
-      </p:sp>
-      <p:sp>
-        <p:nvSpPr>
-          <p:cNvPr id="296" name="TextBox 295"/>
-          <p:cNvSpPr txBox="1"/>
-          <p:nvPr/>
-        </p:nvSpPr>
-        <p:spPr>
-          <a:xfrm>
-            <a:off x="5257800" y="4648200"/>
-            <a:ext cx="433132" cy="215444"/>
-          </a:xfrm>
-          <a:prstGeom prst="rect">
-            <a:avLst/>
-          </a:prstGeom>
-          <a:noFill/>
-        </p:spPr>
-        <p:txBody>
-          <a:bodyPr wrap="none" rtlCol="0">
-            <a:spAutoFit/>
-          </a:bodyPr>
-          <a:lstStyle/>
-          <a:p>
-            <a:r>
-              <a:rPr lang="en-US" sz="800" dirty="0" smtClean="0"/>
-              <a:t>0,2 </a:t>
-            </a:r>
-            <a:r>
-              <a:rPr lang="en-US" sz="800" dirty="0" err="1" smtClean="0"/>
-              <a:t>cd</a:t>
-            </a:r>
-            <a:endParaRPr lang="en-US" sz="800" dirty="0"/>
-          </a:p>
-        </p:txBody>
-      </p:sp>
-      <p:sp>
-        <p:nvSpPr>
-          <p:cNvPr id="297" name="TextBox 296"/>
-          <p:cNvSpPr txBox="1"/>
-          <p:nvPr/>
-        </p:nvSpPr>
-        <p:spPr>
-          <a:xfrm>
-            <a:off x="5543550" y="2533650"/>
-            <a:ext cx="389850" cy="215444"/>
-          </a:xfrm>
-          <a:prstGeom prst="rect">
-            <a:avLst/>
-          </a:prstGeom>
-          <a:noFill/>
-        </p:spPr>
-        <p:txBody>
-          <a:bodyPr wrap="none" rtlCol="0">
-            <a:spAutoFit/>
-          </a:bodyPr>
-          <a:lstStyle/>
-          <a:p>
-            <a:r>
-              <a:rPr lang="en-US" sz="800" dirty="0" smtClean="0"/>
-              <a:t>0,3 d</a:t>
-            </a:r>
-            <a:endParaRPr lang="en-US" sz="800" dirty="0"/>
-          </a:p>
-        </p:txBody>
-      </p:sp>
-      <p:sp>
-        <p:nvSpPr>
-          <p:cNvPr id="298" name="TextBox 297"/>
-          <p:cNvSpPr txBox="1"/>
-          <p:nvPr/>
-        </p:nvSpPr>
-        <p:spPr>
-          <a:xfrm>
-            <a:off x="5543550" y="2152650"/>
-            <a:ext cx="389850" cy="215444"/>
-          </a:xfrm>
-          <a:prstGeom prst="rect">
-            <a:avLst/>
-          </a:prstGeom>
-          <a:noFill/>
-        </p:spPr>
-        <p:txBody>
-          <a:bodyPr wrap="none" rtlCol="0">
-            <a:spAutoFit/>
-          </a:bodyPr>
-          <a:lstStyle/>
-          <a:p>
-            <a:r>
-              <a:rPr lang="en-US" sz="800" dirty="0" smtClean="0"/>
-              <a:t>0,4 b</a:t>
-            </a:r>
-            <a:endParaRPr lang="en-US" sz="800" dirty="0"/>
-          </a:p>
-        </p:txBody>
-      </p:sp>
-      <p:sp>
-        <p:nvSpPr>
-          <p:cNvPr id="299" name="TextBox 298"/>
-          <p:cNvSpPr txBox="1"/>
-          <p:nvPr/>
-        </p:nvSpPr>
-        <p:spPr>
-          <a:xfrm>
-            <a:off x="4775200" y="2286000"/>
-            <a:ext cx="381000" cy="338554"/>
-          </a:xfrm>
-          <a:prstGeom prst="rect">
-            <a:avLst/>
-          </a:prstGeom>
-          <a:noFill/>
-        </p:spPr>
-        <p:txBody>
-          <a:bodyPr wrap="square" rtlCol="0">
-            <a:spAutoFit/>
-          </a:bodyPr>
-          <a:lstStyle/>
-          <a:p>
-            <a:r>
-              <a:rPr lang="en-US" sz="800" dirty="0" smtClean="0"/>
-              <a:t>0,3 </a:t>
-            </a:r>
-          </a:p>
-          <a:p>
-            <a:r>
-              <a:rPr lang="en-US" sz="800" dirty="0" err="1" smtClean="0"/>
-              <a:t>bd</a:t>
-            </a:r>
-            <a:endParaRPr lang="en-US" sz="800" dirty="0"/>
-          </a:p>
-        </p:txBody>
-      </p:sp>
-      <p:sp>
-        <p:nvSpPr>
-          <p:cNvPr id="300" name="TextBox 299"/>
-          <p:cNvSpPr txBox="1"/>
-          <p:nvPr/>
-        </p:nvSpPr>
-        <p:spPr>
-          <a:xfrm>
-            <a:off x="3778250" y="2997200"/>
-            <a:ext cx="381000" cy="338554"/>
-          </a:xfrm>
-          <a:prstGeom prst="rect">
-            <a:avLst/>
-          </a:prstGeom>
-          <a:noFill/>
-        </p:spPr>
-        <p:txBody>
-          <a:bodyPr wrap="square" rtlCol="0">
-            <a:spAutoFit/>
-          </a:bodyPr>
-          <a:lstStyle/>
-          <a:p>
-            <a:r>
-              <a:rPr lang="en-US" sz="800" dirty="0" smtClean="0"/>
-              <a:t>1,3 </a:t>
-            </a:r>
-          </a:p>
-          <a:p>
-            <a:r>
-              <a:rPr lang="en-US" sz="800" dirty="0" smtClean="0"/>
-              <a:t>ac</a:t>
-            </a:r>
-            <a:endParaRPr lang="en-US" sz="800" dirty="0"/>
-          </a:p>
-        </p:txBody>
-      </p:sp>
-      <p:sp>
-        <p:nvSpPr>
-          <p:cNvPr id="301" name="TextBox 300"/>
-          <p:cNvSpPr txBox="1"/>
-          <p:nvPr/>
-        </p:nvSpPr>
-        <p:spPr>
-          <a:xfrm>
-            <a:off x="4483100" y="3048000"/>
-            <a:ext cx="381000" cy="338554"/>
-          </a:xfrm>
-          <a:prstGeom prst="rect">
-            <a:avLst/>
-          </a:prstGeom>
-          <a:noFill/>
-        </p:spPr>
-        <p:txBody>
-          <a:bodyPr wrap="square" rtlCol="0">
-            <a:spAutoFit/>
-          </a:bodyPr>
-          <a:lstStyle/>
-          <a:p>
-            <a:r>
-              <a:rPr lang="en-US" sz="800" dirty="0" smtClean="0"/>
-              <a:t>1,4 </a:t>
-            </a:r>
-          </a:p>
-          <a:p>
-            <a:r>
-              <a:rPr lang="en-US" sz="800" dirty="0" smtClean="0"/>
-              <a:t>ac</a:t>
-            </a:r>
-            <a:endParaRPr lang="en-US" sz="800" dirty="0"/>
-          </a:p>
-        </p:txBody>
-      </p:sp>
-      <p:sp>
-        <p:nvSpPr>
-          <p:cNvPr id="302" name="TextBox 301"/>
-          <p:cNvSpPr txBox="1"/>
-          <p:nvPr/>
-        </p:nvSpPr>
-        <p:spPr>
-          <a:xfrm>
-            <a:off x="3810000" y="4724400"/>
-            <a:ext cx="482824" cy="215444"/>
-          </a:xfrm>
-          <a:prstGeom prst="rect">
-            <a:avLst/>
-          </a:prstGeom>
-          <a:noFill/>
-        </p:spPr>
-        <p:txBody>
-          <a:bodyPr wrap="none" rtlCol="0">
-            <a:spAutoFit/>
-          </a:bodyPr>
-          <a:lstStyle/>
-          <a:p>
-            <a:r>
-              <a:rPr lang="en-US" sz="800" dirty="0" smtClean="0"/>
-              <a:t>0,2 </a:t>
-            </a:r>
-            <a:r>
-              <a:rPr lang="en-US" sz="800" dirty="0" err="1" smtClean="0"/>
-              <a:t>acd</a:t>
-            </a:r>
-            <a:endParaRPr lang="en-US" sz="800" dirty="0"/>
-          </a:p>
-        </p:txBody>
-      </p:sp>
-      <p:sp>
-        <p:nvSpPr>
-          <p:cNvPr id="303" name="TextBox 302"/>
-          <p:cNvSpPr txBox="1"/>
-          <p:nvPr/>
-        </p:nvSpPr>
-        <p:spPr>
-          <a:xfrm>
-            <a:off x="4064000" y="4343400"/>
-            <a:ext cx="389850" cy="215444"/>
-          </a:xfrm>
-          <a:prstGeom prst="rect">
-            <a:avLst/>
-          </a:prstGeom>
-          <a:noFill/>
-        </p:spPr>
-        <p:txBody>
-          <a:bodyPr wrap="none" rtlCol="0">
-            <a:spAutoFit/>
-          </a:bodyPr>
-          <a:lstStyle/>
-          <a:p>
-            <a:r>
-              <a:rPr lang="en-US" sz="800" dirty="0" smtClean="0"/>
-              <a:t>0,4 b</a:t>
-            </a:r>
-            <a:endParaRPr lang="en-US" sz="800" dirty="0"/>
-          </a:p>
-        </p:txBody>
-      </p:sp>
-      <p:sp>
-        <p:nvSpPr>
-          <p:cNvPr id="304" name="TextBox 303"/>
-          <p:cNvSpPr txBox="1"/>
-          <p:nvPr/>
-        </p:nvSpPr>
-        <p:spPr>
-          <a:xfrm>
-            <a:off x="4495800" y="4495800"/>
-            <a:ext cx="335348" cy="338554"/>
-          </a:xfrm>
-          <a:prstGeom prst="rect">
-            <a:avLst/>
-          </a:prstGeom>
-          <a:noFill/>
-        </p:spPr>
-        <p:txBody>
-          <a:bodyPr wrap="none" rtlCol="0">
-            <a:spAutoFit/>
-          </a:bodyPr>
-          <a:lstStyle/>
-          <a:p>
-            <a:r>
-              <a:rPr lang="en-US" sz="800" dirty="0" smtClean="0"/>
-              <a:t>0,0 </a:t>
-            </a:r>
-          </a:p>
-          <a:p>
-            <a:r>
-              <a:rPr lang="en-US" sz="800" dirty="0" smtClean="0"/>
-              <a:t>ac</a:t>
-            </a:r>
-            <a:endParaRPr lang="en-US" sz="800" dirty="0"/>
-          </a:p>
-        </p:txBody>
-      </p:sp>
-      <p:sp>
-        <p:nvSpPr>
-          <p:cNvPr id="305" name="TextBox 304"/>
-          <p:cNvSpPr txBox="1"/>
-          <p:nvPr/>
-        </p:nvSpPr>
-        <p:spPr>
-          <a:xfrm>
-            <a:off x="4800600" y="4495800"/>
-            <a:ext cx="335348" cy="338554"/>
-          </a:xfrm>
-          <a:prstGeom prst="rect">
-            <a:avLst/>
-          </a:prstGeom>
-          <a:noFill/>
-        </p:spPr>
-        <p:txBody>
-          <a:bodyPr wrap="none" rtlCol="0">
-            <a:spAutoFit/>
-          </a:bodyPr>
-          <a:lstStyle/>
-          <a:p>
-            <a:r>
-              <a:rPr lang="en-US" sz="800" dirty="0" smtClean="0"/>
-              <a:t>2,0 </a:t>
-            </a:r>
-          </a:p>
-          <a:p>
-            <a:r>
-              <a:rPr lang="en-US" sz="800" dirty="0" err="1" smtClean="0"/>
-              <a:t>bd</a:t>
-            </a:r>
-            <a:endParaRPr lang="en-US" sz="800" dirty="0"/>
-          </a:p>
-        </p:txBody>
-      </p:sp>
-      <p:sp>
-        <p:nvSpPr>
-          <p:cNvPr id="306" name="TextBox 305"/>
-          <p:cNvSpPr txBox="1"/>
-          <p:nvPr/>
-        </p:nvSpPr>
-        <p:spPr>
-          <a:xfrm>
-            <a:off x="5943600" y="4572000"/>
-            <a:ext cx="335348" cy="338554"/>
-          </a:xfrm>
-          <a:prstGeom prst="rect">
-            <a:avLst/>
-          </a:prstGeom>
-          <a:noFill/>
-        </p:spPr>
-        <p:txBody>
-          <a:bodyPr wrap="none" rtlCol="0">
-            <a:spAutoFit/>
-          </a:bodyPr>
-          <a:lstStyle/>
-          <a:p>
-            <a:r>
-              <a:rPr lang="en-US" sz="800" dirty="0" smtClean="0"/>
-              <a:t>0,2 </a:t>
-            </a:r>
-          </a:p>
-          <a:p>
-            <a:r>
-              <a:rPr lang="en-US" sz="800" dirty="0" smtClean="0"/>
-              <a:t>ac</a:t>
-            </a:r>
-            <a:endParaRPr lang="en-US" sz="800" dirty="0"/>
-          </a:p>
-        </p:txBody>
-      </p:sp>
-      <p:sp>
-        <p:nvSpPr>
-          <p:cNvPr id="307" name="TextBox 306"/>
-          <p:cNvSpPr txBox="1"/>
-          <p:nvPr/>
-        </p:nvSpPr>
-        <p:spPr>
-          <a:xfrm>
-            <a:off x="6248400" y="4572000"/>
-            <a:ext cx="336952" cy="338554"/>
-          </a:xfrm>
-          <a:prstGeom prst="rect">
-            <a:avLst/>
-          </a:prstGeom>
-          <a:noFill/>
-        </p:spPr>
-        <p:txBody>
-          <a:bodyPr wrap="none" rtlCol="0">
-            <a:spAutoFit/>
-          </a:bodyPr>
-          <a:lstStyle/>
-          <a:p>
-            <a:r>
-              <a:rPr lang="en-US" sz="800" dirty="0" smtClean="0"/>
-              <a:t>2,2 </a:t>
-            </a:r>
-          </a:p>
-          <a:p>
-            <a:r>
-              <a:rPr lang="en-US" sz="800" dirty="0" err="1" smtClean="0"/>
-              <a:t>bd</a:t>
-            </a:r>
-            <a:endParaRPr lang="en-US" sz="800" dirty="0"/>
-          </a:p>
-        </p:txBody>
-      </p:sp>
-      <p:sp>
-        <p:nvSpPr>
-          <p:cNvPr id="308" name="TextBox 307"/>
-          <p:cNvSpPr txBox="1"/>
-          <p:nvPr/>
-        </p:nvSpPr>
-        <p:spPr>
-          <a:xfrm>
-            <a:off x="6781800" y="4419600"/>
-            <a:ext cx="439544" cy="215444"/>
-          </a:xfrm>
-          <a:prstGeom prst="rect">
-            <a:avLst/>
-          </a:prstGeom>
-          <a:noFill/>
-        </p:spPr>
-        <p:txBody>
-          <a:bodyPr wrap="none" rtlCol="0">
-            <a:spAutoFit/>
-          </a:bodyPr>
-          <a:lstStyle/>
-          <a:p>
-            <a:r>
-              <a:rPr lang="en-US" sz="800" dirty="0" smtClean="0"/>
-              <a:t>2,0 </a:t>
-            </a:r>
-            <a:r>
-              <a:rPr lang="en-US" sz="800" dirty="0" err="1" smtClean="0"/>
-              <a:t>ab</a:t>
-            </a:r>
-            <a:endParaRPr lang="en-US" sz="800" dirty="0"/>
-          </a:p>
-        </p:txBody>
-      </p:sp>
-      <p:sp>
-        <p:nvSpPr>
-          <p:cNvPr id="309" name="TextBox 308"/>
-          <p:cNvSpPr txBox="1"/>
-          <p:nvPr/>
-        </p:nvSpPr>
-        <p:spPr>
-          <a:xfrm>
-            <a:off x="6788150" y="4654550"/>
-            <a:ext cx="433132" cy="215444"/>
-          </a:xfrm>
-          <a:prstGeom prst="rect">
-            <a:avLst/>
-          </a:prstGeom>
-          <a:noFill/>
-        </p:spPr>
-        <p:txBody>
-          <a:bodyPr wrap="none" rtlCol="0">
-            <a:spAutoFit/>
-          </a:bodyPr>
-          <a:lstStyle/>
-          <a:p>
-            <a:r>
-              <a:rPr lang="en-US" sz="800" dirty="0" smtClean="0"/>
-              <a:t>2,2 </a:t>
-            </a:r>
-            <a:r>
-              <a:rPr lang="en-US" sz="800" dirty="0" err="1" smtClean="0"/>
-              <a:t>cd</a:t>
-            </a:r>
-            <a:endParaRPr lang="en-US" sz="800" dirty="0"/>
-          </a:p>
-        </p:txBody>
-      </p:sp>
-      <p:sp>
-        <p:nvSpPr>
-          <p:cNvPr id="310" name="TextBox 309"/>
-          <p:cNvSpPr txBox="1"/>
-          <p:nvPr/>
-        </p:nvSpPr>
-        <p:spPr>
-          <a:xfrm>
-            <a:off x="7391400" y="4343400"/>
-            <a:ext cx="385042" cy="215444"/>
-          </a:xfrm>
-          <a:prstGeom prst="rect">
-            <a:avLst/>
-          </a:prstGeom>
-          <a:noFill/>
-        </p:spPr>
-        <p:txBody>
-          <a:bodyPr wrap="none" rtlCol="0">
-            <a:spAutoFit/>
-          </a:bodyPr>
-          <a:lstStyle/>
-          <a:p>
-            <a:r>
-              <a:rPr lang="en-US" sz="800" dirty="0" smtClean="0"/>
-              <a:t>0,0 a</a:t>
-            </a:r>
-            <a:endParaRPr lang="en-US" sz="800" dirty="0"/>
-          </a:p>
-        </p:txBody>
-      </p:sp>
-      <p:sp>
-        <p:nvSpPr>
-          <p:cNvPr id="311" name="TextBox 310"/>
-          <p:cNvSpPr txBox="1"/>
-          <p:nvPr/>
-        </p:nvSpPr>
-        <p:spPr>
-          <a:xfrm>
-            <a:off x="7696200" y="4343400"/>
-            <a:ext cx="389850" cy="215444"/>
-          </a:xfrm>
-          <a:prstGeom prst="rect">
-            <a:avLst/>
-          </a:prstGeom>
-          <a:noFill/>
-        </p:spPr>
-        <p:txBody>
-          <a:bodyPr wrap="none" rtlCol="0">
-            <a:spAutoFit/>
-          </a:bodyPr>
-          <a:lstStyle/>
-          <a:p>
-            <a:r>
-              <a:rPr lang="en-US" sz="800" dirty="0" smtClean="0"/>
-              <a:t>2,0 b</a:t>
-            </a:r>
-            <a:endParaRPr lang="en-US" sz="800" dirty="0"/>
-          </a:p>
-        </p:txBody>
-      </p:sp>
-      <p:sp>
-        <p:nvSpPr>
-          <p:cNvPr id="312" name="TextBox 311"/>
-          <p:cNvSpPr txBox="1"/>
-          <p:nvPr/>
-        </p:nvSpPr>
-        <p:spPr>
-          <a:xfrm>
-            <a:off x="7391400" y="4724400"/>
-            <a:ext cx="378630" cy="215444"/>
-          </a:xfrm>
-          <a:prstGeom prst="rect">
-            <a:avLst/>
-          </a:prstGeom>
-          <a:noFill/>
-        </p:spPr>
-        <p:txBody>
-          <a:bodyPr wrap="none" rtlCol="0">
-            <a:spAutoFit/>
-          </a:bodyPr>
-          <a:lstStyle/>
-          <a:p>
-            <a:r>
-              <a:rPr lang="en-US" sz="800" dirty="0" smtClean="0"/>
-              <a:t>0,2 c</a:t>
-            </a:r>
-            <a:endParaRPr lang="en-US" sz="800" dirty="0"/>
-          </a:p>
-        </p:txBody>
-      </p:sp>
-      <p:sp>
-        <p:nvSpPr>
-          <p:cNvPr id="313" name="TextBox 312"/>
-          <p:cNvSpPr txBox="1"/>
-          <p:nvPr/>
-        </p:nvSpPr>
-        <p:spPr>
-          <a:xfrm>
-            <a:off x="7696200" y="4724400"/>
-            <a:ext cx="389850" cy="215444"/>
-          </a:xfrm>
-          <a:prstGeom prst="rect">
-            <a:avLst/>
-          </a:prstGeom>
-          <a:noFill/>
-        </p:spPr>
-        <p:txBody>
-          <a:bodyPr wrap="none" rtlCol="0">
-            <a:spAutoFit/>
-          </a:bodyPr>
-          <a:lstStyle/>
-          <a:p>
-            <a:r>
-              <a:rPr lang="en-US" sz="800" smtClean="0"/>
-              <a:t>2,2 d</a:t>
-            </a:r>
-            <a:endParaRPr lang="en-US" sz="800" dirty="0"/>
-          </a:p>
-        </p:txBody>
-      </p:sp>
-      <p:sp>
-        <p:nvSpPr>
-          <p:cNvPr id="2" name="TextBox 1"/>
-          <p:cNvSpPr txBox="1"/>
-          <p:nvPr/>
-        </p:nvSpPr>
-        <p:spPr>
-          <a:xfrm>
-            <a:off x="3076690" y="218331"/>
-            <a:ext cx="5564344" cy="369332"/>
-          </a:xfrm>
-          <a:prstGeom prst="rect">
-            <a:avLst/>
-          </a:prstGeom>
-          <a:noFill/>
-        </p:spPr>
-        <p:txBody>
-          <a:bodyPr wrap="none" rtlCol="0">
-            <a:spAutoFit/>
-          </a:bodyPr>
-          <a:lstStyle/>
-          <a:p>
-            <a:r>
-              <a:rPr lang="en-US" dirty="0" smtClean="0"/>
-              <a:t>0             1            2            3           4           5            6             7</a:t>
-            </a:r>
-            <a:endParaRPr lang="sk-SK" dirty="0"/>
-          </a:p>
-        </p:txBody>
-      </p:sp>
-      <p:sp>
-        <p:nvSpPr>
-          <p:cNvPr id="3" name="TextBox 2"/>
-          <p:cNvSpPr txBox="1"/>
-          <p:nvPr/>
-        </p:nvSpPr>
-        <p:spPr>
-          <a:xfrm>
-            <a:off x="2716200" y="387643"/>
-            <a:ext cx="274320" cy="4579715"/>
-          </a:xfrm>
-          <a:prstGeom prst="rect">
-            <a:avLst/>
-          </a:prstGeom>
-          <a:noFill/>
-        </p:spPr>
-        <p:txBody>
-          <a:bodyPr wrap="square" rtlCol="0">
-            <a:spAutoFit/>
-          </a:bodyPr>
-          <a:lstStyle/>
-          <a:p>
-            <a:pPr>
-              <a:lnSpc>
-                <a:spcPct val="270000"/>
-              </a:lnSpc>
-            </a:pPr>
-            <a:r>
-              <a:rPr lang="en-US" dirty="0" smtClean="0"/>
-              <a:t>0</a:t>
-            </a:r>
-          </a:p>
-          <a:p>
-            <a:pPr>
-              <a:lnSpc>
-                <a:spcPct val="270000"/>
-              </a:lnSpc>
-            </a:pPr>
-            <a:r>
-              <a:rPr lang="en-US" dirty="0" smtClean="0"/>
-              <a:t>1</a:t>
-            </a:r>
-          </a:p>
-          <a:p>
-            <a:pPr>
-              <a:lnSpc>
-                <a:spcPct val="270000"/>
-              </a:lnSpc>
-            </a:pPr>
-            <a:r>
-              <a:rPr lang="en-US" dirty="0" smtClean="0"/>
-              <a:t>2</a:t>
-            </a:r>
-          </a:p>
-          <a:p>
-            <a:pPr>
-              <a:lnSpc>
-                <a:spcPct val="270000"/>
-              </a:lnSpc>
-            </a:pPr>
-            <a:r>
-              <a:rPr lang="en-US" dirty="0" smtClean="0"/>
-              <a:t>3</a:t>
-            </a:r>
-          </a:p>
-          <a:p>
-            <a:pPr>
-              <a:lnSpc>
-                <a:spcPct val="270000"/>
-              </a:lnSpc>
-            </a:pPr>
-            <a:r>
-              <a:rPr lang="en-US" dirty="0" smtClean="0"/>
-              <a:t>4</a:t>
-            </a:r>
-          </a:p>
-          <a:p>
-            <a:pPr>
-              <a:lnSpc>
-                <a:spcPct val="270000"/>
-              </a:lnSpc>
-            </a:pPr>
-            <a:r>
-              <a:rPr lang="en-US" dirty="0" smtClean="0"/>
-              <a:t>5</a:t>
-            </a:r>
-            <a:endParaRPr lang="sk-SK" dirty="0"/>
-          </a:p>
-        </p:txBody>
-      </p:sp>
+      <p:cxnSp>
+        <p:nvCxnSpPr>
+          <p:cNvPr id="347" name="Straight Connector 346"/>
+          <p:cNvCxnSpPr/>
+          <p:nvPr/>
+        </p:nvCxnSpPr>
+        <p:spPr>
+          <a:xfrm rot="5400000">
+            <a:off x="6858000" y="3048000"/>
+            <a:ext cx="304800" cy="1588"/>
+          </a:xfrm>
+          <a:prstGeom prst="line">
+            <a:avLst/>
+          </a:prstGeom>
+        </p:spPr>
+        <p:style>
+          <a:lnRef idx="1">
+            <a:schemeClr val="accent1"/>
+          </a:lnRef>
+          <a:fillRef idx="0">
+            <a:schemeClr val="accent1"/>
+          </a:fillRef>
+          <a:effectRef idx="0">
+            <a:schemeClr val="accent1"/>
+          </a:effectRef>
+          <a:fontRef idx="minor">
+            <a:schemeClr val="tx1"/>
+          </a:fontRef>
+        </p:style>
+      </p:cxnSp>
+      <p:cxnSp>
+        <p:nvCxnSpPr>
+          <p:cNvPr id="349" name="Straight Connector 348"/>
+          <p:cNvCxnSpPr/>
+          <p:nvPr/>
+        </p:nvCxnSpPr>
+        <p:spPr>
+          <a:xfrm rot="5400000">
+            <a:off x="7543800" y="3048000"/>
+            <a:ext cx="304800" cy="1588"/>
+          </a:xfrm>
+          <a:prstGeom prst="line">
+            <a:avLst/>
+          </a:prstGeom>
+        </p:spPr>
+        <p:style>
+          <a:lnRef idx="1">
+            <a:schemeClr val="accent1"/>
+          </a:lnRef>
+          <a:fillRef idx="0">
+            <a:schemeClr val="accent1"/>
+          </a:fillRef>
+          <a:effectRef idx="0">
+            <a:schemeClr val="accent1"/>
+          </a:effectRef>
+          <a:fontRef idx="minor">
+            <a:schemeClr val="tx1"/>
+          </a:fontRef>
+        </p:style>
+      </p:cxnSp>
     </p:spTree>
   </p:cSld>
   <p:clrMapOvr>

--- a/Doc/ConversionInfo.pptx
+++ b/Doc/ConversionInfo.pptx
@@ -106,7 +106,7 @@
   </p:defaultTextStyle>
   <p:extLst>
     <p:ext uri="{EFAFB233-063F-42B5-8137-9DF3F51BA10A}">
-      <p15:sldGuideLst xmlns="" xmlns:p15="http://schemas.microsoft.com/office/powerpoint/2012/main">
+      <p15:sldGuideLst xmlns:p15="http://schemas.microsoft.com/office/powerpoint/2012/main" xmlns="">
         <p15:guide id="1" orient="horz" pos="2160">
           <p15:clr>
             <a:srgbClr val="A4A3A4"/>
@@ -6839,7 +6839,7 @@
         <p:spPr>
           <a:xfrm>
             <a:off x="3124200" y="914400"/>
-            <a:ext cx="537327" cy="215444"/>
+            <a:ext cx="489236" cy="215444"/>
           </a:xfrm>
           <a:prstGeom prst="rect">
             <a:avLst/>
@@ -6854,11 +6854,7 @@
           <a:p>
             <a:r>
               <a:rPr lang="en-US" sz="800" dirty="0" smtClean="0"/>
-              <a:t>1,1 </a:t>
-            </a:r>
-            <a:r>
-              <a:rPr lang="en-US" sz="800" dirty="0" err="1" smtClean="0"/>
-              <a:t>abcd</a:t>
+              <a:t>11abcd</a:t>
             </a:r>
             <a:endParaRPr lang="en-US" sz="800" dirty="0"/>
           </a:p>
@@ -8223,7 +8219,7 @@
         <p:spPr>
           <a:xfrm>
             <a:off x="3810000" y="914400"/>
-            <a:ext cx="537327" cy="215444"/>
+            <a:ext cx="489236" cy="215444"/>
           </a:xfrm>
           <a:prstGeom prst="rect">
             <a:avLst/>
@@ -8238,11 +8234,7 @@
           <a:p>
             <a:r>
               <a:rPr lang="en-US" sz="800" dirty="0" smtClean="0"/>
-              <a:t>1,4 </a:t>
-            </a:r>
-            <a:r>
-              <a:rPr lang="en-US" sz="800" dirty="0" err="1" smtClean="0"/>
-              <a:t>abcd</a:t>
+              <a:t>14abcd</a:t>
             </a:r>
             <a:endParaRPr lang="en-US" sz="800" dirty="0"/>
           </a:p>
@@ -8257,7 +8249,7 @@
         <p:spPr>
           <a:xfrm>
             <a:off x="4572000" y="914400"/>
-            <a:ext cx="537327" cy="215444"/>
+            <a:ext cx="489236" cy="215444"/>
           </a:xfrm>
           <a:prstGeom prst="rect">
             <a:avLst/>
@@ -8272,11 +8264,7 @@
           <a:p>
             <a:r>
               <a:rPr lang="en-US" sz="800" dirty="0" smtClean="0"/>
-              <a:t>0,4 </a:t>
-            </a:r>
-            <a:r>
-              <a:rPr lang="en-US" sz="800" dirty="0" err="1" smtClean="0"/>
-              <a:t>abcd</a:t>
+              <a:t>04abcd</a:t>
             </a:r>
             <a:endParaRPr lang="en-US" sz="800" dirty="0"/>
           </a:p>
@@ -8305,12 +8293,8 @@
           <a:lstStyle/>
           <a:p>
             <a:r>
-              <a:rPr lang="en-US" sz="800" dirty="0" smtClean="0"/>
-              <a:t>1,3 </a:t>
-            </a:r>
-            <a:r>
-              <a:rPr lang="en-US" sz="800" dirty="0" err="1" smtClean="0"/>
-              <a:t>abcd</a:t>
+              <a:rPr lang="en-US" sz="800" smtClean="0"/>
+              <a:t>13abcd</a:t>
             </a:r>
             <a:endParaRPr lang="en-US" sz="800" dirty="0"/>
           </a:p>
@@ -8340,11 +8324,7 @@
           <a:p>
             <a:r>
               <a:rPr lang="en-US" sz="800" dirty="0" smtClean="0"/>
-              <a:t>0,1 </a:t>
-            </a:r>
-            <a:r>
-              <a:rPr lang="en-US" sz="800" dirty="0" err="1" smtClean="0"/>
-              <a:t>abcd</a:t>
+              <a:t>01abcd</a:t>
             </a:r>
             <a:endParaRPr lang="en-US" sz="800" dirty="0"/>
           </a:p>
@@ -8374,11 +8354,7 @@
           <a:p>
             <a:r>
               <a:rPr lang="en-US" sz="800" dirty="0" smtClean="0"/>
-              <a:t>2,1 </a:t>
-            </a:r>
-            <a:r>
-              <a:rPr lang="en-US" sz="800" dirty="0" err="1" smtClean="0"/>
-              <a:t>abcd</a:t>
+              <a:t>21abcd</a:t>
             </a:r>
             <a:endParaRPr lang="en-US" sz="800" dirty="0"/>
           </a:p>
@@ -8393,7 +8369,7 @@
         <p:spPr>
           <a:xfrm>
             <a:off x="6019800" y="914400"/>
-            <a:ext cx="537327" cy="215444"/>
+            <a:ext cx="489236" cy="215444"/>
           </a:xfrm>
           <a:prstGeom prst="rect">
             <a:avLst/>
@@ -8408,11 +8384,7 @@
           <a:p>
             <a:r>
               <a:rPr lang="en-US" sz="800" dirty="0" smtClean="0"/>
-              <a:t>0,3 </a:t>
-            </a:r>
-            <a:r>
-              <a:rPr lang="en-US" sz="800" dirty="0" err="1" smtClean="0"/>
-              <a:t>abcd</a:t>
+              <a:t>03abcd</a:t>
             </a:r>
             <a:endParaRPr lang="en-US" sz="800" dirty="0"/>
           </a:p>
@@ -8427,7 +8399,7 @@
         <p:spPr>
           <a:xfrm>
             <a:off x="6019800" y="2362200"/>
-            <a:ext cx="537327" cy="215444"/>
+            <a:ext cx="489236" cy="215444"/>
           </a:xfrm>
           <a:prstGeom prst="rect">
             <a:avLst/>
@@ -8442,11 +8414,7 @@
           <a:p>
             <a:r>
               <a:rPr lang="en-US" sz="800" dirty="0" smtClean="0"/>
-              <a:t>1,0 </a:t>
-            </a:r>
-            <a:r>
-              <a:rPr lang="en-US" sz="800" dirty="0" err="1" smtClean="0"/>
-              <a:t>abcd</a:t>
+              <a:t>10abcd</a:t>
             </a:r>
             <a:endParaRPr lang="en-US" sz="800" dirty="0"/>
           </a:p>
@@ -8461,7 +8429,7 @@
         <p:spPr>
           <a:xfrm>
             <a:off x="6019800" y="2971800"/>
-            <a:ext cx="537327" cy="215444"/>
+            <a:ext cx="489236" cy="215444"/>
           </a:xfrm>
           <a:prstGeom prst="rect">
             <a:avLst/>
@@ -8476,11 +8444,7 @@
           <a:p>
             <a:r>
               <a:rPr lang="en-US" sz="800" dirty="0" smtClean="0"/>
-              <a:t>1,2 </a:t>
-            </a:r>
-            <a:r>
-              <a:rPr lang="en-US" sz="800" dirty="0" err="1" smtClean="0"/>
-              <a:t>abcd</a:t>
+              <a:t>12abcd</a:t>
             </a:r>
             <a:endParaRPr lang="en-US" sz="800" dirty="0"/>
           </a:p>
@@ -8495,7 +8459,7 @@
         <p:spPr>
           <a:xfrm>
             <a:off x="6019800" y="3810000"/>
-            <a:ext cx="537327" cy="215444"/>
+            <a:ext cx="489236" cy="215444"/>
           </a:xfrm>
           <a:prstGeom prst="rect">
             <a:avLst/>
@@ -8510,11 +8474,7 @@
           <a:p>
             <a:r>
               <a:rPr lang="en-US" sz="800" dirty="0" smtClean="0"/>
-              <a:t>2,0 </a:t>
-            </a:r>
-            <a:r>
-              <a:rPr lang="en-US" sz="800" dirty="0" err="1" smtClean="0"/>
-              <a:t>abcd</a:t>
+              <a:t>20abcd</a:t>
             </a:r>
             <a:endParaRPr lang="en-US" sz="800" dirty="0"/>
           </a:p>
@@ -8529,7 +8489,7 @@
         <p:spPr>
           <a:xfrm>
             <a:off x="4572000" y="3810000"/>
-            <a:ext cx="537327" cy="215444"/>
+            <a:ext cx="489236" cy="215444"/>
           </a:xfrm>
           <a:prstGeom prst="rect">
             <a:avLst/>
@@ -8544,11 +8504,7 @@
           <a:p>
             <a:r>
               <a:rPr lang="en-US" sz="800" dirty="0" smtClean="0"/>
-              <a:t>0,0 </a:t>
-            </a:r>
-            <a:r>
-              <a:rPr lang="en-US" sz="800" dirty="0" err="1" smtClean="0"/>
-              <a:t>abcd</a:t>
+              <a:t>00abcd</a:t>
             </a:r>
             <a:endParaRPr lang="en-US" sz="800" dirty="0"/>
           </a:p>
@@ -8563,7 +8519,7 @@
         <p:spPr>
           <a:xfrm>
             <a:off x="3124200" y="4572000"/>
-            <a:ext cx="537327" cy="215444"/>
+            <a:ext cx="489236" cy="215444"/>
           </a:xfrm>
           <a:prstGeom prst="rect">
             <a:avLst/>
@@ -8578,11 +8534,7 @@
           <a:p>
             <a:r>
               <a:rPr lang="en-US" sz="800" dirty="0" smtClean="0"/>
-              <a:t>0,2 </a:t>
-            </a:r>
-            <a:r>
-              <a:rPr lang="en-US" sz="800" dirty="0" err="1" smtClean="0"/>
-              <a:t>abcd</a:t>
+              <a:t>02abcd</a:t>
             </a:r>
             <a:endParaRPr lang="en-US" sz="800" dirty="0"/>
           </a:p>
@@ -8597,7 +8549,7 @@
         <p:spPr>
           <a:xfrm>
             <a:off x="7467600" y="3733800"/>
-            <a:ext cx="537327" cy="215444"/>
+            <a:ext cx="489236" cy="215444"/>
           </a:xfrm>
           <a:prstGeom prst="rect">
             <a:avLst/>
@@ -8612,11 +8564,7 @@
           <a:p>
             <a:r>
               <a:rPr lang="en-US" sz="800" dirty="0" smtClean="0"/>
-              <a:t>2,2 </a:t>
-            </a:r>
-            <a:r>
-              <a:rPr lang="en-US" sz="800" dirty="0" err="1" smtClean="0"/>
-              <a:t>abcd</a:t>
+              <a:t>22abcd</a:t>
             </a:r>
             <a:endParaRPr lang="en-US" sz="800" dirty="0"/>
           </a:p>
@@ -8723,7 +8671,7 @@
         <p:spPr>
           <a:xfrm>
             <a:off x="3886200" y="1447800"/>
-            <a:ext cx="439544" cy="215444"/>
+            <a:ext cx="391454" cy="215444"/>
           </a:xfrm>
           <a:prstGeom prst="rect">
             <a:avLst/>
@@ -8738,11 +8686,7 @@
           <a:p>
             <a:r>
               <a:rPr lang="en-US" sz="800" dirty="0" smtClean="0"/>
-              <a:t>1,4 </a:t>
-            </a:r>
-            <a:r>
-              <a:rPr lang="en-US" sz="800" dirty="0" err="1" smtClean="0"/>
-              <a:t>ab</a:t>
+              <a:t>14ab</a:t>
             </a:r>
             <a:endParaRPr lang="en-US" sz="800" dirty="0"/>
           </a:p>
@@ -8757,7 +8701,7 @@
         <p:spPr>
           <a:xfrm>
             <a:off x="3886200" y="1752600"/>
-            <a:ext cx="433132" cy="215444"/>
+            <a:ext cx="385042" cy="215444"/>
           </a:xfrm>
           <a:prstGeom prst="rect">
             <a:avLst/>
@@ -8772,11 +8716,7 @@
           <a:p>
             <a:r>
               <a:rPr lang="en-US" sz="800" dirty="0" smtClean="0"/>
-              <a:t>1,3 </a:t>
-            </a:r>
-            <a:r>
-              <a:rPr lang="en-US" sz="800" dirty="0" err="1" smtClean="0"/>
-              <a:t>cd</a:t>
+              <a:t>13cd</a:t>
             </a:r>
             <a:endParaRPr lang="en-US" sz="800" dirty="0"/>
           </a:p>
@@ -8806,8 +8746,9 @@
           <a:p>
             <a:r>
               <a:rPr lang="en-US" sz="800" dirty="0" smtClean="0"/>
-              <a:t>1,4 </a:t>
-            </a:r>
+              <a:t>14</a:t>
+            </a:r>
+            <a:endParaRPr lang="en-US" sz="800" dirty="0" smtClean="0"/>
           </a:p>
           <a:p>
             <a:r>
@@ -8842,8 +8783,9 @@
           <a:p>
             <a:r>
               <a:rPr lang="en-US" sz="800" dirty="0" smtClean="0"/>
-              <a:t>0,4 </a:t>
-            </a:r>
+              <a:t>04 </a:t>
+            </a:r>
+            <a:endParaRPr lang="en-US" sz="800" dirty="0" smtClean="0"/>
           </a:p>
           <a:p>
             <a:r>
@@ -8863,7 +8805,7 @@
         <p:spPr>
           <a:xfrm>
             <a:off x="6629400" y="685800"/>
-            <a:ext cx="385042" cy="215444"/>
+            <a:ext cx="336952" cy="215444"/>
           </a:xfrm>
           <a:prstGeom prst="rect">
             <a:avLst/>
@@ -8878,11 +8820,7 @@
           <a:p>
             <a:r>
               <a:rPr lang="en-US" sz="800" dirty="0" smtClean="0"/>
-              <a:t>1,4 </a:t>
-            </a:r>
-            <a:r>
-              <a:rPr lang="en-US" sz="800" dirty="0" smtClean="0"/>
-              <a:t>a</a:t>
+              <a:t>14a</a:t>
             </a:r>
             <a:endParaRPr lang="en-US" sz="800" dirty="0"/>
           </a:p>
@@ -8897,7 +8835,7 @@
         <p:spPr>
           <a:xfrm>
             <a:off x="7010400" y="1066800"/>
-            <a:ext cx="389850" cy="215444"/>
+            <a:ext cx="341760" cy="215444"/>
           </a:xfrm>
           <a:prstGeom prst="rect">
             <a:avLst/>
@@ -8912,11 +8850,7 @@
           <a:p>
             <a:r>
               <a:rPr lang="en-US" sz="800" dirty="0" smtClean="0"/>
-              <a:t>0,3 </a:t>
-            </a:r>
-            <a:r>
-              <a:rPr lang="en-US" sz="800" dirty="0" smtClean="0"/>
-              <a:t>d</a:t>
+              <a:t>03d</a:t>
             </a:r>
             <a:endParaRPr lang="en-US" sz="800" dirty="0"/>
           </a:p>
@@ -8931,7 +8865,7 @@
         <p:spPr>
           <a:xfrm>
             <a:off x="7543800" y="1066800"/>
-            <a:ext cx="433132" cy="215444"/>
+            <a:ext cx="385042" cy="215444"/>
           </a:xfrm>
           <a:prstGeom prst="rect">
             <a:avLst/>
@@ -8946,11 +8880,7 @@
           <a:p>
             <a:r>
               <a:rPr lang="en-US" sz="800" dirty="0" smtClean="0"/>
-              <a:t>0,3 </a:t>
-            </a:r>
-            <a:r>
-              <a:rPr lang="en-US" sz="800" dirty="0" err="1" smtClean="0"/>
-              <a:t>cd</a:t>
+              <a:t>03cd</a:t>
             </a:r>
             <a:endParaRPr lang="en-US" sz="800" dirty="0"/>
           </a:p>
@@ -8965,7 +8895,7 @@
         <p:spPr>
           <a:xfrm>
             <a:off x="7467600" y="762000"/>
-            <a:ext cx="439544" cy="215444"/>
+            <a:ext cx="391454" cy="215444"/>
           </a:xfrm>
           <a:prstGeom prst="rect">
             <a:avLst/>
@@ -8980,11 +8910,7 @@
           <a:p>
             <a:r>
               <a:rPr lang="en-US" sz="800" dirty="0" smtClean="0"/>
-              <a:t>0,4 </a:t>
-            </a:r>
-            <a:r>
-              <a:rPr lang="en-US" sz="800" dirty="0" err="1" smtClean="0"/>
-              <a:t>ab</a:t>
+              <a:t>04ab</a:t>
             </a:r>
             <a:endParaRPr lang="en-US" sz="800" dirty="0"/>
           </a:p>
@@ -9029,7 +8955,7 @@
         <p:spPr>
           <a:xfrm>
             <a:off x="8458200" y="1066800"/>
-            <a:ext cx="389850" cy="215444"/>
+            <a:ext cx="341760" cy="215444"/>
           </a:xfrm>
           <a:prstGeom prst="rect">
             <a:avLst/>
@@ -9044,7 +8970,7 @@
           <a:p>
             <a:r>
               <a:rPr lang="en-US" sz="800" dirty="0" smtClean="0"/>
-              <a:t>0,3 d</a:t>
+              <a:t>03d</a:t>
             </a:r>
             <a:endParaRPr lang="en-US" sz="800" dirty="0"/>
           </a:p>
@@ -9059,7 +8985,7 @@
         <p:spPr>
           <a:xfrm>
             <a:off x="8458200" y="685800"/>
-            <a:ext cx="389850" cy="215444"/>
+            <a:ext cx="341760" cy="215444"/>
           </a:xfrm>
           <a:prstGeom prst="rect">
             <a:avLst/>
@@ -9074,7 +9000,7 @@
           <a:p>
             <a:r>
               <a:rPr lang="en-US" sz="800" dirty="0" smtClean="0"/>
-              <a:t>0,4 b</a:t>
+              <a:t>04b</a:t>
             </a:r>
             <a:endParaRPr lang="en-US" sz="800" dirty="0"/>
           </a:p>
@@ -9089,7 +9015,7 @@
         <p:spPr>
           <a:xfrm>
             <a:off x="8458200" y="1828800"/>
-            <a:ext cx="389850" cy="215444"/>
+            <a:ext cx="341760" cy="215444"/>
           </a:xfrm>
           <a:prstGeom prst="rect">
             <a:avLst/>
@@ -9104,7 +9030,7 @@
           <a:p>
             <a:r>
               <a:rPr lang="en-US" sz="800" dirty="0" smtClean="0"/>
-              <a:t>0,3 d</a:t>
+              <a:t>03d</a:t>
             </a:r>
             <a:endParaRPr lang="en-US" sz="800" dirty="0"/>
           </a:p>
@@ -9119,7 +9045,7 @@
         <p:spPr>
           <a:xfrm>
             <a:off x="8458200" y="1447800"/>
-            <a:ext cx="389850" cy="215444"/>
+            <a:ext cx="341760" cy="215444"/>
           </a:xfrm>
           <a:prstGeom prst="rect">
             <a:avLst/>
@@ -9134,7 +9060,7 @@
           <a:p>
             <a:r>
               <a:rPr lang="en-US" sz="800" dirty="0" smtClean="0"/>
-              <a:t>0,4 b</a:t>
+              <a:t>04b</a:t>
             </a:r>
             <a:endParaRPr lang="en-US" sz="800" dirty="0"/>
           </a:p>
@@ -9149,7 +9075,7 @@
         <p:spPr>
           <a:xfrm>
             <a:off x="8077200" y="1447800"/>
-            <a:ext cx="385042" cy="215444"/>
+            <a:ext cx="336952" cy="215444"/>
           </a:xfrm>
           <a:prstGeom prst="rect">
             <a:avLst/>
@@ -9164,7 +9090,7 @@
           <a:p>
             <a:r>
               <a:rPr lang="en-US" sz="800" dirty="0" smtClean="0"/>
-              <a:t>1,4 a</a:t>
+              <a:t>14a</a:t>
             </a:r>
             <a:endParaRPr lang="en-US" sz="800" dirty="0"/>
           </a:p>
@@ -9179,7 +9105,7 @@
         <p:spPr>
           <a:xfrm>
             <a:off x="8077200" y="1828800"/>
-            <a:ext cx="378630" cy="215444"/>
+            <a:ext cx="330540" cy="215444"/>
           </a:xfrm>
           <a:prstGeom prst="rect">
             <a:avLst/>
@@ -9194,7 +9120,7 @@
           <a:p>
             <a:r>
               <a:rPr lang="en-US" sz="800" dirty="0" smtClean="0"/>
-              <a:t>1,3 c</a:t>
+              <a:t>13c</a:t>
             </a:r>
             <a:endParaRPr lang="en-US" sz="800" dirty="0"/>
           </a:p>
@@ -9209,7 +9135,7 @@
         <p:spPr>
           <a:xfrm>
             <a:off x="5181600" y="1828800"/>
-            <a:ext cx="378630" cy="215444"/>
+            <a:ext cx="330540" cy="215444"/>
           </a:xfrm>
           <a:prstGeom prst="rect">
             <a:avLst/>
@@ -9224,7 +9150,7 @@
           <a:p>
             <a:r>
               <a:rPr lang="en-US" sz="800" dirty="0" smtClean="0"/>
-              <a:t>1,3 c</a:t>
+              <a:t>13c</a:t>
             </a:r>
             <a:endParaRPr lang="en-US" sz="800" dirty="0"/>
           </a:p>
@@ -9239,7 +9165,7 @@
         <p:spPr>
           <a:xfrm>
             <a:off x="5181600" y="1447800"/>
-            <a:ext cx="385042" cy="215444"/>
+            <a:ext cx="336952" cy="215444"/>
           </a:xfrm>
           <a:prstGeom prst="rect">
             <a:avLst/>
@@ -9254,7 +9180,7 @@
           <a:p>
             <a:r>
               <a:rPr lang="en-US" sz="800" dirty="0" smtClean="0"/>
-              <a:t>1,4 a</a:t>
+              <a:t>14a</a:t>
             </a:r>
             <a:endParaRPr lang="en-US" sz="800" dirty="0"/>
           </a:p>
@@ -9269,7 +9195,7 @@
         <p:spPr>
           <a:xfrm>
             <a:off x="5181600" y="2895600"/>
-            <a:ext cx="385042" cy="215444"/>
+            <a:ext cx="336952" cy="215444"/>
           </a:xfrm>
           <a:prstGeom prst="rect">
             <a:avLst/>
@@ -9284,7 +9210,7 @@
           <a:p>
             <a:r>
               <a:rPr lang="en-US" sz="800" dirty="0" smtClean="0"/>
-              <a:t>1,4 a</a:t>
+              <a:t>14a</a:t>
             </a:r>
             <a:endParaRPr lang="en-US" sz="800" dirty="0"/>
           </a:p>
@@ -9299,7 +9225,7 @@
         <p:spPr>
           <a:xfrm>
             <a:off x="5181600" y="3200400"/>
-            <a:ext cx="378630" cy="215444"/>
+            <a:ext cx="330540" cy="215444"/>
           </a:xfrm>
           <a:prstGeom prst="rect">
             <a:avLst/>
@@ -9313,8 +9239,8 @@
           <a:lstStyle/>
           <a:p>
             <a:r>
-              <a:rPr lang="en-US" sz="800" smtClean="0"/>
-              <a:t>1,3 c</a:t>
+              <a:rPr lang="en-US" sz="800" dirty="0" smtClean="0"/>
+              <a:t>13c</a:t>
             </a:r>
             <a:endParaRPr lang="en-US" sz="800" dirty="0"/>
           </a:p>
@@ -9329,7 +9255,7 @@
         <p:spPr>
           <a:xfrm>
             <a:off x="6629400" y="4038600"/>
-            <a:ext cx="378630" cy="215444"/>
+            <a:ext cx="330540" cy="215444"/>
           </a:xfrm>
           <a:prstGeom prst="rect">
             <a:avLst/>
@@ -9344,7 +9270,7 @@
           <a:p>
             <a:r>
               <a:rPr lang="en-US" sz="800" dirty="0" smtClean="0"/>
-              <a:t>1,3 c</a:t>
+              <a:t>13c</a:t>
             </a:r>
             <a:endParaRPr lang="en-US" sz="800" dirty="0"/>
           </a:p>
@@ -9359,7 +9285,7 @@
         <p:spPr>
           <a:xfrm>
             <a:off x="6705600" y="3657600"/>
-            <a:ext cx="494046" cy="215444"/>
+            <a:ext cx="489236" cy="215444"/>
           </a:xfrm>
           <a:prstGeom prst="rect">
             <a:avLst/>
@@ -9374,11 +9300,7 @@
           <a:p>
             <a:r>
               <a:rPr lang="en-US" sz="800" dirty="0" smtClean="0"/>
-              <a:t>2,0 </a:t>
-            </a:r>
-            <a:r>
-              <a:rPr lang="en-US" sz="800" dirty="0" err="1" smtClean="0"/>
-              <a:t>abd</a:t>
+              <a:t>20abcd</a:t>
             </a:r>
             <a:endParaRPr lang="en-US" sz="800" dirty="0"/>
           </a:p>
@@ -9393,7 +9315,7 @@
         <p:spPr>
           <a:xfrm>
             <a:off x="8153400" y="3962400"/>
-            <a:ext cx="487634" cy="215444"/>
+            <a:ext cx="489236" cy="215444"/>
           </a:xfrm>
           <a:prstGeom prst="rect">
             <a:avLst/>
@@ -9407,12 +9329,8 @@
           <a:lstStyle/>
           <a:p>
             <a:r>
-              <a:rPr lang="en-US" sz="800" smtClean="0"/>
-              <a:t>2,2 </a:t>
-            </a:r>
-            <a:r>
-              <a:rPr lang="en-US" sz="800" dirty="0" err="1" smtClean="0"/>
-              <a:t>bcd</a:t>
+              <a:rPr lang="en-US" sz="800" dirty="0" smtClean="0"/>
+              <a:t>22abcd</a:t>
             </a:r>
             <a:endParaRPr lang="en-US" sz="800" dirty="0"/>
           </a:p>
@@ -9427,7 +9345,7 @@
         <p:spPr>
           <a:xfrm>
             <a:off x="8077200" y="3657600"/>
-            <a:ext cx="385042" cy="215444"/>
+            <a:ext cx="359394" cy="215444"/>
           </a:xfrm>
           <a:prstGeom prst="rect">
             <a:avLst/>
@@ -9442,7 +9360,11 @@
           <a:p>
             <a:r>
               <a:rPr lang="en-US" sz="800" dirty="0" smtClean="0"/>
-              <a:t>1,4 a</a:t>
+              <a:t>14 </a:t>
+            </a:r>
+            <a:r>
+              <a:rPr lang="en-US" sz="800" dirty="0" smtClean="0"/>
+              <a:t>a</a:t>
             </a:r>
             <a:endParaRPr lang="en-US" sz="800" dirty="0"/>
           </a:p>
@@ -9457,7 +9379,7 @@
         <p:spPr>
           <a:xfrm>
             <a:off x="8458200" y="2895600"/>
-            <a:ext cx="389850" cy="215444"/>
+            <a:ext cx="341760" cy="215444"/>
           </a:xfrm>
           <a:prstGeom prst="rect">
             <a:avLst/>
@@ -9472,7 +9394,7 @@
           <a:p>
             <a:r>
               <a:rPr lang="en-US" sz="800" dirty="0" smtClean="0"/>
-              <a:t>0,4 b</a:t>
+              <a:t>04b</a:t>
             </a:r>
             <a:endParaRPr lang="en-US" sz="800" dirty="0"/>
           </a:p>
@@ -9486,8 +9408,8 @@
         </p:nvSpPr>
         <p:spPr>
           <a:xfrm>
-            <a:off x="8077200" y="2895600"/>
-            <a:ext cx="385042" cy="215444"/>
+            <a:off x="8153400" y="2895600"/>
+            <a:ext cx="336952" cy="215444"/>
           </a:xfrm>
           <a:prstGeom prst="rect">
             <a:avLst/>
@@ -9502,7 +9424,7 @@
           <a:p>
             <a:r>
               <a:rPr lang="en-US" sz="800" dirty="0" smtClean="0"/>
-              <a:t>1,4 a</a:t>
+              <a:t>14a</a:t>
             </a:r>
             <a:endParaRPr lang="en-US" sz="800" dirty="0"/>
           </a:p>
@@ -9517,7 +9439,7 @@
         <p:spPr>
           <a:xfrm>
             <a:off x="8458200" y="2514600"/>
-            <a:ext cx="389850" cy="215444"/>
+            <a:ext cx="341760" cy="215444"/>
           </a:xfrm>
           <a:prstGeom prst="rect">
             <a:avLst/>
@@ -9532,7 +9454,7 @@
           <a:p>
             <a:r>
               <a:rPr lang="en-US" sz="800" dirty="0" smtClean="0"/>
-              <a:t>0,3 d</a:t>
+              <a:t>03d</a:t>
             </a:r>
             <a:endParaRPr lang="en-US" sz="800" dirty="0"/>
           </a:p>
@@ -9547,7 +9469,7 @@
         <p:spPr>
           <a:xfrm>
             <a:off x="8077200" y="2514600"/>
-            <a:ext cx="378630" cy="215444"/>
+            <a:ext cx="330540" cy="215444"/>
           </a:xfrm>
           <a:prstGeom prst="rect">
             <a:avLst/>
@@ -9562,7 +9484,7 @@
           <a:p>
             <a:r>
               <a:rPr lang="en-US" sz="800" dirty="0" smtClean="0"/>
-              <a:t>1,3 c</a:t>
+              <a:t>13c</a:t>
             </a:r>
             <a:endParaRPr lang="en-US" sz="800" dirty="0"/>
           </a:p>
@@ -9577,7 +9499,7 @@
         <p:spPr>
           <a:xfrm>
             <a:off x="8153400" y="2209800"/>
-            <a:ext cx="439544" cy="215444"/>
+            <a:ext cx="391454" cy="215444"/>
           </a:xfrm>
           <a:prstGeom prst="rect">
             <a:avLst/>
@@ -9592,11 +9514,7 @@
           <a:p>
             <a:r>
               <a:rPr lang="en-US" sz="800" dirty="0" smtClean="0"/>
-              <a:t>1,0 </a:t>
-            </a:r>
-            <a:r>
-              <a:rPr lang="en-US" sz="800" dirty="0" err="1" smtClean="0"/>
-              <a:t>ab</a:t>
+              <a:t>10ab</a:t>
             </a:r>
             <a:endParaRPr lang="en-US" sz="800" dirty="0"/>
           </a:p>
@@ -9611,7 +9529,7 @@
         <p:spPr>
           <a:xfrm>
             <a:off x="7543800" y="2209800"/>
-            <a:ext cx="439544" cy="215444"/>
+            <a:ext cx="391454" cy="215444"/>
           </a:xfrm>
           <a:prstGeom prst="rect">
             <a:avLst/>
@@ -9626,11 +9544,7 @@
           <a:p>
             <a:r>
               <a:rPr lang="en-US" sz="800" dirty="0" smtClean="0"/>
-              <a:t>1,0 </a:t>
-            </a:r>
-            <a:r>
-              <a:rPr lang="en-US" sz="800" dirty="0" err="1" smtClean="0"/>
-              <a:t>ab</a:t>
+              <a:t>10ab</a:t>
             </a:r>
             <a:endParaRPr lang="en-US" sz="800" dirty="0"/>
           </a:p>
@@ -9645,7 +9559,7 @@
         <p:spPr>
           <a:xfrm>
             <a:off x="6781800" y="2209800"/>
-            <a:ext cx="439544" cy="215444"/>
+            <a:ext cx="391454" cy="215444"/>
           </a:xfrm>
           <a:prstGeom prst="rect">
             <a:avLst/>
@@ -9660,11 +9574,7 @@
           <a:p>
             <a:r>
               <a:rPr lang="en-US" sz="800" dirty="0" smtClean="0"/>
-              <a:t>1,0 </a:t>
-            </a:r>
-            <a:r>
-              <a:rPr lang="en-US" sz="800" dirty="0" err="1" smtClean="0"/>
-              <a:t>ab</a:t>
+              <a:t>10ab</a:t>
             </a:r>
             <a:endParaRPr lang="en-US" sz="800" dirty="0"/>
           </a:p>
@@ -9739,7 +9649,7 @@
         <p:spPr>
           <a:xfrm>
             <a:off x="6705600" y="3276600"/>
-            <a:ext cx="433132" cy="215444"/>
+            <a:ext cx="385042" cy="215444"/>
           </a:xfrm>
           <a:prstGeom prst="rect">
             <a:avLst/>
@@ -9754,11 +9664,7 @@
           <a:p>
             <a:r>
               <a:rPr lang="en-US" sz="800" dirty="0" smtClean="0"/>
-              <a:t>1,2 </a:t>
-            </a:r>
-            <a:r>
-              <a:rPr lang="en-US" sz="800" dirty="0" err="1" smtClean="0"/>
-              <a:t>cd</a:t>
+              <a:t>12cd</a:t>
             </a:r>
             <a:endParaRPr lang="en-US" sz="800" dirty="0"/>
           </a:p>
@@ -9773,7 +9679,7 @@
         <p:spPr>
           <a:xfrm>
             <a:off x="7543800" y="3276600"/>
-            <a:ext cx="433132" cy="215444"/>
+            <a:ext cx="385042" cy="215444"/>
           </a:xfrm>
           <a:prstGeom prst="rect">
             <a:avLst/>
@@ -9788,11 +9694,7 @@
           <a:p>
             <a:r>
               <a:rPr lang="en-US" sz="800" dirty="0" smtClean="0"/>
-              <a:t>1,2 </a:t>
-            </a:r>
-            <a:r>
-              <a:rPr lang="en-US" sz="800" dirty="0" err="1" smtClean="0"/>
-              <a:t>cd</a:t>
+              <a:t>12cd</a:t>
             </a:r>
             <a:endParaRPr lang="en-US" sz="800" dirty="0"/>
           </a:p>
@@ -9807,7 +9709,7 @@
         <p:spPr>
           <a:xfrm>
             <a:off x="8229600" y="3276600"/>
-            <a:ext cx="433132" cy="215444"/>
+            <a:ext cx="385042" cy="215444"/>
           </a:xfrm>
           <a:prstGeom prst="rect">
             <a:avLst/>
@@ -9822,11 +9724,7 @@
           <a:p>
             <a:r>
               <a:rPr lang="en-US" sz="800" dirty="0" smtClean="0"/>
-              <a:t>1,2 </a:t>
-            </a:r>
-            <a:r>
-              <a:rPr lang="en-US" sz="800" dirty="0" err="1" smtClean="0"/>
-              <a:t>cd</a:t>
+              <a:t>12cd</a:t>
             </a:r>
             <a:endParaRPr lang="en-US" sz="800" dirty="0"/>
           </a:p>
@@ -9856,8 +9754,9 @@
           <a:p>
             <a:r>
               <a:rPr lang="en-US" sz="800" dirty="0" smtClean="0"/>
-              <a:t>1,3 </a:t>
-            </a:r>
+              <a:t>13 </a:t>
+            </a:r>
+            <a:endParaRPr lang="en-US" sz="800" dirty="0" smtClean="0"/>
           </a:p>
           <a:p>
             <a:r>
@@ -9892,8 +9791,9 @@
           <a:p>
             <a:r>
               <a:rPr lang="en-US" sz="800" dirty="0" smtClean="0"/>
-              <a:t>0,3 </a:t>
-            </a:r>
+              <a:t>03 </a:t>
+            </a:r>
+            <a:endParaRPr lang="en-US" sz="800" dirty="0" smtClean="0"/>
           </a:p>
           <a:p>
             <a:r>
@@ -9928,7 +9828,7 @@
           <a:p>
             <a:r>
               <a:rPr lang="en-US" sz="800" dirty="0" smtClean="0"/>
-              <a:t>0,4b</a:t>
+              <a:t>04b</a:t>
             </a:r>
             <a:endParaRPr lang="en-US" sz="800" dirty="0"/>
           </a:p>
@@ -10093,7 +9993,7 @@
         <p:spPr>
           <a:xfrm>
             <a:off x="7740650" y="1828800"/>
-            <a:ext cx="389850" cy="215444"/>
+            <a:ext cx="341760" cy="215444"/>
           </a:xfrm>
           <a:prstGeom prst="rect">
             <a:avLst/>
@@ -10108,7 +10008,7 @@
           <a:p>
             <a:r>
               <a:rPr lang="en-US" sz="800" dirty="0" smtClean="0"/>
-              <a:t>0,3 d</a:t>
+              <a:t>03d</a:t>
             </a:r>
             <a:endParaRPr lang="en-US" sz="800" dirty="0"/>
           </a:p>
@@ -10123,7 +10023,7 @@
         <p:spPr>
           <a:xfrm>
             <a:off x="7359650" y="1828800"/>
-            <a:ext cx="378630" cy="215444"/>
+            <a:ext cx="330540" cy="215444"/>
           </a:xfrm>
           <a:prstGeom prst="rect">
             <a:avLst/>
@@ -10138,7 +10038,7 @@
           <a:p>
             <a:r>
               <a:rPr lang="en-US" sz="800" dirty="0" smtClean="0"/>
-              <a:t>1,3 c</a:t>
+              <a:t>13c</a:t>
             </a:r>
             <a:endParaRPr lang="en-US" sz="800" dirty="0"/>
           </a:p>
@@ -10183,7 +10083,7 @@
         <p:spPr>
           <a:xfrm>
             <a:off x="6629400" y="1447800"/>
-            <a:ext cx="385042" cy="215444"/>
+            <a:ext cx="336952" cy="215444"/>
           </a:xfrm>
           <a:prstGeom prst="rect">
             <a:avLst/>
@@ -10198,7 +10098,7 @@
           <a:p>
             <a:r>
               <a:rPr lang="en-US" sz="800" dirty="0" smtClean="0"/>
-              <a:t>1,4 a</a:t>
+              <a:t>14a</a:t>
             </a:r>
             <a:endParaRPr lang="en-US" sz="800" dirty="0"/>
           </a:p>
@@ -10213,7 +10113,7 @@
         <p:spPr>
           <a:xfrm>
             <a:off x="6629400" y="1828800"/>
-            <a:ext cx="378630" cy="215444"/>
+            <a:ext cx="330540" cy="215444"/>
           </a:xfrm>
           <a:prstGeom prst="rect">
             <a:avLst/>
@@ -10228,7 +10128,7 @@
           <a:p>
             <a:r>
               <a:rPr lang="en-US" sz="800" dirty="0" smtClean="0"/>
-              <a:t>1,3 c</a:t>
+              <a:t>13c</a:t>
             </a:r>
             <a:endParaRPr lang="en-US" sz="800" dirty="0"/>
           </a:p>
@@ -10258,7 +10158,7 @@
           <a:p>
             <a:r>
               <a:rPr lang="en-US" sz="800" dirty="0" smtClean="0"/>
-              <a:t>0,4b</a:t>
+              <a:t>04b</a:t>
             </a:r>
             <a:endParaRPr lang="en-US" sz="800" dirty="0"/>
           </a:p>
@@ -10288,8 +10188,9 @@
           <a:p>
             <a:r>
               <a:rPr lang="en-US" sz="800" dirty="0" smtClean="0"/>
-              <a:t>0,1 </a:t>
-            </a:r>
+              <a:t>01 </a:t>
+            </a:r>
+            <a:endParaRPr lang="en-US" sz="800" dirty="0" smtClean="0"/>
           </a:p>
           <a:p>
             <a:r>
@@ -10324,8 +10225,9 @@
           <a:p>
             <a:r>
               <a:rPr lang="en-US" sz="800" dirty="0" smtClean="0"/>
-              <a:t>0,1 </a:t>
-            </a:r>
+              <a:t>01 </a:t>
+            </a:r>
+            <a:endParaRPr lang="en-US" sz="800" dirty="0" smtClean="0"/>
           </a:p>
           <a:p>
             <a:r>
@@ -10360,8 +10262,9 @@
           <a:p>
             <a:r>
               <a:rPr lang="en-US" sz="800" dirty="0" smtClean="0"/>
-              <a:t>0,1 </a:t>
-            </a:r>
+              <a:t>01 </a:t>
+            </a:r>
+            <a:endParaRPr lang="en-US" sz="800" dirty="0" smtClean="0"/>
           </a:p>
           <a:p>
             <a:r>
@@ -10396,8 +10299,9 @@
           <a:p>
             <a:r>
               <a:rPr lang="en-US" sz="800" dirty="0" smtClean="0"/>
-              <a:t>2,1 </a:t>
-            </a:r>
+              <a:t>21 </a:t>
+            </a:r>
+            <a:endParaRPr lang="en-US" sz="800" dirty="0" smtClean="0"/>
           </a:p>
           <a:p>
             <a:r>
@@ -10432,8 +10336,9 @@
           <a:p>
             <a:r>
               <a:rPr lang="en-US" sz="800" dirty="0" smtClean="0"/>
-              <a:t>2,1 </a:t>
-            </a:r>
+              <a:t>21 </a:t>
+            </a:r>
+            <a:endParaRPr lang="en-US" sz="800" dirty="0" smtClean="0"/>
           </a:p>
           <a:p>
             <a:r>
@@ -10468,8 +10373,9 @@
           <a:p>
             <a:r>
               <a:rPr lang="en-US" sz="800" dirty="0" smtClean="0"/>
-              <a:t>2,1 </a:t>
-            </a:r>
+              <a:t>21 </a:t>
+            </a:r>
+            <a:endParaRPr lang="en-US" sz="800" dirty="0" smtClean="0"/>
           </a:p>
           <a:p>
             <a:r>
@@ -10504,8 +10410,9 @@
           <a:p>
             <a:r>
               <a:rPr lang="en-US" sz="800" dirty="0" smtClean="0"/>
-              <a:t>2,1 </a:t>
-            </a:r>
+              <a:t>21 </a:t>
+            </a:r>
+            <a:endParaRPr lang="en-US" sz="800" dirty="0" smtClean="0"/>
           </a:p>
           <a:p>
             <a:r>
@@ -10540,8 +10447,9 @@
           <a:p>
             <a:r>
               <a:rPr lang="en-US" sz="800" dirty="0" smtClean="0"/>
-              <a:t>0,1 </a:t>
-            </a:r>
+              <a:t>01 </a:t>
+            </a:r>
+            <a:endParaRPr lang="en-US" sz="800" dirty="0" smtClean="0"/>
           </a:p>
           <a:p>
             <a:r>
@@ -10561,7 +10469,7 @@
         <p:spPr>
           <a:xfrm>
             <a:off x="3886200" y="3657600"/>
-            <a:ext cx="439544" cy="215444"/>
+            <a:ext cx="391454" cy="215444"/>
           </a:xfrm>
           <a:prstGeom prst="rect">
             <a:avLst/>
@@ -10576,11 +10484,7 @@
           <a:p>
             <a:r>
               <a:rPr lang="en-US" sz="800" dirty="0" smtClean="0"/>
-              <a:t>1,0 </a:t>
-            </a:r>
-            <a:r>
-              <a:rPr lang="en-US" sz="800" dirty="0" err="1" smtClean="0"/>
-              <a:t>ab</a:t>
+              <a:t>10ab</a:t>
             </a:r>
             <a:endParaRPr lang="en-US" sz="800" dirty="0"/>
           </a:p>
@@ -10595,7 +10499,7 @@
         <p:spPr>
           <a:xfrm>
             <a:off x="3886200" y="3962400"/>
-            <a:ext cx="433132" cy="215444"/>
+            <a:ext cx="385042" cy="215444"/>
           </a:xfrm>
           <a:prstGeom prst="rect">
             <a:avLst/>
@@ -10610,11 +10514,7 @@
           <a:p>
             <a:r>
               <a:rPr lang="en-US" sz="800" dirty="0" smtClean="0"/>
-              <a:t>1,2 </a:t>
-            </a:r>
-            <a:r>
-              <a:rPr lang="en-US" sz="800" dirty="0" err="1" smtClean="0"/>
-              <a:t>cd</a:t>
+              <a:t>12cd</a:t>
             </a:r>
             <a:endParaRPr lang="en-US" sz="800" dirty="0"/>
           </a:p>
@@ -10629,7 +10529,7 @@
         <p:spPr>
           <a:xfrm>
             <a:off x="5257800" y="3657600"/>
-            <a:ext cx="537327" cy="215444"/>
+            <a:ext cx="489236" cy="215444"/>
           </a:xfrm>
           <a:prstGeom prst="rect">
             <a:avLst/>
@@ -10644,11 +10544,7 @@
           <a:p>
             <a:r>
               <a:rPr lang="en-US" sz="800" dirty="0" smtClean="0"/>
-              <a:t>0,0 </a:t>
-            </a:r>
-            <a:r>
-              <a:rPr lang="en-US" sz="800" dirty="0" err="1" smtClean="0"/>
-              <a:t>abcd</a:t>
+              <a:t>00abcd</a:t>
             </a:r>
             <a:endParaRPr lang="en-US" sz="800" dirty="0"/>
           </a:p>
@@ -10663,7 +10559,7 @@
         <p:spPr>
           <a:xfrm>
             <a:off x="5530850" y="3981450"/>
-            <a:ext cx="389850" cy="215444"/>
+            <a:ext cx="341760" cy="215444"/>
           </a:xfrm>
           <a:prstGeom prst="rect">
             <a:avLst/>
@@ -10678,7 +10574,7 @@
           <a:p>
             <a:r>
               <a:rPr lang="en-US" sz="800" dirty="0" smtClean="0"/>
-              <a:t>0,3 d</a:t>
+              <a:t>03d</a:t>
             </a:r>
             <a:endParaRPr lang="en-US" sz="800" dirty="0"/>
           </a:p>
@@ -10693,7 +10589,7 @@
         <p:spPr>
           <a:xfrm>
             <a:off x="5334000" y="4419600"/>
-            <a:ext cx="439544" cy="215444"/>
+            <a:ext cx="391454" cy="215444"/>
           </a:xfrm>
           <a:prstGeom prst="rect">
             <a:avLst/>
@@ -10708,11 +10604,7 @@
           <a:p>
             <a:r>
               <a:rPr lang="en-US" sz="800" dirty="0" smtClean="0"/>
-              <a:t>0,0 </a:t>
-            </a:r>
-            <a:r>
-              <a:rPr lang="en-US" sz="800" dirty="0" err="1" smtClean="0"/>
-              <a:t>ab</a:t>
+              <a:t>00ab</a:t>
             </a:r>
             <a:endParaRPr lang="en-US" sz="800" dirty="0"/>
           </a:p>
@@ -10727,7 +10619,7 @@
         <p:spPr>
           <a:xfrm>
             <a:off x="5257800" y="4648200"/>
-            <a:ext cx="433132" cy="215444"/>
+            <a:ext cx="385042" cy="215444"/>
           </a:xfrm>
           <a:prstGeom prst="rect">
             <a:avLst/>
@@ -10742,11 +10634,7 @@
           <a:p>
             <a:r>
               <a:rPr lang="en-US" sz="800" dirty="0" smtClean="0"/>
-              <a:t>0,2 </a:t>
-            </a:r>
-            <a:r>
-              <a:rPr lang="en-US" sz="800" dirty="0" err="1" smtClean="0"/>
-              <a:t>cd</a:t>
+              <a:t>02cd</a:t>
             </a:r>
             <a:endParaRPr lang="en-US" sz="800" dirty="0"/>
           </a:p>
@@ -10761,7 +10649,7 @@
         <p:spPr>
           <a:xfrm>
             <a:off x="5543550" y="2533650"/>
-            <a:ext cx="389850" cy="215444"/>
+            <a:ext cx="341760" cy="215444"/>
           </a:xfrm>
           <a:prstGeom prst="rect">
             <a:avLst/>
@@ -10776,7 +10664,7 @@
           <a:p>
             <a:r>
               <a:rPr lang="en-US" sz="800" dirty="0" smtClean="0"/>
-              <a:t>0,3 d</a:t>
+              <a:t>03d</a:t>
             </a:r>
             <a:endParaRPr lang="en-US" sz="800" dirty="0"/>
           </a:p>
@@ -10791,7 +10679,7 @@
         <p:spPr>
           <a:xfrm>
             <a:off x="5543550" y="2152650"/>
-            <a:ext cx="389850" cy="215444"/>
+            <a:ext cx="341760" cy="215444"/>
           </a:xfrm>
           <a:prstGeom prst="rect">
             <a:avLst/>
@@ -10806,7 +10694,7 @@
           <a:p>
             <a:r>
               <a:rPr lang="en-US" sz="800" dirty="0" smtClean="0"/>
-              <a:t>0,4 b</a:t>
+              <a:t>04b</a:t>
             </a:r>
             <a:endParaRPr lang="en-US" sz="800" dirty="0"/>
           </a:p>
@@ -10836,7 +10724,7 @@
           <a:p>
             <a:r>
               <a:rPr lang="en-US" sz="800" dirty="0" smtClean="0"/>
-              <a:t>0,3d</a:t>
+              <a:t>03d</a:t>
             </a:r>
             <a:endParaRPr lang="en-US" sz="800" dirty="0"/>
           </a:p>
@@ -10851,7 +10739,7 @@
         <p:spPr>
           <a:xfrm>
             <a:off x="3810000" y="3200400"/>
-            <a:ext cx="381000" cy="338554"/>
+            <a:ext cx="381000" cy="215444"/>
           </a:xfrm>
           <a:prstGeom prst="rect">
             <a:avLst/>
@@ -10866,13 +10754,7 @@
           <a:p>
             <a:r>
               <a:rPr lang="en-US" sz="800" dirty="0" smtClean="0"/>
-              <a:t>1,3 </a:t>
-            </a:r>
-          </a:p>
-          <a:p>
-            <a:r>
-              <a:rPr lang="en-US" sz="800" dirty="0" smtClean="0"/>
-              <a:t>c</a:t>
+              <a:t>13c</a:t>
             </a:r>
             <a:endParaRPr lang="en-US" sz="800" dirty="0"/>
           </a:p>
@@ -10887,7 +10769,7 @@
         <p:spPr>
           <a:xfrm>
             <a:off x="4495800" y="2895600"/>
-            <a:ext cx="381000" cy="338554"/>
+            <a:ext cx="381000" cy="215444"/>
           </a:xfrm>
           <a:prstGeom prst="rect">
             <a:avLst/>
@@ -10902,13 +10784,7 @@
           <a:p>
             <a:r>
               <a:rPr lang="en-US" sz="800" dirty="0" smtClean="0"/>
-              <a:t>1,4 </a:t>
-            </a:r>
-          </a:p>
-          <a:p>
-            <a:r>
-              <a:rPr lang="en-US" sz="800" dirty="0" smtClean="0"/>
-              <a:t>a</a:t>
+              <a:t>14a</a:t>
             </a:r>
             <a:endParaRPr lang="en-US" sz="800" dirty="0"/>
           </a:p>
@@ -10923,7 +10799,7 @@
         <p:spPr>
           <a:xfrm>
             <a:off x="3810000" y="4724400"/>
-            <a:ext cx="482824" cy="215444"/>
+            <a:ext cx="489236" cy="215444"/>
           </a:xfrm>
           <a:prstGeom prst="rect">
             <a:avLst/>
@@ -10938,11 +10814,7 @@
           <a:p>
             <a:r>
               <a:rPr lang="en-US" sz="800" dirty="0" smtClean="0"/>
-              <a:t>0,2 </a:t>
-            </a:r>
-            <a:r>
-              <a:rPr lang="en-US" sz="800" dirty="0" err="1" smtClean="0"/>
-              <a:t>acd</a:t>
+              <a:t>02abcd</a:t>
             </a:r>
             <a:endParaRPr lang="en-US" sz="800" dirty="0"/>
           </a:p>
@@ -10957,7 +10829,7 @@
         <p:spPr>
           <a:xfrm>
             <a:off x="4064000" y="4343400"/>
-            <a:ext cx="389850" cy="215444"/>
+            <a:ext cx="341760" cy="215444"/>
           </a:xfrm>
           <a:prstGeom prst="rect">
             <a:avLst/>
@@ -10972,7 +10844,7 @@
           <a:p>
             <a:r>
               <a:rPr lang="en-US" sz="800" dirty="0" smtClean="0"/>
-              <a:t>0,4 b</a:t>
+              <a:t>04b</a:t>
             </a:r>
             <a:endParaRPr lang="en-US" sz="800" dirty="0"/>
           </a:p>
@@ -10987,7 +10859,7 @@
         <p:spPr>
           <a:xfrm>
             <a:off x="4495800" y="4495800"/>
-            <a:ext cx="335348" cy="338554"/>
+            <a:ext cx="309700" cy="338554"/>
           </a:xfrm>
           <a:prstGeom prst="rect">
             <a:avLst/>
@@ -11002,8 +10874,9 @@
           <a:p>
             <a:r>
               <a:rPr lang="en-US" sz="800" dirty="0" smtClean="0"/>
-              <a:t>0,0 </a:t>
-            </a:r>
+              <a:t>00 </a:t>
+            </a:r>
+            <a:endParaRPr lang="en-US" sz="800" dirty="0" smtClean="0"/>
           </a:p>
           <a:p>
             <a:r>
@@ -11023,7 +10896,7 @@
         <p:spPr>
           <a:xfrm>
             <a:off x="4800600" y="4495800"/>
-            <a:ext cx="335348" cy="338554"/>
+            <a:ext cx="309700" cy="338554"/>
           </a:xfrm>
           <a:prstGeom prst="rect">
             <a:avLst/>
@@ -11038,8 +10911,9 @@
           <a:p>
             <a:r>
               <a:rPr lang="en-US" sz="800" dirty="0" smtClean="0"/>
-              <a:t>2,0 </a:t>
-            </a:r>
+              <a:t>20 </a:t>
+            </a:r>
+            <a:endParaRPr lang="en-US" sz="800" dirty="0" smtClean="0"/>
           </a:p>
           <a:p>
             <a:r>
@@ -11059,7 +10933,7 @@
         <p:spPr>
           <a:xfrm>
             <a:off x="5943600" y="4572000"/>
-            <a:ext cx="335348" cy="338554"/>
+            <a:ext cx="309700" cy="338554"/>
           </a:xfrm>
           <a:prstGeom prst="rect">
             <a:avLst/>
@@ -11074,8 +10948,9 @@
           <a:p>
             <a:r>
               <a:rPr lang="en-US" sz="800" dirty="0" smtClean="0"/>
-              <a:t>0,2 </a:t>
-            </a:r>
+              <a:t>02 </a:t>
+            </a:r>
+            <a:endParaRPr lang="en-US" sz="800" dirty="0" smtClean="0"/>
           </a:p>
           <a:p>
             <a:r>
@@ -11095,7 +10970,7 @@
         <p:spPr>
           <a:xfrm>
             <a:off x="6248400" y="4572000"/>
-            <a:ext cx="336952" cy="338554"/>
+            <a:ext cx="309700" cy="338554"/>
           </a:xfrm>
           <a:prstGeom prst="rect">
             <a:avLst/>
@@ -11110,8 +10985,9 @@
           <a:p>
             <a:r>
               <a:rPr lang="en-US" sz="800" dirty="0" smtClean="0"/>
-              <a:t>2,2 </a:t>
-            </a:r>
+              <a:t>22 </a:t>
+            </a:r>
+            <a:endParaRPr lang="en-US" sz="800" dirty="0" smtClean="0"/>
           </a:p>
           <a:p>
             <a:r>
@@ -11131,7 +11007,7 @@
         <p:spPr>
           <a:xfrm>
             <a:off x="6781800" y="4419600"/>
-            <a:ext cx="439544" cy="215444"/>
+            <a:ext cx="391454" cy="215444"/>
           </a:xfrm>
           <a:prstGeom prst="rect">
             <a:avLst/>
@@ -11146,11 +11022,7 @@
           <a:p>
             <a:r>
               <a:rPr lang="en-US" sz="800" dirty="0" smtClean="0"/>
-              <a:t>2,0 </a:t>
-            </a:r>
-            <a:r>
-              <a:rPr lang="en-US" sz="800" dirty="0" err="1" smtClean="0"/>
-              <a:t>ab</a:t>
+              <a:t>20ab</a:t>
             </a:r>
             <a:endParaRPr lang="en-US" sz="800" dirty="0"/>
           </a:p>
@@ -11165,7 +11037,7 @@
         <p:spPr>
           <a:xfrm>
             <a:off x="6788150" y="4654550"/>
-            <a:ext cx="433132" cy="215444"/>
+            <a:ext cx="385042" cy="215444"/>
           </a:xfrm>
           <a:prstGeom prst="rect">
             <a:avLst/>
@@ -11180,11 +11052,7 @@
           <a:p>
             <a:r>
               <a:rPr lang="en-US" sz="800" dirty="0" smtClean="0"/>
-              <a:t>2,2 </a:t>
-            </a:r>
-            <a:r>
-              <a:rPr lang="en-US" sz="800" dirty="0" err="1" smtClean="0"/>
-              <a:t>cd</a:t>
+              <a:t>22cd</a:t>
             </a:r>
             <a:endParaRPr lang="en-US" sz="800" dirty="0"/>
           </a:p>
@@ -11199,7 +11067,7 @@
         <p:spPr>
           <a:xfrm>
             <a:off x="7391400" y="4343400"/>
-            <a:ext cx="385042" cy="215444"/>
+            <a:ext cx="336952" cy="215444"/>
           </a:xfrm>
           <a:prstGeom prst="rect">
             <a:avLst/>
@@ -11214,7 +11082,7 @@
           <a:p>
             <a:r>
               <a:rPr lang="en-US" sz="800" dirty="0" smtClean="0"/>
-              <a:t>0,0 a</a:t>
+              <a:t>00a</a:t>
             </a:r>
             <a:endParaRPr lang="en-US" sz="800" dirty="0"/>
           </a:p>
@@ -11229,7 +11097,7 @@
         <p:spPr>
           <a:xfrm>
             <a:off x="7696200" y="4343400"/>
-            <a:ext cx="389850" cy="215444"/>
+            <a:ext cx="341760" cy="215444"/>
           </a:xfrm>
           <a:prstGeom prst="rect">
             <a:avLst/>
@@ -11244,7 +11112,7 @@
           <a:p>
             <a:r>
               <a:rPr lang="en-US" sz="800" dirty="0" smtClean="0"/>
-              <a:t>2,0 b</a:t>
+              <a:t>20b</a:t>
             </a:r>
             <a:endParaRPr lang="en-US" sz="800" dirty="0"/>
           </a:p>
@@ -11259,7 +11127,7 @@
         <p:spPr>
           <a:xfrm>
             <a:off x="7391400" y="4724400"/>
-            <a:ext cx="378630" cy="215444"/>
+            <a:ext cx="330540" cy="215444"/>
           </a:xfrm>
           <a:prstGeom prst="rect">
             <a:avLst/>
@@ -11274,7 +11142,7 @@
           <a:p>
             <a:r>
               <a:rPr lang="en-US" sz="800" dirty="0" smtClean="0"/>
-              <a:t>0,2 c</a:t>
+              <a:t>02c</a:t>
             </a:r>
             <a:endParaRPr lang="en-US" sz="800" dirty="0"/>
           </a:p>
@@ -11289,7 +11157,7 @@
         <p:spPr>
           <a:xfrm>
             <a:off x="7696200" y="4724400"/>
-            <a:ext cx="389850" cy="215444"/>
+            <a:ext cx="341760" cy="215444"/>
           </a:xfrm>
           <a:prstGeom prst="rect">
             <a:avLst/>
@@ -11303,8 +11171,8 @@
           <a:lstStyle/>
           <a:p>
             <a:r>
-              <a:rPr lang="en-US" sz="800" smtClean="0"/>
-              <a:t>2,2 d</a:t>
+              <a:rPr lang="en-US" sz="800" dirty="0" smtClean="0"/>
+              <a:t>22d</a:t>
             </a:r>
             <a:endParaRPr lang="en-US" sz="800" dirty="0"/>
           </a:p>
@@ -11487,7 +11355,7 @@
         <p:spPr>
           <a:xfrm>
             <a:off x="3810000" y="2895600"/>
-            <a:ext cx="381000" cy="338554"/>
+            <a:ext cx="381000" cy="215444"/>
           </a:xfrm>
           <a:prstGeom prst="rect">
             <a:avLst/>
@@ -11502,18 +11370,7 @@
           <a:p>
             <a:r>
               <a:rPr lang="en-US" sz="800" dirty="0" smtClean="0"/>
-              <a:t>2</a:t>
-            </a:r>
-            <a:r>
-              <a:rPr lang="en-US" sz="800" dirty="0" smtClean="0"/>
-              <a:t>,2 </a:t>
-            </a:r>
-            <a:endParaRPr lang="en-US" sz="800" dirty="0" smtClean="0"/>
-          </a:p>
-          <a:p>
-            <a:r>
-              <a:rPr lang="en-US" sz="800" dirty="0" smtClean="0"/>
-              <a:t>a</a:t>
+              <a:t>22a</a:t>
             </a:r>
             <a:endParaRPr lang="en-US" sz="800" dirty="0"/>
           </a:p>
@@ -11558,7 +11415,7 @@
         <p:spPr>
           <a:xfrm>
             <a:off x="4495800" y="3200400"/>
-            <a:ext cx="381000" cy="338554"/>
+            <a:ext cx="381000" cy="215444"/>
           </a:xfrm>
           <a:prstGeom prst="rect">
             <a:avLst/>
@@ -11573,14 +11430,7 @@
           <a:p>
             <a:r>
               <a:rPr lang="en-US" sz="800" dirty="0" smtClean="0"/>
-              <a:t>2,0 </a:t>
-            </a:r>
-            <a:endParaRPr lang="en-US" sz="800" dirty="0" smtClean="0"/>
-          </a:p>
-          <a:p>
-            <a:r>
-              <a:rPr lang="en-US" sz="800" dirty="0" smtClean="0"/>
-              <a:t>c</a:t>
+              <a:t>20c</a:t>
             </a:r>
             <a:endParaRPr lang="en-US" sz="800" dirty="0"/>
           </a:p>
@@ -11595,7 +11445,7 @@
         <p:spPr>
           <a:xfrm>
             <a:off x="7010400" y="685800"/>
-            <a:ext cx="389850" cy="215444"/>
+            <a:ext cx="341760" cy="215444"/>
           </a:xfrm>
           <a:prstGeom prst="rect">
             <a:avLst/>
@@ -11610,7 +11460,7 @@
           <a:p>
             <a:r>
               <a:rPr lang="en-US" sz="800" dirty="0" smtClean="0"/>
-              <a:t>0,2 b</a:t>
+              <a:t>02b</a:t>
             </a:r>
             <a:endParaRPr lang="en-US" sz="800" dirty="0"/>
           </a:p>
@@ -11625,7 +11475,7 @@
         <p:spPr>
           <a:xfrm>
             <a:off x="6705600" y="1066800"/>
-            <a:ext cx="356188" cy="215444"/>
+            <a:ext cx="330540" cy="215444"/>
           </a:xfrm>
           <a:prstGeom prst="rect">
             <a:avLst/>
@@ -11640,7 +11490,7 @@
           <a:p>
             <a:r>
               <a:rPr lang="en-US" sz="800" dirty="0" smtClean="0"/>
-              <a:t>2,0c</a:t>
+              <a:t>20c</a:t>
             </a:r>
             <a:endParaRPr lang="en-US" sz="800" dirty="0"/>
           </a:p>
@@ -11730,7 +11580,7 @@
           <a:p>
             <a:r>
               <a:rPr lang="en-US" sz="800" dirty="0" smtClean="0"/>
-              <a:t>0,2b</a:t>
+              <a:t>02b</a:t>
             </a:r>
             <a:endParaRPr lang="en-US" sz="800" dirty="0"/>
           </a:p>
@@ -11866,8 +11716,8 @@
         </p:nvCxnSpPr>
         <p:spPr>
           <a:xfrm rot="16200000" flipH="1">
-            <a:off x="7609008" y="2579808"/>
-            <a:ext cx="317956" cy="8828"/>
+            <a:off x="7596985" y="2567785"/>
+            <a:ext cx="317956" cy="32873"/>
           </a:xfrm>
           <a:prstGeom prst="line">
             <a:avLst/>
@@ -12002,11 +11852,7 @@
           <a:p>
             <a:r>
               <a:rPr lang="en-US" sz="800" dirty="0" smtClean="0"/>
-              <a:t>0</a:t>
-            </a:r>
-            <a:r>
-              <a:rPr lang="en-US" sz="800" dirty="0" smtClean="0"/>
-              <a:t>0d</a:t>
+              <a:t>00d</a:t>
             </a:r>
             <a:endParaRPr lang="en-US" sz="800" dirty="0"/>
           </a:p>

--- a/Doc/ConversionInfo.pptx
+++ b/Doc/ConversionInfo.pptx
@@ -108,7 +108,7 @@
   </p:defaultTextStyle>
   <p:extLst>
     <p:ext uri="{EFAFB233-063F-42B5-8137-9DF3F51BA10A}">
-      <p15:sldGuideLst xmlns:p15="http://schemas.microsoft.com/office/powerpoint/2012/main" xmlns="">
+      <p15:sldGuideLst xmlns="" xmlns:p15="http://schemas.microsoft.com/office/powerpoint/2012/main">
         <p15:guide id="1" orient="horz" pos="2160">
           <p15:clr>
             <a:srgbClr val="A4A3A4"/>
@@ -17697,7 +17697,7 @@
         </p:blipFill>
         <p:spPr bwMode="auto">
           <a:xfrm>
-            <a:off x="228600" y="228600"/>
+            <a:off x="762000" y="533400"/>
             <a:ext cx="4343400" cy="4337024"/>
           </a:xfrm>
           <a:prstGeom prst="rect">
@@ -17706,6 +17706,203 @@
           <a:noFill/>
         </p:spPr>
       </p:pic>
+      <p:sp>
+        <p:nvSpPr>
+          <p:cNvPr id="3" name="TextBox 2"/>
+          <p:cNvSpPr txBox="1"/>
+          <p:nvPr/>
+        </p:nvSpPr>
+        <p:spPr>
+          <a:xfrm>
+            <a:off x="990600" y="152400"/>
+            <a:ext cx="3908442" cy="276999"/>
+          </a:xfrm>
+          <a:prstGeom prst="rect">
+            <a:avLst/>
+          </a:prstGeom>
+          <a:noFill/>
+        </p:spPr>
+        <p:txBody>
+          <a:bodyPr wrap="none" rtlCol="0">
+            <a:spAutoFit/>
+          </a:bodyPr>
+          <a:lstStyle/>
+          <a:p>
+            <a:r>
+              <a:rPr lang="en-US" sz="1200" dirty="0" smtClean="0"/>
+              <a:t>0         </a:t>
+            </a:r>
+            <a:r>
+              <a:rPr lang="en-US" sz="1200" dirty="0" smtClean="0"/>
+              <a:t>     </a:t>
+            </a:r>
+            <a:r>
+              <a:rPr lang="en-US" sz="1200" dirty="0" smtClean="0"/>
+              <a:t>1          </a:t>
+            </a:r>
+            <a:r>
+              <a:rPr lang="en-US" sz="1200" dirty="0" smtClean="0"/>
+              <a:t>     </a:t>
+            </a:r>
+            <a:r>
+              <a:rPr lang="en-US" sz="1200" dirty="0" smtClean="0"/>
+              <a:t>2          </a:t>
+            </a:r>
+            <a:r>
+              <a:rPr lang="en-US" sz="1200" dirty="0" smtClean="0"/>
+              <a:t>     </a:t>
+            </a:r>
+            <a:r>
+              <a:rPr lang="en-US" sz="1200" dirty="0" smtClean="0"/>
+              <a:t>3         </a:t>
+            </a:r>
+            <a:r>
+              <a:rPr lang="en-US" sz="1200" dirty="0" smtClean="0"/>
+              <a:t>      </a:t>
+            </a:r>
+            <a:r>
+              <a:rPr lang="en-US" sz="1200" dirty="0" smtClean="0"/>
+              <a:t>4      </a:t>
+            </a:r>
+            <a:r>
+              <a:rPr lang="en-US" sz="1200" dirty="0" smtClean="0"/>
+              <a:t>          </a:t>
+            </a:r>
+            <a:r>
+              <a:rPr lang="en-US" sz="1200" dirty="0" smtClean="0"/>
+              <a:t>5        </a:t>
+            </a:r>
+            <a:r>
+              <a:rPr lang="en-US" sz="1200" dirty="0" smtClean="0"/>
+              <a:t>       6</a:t>
+            </a:r>
+            <a:endParaRPr lang="sk-SK" sz="1200" dirty="0"/>
+          </a:p>
+        </p:txBody>
+      </p:sp>
+      <p:sp>
+        <p:nvSpPr>
+          <p:cNvPr id="4" name="TextBox 3"/>
+          <p:cNvSpPr txBox="1"/>
+          <p:nvPr/>
+        </p:nvSpPr>
+        <p:spPr>
+          <a:xfrm>
+            <a:off x="381000" y="762000"/>
+            <a:ext cx="274320" cy="3939540"/>
+          </a:xfrm>
+          <a:prstGeom prst="rect">
+            <a:avLst/>
+          </a:prstGeom>
+          <a:noFill/>
+        </p:spPr>
+        <p:txBody>
+          <a:bodyPr wrap="square" rtlCol="0">
+            <a:spAutoFit/>
+          </a:bodyPr>
+          <a:lstStyle/>
+          <a:p>
+            <a:r>
+              <a:rPr lang="en-US" sz="1000" dirty="0" smtClean="0"/>
+              <a:t>0</a:t>
+            </a:r>
+          </a:p>
+          <a:p>
+            <a:endParaRPr lang="en-US" sz="1000" dirty="0" smtClean="0"/>
+          </a:p>
+          <a:p>
+            <a:endParaRPr lang="en-US" sz="1000" dirty="0" smtClean="0"/>
+          </a:p>
+          <a:p>
+            <a:r>
+              <a:rPr lang="en-US" sz="1000" dirty="0" smtClean="0"/>
+              <a:t>1</a:t>
+            </a:r>
+          </a:p>
+          <a:p>
+            <a:endParaRPr lang="en-US" sz="1000" dirty="0" smtClean="0"/>
+          </a:p>
+          <a:p>
+            <a:endParaRPr lang="en-US" sz="1000" dirty="0" smtClean="0"/>
+          </a:p>
+          <a:p>
+            <a:endParaRPr lang="en-US" sz="1000" dirty="0" smtClean="0"/>
+          </a:p>
+          <a:p>
+            <a:endParaRPr lang="en-US" sz="1000" dirty="0" smtClean="0"/>
+          </a:p>
+          <a:p>
+            <a:r>
+              <a:rPr lang="en-US" sz="1000" dirty="0" smtClean="0"/>
+              <a:t>2</a:t>
+            </a:r>
+            <a:endParaRPr lang="en-US" sz="1000" dirty="0" smtClean="0"/>
+          </a:p>
+          <a:p>
+            <a:endParaRPr lang="en-US" sz="1000" dirty="0" smtClean="0"/>
+          </a:p>
+          <a:p>
+            <a:endParaRPr lang="en-US" sz="1000" dirty="0" smtClean="0"/>
+          </a:p>
+          <a:p>
+            <a:endParaRPr lang="en-US" sz="1000" dirty="0" smtClean="0"/>
+          </a:p>
+          <a:p>
+            <a:r>
+              <a:rPr lang="en-US" sz="1000" dirty="0" smtClean="0"/>
+              <a:t>3</a:t>
+            </a:r>
+            <a:endParaRPr lang="en-US" sz="1000" dirty="0" smtClean="0"/>
+          </a:p>
+          <a:p>
+            <a:endParaRPr lang="en-US" sz="1000" dirty="0" smtClean="0"/>
+          </a:p>
+          <a:p>
+            <a:endParaRPr lang="en-US" sz="1000" dirty="0" smtClean="0"/>
+          </a:p>
+          <a:p>
+            <a:endParaRPr lang="en-US" sz="1000" dirty="0" smtClean="0"/>
+          </a:p>
+          <a:p>
+            <a:r>
+              <a:rPr lang="en-US" sz="1000" dirty="0" smtClean="0"/>
+              <a:t>4</a:t>
+            </a:r>
+            <a:endParaRPr lang="en-US" sz="1000" dirty="0" smtClean="0"/>
+          </a:p>
+          <a:p>
+            <a:endParaRPr lang="en-US" sz="1000" dirty="0" smtClean="0"/>
+          </a:p>
+          <a:p>
+            <a:endParaRPr lang="en-US" sz="1000" dirty="0" smtClean="0"/>
+          </a:p>
+          <a:p>
+            <a:endParaRPr lang="en-US" sz="1000" dirty="0" smtClean="0"/>
+          </a:p>
+          <a:p>
+            <a:r>
+              <a:rPr lang="en-US" sz="1000" dirty="0" smtClean="0"/>
+              <a:t>5</a:t>
+            </a:r>
+          </a:p>
+          <a:p>
+            <a:endParaRPr lang="en-US" sz="1000" dirty="0" smtClean="0"/>
+          </a:p>
+          <a:p>
+            <a:endParaRPr lang="en-US" sz="1000" dirty="0" smtClean="0"/>
+          </a:p>
+          <a:p>
+            <a:endParaRPr lang="en-US" sz="1000" dirty="0" smtClean="0"/>
+          </a:p>
+          <a:p>
+            <a:r>
+              <a:rPr lang="en-US" sz="1000" dirty="0" smtClean="0"/>
+              <a:t>6</a:t>
+            </a:r>
+            <a:endParaRPr lang="sk-SK" sz="1000" dirty="0"/>
+          </a:p>
+        </p:txBody>
+      </p:sp>
     </p:spTree>
   </p:cSld>
   <p:clrMapOvr>
